--- a/docs/Presentation1.pptx
+++ b/docs/Presentation1.pptx
@@ -260,7 +260,7 @@
           <a:p>
             <a:fld id="{46A674F9-91C9-4609-A673-52F9CAD1CE1A}" type="datetimeFigureOut">
               <a:rPr lang="en-US" smtClean="0"/>
-              <a:t>01-Feb-19</a:t>
+              <a:t>30-May-19</a:t>
             </a:fld>
             <a:endParaRPr lang="en-US"/>
           </a:p>
@@ -458,7 +458,7 @@
           <a:p>
             <a:fld id="{46A674F9-91C9-4609-A673-52F9CAD1CE1A}" type="datetimeFigureOut">
               <a:rPr lang="en-US" smtClean="0"/>
-              <a:t>01-Feb-19</a:t>
+              <a:t>30-May-19</a:t>
             </a:fld>
             <a:endParaRPr lang="en-US"/>
           </a:p>
@@ -666,7 +666,7 @@
           <a:p>
             <a:fld id="{46A674F9-91C9-4609-A673-52F9CAD1CE1A}" type="datetimeFigureOut">
               <a:rPr lang="en-US" smtClean="0"/>
-              <a:t>01-Feb-19</a:t>
+              <a:t>30-May-19</a:t>
             </a:fld>
             <a:endParaRPr lang="en-US"/>
           </a:p>
@@ -864,7 +864,7 @@
           <a:p>
             <a:fld id="{46A674F9-91C9-4609-A673-52F9CAD1CE1A}" type="datetimeFigureOut">
               <a:rPr lang="en-US" smtClean="0"/>
-              <a:t>01-Feb-19</a:t>
+              <a:t>30-May-19</a:t>
             </a:fld>
             <a:endParaRPr lang="en-US"/>
           </a:p>
@@ -1139,7 +1139,7 @@
           <a:p>
             <a:fld id="{46A674F9-91C9-4609-A673-52F9CAD1CE1A}" type="datetimeFigureOut">
               <a:rPr lang="en-US" smtClean="0"/>
-              <a:t>01-Feb-19</a:t>
+              <a:t>30-May-19</a:t>
             </a:fld>
             <a:endParaRPr lang="en-US"/>
           </a:p>
@@ -1404,7 +1404,7 @@
           <a:p>
             <a:fld id="{46A674F9-91C9-4609-A673-52F9CAD1CE1A}" type="datetimeFigureOut">
               <a:rPr lang="en-US" smtClean="0"/>
-              <a:t>01-Feb-19</a:t>
+              <a:t>30-May-19</a:t>
             </a:fld>
             <a:endParaRPr lang="en-US"/>
           </a:p>
@@ -1816,7 +1816,7 @@
           <a:p>
             <a:fld id="{46A674F9-91C9-4609-A673-52F9CAD1CE1A}" type="datetimeFigureOut">
               <a:rPr lang="en-US" smtClean="0"/>
-              <a:t>01-Feb-19</a:t>
+              <a:t>30-May-19</a:t>
             </a:fld>
             <a:endParaRPr lang="en-US"/>
           </a:p>
@@ -1957,7 +1957,7 @@
           <a:p>
             <a:fld id="{46A674F9-91C9-4609-A673-52F9CAD1CE1A}" type="datetimeFigureOut">
               <a:rPr lang="en-US" smtClean="0"/>
-              <a:t>01-Feb-19</a:t>
+              <a:t>30-May-19</a:t>
             </a:fld>
             <a:endParaRPr lang="en-US"/>
           </a:p>
@@ -2070,7 +2070,7 @@
           <a:p>
             <a:fld id="{46A674F9-91C9-4609-A673-52F9CAD1CE1A}" type="datetimeFigureOut">
               <a:rPr lang="en-US" smtClean="0"/>
-              <a:t>01-Feb-19</a:t>
+              <a:t>30-May-19</a:t>
             </a:fld>
             <a:endParaRPr lang="en-US"/>
           </a:p>
@@ -2381,7 +2381,7 @@
           <a:p>
             <a:fld id="{46A674F9-91C9-4609-A673-52F9CAD1CE1A}" type="datetimeFigureOut">
               <a:rPr lang="en-US" smtClean="0"/>
-              <a:t>01-Feb-19</a:t>
+              <a:t>30-May-19</a:t>
             </a:fld>
             <a:endParaRPr lang="en-US"/>
           </a:p>
@@ -2669,7 +2669,7 @@
           <a:p>
             <a:fld id="{46A674F9-91C9-4609-A673-52F9CAD1CE1A}" type="datetimeFigureOut">
               <a:rPr lang="en-US" smtClean="0"/>
-              <a:t>01-Feb-19</a:t>
+              <a:t>30-May-19</a:t>
             </a:fld>
             <a:endParaRPr lang="en-US"/>
           </a:p>
@@ -2910,7 +2910,7 @@
           <a:p>
             <a:fld id="{46A674F9-91C9-4609-A673-52F9CAD1CE1A}" type="datetimeFigureOut">
               <a:rPr lang="en-US" smtClean="0"/>
-              <a:t>01-Feb-19</a:t>
+              <a:t>30-May-19</a:t>
             </a:fld>
             <a:endParaRPr lang="en-US"/>
           </a:p>
@@ -3402,7 +3402,7 @@
         </p:nvSpPr>
         <p:spPr>
           <a:xfrm>
-            <a:off x="5606166" y="123672"/>
+            <a:off x="5606144" y="139977"/>
             <a:ext cx="6105260" cy="6245130"/>
           </a:xfrm>
           <a:custGeom>
@@ -3574,7 +3574,7 @@
         <p:spPr>
           <a:xfrm>
             <a:off x="4034233" y="62617"/>
-            <a:ext cx="5762907" cy="3227867"/>
+            <a:ext cx="5762907" cy="3468590"/>
           </a:xfrm>
           <a:custGeom>
             <a:avLst/>
@@ -4280,174 +4280,6 @@
       </p:sp>
       <p:sp>
         <p:nvSpPr>
-          <p:cNvPr id="313" name="Freeform: Shape 312">
-            <a:extLst>
-              <a:ext uri="{FF2B5EF4-FFF2-40B4-BE49-F238E27FC236}">
-                <a16:creationId xmlns:a16="http://schemas.microsoft.com/office/drawing/2014/main" id="{96099DDB-1D78-42A7-A85A-7F9D0C9A4F1F}"/>
-              </a:ext>
-            </a:extLst>
-          </p:cNvPr>
-          <p:cNvSpPr/>
-          <p:nvPr/>
-        </p:nvSpPr>
-        <p:spPr>
-          <a:xfrm>
-            <a:off x="5068066" y="5583083"/>
-            <a:ext cx="2079398" cy="1148333"/>
-          </a:xfrm>
-          <a:custGeom>
-            <a:avLst/>
-            <a:gdLst>
-              <a:gd name="connsiteX0" fmla="*/ 398136 w 2101360"/>
-              <a:gd name="connsiteY0" fmla="*/ 169789 h 1358575"/>
-              <a:gd name="connsiteX1" fmla="*/ 828959 w 2101360"/>
-              <a:gd name="connsiteY1" fmla="*/ 2735 h 1358575"/>
-              <a:gd name="connsiteX2" fmla="*/ 1848867 w 2101360"/>
-              <a:gd name="connsiteY2" fmla="*/ 310466 h 1358575"/>
-              <a:gd name="connsiteX3" fmla="*/ 2033505 w 2101360"/>
-              <a:gd name="connsiteY3" fmla="*/ 1207281 h 1358575"/>
-              <a:gd name="connsiteX4" fmla="*/ 899297 w 2101360"/>
-              <a:gd name="connsiteY4" fmla="*/ 1356750 h 1358575"/>
-              <a:gd name="connsiteX5" fmla="*/ 20067 w 2101360"/>
-              <a:gd name="connsiteY5" fmla="*/ 1198489 h 1358575"/>
-              <a:gd name="connsiteX6" fmla="*/ 292628 w 2101360"/>
-              <a:gd name="connsiteY6" fmla="*/ 345635 h 1358575"/>
-              <a:gd name="connsiteX7" fmla="*/ 398136 w 2101360"/>
-              <a:gd name="connsiteY7" fmla="*/ 169789 h 1358575"/>
-              <a:gd name="connsiteX0" fmla="*/ 296841 w 2105573"/>
-              <a:gd name="connsiteY0" fmla="*/ 343118 h 1356058"/>
-              <a:gd name="connsiteX1" fmla="*/ 833172 w 2105573"/>
-              <a:gd name="connsiteY1" fmla="*/ 218 h 1356058"/>
-              <a:gd name="connsiteX2" fmla="*/ 1853080 w 2105573"/>
-              <a:gd name="connsiteY2" fmla="*/ 307949 h 1356058"/>
-              <a:gd name="connsiteX3" fmla="*/ 2037718 w 2105573"/>
-              <a:gd name="connsiteY3" fmla="*/ 1204764 h 1356058"/>
-              <a:gd name="connsiteX4" fmla="*/ 903510 w 2105573"/>
-              <a:gd name="connsiteY4" fmla="*/ 1354233 h 1356058"/>
-              <a:gd name="connsiteX5" fmla="*/ 24280 w 2105573"/>
-              <a:gd name="connsiteY5" fmla="*/ 1195972 h 1356058"/>
-              <a:gd name="connsiteX6" fmla="*/ 296841 w 2105573"/>
-              <a:gd name="connsiteY6" fmla="*/ 343118 h 1356058"/>
-              <a:gd name="connsiteX0" fmla="*/ 296841 w 2105573"/>
-              <a:gd name="connsiteY0" fmla="*/ 343118 h 1366647"/>
-              <a:gd name="connsiteX1" fmla="*/ 833172 w 2105573"/>
-              <a:gd name="connsiteY1" fmla="*/ 218 h 1366647"/>
-              <a:gd name="connsiteX2" fmla="*/ 1853080 w 2105573"/>
-              <a:gd name="connsiteY2" fmla="*/ 307949 h 1366647"/>
-              <a:gd name="connsiteX3" fmla="*/ 2037718 w 2105573"/>
-              <a:gd name="connsiteY3" fmla="*/ 1204764 h 1366647"/>
-              <a:gd name="connsiteX4" fmla="*/ 903510 w 2105573"/>
-              <a:gd name="connsiteY4" fmla="*/ 1354233 h 1366647"/>
-              <a:gd name="connsiteX5" fmla="*/ 24280 w 2105573"/>
-              <a:gd name="connsiteY5" fmla="*/ 1195972 h 1366647"/>
-              <a:gd name="connsiteX6" fmla="*/ 296841 w 2105573"/>
-              <a:gd name="connsiteY6" fmla="*/ 343118 h 1366647"/>
-              <a:gd name="connsiteX0" fmla="*/ 371388 w 2244938"/>
-              <a:gd name="connsiteY0" fmla="*/ 343118 h 1309877"/>
-              <a:gd name="connsiteX1" fmla="*/ 907719 w 2244938"/>
-              <a:gd name="connsiteY1" fmla="*/ 218 h 1309877"/>
-              <a:gd name="connsiteX2" fmla="*/ 1927627 w 2244938"/>
-              <a:gd name="connsiteY2" fmla="*/ 307949 h 1309877"/>
-              <a:gd name="connsiteX3" fmla="*/ 2112265 w 2244938"/>
-              <a:gd name="connsiteY3" fmla="*/ 1204764 h 1309877"/>
-              <a:gd name="connsiteX4" fmla="*/ 98827 w 2244938"/>
-              <a:gd name="connsiteY4" fmla="*/ 1195972 h 1309877"/>
-              <a:gd name="connsiteX5" fmla="*/ 371388 w 2244938"/>
-              <a:gd name="connsiteY5" fmla="*/ 343118 h 1309877"/>
-            </a:gdLst>
-            <a:ahLst/>
-            <a:cxnLst>
-              <a:cxn ang="0">
-                <a:pos x="connsiteX0" y="connsiteY0"/>
-              </a:cxn>
-              <a:cxn ang="0">
-                <a:pos x="connsiteX1" y="connsiteY1"/>
-              </a:cxn>
-              <a:cxn ang="0">
-                <a:pos x="connsiteX2" y="connsiteY2"/>
-              </a:cxn>
-              <a:cxn ang="0">
-                <a:pos x="connsiteX3" y="connsiteY3"/>
-              </a:cxn>
-              <a:cxn ang="0">
-                <a:pos x="connsiteX4" y="connsiteY4"/>
-              </a:cxn>
-              <a:cxn ang="0">
-                <a:pos x="connsiteX5" y="connsiteY5"/>
-              </a:cxn>
-            </a:cxnLst>
-            <a:rect l="l" t="t" r="r" b="b"/>
-            <a:pathLst>
-              <a:path w="2244938" h="1309877">
-                <a:moveTo>
-                  <a:pt x="371388" y="343118"/>
-                </a:moveTo>
-                <a:cubicBezTo>
-                  <a:pt x="506203" y="143826"/>
-                  <a:pt x="648346" y="6079"/>
-                  <a:pt x="907719" y="218"/>
-                </a:cubicBezTo>
-                <a:cubicBezTo>
-                  <a:pt x="1167092" y="-5643"/>
-                  <a:pt x="1726869" y="107191"/>
-                  <a:pt x="1927627" y="307949"/>
-                </a:cubicBezTo>
-                <a:cubicBezTo>
-                  <a:pt x="2128385" y="508707"/>
-                  <a:pt x="2417065" y="1056760"/>
-                  <a:pt x="2112265" y="1204764"/>
-                </a:cubicBezTo>
-                <a:cubicBezTo>
-                  <a:pt x="1807465" y="1352768"/>
-                  <a:pt x="388973" y="1339580"/>
-                  <a:pt x="98827" y="1195972"/>
-                </a:cubicBezTo>
-                <a:cubicBezTo>
-                  <a:pt x="-191319" y="1052364"/>
-                  <a:pt x="236573" y="542410"/>
-                  <a:pt x="371388" y="343118"/>
-                </a:cubicBezTo>
-                <a:close/>
-              </a:path>
-            </a:pathLst>
-          </a:custGeom>
-          <a:solidFill>
-            <a:schemeClr val="accent6">
-              <a:lumMod val="20000"/>
-              <a:lumOff val="80000"/>
-            </a:schemeClr>
-          </a:solidFill>
-          <a:ln>
-            <a:noFill/>
-          </a:ln>
-        </p:spPr>
-        <p:style>
-          <a:lnRef idx="2">
-            <a:schemeClr val="accent1">
-              <a:shade val="50000"/>
-            </a:schemeClr>
-          </a:lnRef>
-          <a:fillRef idx="1">
-            <a:schemeClr val="accent1"/>
-          </a:fillRef>
-          <a:effectRef idx="0">
-            <a:schemeClr val="accent1"/>
-          </a:effectRef>
-          <a:fontRef idx="minor">
-            <a:schemeClr val="lt1"/>
-          </a:fontRef>
-        </p:style>
-        <p:txBody>
-          <a:bodyPr rtlCol="0" anchor="ctr"/>
-          <a:lstStyle/>
-          <a:p>
-            <a:pPr algn="ctr"/>
-            <a:endParaRPr lang="en-US"/>
-          </a:p>
-        </p:txBody>
-      </p:sp>
-      <p:sp>
-        <p:nvSpPr>
           <p:cNvPr id="312" name="Freeform: Shape 311">
             <a:extLst>
               <a:ext uri="{FF2B5EF4-FFF2-40B4-BE49-F238E27FC236}">
@@ -5225,7 +5057,7 @@
                   <a:schemeClr val="bg1"/>
                 </a:solidFill>
               </a:rPr>
-              <a:t>TTmath</a:t>
+              <a:t>cryptlite</a:t>
             </a:r>
             <a:endParaRPr lang="en-US" sz="1000" b="1" dirty="0">
               <a:solidFill>
@@ -6159,8 +5991,8 @@
         </p:nvGrpSpPr>
         <p:grpSpPr>
           <a:xfrm>
-            <a:off x="3261291" y="2814619"/>
-            <a:ext cx="1207917" cy="504652"/>
+            <a:off x="3338340" y="3236220"/>
+            <a:ext cx="1207917" cy="629306"/>
             <a:chOff x="3146207" y="2722224"/>
             <a:chExt cx="861487" cy="235420"/>
           </a:xfrm>
@@ -6261,7 +6093,7 @@
         </p:nvGrpSpPr>
         <p:grpSpPr>
           <a:xfrm>
-            <a:off x="1393384" y="4261528"/>
+            <a:off x="759647" y="3257598"/>
             <a:ext cx="1186775" cy="622036"/>
             <a:chOff x="933056" y="2117890"/>
             <a:chExt cx="863034" cy="351921"/>
@@ -6486,7 +6318,7 @@
         </p:nvGrpSpPr>
         <p:grpSpPr>
           <a:xfrm>
-            <a:off x="9340484" y="2477828"/>
+            <a:off x="9357341" y="3199739"/>
             <a:ext cx="1371538" cy="557638"/>
             <a:chOff x="9557203" y="2576969"/>
             <a:chExt cx="855679" cy="340665"/>
@@ -7439,14 +7271,15 @@
           </p:cNvPr>
           <p:cNvCxnSpPr>
             <a:cxnSpLocks/>
+            <a:stCxn id="13" idx="0"/>
             <a:endCxn id="36" idx="2"/>
           </p:cNvCxnSpPr>
           <p:nvPr/>
         </p:nvCxnSpPr>
         <p:spPr>
           <a:xfrm flipV="1">
-            <a:off x="6096000" y="4603025"/>
-            <a:ext cx="8356" cy="980058"/>
+            <a:off x="5710437" y="4603025"/>
+            <a:ext cx="393919" cy="1678337"/>
           </a:xfrm>
           <a:prstGeom prst="straightConnector1">
             <a:avLst/>
@@ -7587,8 +7420,8 @@
         </p:nvCxnSpPr>
         <p:spPr>
           <a:xfrm flipH="1" flipV="1">
-            <a:off x="10259288" y="3059003"/>
-            <a:ext cx="845552" cy="2524080"/>
+            <a:off x="10260441" y="3801923"/>
+            <a:ext cx="844399" cy="1781160"/>
           </a:xfrm>
           <a:prstGeom prst="straightConnector1">
             <a:avLst/>
@@ -7630,14 +7463,14 @@
           <p:cNvCxnSpPr>
             <a:cxnSpLocks/>
             <a:stCxn id="36" idx="1"/>
-            <a:endCxn id="43" idx="3"/>
+            <a:endCxn id="42" idx="2"/>
           </p:cNvCxnSpPr>
           <p:nvPr/>
         </p:nvCxnSpPr>
         <p:spPr>
-          <a:xfrm flipH="1">
-            <a:off x="2570042" y="4260254"/>
-            <a:ext cx="2671352" cy="293727"/>
+          <a:xfrm flipH="1" flipV="1">
+            <a:off x="1358092" y="3879634"/>
+            <a:ext cx="3883302" cy="380620"/>
           </a:xfrm>
           <a:prstGeom prst="straightConnector1">
             <a:avLst/>
@@ -7684,8 +7517,8 @@
         </p:nvCxnSpPr>
         <p:spPr>
           <a:xfrm flipH="1" flipV="1">
-            <a:off x="4461064" y="3079507"/>
-            <a:ext cx="969261" cy="815971"/>
+            <a:off x="4538113" y="3566538"/>
+            <a:ext cx="726593" cy="400025"/>
           </a:xfrm>
           <a:prstGeom prst="straightConnector1">
             <a:avLst/>
@@ -7731,8 +7564,8 @@
         </p:nvCxnSpPr>
         <p:spPr>
           <a:xfrm flipH="1" flipV="1">
-            <a:off x="2805491" y="2400450"/>
-            <a:ext cx="585788" cy="397579"/>
+            <a:off x="2805491" y="2400451"/>
+            <a:ext cx="713907" cy="812489"/>
           </a:xfrm>
           <a:prstGeom prst="straightConnector1">
             <a:avLst/>
@@ -7826,7 +7659,7 @@
         </p:nvCxnSpPr>
         <p:spPr>
           <a:xfrm flipV="1">
-            <a:off x="6967288" y="2766634"/>
+            <a:off x="6984145" y="3488545"/>
             <a:ext cx="2387085" cy="1223110"/>
           </a:xfrm>
           <a:prstGeom prst="straightConnector1">
@@ -8255,8 +8088,8 @@
         </p:nvCxnSpPr>
         <p:spPr>
           <a:xfrm flipH="1" flipV="1">
-            <a:off x="8961044" y="1797215"/>
-            <a:ext cx="524187" cy="641056"/>
+            <a:off x="8961045" y="1797215"/>
+            <a:ext cx="514833" cy="1368042"/>
           </a:xfrm>
           <a:prstGeom prst="straightConnector1">
             <a:avLst/>
@@ -8468,7 +8301,7 @@
         </p:nvSpPr>
         <p:spPr>
           <a:xfrm>
-            <a:off x="9218061" y="3613733"/>
+            <a:off x="9357341" y="4029168"/>
             <a:ext cx="1304732" cy="461665"/>
           </a:xfrm>
           <a:prstGeom prst="rect">
@@ -8505,61 +8338,6 @@
                 </a:solidFill>
               </a:rPr>
               <a:t>VISUS_GUI</a:t>
-            </a:r>
-          </a:p>
-        </p:txBody>
-      </p:sp>
-      <p:sp>
-        <p:nvSpPr>
-          <p:cNvPr id="307" name="TextBox 306">
-            <a:extLst>
-              <a:ext uri="{FF2B5EF4-FFF2-40B4-BE49-F238E27FC236}">
-                <a16:creationId xmlns:a16="http://schemas.microsoft.com/office/drawing/2014/main" id="{C1D2D771-8328-4F9F-A250-9EAD6EED7D75}"/>
-              </a:ext>
-            </a:extLst>
-          </p:cNvPr>
-          <p:cNvSpPr txBox="1"/>
-          <p:nvPr/>
-        </p:nvSpPr>
-        <p:spPr>
-          <a:xfrm>
-            <a:off x="5164102" y="5728472"/>
-            <a:ext cx="1901218" cy="461665"/>
-          </a:xfrm>
-          <a:prstGeom prst="rect">
-            <a:avLst/>
-          </a:prstGeom>
-          <a:noFill/>
-        </p:spPr>
-        <p:txBody>
-          <a:bodyPr wrap="square" rtlCol="0">
-            <a:spAutoFit/>
-          </a:bodyPr>
-          <a:lstStyle/>
-          <a:p>
-            <a:pPr algn="ctr"/>
-            <a:r>
-              <a:rPr lang="en-US" sz="1200" b="1" dirty="0">
-                <a:solidFill>
-                  <a:schemeClr val="bg1">
-                    <a:lumMod val="50000"/>
-                  </a:schemeClr>
-                </a:solidFill>
-              </a:rPr>
-              <a:t>option</a:t>
-            </a:r>
-          </a:p>
-          <a:p>
-            <a:pPr algn="ctr"/>
-            <a:r>
-              <a:rPr lang="en-US" sz="1200" b="1" u="sng" dirty="0">
-                <a:solidFill>
-                  <a:schemeClr val="accent4">
-                    <a:lumMod val="75000"/>
-                  </a:schemeClr>
-                </a:solidFill>
-              </a:rPr>
-              <a:t>VISUS_COMPRESSION</a:t>
             </a:r>
           </a:p>
         </p:txBody>
@@ -8626,7 +8404,7 @@
         </p:nvSpPr>
         <p:spPr>
           <a:xfrm>
-            <a:off x="1532717" y="3991104"/>
+            <a:off x="898980" y="2987174"/>
             <a:ext cx="941556" cy="246221"/>
           </a:xfrm>
           <a:prstGeom prst="rect">
@@ -8675,7 +8453,7 @@
         </p:nvSpPr>
         <p:spPr>
           <a:xfrm>
-            <a:off x="3513302" y="2539614"/>
+            <a:off x="3590351" y="2961215"/>
             <a:ext cx="755335" cy="246221"/>
           </a:xfrm>
           <a:prstGeom prst="rect">
@@ -8773,7 +8551,7 @@
         </p:nvSpPr>
         <p:spPr>
           <a:xfrm>
-            <a:off x="9593118" y="2199913"/>
+            <a:off x="9609975" y="2921824"/>
             <a:ext cx="828987" cy="246221"/>
           </a:xfrm>
           <a:prstGeom prst="rect">
@@ -9018,7 +8796,7 @@
         </p:nvGrpSpPr>
         <p:grpSpPr>
           <a:xfrm>
-            <a:off x="1374441" y="3136030"/>
+            <a:off x="2077467" y="3258332"/>
             <a:ext cx="1176660" cy="622036"/>
             <a:chOff x="940412" y="2117890"/>
             <a:chExt cx="855678" cy="351921"/>
@@ -9127,7 +8905,7 @@
         </p:nvSpPr>
         <p:spPr>
           <a:xfrm>
-            <a:off x="1523723" y="2846962"/>
+            <a:off x="2226749" y="2969264"/>
             <a:ext cx="941556" cy="246221"/>
           </a:xfrm>
           <a:prstGeom prst="rect">
@@ -9173,14 +8951,13 @@
           </p:cNvPr>
           <p:cNvCxnSpPr>
             <a:cxnSpLocks/>
-            <a:endCxn id="112" idx="3"/>
           </p:cNvCxnSpPr>
           <p:nvPr/>
         </p:nvCxnSpPr>
         <p:spPr>
           <a:xfrm flipH="1" flipV="1">
-            <a:off x="2551100" y="3400292"/>
-            <a:ext cx="2727686" cy="698200"/>
+            <a:off x="2805492" y="3894848"/>
+            <a:ext cx="2435902" cy="220369"/>
           </a:xfrm>
           <a:prstGeom prst="straightConnector1">
             <a:avLst/>
@@ -9224,8 +9001,8 @@
         </p:nvSpPr>
         <p:spPr>
           <a:xfrm rot="16200000">
-            <a:off x="-1572257" y="2175910"/>
-            <a:ext cx="4259570" cy="1015663"/>
+            <a:off x="-1504913" y="1222015"/>
+            <a:ext cx="3599187" cy="1015663"/>
           </a:xfrm>
           <a:prstGeom prst="rect">
             <a:avLst/>
@@ -9251,6 +9028,53 @@
           </a:p>
         </p:txBody>
       </p:sp>
+      <p:cxnSp>
+        <p:nvCxnSpPr>
+          <p:cNvPr id="117" name="Straight Arrow Connector 116">
+            <a:extLst>
+              <a:ext uri="{FF2B5EF4-FFF2-40B4-BE49-F238E27FC236}">
+                <a16:creationId xmlns:a16="http://schemas.microsoft.com/office/drawing/2014/main" id="{EB8A7510-AD68-4824-954A-990656F4A721}"/>
+              </a:ext>
+            </a:extLst>
+          </p:cNvPr>
+          <p:cNvCxnSpPr>
+            <a:cxnSpLocks/>
+          </p:cNvCxnSpPr>
+          <p:nvPr/>
+        </p:nvCxnSpPr>
+        <p:spPr>
+          <a:xfrm flipH="1" flipV="1">
+            <a:off x="6309711" y="4642583"/>
+            <a:ext cx="372896" cy="1620600"/>
+          </a:xfrm>
+          <a:prstGeom prst="straightConnector1">
+            <a:avLst/>
+          </a:prstGeom>
+          <a:ln w="38100">
+            <a:solidFill>
+              <a:schemeClr val="accent2">
+                <a:lumMod val="50000"/>
+              </a:schemeClr>
+            </a:solidFill>
+            <a:prstDash val="sysDot"/>
+            <a:tailEnd type="triangle"/>
+          </a:ln>
+        </p:spPr>
+        <p:style>
+          <a:lnRef idx="1">
+            <a:schemeClr val="accent1"/>
+          </a:lnRef>
+          <a:fillRef idx="0">
+            <a:schemeClr val="accent1"/>
+          </a:fillRef>
+          <a:effectRef idx="0">
+            <a:schemeClr val="accent1"/>
+          </a:effectRef>
+          <a:fontRef idx="minor">
+            <a:schemeClr val="tx1"/>
+          </a:fontRef>
+        </p:style>
+      </p:cxnSp>
     </p:spTree>
     <p:extLst>
       <p:ext uri="{BB962C8B-B14F-4D97-AF65-F5344CB8AC3E}">

--- a/docs/Presentation1.pptx
+++ b/docs/Presentation1.pptx
@@ -260,7 +260,7 @@
           <a:p>
             <a:fld id="{46A674F9-91C9-4609-A673-52F9CAD1CE1A}" type="datetimeFigureOut">
               <a:rPr lang="en-US" smtClean="0"/>
-              <a:t>30-May-19</a:t>
+              <a:t>04-Jun-19</a:t>
             </a:fld>
             <a:endParaRPr lang="en-US"/>
           </a:p>
@@ -458,7 +458,7 @@
           <a:p>
             <a:fld id="{46A674F9-91C9-4609-A673-52F9CAD1CE1A}" type="datetimeFigureOut">
               <a:rPr lang="en-US" smtClean="0"/>
-              <a:t>30-May-19</a:t>
+              <a:t>04-Jun-19</a:t>
             </a:fld>
             <a:endParaRPr lang="en-US"/>
           </a:p>
@@ -666,7 +666,7 @@
           <a:p>
             <a:fld id="{46A674F9-91C9-4609-A673-52F9CAD1CE1A}" type="datetimeFigureOut">
               <a:rPr lang="en-US" smtClean="0"/>
-              <a:t>30-May-19</a:t>
+              <a:t>04-Jun-19</a:t>
             </a:fld>
             <a:endParaRPr lang="en-US"/>
           </a:p>
@@ -864,7 +864,7 @@
           <a:p>
             <a:fld id="{46A674F9-91C9-4609-A673-52F9CAD1CE1A}" type="datetimeFigureOut">
               <a:rPr lang="en-US" smtClean="0"/>
-              <a:t>30-May-19</a:t>
+              <a:t>04-Jun-19</a:t>
             </a:fld>
             <a:endParaRPr lang="en-US"/>
           </a:p>
@@ -1139,7 +1139,7 @@
           <a:p>
             <a:fld id="{46A674F9-91C9-4609-A673-52F9CAD1CE1A}" type="datetimeFigureOut">
               <a:rPr lang="en-US" smtClean="0"/>
-              <a:t>30-May-19</a:t>
+              <a:t>04-Jun-19</a:t>
             </a:fld>
             <a:endParaRPr lang="en-US"/>
           </a:p>
@@ -1404,7 +1404,7 @@
           <a:p>
             <a:fld id="{46A674F9-91C9-4609-A673-52F9CAD1CE1A}" type="datetimeFigureOut">
               <a:rPr lang="en-US" smtClean="0"/>
-              <a:t>30-May-19</a:t>
+              <a:t>04-Jun-19</a:t>
             </a:fld>
             <a:endParaRPr lang="en-US"/>
           </a:p>
@@ -1816,7 +1816,7 @@
           <a:p>
             <a:fld id="{46A674F9-91C9-4609-A673-52F9CAD1CE1A}" type="datetimeFigureOut">
               <a:rPr lang="en-US" smtClean="0"/>
-              <a:t>30-May-19</a:t>
+              <a:t>04-Jun-19</a:t>
             </a:fld>
             <a:endParaRPr lang="en-US"/>
           </a:p>
@@ -1957,7 +1957,7 @@
           <a:p>
             <a:fld id="{46A674F9-91C9-4609-A673-52F9CAD1CE1A}" type="datetimeFigureOut">
               <a:rPr lang="en-US" smtClean="0"/>
-              <a:t>30-May-19</a:t>
+              <a:t>04-Jun-19</a:t>
             </a:fld>
             <a:endParaRPr lang="en-US"/>
           </a:p>
@@ -2070,7 +2070,7 @@
           <a:p>
             <a:fld id="{46A674F9-91C9-4609-A673-52F9CAD1CE1A}" type="datetimeFigureOut">
               <a:rPr lang="en-US" smtClean="0"/>
-              <a:t>30-May-19</a:t>
+              <a:t>04-Jun-19</a:t>
             </a:fld>
             <a:endParaRPr lang="en-US"/>
           </a:p>
@@ -2381,7 +2381,7 @@
           <a:p>
             <a:fld id="{46A674F9-91C9-4609-A673-52F9CAD1CE1A}" type="datetimeFigureOut">
               <a:rPr lang="en-US" smtClean="0"/>
-              <a:t>30-May-19</a:t>
+              <a:t>04-Jun-19</a:t>
             </a:fld>
             <a:endParaRPr lang="en-US"/>
           </a:p>
@@ -2669,7 +2669,7 @@
           <a:p>
             <a:fld id="{46A674F9-91C9-4609-A673-52F9CAD1CE1A}" type="datetimeFigureOut">
               <a:rPr lang="en-US" smtClean="0"/>
-              <a:t>30-May-19</a:t>
+              <a:t>04-Jun-19</a:t>
             </a:fld>
             <a:endParaRPr lang="en-US"/>
           </a:p>
@@ -2910,7 +2910,7 @@
           <a:p>
             <a:fld id="{46A674F9-91C9-4609-A673-52F9CAD1CE1A}" type="datetimeFigureOut">
               <a:rPr lang="en-US" smtClean="0"/>
-              <a:t>30-May-19</a:t>
+              <a:t>04-Jun-19</a:t>
             </a:fld>
             <a:endParaRPr lang="en-US"/>
           </a:p>
@@ -3339,10 +3339,10 @@
       </p:grpSpPr>
       <p:sp>
         <p:nvSpPr>
-          <p:cNvPr id="3" name="Rectangle 2">
-            <a:extLst>
-              <a:ext uri="{FF2B5EF4-FFF2-40B4-BE49-F238E27FC236}">
-                <a16:creationId xmlns:a16="http://schemas.microsoft.com/office/drawing/2014/main" id="{89DBF217-9280-4C6F-A679-7EF3471C8344}"/>
+          <p:cNvPr id="341" name="Freeform: Shape 340">
+            <a:extLst>
+              <a:ext uri="{FF2B5EF4-FFF2-40B4-BE49-F238E27FC236}">
+                <a16:creationId xmlns:a16="http://schemas.microsoft.com/office/drawing/2014/main" id="{4726C871-580E-4A68-9274-8B2A7EA93507}"/>
               </a:ext>
             </a:extLst>
           </p:cNvPr>
@@ -3351,59 +3351,8 @@
         </p:nvSpPr>
         <p:spPr>
           <a:xfrm>
-            <a:off x="176530" y="5102257"/>
-            <a:ext cx="11673514" cy="1690547"/>
-          </a:xfrm>
-          <a:prstGeom prst="rect">
-            <a:avLst/>
-          </a:prstGeom>
-          <a:solidFill>
-            <a:srgbClr val="4472C4">
-              <a:alpha val="30196"/>
-            </a:srgbClr>
-          </a:solidFill>
-        </p:spPr>
-        <p:style>
-          <a:lnRef idx="2">
-            <a:schemeClr val="accent1">
-              <a:shade val="50000"/>
-            </a:schemeClr>
-          </a:lnRef>
-          <a:fillRef idx="1">
-            <a:schemeClr val="accent1"/>
-          </a:fillRef>
-          <a:effectRef idx="0">
-            <a:schemeClr val="accent1"/>
-          </a:effectRef>
-          <a:fontRef idx="minor">
-            <a:schemeClr val="lt1"/>
-          </a:fontRef>
-        </p:style>
-        <p:txBody>
-          <a:bodyPr rtlCol="0" anchor="ctr"/>
-          <a:lstStyle/>
-          <a:p>
-            <a:pPr algn="ctr"/>
-            <a:endParaRPr lang="en-US"/>
-          </a:p>
-        </p:txBody>
-      </p:sp>
-      <p:sp>
-        <p:nvSpPr>
-          <p:cNvPr id="341" name="Freeform: Shape 340">
-            <a:extLst>
-              <a:ext uri="{FF2B5EF4-FFF2-40B4-BE49-F238E27FC236}">
-                <a16:creationId xmlns:a16="http://schemas.microsoft.com/office/drawing/2014/main" id="{4726C871-580E-4A68-9274-8B2A7EA93507}"/>
-              </a:ext>
-            </a:extLst>
-          </p:cNvPr>
-          <p:cNvSpPr/>
-          <p:nvPr/>
-        </p:nvSpPr>
-        <p:spPr>
-          <a:xfrm>
-            <a:off x="5606144" y="139977"/>
-            <a:ext cx="6105260" cy="6245130"/>
+            <a:off x="4953099" y="5751"/>
+            <a:ext cx="5635011" cy="5564257"/>
           </a:xfrm>
           <a:custGeom>
             <a:avLst/>
@@ -3444,6 +3393,126 @@
               <a:gd name="connsiteY7" fmla="*/ 113721 h 6245130"/>
               <a:gd name="connsiteX8" fmla="*/ 425358 w 6105260"/>
               <a:gd name="connsiteY8" fmla="*/ 333529 h 6245130"/>
+              <a:gd name="connsiteX0" fmla="*/ 425358 w 6118988"/>
+              <a:gd name="connsiteY0" fmla="*/ 333529 h 5839150"/>
+              <a:gd name="connsiteX1" fmla="*/ 319850 w 6118988"/>
+              <a:gd name="connsiteY1" fmla="*/ 1133629 h 5839150"/>
+              <a:gd name="connsiteX2" fmla="*/ 2825658 w 6118988"/>
+              <a:gd name="connsiteY2" fmla="*/ 2531606 h 5839150"/>
+              <a:gd name="connsiteX3" fmla="*/ 3493873 w 6118988"/>
+              <a:gd name="connsiteY3" fmla="*/ 3551513 h 5839150"/>
+              <a:gd name="connsiteX4" fmla="*/ 4312928 w 6118988"/>
+              <a:gd name="connsiteY4" fmla="*/ 4671904 h 5839150"/>
+              <a:gd name="connsiteX5" fmla="*/ 6105189 w 6118988"/>
+              <a:gd name="connsiteY5" fmla="*/ 5740798 h 5839150"/>
+              <a:gd name="connsiteX6" fmla="*/ 5076489 w 6118988"/>
+              <a:gd name="connsiteY6" fmla="*/ 2048029 h 5839150"/>
+              <a:gd name="connsiteX7" fmla="*/ 3880735 w 6118988"/>
+              <a:gd name="connsiteY7" fmla="*/ 113721 h 5839150"/>
+              <a:gd name="connsiteX8" fmla="*/ 425358 w 6118988"/>
+              <a:gd name="connsiteY8" fmla="*/ 333529 h 5839150"/>
+              <a:gd name="connsiteX0" fmla="*/ 425358 w 5615170"/>
+              <a:gd name="connsiteY0" fmla="*/ 333529 h 4730369"/>
+              <a:gd name="connsiteX1" fmla="*/ 319850 w 5615170"/>
+              <a:gd name="connsiteY1" fmla="*/ 1133629 h 4730369"/>
+              <a:gd name="connsiteX2" fmla="*/ 2825658 w 5615170"/>
+              <a:gd name="connsiteY2" fmla="*/ 2531606 h 4730369"/>
+              <a:gd name="connsiteX3" fmla="*/ 3493873 w 5615170"/>
+              <a:gd name="connsiteY3" fmla="*/ 3551513 h 4730369"/>
+              <a:gd name="connsiteX4" fmla="*/ 4312928 w 5615170"/>
+              <a:gd name="connsiteY4" fmla="*/ 4671904 h 4730369"/>
+              <a:gd name="connsiteX5" fmla="*/ 5582675 w 5615170"/>
+              <a:gd name="connsiteY5" fmla="*/ 4303883 h 4730369"/>
+              <a:gd name="connsiteX6" fmla="*/ 5076489 w 5615170"/>
+              <a:gd name="connsiteY6" fmla="*/ 2048029 h 4730369"/>
+              <a:gd name="connsiteX7" fmla="*/ 3880735 w 5615170"/>
+              <a:gd name="connsiteY7" fmla="*/ 113721 h 4730369"/>
+              <a:gd name="connsiteX8" fmla="*/ 425358 w 5615170"/>
+              <a:gd name="connsiteY8" fmla="*/ 333529 h 4730369"/>
+              <a:gd name="connsiteX0" fmla="*/ 425358 w 5635011"/>
+              <a:gd name="connsiteY0" fmla="*/ 333529 h 4843109"/>
+              <a:gd name="connsiteX1" fmla="*/ 319850 w 5635011"/>
+              <a:gd name="connsiteY1" fmla="*/ 1133629 h 4843109"/>
+              <a:gd name="connsiteX2" fmla="*/ 2825658 w 5635011"/>
+              <a:gd name="connsiteY2" fmla="*/ 2531606 h 4843109"/>
+              <a:gd name="connsiteX3" fmla="*/ 3493873 w 5635011"/>
+              <a:gd name="connsiteY3" fmla="*/ 3551513 h 4843109"/>
+              <a:gd name="connsiteX4" fmla="*/ 3992294 w 5635011"/>
+              <a:gd name="connsiteY4" fmla="*/ 4802532 h 4843109"/>
+              <a:gd name="connsiteX5" fmla="*/ 5582675 w 5635011"/>
+              <a:gd name="connsiteY5" fmla="*/ 4303883 h 4843109"/>
+              <a:gd name="connsiteX6" fmla="*/ 5076489 w 5635011"/>
+              <a:gd name="connsiteY6" fmla="*/ 2048029 h 4843109"/>
+              <a:gd name="connsiteX7" fmla="*/ 3880735 w 5635011"/>
+              <a:gd name="connsiteY7" fmla="*/ 113721 h 4843109"/>
+              <a:gd name="connsiteX8" fmla="*/ 425358 w 5635011"/>
+              <a:gd name="connsiteY8" fmla="*/ 333529 h 4843109"/>
+              <a:gd name="connsiteX0" fmla="*/ 425358 w 5635011"/>
+              <a:gd name="connsiteY0" fmla="*/ 333529 h 4834548"/>
+              <a:gd name="connsiteX1" fmla="*/ 319850 w 5635011"/>
+              <a:gd name="connsiteY1" fmla="*/ 1133629 h 4834548"/>
+              <a:gd name="connsiteX2" fmla="*/ 2825658 w 5635011"/>
+              <a:gd name="connsiteY2" fmla="*/ 2531606 h 4834548"/>
+              <a:gd name="connsiteX3" fmla="*/ 3185115 w 5635011"/>
+              <a:gd name="connsiteY3" fmla="*/ 3682142 h 4834548"/>
+              <a:gd name="connsiteX4" fmla="*/ 3992294 w 5635011"/>
+              <a:gd name="connsiteY4" fmla="*/ 4802532 h 4834548"/>
+              <a:gd name="connsiteX5" fmla="*/ 5582675 w 5635011"/>
+              <a:gd name="connsiteY5" fmla="*/ 4303883 h 4834548"/>
+              <a:gd name="connsiteX6" fmla="*/ 5076489 w 5635011"/>
+              <a:gd name="connsiteY6" fmla="*/ 2048029 h 4834548"/>
+              <a:gd name="connsiteX7" fmla="*/ 3880735 w 5635011"/>
+              <a:gd name="connsiteY7" fmla="*/ 113721 h 4834548"/>
+              <a:gd name="connsiteX8" fmla="*/ 425358 w 5635011"/>
+              <a:gd name="connsiteY8" fmla="*/ 333529 h 4834548"/>
+              <a:gd name="connsiteX0" fmla="*/ 425358 w 5635011"/>
+              <a:gd name="connsiteY0" fmla="*/ 333529 h 4914000"/>
+              <a:gd name="connsiteX1" fmla="*/ 319850 w 5635011"/>
+              <a:gd name="connsiteY1" fmla="*/ 1133629 h 4914000"/>
+              <a:gd name="connsiteX2" fmla="*/ 2825658 w 5635011"/>
+              <a:gd name="connsiteY2" fmla="*/ 2531606 h 4914000"/>
+              <a:gd name="connsiteX3" fmla="*/ 3992294 w 5635011"/>
+              <a:gd name="connsiteY3" fmla="*/ 4802532 h 4914000"/>
+              <a:gd name="connsiteX4" fmla="*/ 5582675 w 5635011"/>
+              <a:gd name="connsiteY4" fmla="*/ 4303883 h 4914000"/>
+              <a:gd name="connsiteX5" fmla="*/ 5076489 w 5635011"/>
+              <a:gd name="connsiteY5" fmla="*/ 2048029 h 4914000"/>
+              <a:gd name="connsiteX6" fmla="*/ 3880735 w 5635011"/>
+              <a:gd name="connsiteY6" fmla="*/ 113721 h 4914000"/>
+              <a:gd name="connsiteX7" fmla="*/ 425358 w 5635011"/>
+              <a:gd name="connsiteY7" fmla="*/ 333529 h 4914000"/>
+              <a:gd name="connsiteX0" fmla="*/ 425358 w 5635011"/>
+              <a:gd name="connsiteY0" fmla="*/ 333529 h 4914000"/>
+              <a:gd name="connsiteX1" fmla="*/ 319850 w 5635011"/>
+              <a:gd name="connsiteY1" fmla="*/ 1133629 h 4914000"/>
+              <a:gd name="connsiteX2" fmla="*/ 2825658 w 5635011"/>
+              <a:gd name="connsiteY2" fmla="*/ 2531606 h 4914000"/>
+              <a:gd name="connsiteX3" fmla="*/ 3992294 w 5635011"/>
+              <a:gd name="connsiteY3" fmla="*/ 4802532 h 4914000"/>
+              <a:gd name="connsiteX4" fmla="*/ 5582675 w 5635011"/>
+              <a:gd name="connsiteY4" fmla="*/ 4303883 h 4914000"/>
+              <a:gd name="connsiteX5" fmla="*/ 5076489 w 5635011"/>
+              <a:gd name="connsiteY5" fmla="*/ 2048029 h 4914000"/>
+              <a:gd name="connsiteX6" fmla="*/ 3880735 w 5635011"/>
+              <a:gd name="connsiteY6" fmla="*/ 113721 h 4914000"/>
+              <a:gd name="connsiteX7" fmla="*/ 425358 w 5635011"/>
+              <a:gd name="connsiteY7" fmla="*/ 333529 h 4914000"/>
+              <a:gd name="connsiteX0" fmla="*/ 425358 w 5635011"/>
+              <a:gd name="connsiteY0" fmla="*/ 333529 h 4830651"/>
+              <a:gd name="connsiteX1" fmla="*/ 319850 w 5635011"/>
+              <a:gd name="connsiteY1" fmla="*/ 1133629 h 4830651"/>
+              <a:gd name="connsiteX2" fmla="*/ 2825658 w 5635011"/>
+              <a:gd name="connsiteY2" fmla="*/ 2531606 h 4830651"/>
+              <a:gd name="connsiteX3" fmla="*/ 3992294 w 5635011"/>
+              <a:gd name="connsiteY3" fmla="*/ 4802532 h 4830651"/>
+              <a:gd name="connsiteX4" fmla="*/ 5582675 w 5635011"/>
+              <a:gd name="connsiteY4" fmla="*/ 4303883 h 4830651"/>
+              <a:gd name="connsiteX5" fmla="*/ 5076489 w 5635011"/>
+              <a:gd name="connsiteY5" fmla="*/ 2048029 h 4830651"/>
+              <a:gd name="connsiteX6" fmla="*/ 3880735 w 5635011"/>
+              <a:gd name="connsiteY6" fmla="*/ 113721 h 4830651"/>
+              <a:gd name="connsiteX7" fmla="*/ 425358 w 5635011"/>
+              <a:gd name="connsiteY7" fmla="*/ 333529 h 4830651"/>
             </a:gdLst>
             <a:ahLst/>
             <a:cxnLst>
@@ -3471,13 +3540,10 @@
               <a:cxn ang="0">
                 <a:pos x="connsiteX7" y="connsiteY7"/>
               </a:cxn>
-              <a:cxn ang="0">
-                <a:pos x="connsiteX8" y="connsiteY8"/>
-              </a:cxn>
             </a:cxnLst>
             <a:rect l="l" t="t" r="r" b="b"/>
             <a:pathLst>
-              <a:path w="6105260" h="6245130">
+              <a:path w="5635011" h="4830651">
                 <a:moveTo>
                   <a:pt x="425358" y="333529"/>
                 </a:moveTo>
@@ -3488,26 +3554,21 @@
                 </a:cubicBezTo>
                 <a:cubicBezTo>
                   <a:pt x="719900" y="1499975"/>
-                  <a:pt x="2296654" y="2128625"/>
+                  <a:pt x="2439215" y="1694491"/>
                   <a:pt x="2825658" y="2531606"/>
                 </a:cubicBezTo>
                 <a:cubicBezTo>
-                  <a:pt x="3354662" y="2934587"/>
-                  <a:pt x="3111408" y="2977082"/>
-                  <a:pt x="3493873" y="3551513"/>
+                  <a:pt x="3212101" y="3368721"/>
+                  <a:pt x="3271534" y="4709034"/>
+                  <a:pt x="3992294" y="4802532"/>
                 </a:cubicBezTo>
                 <a:cubicBezTo>
-                  <a:pt x="3876338" y="4125944"/>
-                  <a:pt x="4685231" y="5613309"/>
-                  <a:pt x="5120450" y="5978190"/>
+                  <a:pt x="4713054" y="4896030"/>
+                  <a:pt x="5401976" y="4762967"/>
+                  <a:pt x="5582675" y="4303883"/>
                 </a:cubicBezTo>
                 <a:cubicBezTo>
-                  <a:pt x="5555669" y="6343071"/>
-                  <a:pt x="6112516" y="6395825"/>
-                  <a:pt x="6105189" y="5740798"/>
-                </a:cubicBezTo>
-                <a:cubicBezTo>
-                  <a:pt x="6097862" y="5085771"/>
+                  <a:pt x="5763374" y="3844799"/>
                   <a:pt x="5447231" y="2985875"/>
                   <a:pt x="5076489" y="2048029"/>
                 </a:cubicBezTo>
@@ -3559,12 +3620,428 @@
           </a:p>
         </p:txBody>
       </p:sp>
+      <p:grpSp>
+        <p:nvGrpSpPr>
+          <p:cNvPr id="6" name="Group 5">
+            <a:extLst>
+              <a:ext uri="{FF2B5EF4-FFF2-40B4-BE49-F238E27FC236}">
+                <a16:creationId xmlns:a16="http://schemas.microsoft.com/office/drawing/2014/main" id="{3042C485-02B6-414F-BF19-6833FC3D36E7}"/>
+              </a:ext>
+            </a:extLst>
+          </p:cNvPr>
+          <p:cNvGrpSpPr/>
+          <p:nvPr/>
+        </p:nvGrpSpPr>
+        <p:grpSpPr>
+          <a:xfrm>
+            <a:off x="1671091" y="5653578"/>
+            <a:ext cx="7173326" cy="685542"/>
+            <a:chOff x="5241394" y="3917483"/>
+            <a:chExt cx="1725923" cy="685542"/>
+          </a:xfrm>
+        </p:grpSpPr>
+        <p:sp>
+          <p:nvSpPr>
+            <p:cNvPr id="36" name="Rectangle 35">
+              <a:extLst>
+                <a:ext uri="{FF2B5EF4-FFF2-40B4-BE49-F238E27FC236}">
+                  <a16:creationId xmlns:a16="http://schemas.microsoft.com/office/drawing/2014/main" id="{6743D6B5-25BD-4055-8E23-91509E4602A4}"/>
+                </a:ext>
+              </a:extLst>
+            </p:cNvPr>
+            <p:cNvSpPr/>
+            <p:nvPr/>
+          </p:nvSpPr>
+          <p:spPr>
+            <a:xfrm>
+              <a:off x="5241394" y="3917483"/>
+              <a:ext cx="1725923" cy="685542"/>
+            </a:xfrm>
+            <a:prstGeom prst="rect">
+              <a:avLst/>
+            </a:prstGeom>
+          </p:spPr>
+          <p:style>
+            <a:lnRef idx="0">
+              <a:schemeClr val="accent5"/>
+            </a:lnRef>
+            <a:fillRef idx="3">
+              <a:schemeClr val="accent5"/>
+            </a:fillRef>
+            <a:effectRef idx="3">
+              <a:schemeClr val="accent5"/>
+            </a:effectRef>
+            <a:fontRef idx="minor">
+              <a:schemeClr val="lt1"/>
+            </a:fontRef>
+          </p:style>
+          <p:txBody>
+            <a:bodyPr rtlCol="0" anchor="ctr"/>
+            <a:lstStyle/>
+            <a:p>
+              <a:pPr algn="ctr"/>
+              <a:endParaRPr lang="en-US" sz="1000"/>
+            </a:p>
+          </p:txBody>
+        </p:sp>
+        <p:sp>
+          <p:nvSpPr>
+            <p:cNvPr id="37" name="TextBox 36">
+              <a:extLst>
+                <a:ext uri="{FF2B5EF4-FFF2-40B4-BE49-F238E27FC236}">
+                  <a16:creationId xmlns:a16="http://schemas.microsoft.com/office/drawing/2014/main" id="{3F78BFE0-B2BB-4BB0-8043-FF644A54F152}"/>
+                </a:ext>
+              </a:extLst>
+            </p:cNvPr>
+            <p:cNvSpPr txBox="1"/>
+            <p:nvPr/>
+          </p:nvSpPr>
+          <p:spPr>
+            <a:xfrm>
+              <a:off x="5378815" y="4092132"/>
+              <a:ext cx="1502033" cy="307777"/>
+            </a:xfrm>
+            <a:prstGeom prst="rect">
+              <a:avLst/>
+            </a:prstGeom>
+            <a:noFill/>
+          </p:spPr>
+          <p:txBody>
+            <a:bodyPr wrap="square" rtlCol="0">
+              <a:spAutoFit/>
+            </a:bodyPr>
+            <a:lstStyle/>
+            <a:p>
+              <a:pPr algn="ctr"/>
+              <a:r>
+                <a:rPr lang="en-US" sz="1400" b="1" dirty="0" err="1"/>
+                <a:t>VisusKernel</a:t>
+              </a:r>
+              <a:endParaRPr lang="en-US" sz="1400" b="1" dirty="0"/>
+            </a:p>
+          </p:txBody>
+        </p:sp>
+      </p:grpSp>
+      <p:grpSp>
+        <p:nvGrpSpPr>
+          <p:cNvPr id="250" name="Group 249">
+            <a:extLst>
+              <a:ext uri="{FF2B5EF4-FFF2-40B4-BE49-F238E27FC236}">
+                <a16:creationId xmlns:a16="http://schemas.microsoft.com/office/drawing/2014/main" id="{AC644C10-42BB-48CD-9D4D-938845D23663}"/>
+              </a:ext>
+            </a:extLst>
+          </p:cNvPr>
+          <p:cNvGrpSpPr/>
+          <p:nvPr/>
+        </p:nvGrpSpPr>
+        <p:grpSpPr>
+          <a:xfrm>
+            <a:off x="3362093" y="4316871"/>
+            <a:ext cx="1207917" cy="629306"/>
+            <a:chOff x="3146207" y="2722224"/>
+            <a:chExt cx="861487" cy="235420"/>
+          </a:xfrm>
+        </p:grpSpPr>
+        <p:sp>
+          <p:nvSpPr>
+            <p:cNvPr id="38" name="Rectangle 37">
+              <a:extLst>
+                <a:ext uri="{FF2B5EF4-FFF2-40B4-BE49-F238E27FC236}">
+                  <a16:creationId xmlns:a16="http://schemas.microsoft.com/office/drawing/2014/main" id="{2CD4AA97-502D-467B-A130-DA4505C219DD}"/>
+                </a:ext>
+              </a:extLst>
+            </p:cNvPr>
+            <p:cNvSpPr/>
+            <p:nvPr/>
+          </p:nvSpPr>
+          <p:spPr>
+            <a:xfrm>
+              <a:off x="3152013" y="2722224"/>
+              <a:ext cx="855681" cy="235420"/>
+            </a:xfrm>
+            <a:prstGeom prst="rect">
+              <a:avLst/>
+            </a:prstGeom>
+          </p:spPr>
+          <p:style>
+            <a:lnRef idx="0">
+              <a:schemeClr val="accent6"/>
+            </a:lnRef>
+            <a:fillRef idx="3">
+              <a:schemeClr val="accent6"/>
+            </a:fillRef>
+            <a:effectRef idx="3">
+              <a:schemeClr val="accent6"/>
+            </a:effectRef>
+            <a:fontRef idx="minor">
+              <a:schemeClr val="lt1"/>
+            </a:fontRef>
+          </p:style>
+          <p:txBody>
+            <a:bodyPr rtlCol="0" anchor="ctr"/>
+            <a:lstStyle/>
+            <a:p>
+              <a:pPr algn="ctr"/>
+              <a:endParaRPr lang="en-US" sz="1000"/>
+            </a:p>
+          </p:txBody>
+        </p:sp>
+        <p:sp>
+          <p:nvSpPr>
+            <p:cNvPr id="39" name="TextBox 38">
+              <a:extLst>
+                <a:ext uri="{FF2B5EF4-FFF2-40B4-BE49-F238E27FC236}">
+                  <a16:creationId xmlns:a16="http://schemas.microsoft.com/office/drawing/2014/main" id="{7FB381CC-9748-4877-878C-DE494117D45A}"/>
+                </a:ext>
+              </a:extLst>
+            </p:cNvPr>
+            <p:cNvSpPr txBox="1"/>
+            <p:nvPr/>
+          </p:nvSpPr>
+          <p:spPr>
+            <a:xfrm>
+              <a:off x="3146207" y="2774005"/>
+              <a:ext cx="855679" cy="143578"/>
+            </a:xfrm>
+            <a:prstGeom prst="rect">
+              <a:avLst/>
+            </a:prstGeom>
+            <a:noFill/>
+          </p:spPr>
+          <p:txBody>
+            <a:bodyPr wrap="square" rtlCol="0">
+              <a:spAutoFit/>
+            </a:bodyPr>
+            <a:lstStyle/>
+            <a:p>
+              <a:pPr algn="ctr"/>
+              <a:r>
+                <a:rPr lang="en-US" sz="1400" b="1" dirty="0" err="1"/>
+                <a:t>VisusDb</a:t>
+              </a:r>
+              <a:endParaRPr lang="en-US" sz="1400" b="1" dirty="0"/>
+            </a:p>
+          </p:txBody>
+        </p:sp>
+      </p:grpSp>
+      <p:grpSp>
+        <p:nvGrpSpPr>
+          <p:cNvPr id="202" name="Group 201">
+            <a:extLst>
+              <a:ext uri="{FF2B5EF4-FFF2-40B4-BE49-F238E27FC236}">
+                <a16:creationId xmlns:a16="http://schemas.microsoft.com/office/drawing/2014/main" id="{136C93CC-65BF-4E8D-823D-EF30AF78CFDE}"/>
+              </a:ext>
+            </a:extLst>
+          </p:cNvPr>
+          <p:cNvGrpSpPr/>
+          <p:nvPr/>
+        </p:nvGrpSpPr>
+        <p:grpSpPr>
+          <a:xfrm>
+            <a:off x="5348637" y="4406112"/>
+            <a:ext cx="1452266" cy="557639"/>
+            <a:chOff x="5564024" y="2108461"/>
+            <a:chExt cx="867446" cy="351921"/>
+          </a:xfrm>
+          <a:solidFill>
+            <a:schemeClr val="accent6"/>
+          </a:solidFill>
+        </p:grpSpPr>
+        <p:sp>
+          <p:nvSpPr>
+            <p:cNvPr id="45" name="Rectangle 44">
+              <a:extLst>
+                <a:ext uri="{FF2B5EF4-FFF2-40B4-BE49-F238E27FC236}">
+                  <a16:creationId xmlns:a16="http://schemas.microsoft.com/office/drawing/2014/main" id="{5EA0AF1C-EB62-41CD-AD60-7E0A133B7F8E}"/>
+                </a:ext>
+              </a:extLst>
+            </p:cNvPr>
+            <p:cNvSpPr/>
+            <p:nvPr/>
+          </p:nvSpPr>
+          <p:spPr>
+            <a:xfrm>
+              <a:off x="5571676" y="2108461"/>
+              <a:ext cx="855678" cy="351921"/>
+            </a:xfrm>
+            <a:prstGeom prst="rect">
+              <a:avLst/>
+            </a:prstGeom>
+            <a:grpFill/>
+          </p:spPr>
+          <p:style>
+            <a:lnRef idx="0">
+              <a:schemeClr val="accent6"/>
+            </a:lnRef>
+            <a:fillRef idx="3">
+              <a:schemeClr val="accent6"/>
+            </a:fillRef>
+            <a:effectRef idx="3">
+              <a:schemeClr val="accent6"/>
+            </a:effectRef>
+            <a:fontRef idx="minor">
+              <a:schemeClr val="lt1"/>
+            </a:fontRef>
+          </p:style>
+          <p:txBody>
+            <a:bodyPr rtlCol="0" anchor="ctr"/>
+            <a:lstStyle/>
+            <a:p>
+              <a:pPr algn="ctr"/>
+              <a:endParaRPr lang="en-US" sz="1000"/>
+            </a:p>
+          </p:txBody>
+        </p:sp>
+        <p:sp>
+          <p:nvSpPr>
+            <p:cNvPr id="46" name="TextBox 45">
+              <a:extLst>
+                <a:ext uri="{FF2B5EF4-FFF2-40B4-BE49-F238E27FC236}">
+                  <a16:creationId xmlns:a16="http://schemas.microsoft.com/office/drawing/2014/main" id="{4688FB5B-72FF-40C4-8658-916B5903CC63}"/>
+                </a:ext>
+              </a:extLst>
+            </p:cNvPr>
+            <p:cNvSpPr txBox="1"/>
+            <p:nvPr/>
+          </p:nvSpPr>
+          <p:spPr>
+            <a:xfrm>
+              <a:off x="5564024" y="2190231"/>
+              <a:ext cx="867446" cy="194235"/>
+            </a:xfrm>
+            <a:prstGeom prst="rect">
+              <a:avLst/>
+            </a:prstGeom>
+            <a:grpFill/>
+          </p:spPr>
+          <p:txBody>
+            <a:bodyPr wrap="square" rtlCol="0">
+              <a:spAutoFit/>
+            </a:bodyPr>
+            <a:lstStyle/>
+            <a:p>
+              <a:pPr algn="ctr"/>
+              <a:r>
+                <a:rPr lang="en-US" sz="1400" b="1" dirty="0" err="1"/>
+                <a:t>VisusDataflow</a:t>
+              </a:r>
+              <a:endParaRPr lang="en-US" sz="1400" b="1" dirty="0"/>
+            </a:p>
+          </p:txBody>
+        </p:sp>
+      </p:grpSp>
+      <p:grpSp>
+        <p:nvGrpSpPr>
+          <p:cNvPr id="234" name="Group 233">
+            <a:extLst>
+              <a:ext uri="{FF2B5EF4-FFF2-40B4-BE49-F238E27FC236}">
+                <a16:creationId xmlns:a16="http://schemas.microsoft.com/office/drawing/2014/main" id="{2A4B5BE9-7B93-4388-A1C4-8A6D5F664710}"/>
+              </a:ext>
+            </a:extLst>
+          </p:cNvPr>
+          <p:cNvGrpSpPr/>
+          <p:nvPr/>
+        </p:nvGrpSpPr>
+        <p:grpSpPr>
+          <a:xfrm>
+            <a:off x="8882331" y="4387266"/>
+            <a:ext cx="1371538" cy="557638"/>
+            <a:chOff x="9557203" y="2576969"/>
+            <a:chExt cx="855679" cy="340665"/>
+          </a:xfrm>
+          <a:solidFill>
+            <a:schemeClr val="accent6"/>
+          </a:solidFill>
+        </p:grpSpPr>
+        <p:sp>
+          <p:nvSpPr>
+            <p:cNvPr id="48" name="Rectangle 47">
+              <a:extLst>
+                <a:ext uri="{FF2B5EF4-FFF2-40B4-BE49-F238E27FC236}">
+                  <a16:creationId xmlns:a16="http://schemas.microsoft.com/office/drawing/2014/main" id="{5FB199B7-1080-41D8-8AE7-373C6DBA5B40}"/>
+                </a:ext>
+              </a:extLst>
+            </p:cNvPr>
+            <p:cNvSpPr/>
+            <p:nvPr/>
+          </p:nvSpPr>
+          <p:spPr>
+            <a:xfrm>
+              <a:off x="9557203" y="2576969"/>
+              <a:ext cx="855679" cy="340665"/>
+            </a:xfrm>
+            <a:prstGeom prst="rect">
+              <a:avLst/>
+            </a:prstGeom>
+            <a:grpFill/>
+          </p:spPr>
+          <p:style>
+            <a:lnRef idx="0">
+              <a:schemeClr val="accent6"/>
+            </a:lnRef>
+            <a:fillRef idx="3">
+              <a:schemeClr val="accent6"/>
+            </a:fillRef>
+            <a:effectRef idx="3">
+              <a:schemeClr val="accent6"/>
+            </a:effectRef>
+            <a:fontRef idx="minor">
+              <a:schemeClr val="lt1"/>
+            </a:fontRef>
+          </p:style>
+          <p:txBody>
+            <a:bodyPr rtlCol="0" anchor="ctr"/>
+            <a:lstStyle/>
+            <a:p>
+              <a:pPr algn="ctr"/>
+              <a:endParaRPr lang="en-US" sz="1000" dirty="0"/>
+            </a:p>
+          </p:txBody>
+        </p:sp>
+        <p:sp>
+          <p:nvSpPr>
+            <p:cNvPr id="49" name="TextBox 48">
+              <a:extLst>
+                <a:ext uri="{FF2B5EF4-FFF2-40B4-BE49-F238E27FC236}">
+                  <a16:creationId xmlns:a16="http://schemas.microsoft.com/office/drawing/2014/main" id="{25EC77F0-4AC7-48DE-AB7A-780F175B61FF}"/>
+                </a:ext>
+              </a:extLst>
+            </p:cNvPr>
+            <p:cNvSpPr txBox="1"/>
+            <p:nvPr/>
+          </p:nvSpPr>
+          <p:spPr>
+            <a:xfrm>
+              <a:off x="9565868" y="2659391"/>
+              <a:ext cx="847014" cy="188023"/>
+            </a:xfrm>
+            <a:prstGeom prst="rect">
+              <a:avLst/>
+            </a:prstGeom>
+            <a:grpFill/>
+          </p:spPr>
+          <p:txBody>
+            <a:bodyPr wrap="square" rtlCol="0">
+              <a:spAutoFit/>
+            </a:bodyPr>
+            <a:lstStyle/>
+            <a:p>
+              <a:pPr algn="ctr"/>
+              <a:r>
+                <a:rPr lang="en-US" sz="1400" b="1" dirty="0" err="1"/>
+                <a:t>VisusGui</a:t>
+              </a:r>
+              <a:endParaRPr lang="en-US" sz="1400" b="1" dirty="0"/>
+            </a:p>
+          </p:txBody>
+        </p:sp>
+      </p:grpSp>
       <p:sp>
         <p:nvSpPr>
-          <p:cNvPr id="23" name="Freeform: Shape 22">
-            <a:extLst>
-              <a:ext uri="{FF2B5EF4-FFF2-40B4-BE49-F238E27FC236}">
-                <a16:creationId xmlns:a16="http://schemas.microsoft.com/office/drawing/2014/main" id="{16182855-37CD-47BC-AC96-F6F73DC6CE06}"/>
+          <p:cNvPr id="51" name="Rectangle 50">
+            <a:extLst>
+              <a:ext uri="{FF2B5EF4-FFF2-40B4-BE49-F238E27FC236}">
+                <a16:creationId xmlns:a16="http://schemas.microsoft.com/office/drawing/2014/main" id="{412CC699-DFA6-450E-AF9E-10A1387162CA}"/>
               </a:ext>
             </a:extLst>
           </p:cNvPr>
@@ -3573,505 +4050,28 @@
         </p:nvSpPr>
         <p:spPr>
           <a:xfrm>
-            <a:off x="4034233" y="62617"/>
-            <a:ext cx="5762907" cy="3468590"/>
+            <a:off x="7778597" y="2247678"/>
+            <a:ext cx="1182446" cy="579214"/>
           </a:xfrm>
-          <a:custGeom>
+          <a:prstGeom prst="rect">
             <a:avLst/>
-            <a:gdLst>
-              <a:gd name="connsiteX0" fmla="*/ 2093375 w 6069494"/>
-              <a:gd name="connsiteY0" fmla="*/ 568806 h 3611533"/>
-              <a:gd name="connsiteX1" fmla="*/ 1680137 w 6069494"/>
-              <a:gd name="connsiteY1" fmla="*/ 762237 h 3611533"/>
-              <a:gd name="connsiteX2" fmla="*/ 598683 w 6069494"/>
-              <a:gd name="connsiteY2" fmla="*/ 1316152 h 3611533"/>
-              <a:gd name="connsiteX3" fmla="*/ 62352 w 6069494"/>
-              <a:gd name="connsiteY3" fmla="*/ 1993160 h 3611533"/>
-              <a:gd name="connsiteX4" fmla="*/ 2031829 w 6069494"/>
-              <a:gd name="connsiteY4" fmla="*/ 3487852 h 3611533"/>
-              <a:gd name="connsiteX5" fmla="*/ 4335414 w 6069494"/>
-              <a:gd name="connsiteY5" fmla="*/ 3250460 h 3611533"/>
-              <a:gd name="connsiteX6" fmla="*/ 6049914 w 6069494"/>
-              <a:gd name="connsiteY6" fmla="*/ 1061176 h 3611533"/>
-              <a:gd name="connsiteX7" fmla="*/ 5135514 w 6069494"/>
-              <a:gd name="connsiteY7" fmla="*/ 76437 h 3611533"/>
-              <a:gd name="connsiteX8" fmla="*/ 3209998 w 6069494"/>
-              <a:gd name="connsiteY8" fmla="*/ 120399 h 3611533"/>
-              <a:gd name="connsiteX9" fmla="*/ 2093375 w 6069494"/>
-              <a:gd name="connsiteY9" fmla="*/ 568806 h 3611533"/>
-              <a:gd name="connsiteX0" fmla="*/ 1996660 w 6069494"/>
-              <a:gd name="connsiteY0" fmla="*/ 514292 h 3609773"/>
-              <a:gd name="connsiteX1" fmla="*/ 1680137 w 6069494"/>
-              <a:gd name="connsiteY1" fmla="*/ 760477 h 3609773"/>
-              <a:gd name="connsiteX2" fmla="*/ 598683 w 6069494"/>
-              <a:gd name="connsiteY2" fmla="*/ 1314392 h 3609773"/>
-              <a:gd name="connsiteX3" fmla="*/ 62352 w 6069494"/>
-              <a:gd name="connsiteY3" fmla="*/ 1991400 h 3609773"/>
-              <a:gd name="connsiteX4" fmla="*/ 2031829 w 6069494"/>
-              <a:gd name="connsiteY4" fmla="*/ 3486092 h 3609773"/>
-              <a:gd name="connsiteX5" fmla="*/ 4335414 w 6069494"/>
-              <a:gd name="connsiteY5" fmla="*/ 3248700 h 3609773"/>
-              <a:gd name="connsiteX6" fmla="*/ 6049914 w 6069494"/>
-              <a:gd name="connsiteY6" fmla="*/ 1059416 h 3609773"/>
-              <a:gd name="connsiteX7" fmla="*/ 5135514 w 6069494"/>
-              <a:gd name="connsiteY7" fmla="*/ 74677 h 3609773"/>
-              <a:gd name="connsiteX8" fmla="*/ 3209998 w 6069494"/>
-              <a:gd name="connsiteY8" fmla="*/ 118639 h 3609773"/>
-              <a:gd name="connsiteX9" fmla="*/ 1996660 w 6069494"/>
-              <a:gd name="connsiteY9" fmla="*/ 514292 h 3609773"/>
-              <a:gd name="connsiteX0" fmla="*/ 1993795 w 6066629"/>
-              <a:gd name="connsiteY0" fmla="*/ 514292 h 3609773"/>
-              <a:gd name="connsiteX1" fmla="*/ 1457464 w 6066629"/>
-              <a:gd name="connsiteY1" fmla="*/ 707724 h 3609773"/>
-              <a:gd name="connsiteX2" fmla="*/ 595818 w 6066629"/>
-              <a:gd name="connsiteY2" fmla="*/ 1314392 h 3609773"/>
-              <a:gd name="connsiteX3" fmla="*/ 59487 w 6066629"/>
-              <a:gd name="connsiteY3" fmla="*/ 1991400 h 3609773"/>
-              <a:gd name="connsiteX4" fmla="*/ 2028964 w 6066629"/>
-              <a:gd name="connsiteY4" fmla="*/ 3486092 h 3609773"/>
-              <a:gd name="connsiteX5" fmla="*/ 4332549 w 6066629"/>
-              <a:gd name="connsiteY5" fmla="*/ 3248700 h 3609773"/>
-              <a:gd name="connsiteX6" fmla="*/ 6047049 w 6066629"/>
-              <a:gd name="connsiteY6" fmla="*/ 1059416 h 3609773"/>
-              <a:gd name="connsiteX7" fmla="*/ 5132649 w 6066629"/>
-              <a:gd name="connsiteY7" fmla="*/ 74677 h 3609773"/>
-              <a:gd name="connsiteX8" fmla="*/ 3207133 w 6066629"/>
-              <a:gd name="connsiteY8" fmla="*/ 118639 h 3609773"/>
-              <a:gd name="connsiteX9" fmla="*/ 1993795 w 6066629"/>
-              <a:gd name="connsiteY9" fmla="*/ 514292 h 3609773"/>
-              <a:gd name="connsiteX0" fmla="*/ 3207133 w 6066629"/>
-              <a:gd name="connsiteY0" fmla="*/ 126790 h 3617924"/>
-              <a:gd name="connsiteX1" fmla="*/ 1457464 w 6066629"/>
-              <a:gd name="connsiteY1" fmla="*/ 715875 h 3617924"/>
-              <a:gd name="connsiteX2" fmla="*/ 595818 w 6066629"/>
-              <a:gd name="connsiteY2" fmla="*/ 1322543 h 3617924"/>
-              <a:gd name="connsiteX3" fmla="*/ 59487 w 6066629"/>
-              <a:gd name="connsiteY3" fmla="*/ 1999551 h 3617924"/>
-              <a:gd name="connsiteX4" fmla="*/ 2028964 w 6066629"/>
-              <a:gd name="connsiteY4" fmla="*/ 3494243 h 3617924"/>
-              <a:gd name="connsiteX5" fmla="*/ 4332549 w 6066629"/>
-              <a:gd name="connsiteY5" fmla="*/ 3256851 h 3617924"/>
-              <a:gd name="connsiteX6" fmla="*/ 6047049 w 6066629"/>
-              <a:gd name="connsiteY6" fmla="*/ 1067567 h 3617924"/>
-              <a:gd name="connsiteX7" fmla="*/ 5132649 w 6066629"/>
-              <a:gd name="connsiteY7" fmla="*/ 82828 h 3617924"/>
-              <a:gd name="connsiteX8" fmla="*/ 3207133 w 6066629"/>
-              <a:gd name="connsiteY8" fmla="*/ 126790 h 3617924"/>
-              <a:gd name="connsiteX0" fmla="*/ 3208372 w 6067868"/>
-              <a:gd name="connsiteY0" fmla="*/ 126790 h 3617924"/>
-              <a:gd name="connsiteX1" fmla="*/ 1458703 w 6067868"/>
-              <a:gd name="connsiteY1" fmla="*/ 715875 h 3617924"/>
-              <a:gd name="connsiteX2" fmla="*/ 588265 w 6067868"/>
-              <a:gd name="connsiteY2" fmla="*/ 1243413 h 3617924"/>
-              <a:gd name="connsiteX3" fmla="*/ 60726 w 6067868"/>
-              <a:gd name="connsiteY3" fmla="*/ 1999551 h 3617924"/>
-              <a:gd name="connsiteX4" fmla="*/ 2030203 w 6067868"/>
-              <a:gd name="connsiteY4" fmla="*/ 3494243 h 3617924"/>
-              <a:gd name="connsiteX5" fmla="*/ 4333788 w 6067868"/>
-              <a:gd name="connsiteY5" fmla="*/ 3256851 h 3617924"/>
-              <a:gd name="connsiteX6" fmla="*/ 6048288 w 6067868"/>
-              <a:gd name="connsiteY6" fmla="*/ 1067567 h 3617924"/>
-              <a:gd name="connsiteX7" fmla="*/ 5133888 w 6067868"/>
-              <a:gd name="connsiteY7" fmla="*/ 82828 h 3617924"/>
-              <a:gd name="connsiteX8" fmla="*/ 3208372 w 6067868"/>
-              <a:gd name="connsiteY8" fmla="*/ 126790 h 3617924"/>
-              <a:gd name="connsiteX0" fmla="*/ 3211936 w 6071432"/>
-              <a:gd name="connsiteY0" fmla="*/ 126790 h 3617924"/>
-              <a:gd name="connsiteX1" fmla="*/ 1462267 w 6071432"/>
-              <a:gd name="connsiteY1" fmla="*/ 715875 h 3617924"/>
-              <a:gd name="connsiteX2" fmla="*/ 591829 w 6071432"/>
-              <a:gd name="connsiteY2" fmla="*/ 1243413 h 3617924"/>
-              <a:gd name="connsiteX3" fmla="*/ 64290 w 6071432"/>
-              <a:gd name="connsiteY3" fmla="*/ 1999551 h 3617924"/>
-              <a:gd name="connsiteX4" fmla="*/ 2033767 w 6071432"/>
-              <a:gd name="connsiteY4" fmla="*/ 3494243 h 3617924"/>
-              <a:gd name="connsiteX5" fmla="*/ 4337352 w 6071432"/>
-              <a:gd name="connsiteY5" fmla="*/ 3256851 h 3617924"/>
-              <a:gd name="connsiteX6" fmla="*/ 6051852 w 6071432"/>
-              <a:gd name="connsiteY6" fmla="*/ 1067567 h 3617924"/>
-              <a:gd name="connsiteX7" fmla="*/ 5137452 w 6071432"/>
-              <a:gd name="connsiteY7" fmla="*/ 82828 h 3617924"/>
-              <a:gd name="connsiteX8" fmla="*/ 3211936 w 6071432"/>
-              <a:gd name="connsiteY8" fmla="*/ 126790 h 3617924"/>
-              <a:gd name="connsiteX0" fmla="*/ 3154185 w 6013681"/>
-              <a:gd name="connsiteY0" fmla="*/ 126790 h 3617924"/>
-              <a:gd name="connsiteX1" fmla="*/ 1404516 w 6013681"/>
-              <a:gd name="connsiteY1" fmla="*/ 715875 h 3617924"/>
-              <a:gd name="connsiteX2" fmla="*/ 6539 w 6013681"/>
-              <a:gd name="connsiteY2" fmla="*/ 1999551 h 3617924"/>
-              <a:gd name="connsiteX3" fmla="*/ 1976016 w 6013681"/>
-              <a:gd name="connsiteY3" fmla="*/ 3494243 h 3617924"/>
-              <a:gd name="connsiteX4" fmla="*/ 4279601 w 6013681"/>
-              <a:gd name="connsiteY4" fmla="*/ 3256851 h 3617924"/>
-              <a:gd name="connsiteX5" fmla="*/ 5994101 w 6013681"/>
-              <a:gd name="connsiteY5" fmla="*/ 1067567 h 3617924"/>
-              <a:gd name="connsiteX6" fmla="*/ 5079701 w 6013681"/>
-              <a:gd name="connsiteY6" fmla="*/ 82828 h 3617924"/>
-              <a:gd name="connsiteX7" fmla="*/ 3154185 w 6013681"/>
-              <a:gd name="connsiteY7" fmla="*/ 126790 h 3617924"/>
-              <a:gd name="connsiteX0" fmla="*/ 3075493 w 5934989"/>
-              <a:gd name="connsiteY0" fmla="*/ 126790 h 3617924"/>
-              <a:gd name="connsiteX1" fmla="*/ 1325824 w 5934989"/>
-              <a:gd name="connsiteY1" fmla="*/ 715875 h 3617924"/>
-              <a:gd name="connsiteX2" fmla="*/ 6978 w 5934989"/>
-              <a:gd name="connsiteY2" fmla="*/ 1999551 h 3617924"/>
-              <a:gd name="connsiteX3" fmla="*/ 1897324 w 5934989"/>
-              <a:gd name="connsiteY3" fmla="*/ 3494243 h 3617924"/>
-              <a:gd name="connsiteX4" fmla="*/ 4200909 w 5934989"/>
-              <a:gd name="connsiteY4" fmla="*/ 3256851 h 3617924"/>
-              <a:gd name="connsiteX5" fmla="*/ 5915409 w 5934989"/>
-              <a:gd name="connsiteY5" fmla="*/ 1067567 h 3617924"/>
-              <a:gd name="connsiteX6" fmla="*/ 5001009 w 5934989"/>
-              <a:gd name="connsiteY6" fmla="*/ 82828 h 3617924"/>
-              <a:gd name="connsiteX7" fmla="*/ 3075493 w 5934989"/>
-              <a:gd name="connsiteY7" fmla="*/ 126790 h 3617924"/>
-              <a:gd name="connsiteX0" fmla="*/ 3068749 w 5928245"/>
-              <a:gd name="connsiteY0" fmla="*/ 126790 h 3617924"/>
-              <a:gd name="connsiteX1" fmla="*/ 1319080 w 5928245"/>
-              <a:gd name="connsiteY1" fmla="*/ 715875 h 3617924"/>
-              <a:gd name="connsiteX2" fmla="*/ 234 w 5928245"/>
-              <a:gd name="connsiteY2" fmla="*/ 1999551 h 3617924"/>
-              <a:gd name="connsiteX3" fmla="*/ 1890580 w 5928245"/>
-              <a:gd name="connsiteY3" fmla="*/ 3494243 h 3617924"/>
-              <a:gd name="connsiteX4" fmla="*/ 4194165 w 5928245"/>
-              <a:gd name="connsiteY4" fmla="*/ 3256851 h 3617924"/>
-              <a:gd name="connsiteX5" fmla="*/ 5908665 w 5928245"/>
-              <a:gd name="connsiteY5" fmla="*/ 1067567 h 3617924"/>
-              <a:gd name="connsiteX6" fmla="*/ 4994265 w 5928245"/>
-              <a:gd name="connsiteY6" fmla="*/ 82828 h 3617924"/>
-              <a:gd name="connsiteX7" fmla="*/ 3068749 w 5928245"/>
-              <a:gd name="connsiteY7" fmla="*/ 126790 h 3617924"/>
-              <a:gd name="connsiteX0" fmla="*/ 3130296 w 5928246"/>
-              <a:gd name="connsiteY0" fmla="*/ 362992 h 3572772"/>
-              <a:gd name="connsiteX1" fmla="*/ 1319081 w 5928246"/>
-              <a:gd name="connsiteY1" fmla="*/ 670723 h 3572772"/>
-              <a:gd name="connsiteX2" fmla="*/ 235 w 5928246"/>
-              <a:gd name="connsiteY2" fmla="*/ 1954399 h 3572772"/>
-              <a:gd name="connsiteX3" fmla="*/ 1890581 w 5928246"/>
-              <a:gd name="connsiteY3" fmla="*/ 3449091 h 3572772"/>
-              <a:gd name="connsiteX4" fmla="*/ 4194166 w 5928246"/>
-              <a:gd name="connsiteY4" fmla="*/ 3211699 h 3572772"/>
-              <a:gd name="connsiteX5" fmla="*/ 5908666 w 5928246"/>
-              <a:gd name="connsiteY5" fmla="*/ 1022415 h 3572772"/>
-              <a:gd name="connsiteX6" fmla="*/ 4994266 w 5928246"/>
-              <a:gd name="connsiteY6" fmla="*/ 37676 h 3572772"/>
-              <a:gd name="connsiteX7" fmla="*/ 3130296 w 5928246"/>
-              <a:gd name="connsiteY7" fmla="*/ 362992 h 3572772"/>
-              <a:gd name="connsiteX0" fmla="*/ 3130296 w 5945880"/>
-              <a:gd name="connsiteY0" fmla="*/ 203003 h 3412783"/>
-              <a:gd name="connsiteX1" fmla="*/ 1319081 w 5945880"/>
-              <a:gd name="connsiteY1" fmla="*/ 510734 h 3412783"/>
-              <a:gd name="connsiteX2" fmla="*/ 235 w 5945880"/>
-              <a:gd name="connsiteY2" fmla="*/ 1794410 h 3412783"/>
-              <a:gd name="connsiteX3" fmla="*/ 1890581 w 5945880"/>
-              <a:gd name="connsiteY3" fmla="*/ 3289102 h 3412783"/>
-              <a:gd name="connsiteX4" fmla="*/ 4194166 w 5945880"/>
-              <a:gd name="connsiteY4" fmla="*/ 3051710 h 3412783"/>
-              <a:gd name="connsiteX5" fmla="*/ 5908666 w 5945880"/>
-              <a:gd name="connsiteY5" fmla="*/ 862426 h 3412783"/>
-              <a:gd name="connsiteX6" fmla="*/ 5187697 w 5945880"/>
-              <a:gd name="connsiteY6" fmla="*/ 53534 h 3412783"/>
-              <a:gd name="connsiteX7" fmla="*/ 3130296 w 5945880"/>
-              <a:gd name="connsiteY7" fmla="*/ 203003 h 3412783"/>
-              <a:gd name="connsiteX0" fmla="*/ 3130296 w 5945880"/>
-              <a:gd name="connsiteY0" fmla="*/ 149469 h 3359249"/>
-              <a:gd name="connsiteX1" fmla="*/ 1319081 w 5945880"/>
-              <a:gd name="connsiteY1" fmla="*/ 457200 h 3359249"/>
-              <a:gd name="connsiteX2" fmla="*/ 235 w 5945880"/>
-              <a:gd name="connsiteY2" fmla="*/ 1740876 h 3359249"/>
-              <a:gd name="connsiteX3" fmla="*/ 1890581 w 5945880"/>
-              <a:gd name="connsiteY3" fmla="*/ 3235568 h 3359249"/>
-              <a:gd name="connsiteX4" fmla="*/ 4194166 w 5945880"/>
-              <a:gd name="connsiteY4" fmla="*/ 2998176 h 3359249"/>
-              <a:gd name="connsiteX5" fmla="*/ 5908666 w 5945880"/>
-              <a:gd name="connsiteY5" fmla="*/ 808892 h 3359249"/>
-              <a:gd name="connsiteX6" fmla="*/ 5187697 w 5945880"/>
-              <a:gd name="connsiteY6" fmla="*/ 0 h 3359249"/>
-              <a:gd name="connsiteX7" fmla="*/ 3130296 w 5945880"/>
-              <a:gd name="connsiteY7" fmla="*/ 149469 h 3359249"/>
-              <a:gd name="connsiteX0" fmla="*/ 3130296 w 5945880"/>
-              <a:gd name="connsiteY0" fmla="*/ 149469 h 3359249"/>
-              <a:gd name="connsiteX1" fmla="*/ 1319081 w 5945880"/>
-              <a:gd name="connsiteY1" fmla="*/ 457200 h 3359249"/>
-              <a:gd name="connsiteX2" fmla="*/ 235 w 5945880"/>
-              <a:gd name="connsiteY2" fmla="*/ 1740876 h 3359249"/>
-              <a:gd name="connsiteX3" fmla="*/ 1890581 w 5945880"/>
-              <a:gd name="connsiteY3" fmla="*/ 3235568 h 3359249"/>
-              <a:gd name="connsiteX4" fmla="*/ 4194166 w 5945880"/>
-              <a:gd name="connsiteY4" fmla="*/ 2998176 h 3359249"/>
-              <a:gd name="connsiteX5" fmla="*/ 5908666 w 5945880"/>
-              <a:gd name="connsiteY5" fmla="*/ 808892 h 3359249"/>
-              <a:gd name="connsiteX6" fmla="*/ 5187697 w 5945880"/>
-              <a:gd name="connsiteY6" fmla="*/ 0 h 3359249"/>
-              <a:gd name="connsiteX7" fmla="*/ 3130296 w 5945880"/>
-              <a:gd name="connsiteY7" fmla="*/ 149469 h 3359249"/>
-              <a:gd name="connsiteX0" fmla="*/ 5187862 w 5946045"/>
-              <a:gd name="connsiteY0" fmla="*/ 9320 h 3368569"/>
-              <a:gd name="connsiteX1" fmla="*/ 1319246 w 5946045"/>
-              <a:gd name="connsiteY1" fmla="*/ 466520 h 3368569"/>
-              <a:gd name="connsiteX2" fmla="*/ 400 w 5946045"/>
-              <a:gd name="connsiteY2" fmla="*/ 1750196 h 3368569"/>
-              <a:gd name="connsiteX3" fmla="*/ 1890746 w 5946045"/>
-              <a:gd name="connsiteY3" fmla="*/ 3244888 h 3368569"/>
-              <a:gd name="connsiteX4" fmla="*/ 4194331 w 5946045"/>
-              <a:gd name="connsiteY4" fmla="*/ 3007496 h 3368569"/>
-              <a:gd name="connsiteX5" fmla="*/ 5908831 w 5946045"/>
-              <a:gd name="connsiteY5" fmla="*/ 818212 h 3368569"/>
-              <a:gd name="connsiteX6" fmla="*/ 5187862 w 5946045"/>
-              <a:gd name="connsiteY6" fmla="*/ 9320 h 3368569"/>
-              <a:gd name="connsiteX0" fmla="*/ 5187862 w 5943180"/>
-              <a:gd name="connsiteY0" fmla="*/ 16730 h 3375979"/>
-              <a:gd name="connsiteX1" fmla="*/ 1319246 w 5943180"/>
-              <a:gd name="connsiteY1" fmla="*/ 473930 h 3375979"/>
-              <a:gd name="connsiteX2" fmla="*/ 400 w 5943180"/>
-              <a:gd name="connsiteY2" fmla="*/ 1757606 h 3375979"/>
-              <a:gd name="connsiteX3" fmla="*/ 1890746 w 5943180"/>
-              <a:gd name="connsiteY3" fmla="*/ 3252298 h 3375979"/>
-              <a:gd name="connsiteX4" fmla="*/ 4194331 w 5943180"/>
-              <a:gd name="connsiteY4" fmla="*/ 3014906 h 3375979"/>
-              <a:gd name="connsiteX5" fmla="*/ 5908831 w 5943180"/>
-              <a:gd name="connsiteY5" fmla="*/ 825622 h 3375979"/>
-              <a:gd name="connsiteX6" fmla="*/ 5187862 w 5943180"/>
-              <a:gd name="connsiteY6" fmla="*/ 16730 h 3375979"/>
-              <a:gd name="connsiteX0" fmla="*/ 5310972 w 5958954"/>
-              <a:gd name="connsiteY0" fmla="*/ 20208 h 3309118"/>
-              <a:gd name="connsiteX1" fmla="*/ 1319264 w 5958954"/>
-              <a:gd name="connsiteY1" fmla="*/ 407069 h 3309118"/>
-              <a:gd name="connsiteX2" fmla="*/ 418 w 5958954"/>
-              <a:gd name="connsiteY2" fmla="*/ 1690745 h 3309118"/>
-              <a:gd name="connsiteX3" fmla="*/ 1890764 w 5958954"/>
-              <a:gd name="connsiteY3" fmla="*/ 3185437 h 3309118"/>
-              <a:gd name="connsiteX4" fmla="*/ 4194349 w 5958954"/>
-              <a:gd name="connsiteY4" fmla="*/ 2948045 h 3309118"/>
-              <a:gd name="connsiteX5" fmla="*/ 5908849 w 5958954"/>
-              <a:gd name="connsiteY5" fmla="*/ 758761 h 3309118"/>
-              <a:gd name="connsiteX6" fmla="*/ 5310972 w 5958954"/>
-              <a:gd name="connsiteY6" fmla="*/ 20208 h 3309118"/>
-              <a:gd name="connsiteX0" fmla="*/ 5310972 w 5966376"/>
-              <a:gd name="connsiteY0" fmla="*/ 20208 h 3309118"/>
-              <a:gd name="connsiteX1" fmla="*/ 1319264 w 5966376"/>
-              <a:gd name="connsiteY1" fmla="*/ 407069 h 3309118"/>
-              <a:gd name="connsiteX2" fmla="*/ 418 w 5966376"/>
-              <a:gd name="connsiteY2" fmla="*/ 1690745 h 3309118"/>
-              <a:gd name="connsiteX3" fmla="*/ 1890764 w 5966376"/>
-              <a:gd name="connsiteY3" fmla="*/ 3185437 h 3309118"/>
-              <a:gd name="connsiteX4" fmla="*/ 4194349 w 5966376"/>
-              <a:gd name="connsiteY4" fmla="*/ 2948045 h 3309118"/>
-              <a:gd name="connsiteX5" fmla="*/ 5908849 w 5966376"/>
-              <a:gd name="connsiteY5" fmla="*/ 758761 h 3309118"/>
-              <a:gd name="connsiteX6" fmla="*/ 5310972 w 5966376"/>
-              <a:gd name="connsiteY6" fmla="*/ 20208 h 3309118"/>
-              <a:gd name="connsiteX0" fmla="*/ 5310972 w 5964580"/>
-              <a:gd name="connsiteY0" fmla="*/ 46175 h 3335085"/>
-              <a:gd name="connsiteX1" fmla="*/ 1319264 w 5964580"/>
-              <a:gd name="connsiteY1" fmla="*/ 433036 h 3335085"/>
-              <a:gd name="connsiteX2" fmla="*/ 418 w 5964580"/>
-              <a:gd name="connsiteY2" fmla="*/ 1716712 h 3335085"/>
-              <a:gd name="connsiteX3" fmla="*/ 1890764 w 5964580"/>
-              <a:gd name="connsiteY3" fmla="*/ 3211404 h 3335085"/>
-              <a:gd name="connsiteX4" fmla="*/ 4194349 w 5964580"/>
-              <a:gd name="connsiteY4" fmla="*/ 2974012 h 3335085"/>
-              <a:gd name="connsiteX5" fmla="*/ 5908849 w 5964580"/>
-              <a:gd name="connsiteY5" fmla="*/ 784728 h 3335085"/>
-              <a:gd name="connsiteX6" fmla="*/ 5310972 w 5964580"/>
-              <a:gd name="connsiteY6" fmla="*/ 46175 h 3335085"/>
-              <a:gd name="connsiteX0" fmla="*/ 5117758 w 5771366"/>
-              <a:gd name="connsiteY0" fmla="*/ 47382 h 3331169"/>
-              <a:gd name="connsiteX1" fmla="*/ 1126050 w 5771366"/>
-              <a:gd name="connsiteY1" fmla="*/ 434243 h 3331169"/>
-              <a:gd name="connsiteX2" fmla="*/ 635 w 5771366"/>
-              <a:gd name="connsiteY2" fmla="*/ 1788257 h 3331169"/>
-              <a:gd name="connsiteX3" fmla="*/ 1697550 w 5771366"/>
-              <a:gd name="connsiteY3" fmla="*/ 3212611 h 3331169"/>
-              <a:gd name="connsiteX4" fmla="*/ 4001135 w 5771366"/>
-              <a:gd name="connsiteY4" fmla="*/ 2975219 h 3331169"/>
-              <a:gd name="connsiteX5" fmla="*/ 5715635 w 5771366"/>
-              <a:gd name="connsiteY5" fmla="*/ 785935 h 3331169"/>
-              <a:gd name="connsiteX6" fmla="*/ 5117758 w 5771366"/>
-              <a:gd name="connsiteY6" fmla="*/ 47382 h 3331169"/>
-              <a:gd name="connsiteX0" fmla="*/ 5122788 w 5776396"/>
-              <a:gd name="connsiteY0" fmla="*/ 36343 h 3320130"/>
-              <a:gd name="connsiteX1" fmla="*/ 1306926 w 5776396"/>
-              <a:gd name="connsiteY1" fmla="*/ 546296 h 3320130"/>
-              <a:gd name="connsiteX2" fmla="*/ 5665 w 5776396"/>
-              <a:gd name="connsiteY2" fmla="*/ 1777218 h 3320130"/>
-              <a:gd name="connsiteX3" fmla="*/ 1702580 w 5776396"/>
-              <a:gd name="connsiteY3" fmla="*/ 3201572 h 3320130"/>
-              <a:gd name="connsiteX4" fmla="*/ 4006165 w 5776396"/>
-              <a:gd name="connsiteY4" fmla="*/ 2964180 h 3320130"/>
-              <a:gd name="connsiteX5" fmla="*/ 5720665 w 5776396"/>
-              <a:gd name="connsiteY5" fmla="*/ 774896 h 3320130"/>
-              <a:gd name="connsiteX6" fmla="*/ 5122788 w 5776396"/>
-              <a:gd name="connsiteY6" fmla="*/ 36343 h 3320130"/>
-              <a:gd name="connsiteX0" fmla="*/ 5466274 w 5875876"/>
-              <a:gd name="connsiteY0" fmla="*/ 43775 h 3222054"/>
-              <a:gd name="connsiteX1" fmla="*/ 1307512 w 5875876"/>
-              <a:gd name="connsiteY1" fmla="*/ 448220 h 3222054"/>
-              <a:gd name="connsiteX2" fmla="*/ 6251 w 5875876"/>
-              <a:gd name="connsiteY2" fmla="*/ 1679142 h 3222054"/>
-              <a:gd name="connsiteX3" fmla="*/ 1703166 w 5875876"/>
-              <a:gd name="connsiteY3" fmla="*/ 3103496 h 3222054"/>
-              <a:gd name="connsiteX4" fmla="*/ 4006751 w 5875876"/>
-              <a:gd name="connsiteY4" fmla="*/ 2866104 h 3222054"/>
-              <a:gd name="connsiteX5" fmla="*/ 5721251 w 5875876"/>
-              <a:gd name="connsiteY5" fmla="*/ 676820 h 3222054"/>
-              <a:gd name="connsiteX6" fmla="*/ 5466274 w 5875876"/>
-              <a:gd name="connsiteY6" fmla="*/ 43775 h 3222054"/>
-              <a:gd name="connsiteX0" fmla="*/ 5466274 w 5856452"/>
-              <a:gd name="connsiteY0" fmla="*/ 71375 h 3249654"/>
-              <a:gd name="connsiteX1" fmla="*/ 1307512 w 5856452"/>
-              <a:gd name="connsiteY1" fmla="*/ 475820 h 3249654"/>
-              <a:gd name="connsiteX2" fmla="*/ 6251 w 5856452"/>
-              <a:gd name="connsiteY2" fmla="*/ 1706742 h 3249654"/>
-              <a:gd name="connsiteX3" fmla="*/ 1703166 w 5856452"/>
-              <a:gd name="connsiteY3" fmla="*/ 3131096 h 3249654"/>
-              <a:gd name="connsiteX4" fmla="*/ 4006751 w 5856452"/>
-              <a:gd name="connsiteY4" fmla="*/ 2893704 h 3249654"/>
-              <a:gd name="connsiteX5" fmla="*/ 5721251 w 5856452"/>
-              <a:gd name="connsiteY5" fmla="*/ 704420 h 3249654"/>
-              <a:gd name="connsiteX6" fmla="*/ 5466274 w 5856452"/>
-              <a:gd name="connsiteY6" fmla="*/ 71375 h 3249654"/>
-              <a:gd name="connsiteX0" fmla="*/ 5466274 w 5927008"/>
-              <a:gd name="connsiteY0" fmla="*/ 53928 h 3232207"/>
-              <a:gd name="connsiteX1" fmla="*/ 1307512 w 5927008"/>
-              <a:gd name="connsiteY1" fmla="*/ 458373 h 3232207"/>
-              <a:gd name="connsiteX2" fmla="*/ 6251 w 5927008"/>
-              <a:gd name="connsiteY2" fmla="*/ 1689295 h 3232207"/>
-              <a:gd name="connsiteX3" fmla="*/ 1703166 w 5927008"/>
-              <a:gd name="connsiteY3" fmla="*/ 3113649 h 3232207"/>
-              <a:gd name="connsiteX4" fmla="*/ 4006751 w 5927008"/>
-              <a:gd name="connsiteY4" fmla="*/ 2876257 h 3232207"/>
-              <a:gd name="connsiteX5" fmla="*/ 5721251 w 5927008"/>
-              <a:gd name="connsiteY5" fmla="*/ 686973 h 3232207"/>
-              <a:gd name="connsiteX6" fmla="*/ 5466274 w 5927008"/>
-              <a:gd name="connsiteY6" fmla="*/ 53928 h 3232207"/>
-              <a:gd name="connsiteX0" fmla="*/ 5466274 w 5916581"/>
-              <a:gd name="connsiteY0" fmla="*/ 53928 h 3232207"/>
-              <a:gd name="connsiteX1" fmla="*/ 1307512 w 5916581"/>
-              <a:gd name="connsiteY1" fmla="*/ 458373 h 3232207"/>
-              <a:gd name="connsiteX2" fmla="*/ 6251 w 5916581"/>
-              <a:gd name="connsiteY2" fmla="*/ 1689295 h 3232207"/>
-              <a:gd name="connsiteX3" fmla="*/ 1703166 w 5916581"/>
-              <a:gd name="connsiteY3" fmla="*/ 3113649 h 3232207"/>
-              <a:gd name="connsiteX4" fmla="*/ 4006751 w 5916581"/>
-              <a:gd name="connsiteY4" fmla="*/ 2876257 h 3232207"/>
-              <a:gd name="connsiteX5" fmla="*/ 5721251 w 5916581"/>
-              <a:gd name="connsiteY5" fmla="*/ 686973 h 3232207"/>
-              <a:gd name="connsiteX6" fmla="*/ 5466274 w 5916581"/>
-              <a:gd name="connsiteY6" fmla="*/ 53928 h 3232207"/>
-              <a:gd name="connsiteX0" fmla="*/ 4955485 w 5763619"/>
-              <a:gd name="connsiteY0" fmla="*/ 50822 h 3264270"/>
-              <a:gd name="connsiteX1" fmla="*/ 1306677 w 5763619"/>
-              <a:gd name="connsiteY1" fmla="*/ 490436 h 3264270"/>
-              <a:gd name="connsiteX2" fmla="*/ 5416 w 5763619"/>
-              <a:gd name="connsiteY2" fmla="*/ 1721358 h 3264270"/>
-              <a:gd name="connsiteX3" fmla="*/ 1702331 w 5763619"/>
-              <a:gd name="connsiteY3" fmla="*/ 3145712 h 3264270"/>
-              <a:gd name="connsiteX4" fmla="*/ 4005916 w 5763619"/>
-              <a:gd name="connsiteY4" fmla="*/ 2908320 h 3264270"/>
-              <a:gd name="connsiteX5" fmla="*/ 5720416 w 5763619"/>
-              <a:gd name="connsiteY5" fmla="*/ 719036 h 3264270"/>
-              <a:gd name="connsiteX6" fmla="*/ 4955485 w 5763619"/>
-              <a:gd name="connsiteY6" fmla="*/ 50822 h 3264270"/>
-              <a:gd name="connsiteX0" fmla="*/ 4955485 w 5762907"/>
-              <a:gd name="connsiteY0" fmla="*/ 14419 h 3227867"/>
-              <a:gd name="connsiteX1" fmla="*/ 1306677 w 5762907"/>
-              <a:gd name="connsiteY1" fmla="*/ 454033 h 3227867"/>
-              <a:gd name="connsiteX2" fmla="*/ 5416 w 5762907"/>
-              <a:gd name="connsiteY2" fmla="*/ 1684955 h 3227867"/>
-              <a:gd name="connsiteX3" fmla="*/ 1702331 w 5762907"/>
-              <a:gd name="connsiteY3" fmla="*/ 3109309 h 3227867"/>
-              <a:gd name="connsiteX4" fmla="*/ 4005916 w 5762907"/>
-              <a:gd name="connsiteY4" fmla="*/ 2871917 h 3227867"/>
-              <a:gd name="connsiteX5" fmla="*/ 5720416 w 5762907"/>
-              <a:gd name="connsiteY5" fmla="*/ 682633 h 3227867"/>
-              <a:gd name="connsiteX6" fmla="*/ 4955485 w 5762907"/>
-              <a:gd name="connsiteY6" fmla="*/ 14419 h 3227867"/>
-            </a:gdLst>
-            <a:ahLst/>
-            <a:cxnLst>
-              <a:cxn ang="0">
-                <a:pos x="connsiteX0" y="connsiteY0"/>
-              </a:cxn>
-              <a:cxn ang="0">
-                <a:pos x="connsiteX1" y="connsiteY1"/>
-              </a:cxn>
-              <a:cxn ang="0">
-                <a:pos x="connsiteX2" y="connsiteY2"/>
-              </a:cxn>
-              <a:cxn ang="0">
-                <a:pos x="connsiteX3" y="connsiteY3"/>
-              </a:cxn>
-              <a:cxn ang="0">
-                <a:pos x="connsiteX4" y="connsiteY4"/>
-              </a:cxn>
-              <a:cxn ang="0">
-                <a:pos x="connsiteX5" y="connsiteY5"/>
-              </a:cxn>
-              <a:cxn ang="0">
-                <a:pos x="connsiteX6" y="connsiteY6"/>
-              </a:cxn>
-            </a:cxnLst>
-            <a:rect l="l" t="t" r="r" b="b"/>
-            <a:pathLst>
-              <a:path w="5762907" h="3227867">
-                <a:moveTo>
-                  <a:pt x="4955485" y="14419"/>
-                </a:moveTo>
-                <a:cubicBezTo>
-                  <a:pt x="4322438" y="-61780"/>
-                  <a:pt x="2131689" y="175610"/>
-                  <a:pt x="1306677" y="454033"/>
-                </a:cubicBezTo>
-                <a:cubicBezTo>
-                  <a:pt x="481666" y="732456"/>
-                  <a:pt x="-60526" y="1242409"/>
-                  <a:pt x="5416" y="1684955"/>
-                </a:cubicBezTo>
-                <a:cubicBezTo>
-                  <a:pt x="71358" y="2127501"/>
-                  <a:pt x="1035581" y="2911482"/>
-                  <a:pt x="1702331" y="3109309"/>
-                </a:cubicBezTo>
-                <a:cubicBezTo>
-                  <a:pt x="2369081" y="3307136"/>
-                  <a:pt x="3336235" y="3276363"/>
-                  <a:pt x="4005916" y="2871917"/>
-                </a:cubicBezTo>
-                <a:cubicBezTo>
-                  <a:pt x="4675597" y="2467471"/>
-                  <a:pt x="5562154" y="1158883"/>
-                  <a:pt x="5720416" y="682633"/>
-                </a:cubicBezTo>
-                <a:cubicBezTo>
-                  <a:pt x="5878678" y="206383"/>
-                  <a:pt x="5588532" y="90618"/>
-                  <a:pt x="4955485" y="14419"/>
-                </a:cubicBezTo>
-                <a:close/>
-              </a:path>
-            </a:pathLst>
-          </a:custGeom>
+          </a:prstGeom>
           <a:solidFill>
-            <a:srgbClr val="4472C4">
-              <a:alpha val="18824"/>
-            </a:srgbClr>
+            <a:schemeClr val="accent1">
+              <a:lumMod val="40000"/>
+              <a:lumOff val="60000"/>
+            </a:schemeClr>
           </a:solidFill>
-          <a:ln>
-            <a:noFill/>
-          </a:ln>
         </p:spPr>
         <p:style>
-          <a:lnRef idx="2">
-            <a:schemeClr val="accent1">
-              <a:shade val="50000"/>
-            </a:schemeClr>
+          <a:lnRef idx="0">
+            <a:schemeClr val="accent6"/>
           </a:lnRef>
-          <a:fillRef idx="1">
-            <a:schemeClr val="accent1"/>
+          <a:fillRef idx="3">
+            <a:schemeClr val="accent6"/>
           </a:fillRef>
-          <a:effectRef idx="0">
-            <a:schemeClr val="accent1"/>
+          <a:effectRef idx="3">
+            <a:schemeClr val="accent6"/>
           </a:effectRef>
           <a:fontRef idx="minor">
             <a:schemeClr val="lt1"/>
@@ -4082,16 +4082,269 @@
           <a:lstStyle/>
           <a:p>
             <a:pPr algn="ctr"/>
-            <a:endParaRPr lang="en-US" dirty="0"/>
+            <a:endParaRPr lang="en-US" sz="1000"/>
           </a:p>
         </p:txBody>
       </p:sp>
       <p:sp>
         <p:nvSpPr>
-          <p:cNvPr id="314" name="Freeform: Shape 313">
-            <a:extLst>
-              <a:ext uri="{FF2B5EF4-FFF2-40B4-BE49-F238E27FC236}">
-                <a16:creationId xmlns:a16="http://schemas.microsoft.com/office/drawing/2014/main" id="{502A18CE-4DCC-4B91-B5CE-FF248696D6A5}"/>
+          <p:cNvPr id="52" name="TextBox 51">
+            <a:extLst>
+              <a:ext uri="{FF2B5EF4-FFF2-40B4-BE49-F238E27FC236}">
+                <a16:creationId xmlns:a16="http://schemas.microsoft.com/office/drawing/2014/main" id="{86745031-2C72-4250-BBA1-B383A4AA9DA5}"/>
+              </a:ext>
+            </a:extLst>
+          </p:cNvPr>
+          <p:cNvSpPr txBox="1"/>
+          <p:nvPr/>
+        </p:nvSpPr>
+        <p:spPr>
+          <a:xfrm>
+            <a:off x="7693620" y="2367610"/>
+            <a:ext cx="1387831" cy="292388"/>
+          </a:xfrm>
+          <a:prstGeom prst="rect">
+            <a:avLst/>
+          </a:prstGeom>
+          <a:noFill/>
+        </p:spPr>
+        <p:txBody>
+          <a:bodyPr wrap="square" rtlCol="0">
+            <a:spAutoFit/>
+          </a:bodyPr>
+          <a:lstStyle/>
+          <a:p>
+            <a:pPr algn="ctr"/>
+            <a:r>
+              <a:rPr lang="en-US" sz="1300" b="1" dirty="0" err="1"/>
+              <a:t>VisusGuiNodes</a:t>
+            </a:r>
+            <a:endParaRPr lang="en-US" sz="1300" b="1" dirty="0"/>
+          </a:p>
+        </p:txBody>
+      </p:sp>
+      <p:grpSp>
+        <p:nvGrpSpPr>
+          <p:cNvPr id="204" name="Group 203">
+            <a:extLst>
+              <a:ext uri="{FF2B5EF4-FFF2-40B4-BE49-F238E27FC236}">
+                <a16:creationId xmlns:a16="http://schemas.microsoft.com/office/drawing/2014/main" id="{A5C408EE-7421-4967-AA80-09FFE959E8FA}"/>
+              </a:ext>
+            </a:extLst>
+          </p:cNvPr>
+          <p:cNvGrpSpPr/>
+          <p:nvPr/>
+        </p:nvGrpSpPr>
+        <p:grpSpPr>
+          <a:xfrm>
+            <a:off x="4226037" y="2260787"/>
+            <a:ext cx="1276828" cy="504652"/>
+            <a:chOff x="4315742" y="1280293"/>
+            <a:chExt cx="876952" cy="351922"/>
+          </a:xfrm>
+        </p:grpSpPr>
+        <p:sp>
+          <p:nvSpPr>
+            <p:cNvPr id="54" name="Rectangle 53">
+              <a:extLst>
+                <a:ext uri="{FF2B5EF4-FFF2-40B4-BE49-F238E27FC236}">
+                  <a16:creationId xmlns:a16="http://schemas.microsoft.com/office/drawing/2014/main" id="{4856994B-442F-4AA2-AF87-E7B027664B2D}"/>
+                </a:ext>
+              </a:extLst>
+            </p:cNvPr>
+            <p:cNvSpPr/>
+            <p:nvPr/>
+          </p:nvSpPr>
+          <p:spPr>
+            <a:xfrm>
+              <a:off x="4337016" y="1280293"/>
+              <a:ext cx="855678" cy="351922"/>
+            </a:xfrm>
+            <a:prstGeom prst="rect">
+              <a:avLst/>
+            </a:prstGeom>
+            <a:solidFill>
+              <a:schemeClr val="accent1">
+                <a:lumMod val="40000"/>
+                <a:lumOff val="60000"/>
+              </a:schemeClr>
+            </a:solidFill>
+          </p:spPr>
+          <p:style>
+            <a:lnRef idx="0">
+              <a:schemeClr val="accent6"/>
+            </a:lnRef>
+            <a:fillRef idx="3">
+              <a:schemeClr val="accent6"/>
+            </a:fillRef>
+            <a:effectRef idx="3">
+              <a:schemeClr val="accent6"/>
+            </a:effectRef>
+            <a:fontRef idx="minor">
+              <a:schemeClr val="lt1"/>
+            </a:fontRef>
+          </p:style>
+          <p:txBody>
+            <a:bodyPr rtlCol="0" anchor="ctr"/>
+            <a:lstStyle/>
+            <a:p>
+              <a:pPr algn="ctr"/>
+              <a:endParaRPr lang="en-US" sz="1000"/>
+            </a:p>
+          </p:txBody>
+        </p:sp>
+        <p:sp>
+          <p:nvSpPr>
+            <p:cNvPr id="55" name="TextBox 54">
+              <a:extLst>
+                <a:ext uri="{FF2B5EF4-FFF2-40B4-BE49-F238E27FC236}">
+                  <a16:creationId xmlns:a16="http://schemas.microsoft.com/office/drawing/2014/main" id="{F959B4CC-F803-4F57-812C-845A43B89FB4}"/>
+                </a:ext>
+              </a:extLst>
+            </p:cNvPr>
+            <p:cNvSpPr txBox="1"/>
+            <p:nvPr/>
+          </p:nvSpPr>
+          <p:spPr>
+            <a:xfrm>
+              <a:off x="4315742" y="1351315"/>
+              <a:ext cx="855679" cy="187001"/>
+            </a:xfrm>
+            <a:prstGeom prst="rect">
+              <a:avLst/>
+            </a:prstGeom>
+            <a:noFill/>
+          </p:spPr>
+          <p:txBody>
+            <a:bodyPr wrap="square" rtlCol="0">
+              <a:spAutoFit/>
+            </a:bodyPr>
+            <a:lstStyle/>
+            <a:p>
+              <a:pPr algn="ctr"/>
+              <a:r>
+                <a:rPr lang="en-US" sz="1400" b="1" dirty="0" err="1"/>
+                <a:t>VisusNodes</a:t>
+              </a:r>
+              <a:endParaRPr lang="en-US" sz="1400" b="1" dirty="0"/>
+            </a:p>
+          </p:txBody>
+        </p:sp>
+      </p:grpSp>
+      <p:grpSp>
+        <p:nvGrpSpPr>
+          <p:cNvPr id="248" name="Group 247">
+            <a:extLst>
+              <a:ext uri="{FF2B5EF4-FFF2-40B4-BE49-F238E27FC236}">
+                <a16:creationId xmlns:a16="http://schemas.microsoft.com/office/drawing/2014/main" id="{1150E4F8-A731-4533-B365-BA053DDBEC1A}"/>
+              </a:ext>
+            </a:extLst>
+          </p:cNvPr>
+          <p:cNvGrpSpPr/>
+          <p:nvPr/>
+        </p:nvGrpSpPr>
+        <p:grpSpPr>
+          <a:xfrm>
+            <a:off x="3370598" y="3281725"/>
+            <a:ext cx="1176660" cy="466740"/>
+            <a:chOff x="3156667" y="2211768"/>
+            <a:chExt cx="861485" cy="235420"/>
+          </a:xfrm>
+          <a:solidFill>
+            <a:schemeClr val="accent3">
+              <a:lumMod val="75000"/>
+            </a:schemeClr>
+          </a:solidFill>
+        </p:grpSpPr>
+        <p:sp>
+          <p:nvSpPr>
+            <p:cNvPr id="57" name="Rectangle 56">
+              <a:extLst>
+                <a:ext uri="{FF2B5EF4-FFF2-40B4-BE49-F238E27FC236}">
+                  <a16:creationId xmlns:a16="http://schemas.microsoft.com/office/drawing/2014/main" id="{BEBCEA0F-BE23-4430-AE0F-A3F0098FC6F1}"/>
+                </a:ext>
+              </a:extLst>
+            </p:cNvPr>
+            <p:cNvSpPr/>
+            <p:nvPr/>
+          </p:nvSpPr>
+          <p:spPr>
+            <a:xfrm>
+              <a:off x="3156667" y="2211768"/>
+              <a:ext cx="855680" cy="235420"/>
+            </a:xfrm>
+            <a:prstGeom prst="rect">
+              <a:avLst/>
+            </a:prstGeom>
+            <a:grpFill/>
+          </p:spPr>
+          <p:style>
+            <a:lnRef idx="0">
+              <a:schemeClr val="accent6"/>
+            </a:lnRef>
+            <a:fillRef idx="3">
+              <a:schemeClr val="accent6"/>
+            </a:fillRef>
+            <a:effectRef idx="3">
+              <a:schemeClr val="accent6"/>
+            </a:effectRef>
+            <a:fontRef idx="minor">
+              <a:schemeClr val="lt1"/>
+            </a:fontRef>
+          </p:style>
+          <p:txBody>
+            <a:bodyPr rtlCol="0" anchor="ctr"/>
+            <a:lstStyle/>
+            <a:p>
+              <a:pPr algn="ctr"/>
+              <a:endParaRPr lang="en-US" sz="1000"/>
+            </a:p>
+          </p:txBody>
+        </p:sp>
+        <p:sp>
+          <p:nvSpPr>
+            <p:cNvPr id="58" name="TextBox 57">
+              <a:extLst>
+                <a:ext uri="{FF2B5EF4-FFF2-40B4-BE49-F238E27FC236}">
+                  <a16:creationId xmlns:a16="http://schemas.microsoft.com/office/drawing/2014/main" id="{63542F0C-D555-4E1A-98D2-5B7F1B472B8E}"/>
+                </a:ext>
+              </a:extLst>
+            </p:cNvPr>
+            <p:cNvSpPr txBox="1"/>
+            <p:nvPr/>
+          </p:nvSpPr>
+          <p:spPr>
+            <a:xfrm>
+              <a:off x="3162473" y="2239267"/>
+              <a:ext cx="855679" cy="155240"/>
+            </a:xfrm>
+            <a:prstGeom prst="rect">
+              <a:avLst/>
+            </a:prstGeom>
+            <a:grpFill/>
+          </p:spPr>
+          <p:txBody>
+            <a:bodyPr wrap="square" rtlCol="0">
+              <a:spAutoFit/>
+            </a:bodyPr>
+            <a:lstStyle/>
+            <a:p>
+              <a:pPr algn="ctr"/>
+              <a:r>
+                <a:rPr lang="en-US" sz="1400" b="1" dirty="0" err="1"/>
+                <a:t>VisusIdx</a:t>
+              </a:r>
+              <a:endParaRPr lang="en-US" sz="1400" b="1" dirty="0"/>
+            </a:p>
+          </p:txBody>
+        </p:sp>
+      </p:grpSp>
+      <p:sp>
+        <p:nvSpPr>
+          <p:cNvPr id="61" name="Rectangle 60">
+            <a:extLst>
+              <a:ext uri="{FF2B5EF4-FFF2-40B4-BE49-F238E27FC236}">
+                <a16:creationId xmlns:a16="http://schemas.microsoft.com/office/drawing/2014/main" id="{EE18011F-E4D3-4044-AD7A-8ED7036830D0}"/>
               </a:ext>
             </a:extLst>
           </p:cNvPr>
@@ -4100,170 +4353,25 @@
         </p:nvSpPr>
         <p:spPr>
           <a:xfrm>
-            <a:off x="3591189" y="5506433"/>
-            <a:ext cx="1551120" cy="1223442"/>
+            <a:off x="6167359" y="1068870"/>
+            <a:ext cx="1201599" cy="559985"/>
           </a:xfrm>
-          <a:custGeom>
+          <a:prstGeom prst="rect">
             <a:avLst/>
-            <a:gdLst>
-              <a:gd name="connsiteX0" fmla="*/ 409834 w 1627109"/>
-              <a:gd name="connsiteY0" fmla="*/ 196373 h 1325956"/>
-              <a:gd name="connsiteX1" fmla="*/ 919788 w 1627109"/>
-              <a:gd name="connsiteY1" fmla="*/ 2942 h 1325956"/>
-              <a:gd name="connsiteX2" fmla="*/ 1526457 w 1627109"/>
-              <a:gd name="connsiteY2" fmla="*/ 345842 h 1325956"/>
-              <a:gd name="connsiteX3" fmla="*/ 1517665 w 1627109"/>
-              <a:gd name="connsiteY3" fmla="*/ 882173 h 1325956"/>
-              <a:gd name="connsiteX4" fmla="*/ 462588 w 1627109"/>
-              <a:gd name="connsiteY4" fmla="*/ 1321788 h 1325956"/>
-              <a:gd name="connsiteX5" fmla="*/ 22973 w 1627109"/>
-              <a:gd name="connsiteY5" fmla="*/ 1066811 h 1325956"/>
-              <a:gd name="connsiteX6" fmla="*/ 102104 w 1627109"/>
-              <a:gd name="connsiteY6" fmla="*/ 477727 h 1325956"/>
-              <a:gd name="connsiteX7" fmla="*/ 409834 w 1627109"/>
-              <a:gd name="connsiteY7" fmla="*/ 196373 h 1325956"/>
-              <a:gd name="connsiteX0" fmla="*/ 409834 w 1619971"/>
-              <a:gd name="connsiteY0" fmla="*/ 265788 h 1395371"/>
-              <a:gd name="connsiteX1" fmla="*/ 1052679 w 1619971"/>
-              <a:gd name="connsiteY1" fmla="*/ 2152 h 1395371"/>
-              <a:gd name="connsiteX2" fmla="*/ 1526457 w 1619971"/>
-              <a:gd name="connsiteY2" fmla="*/ 415257 h 1395371"/>
-              <a:gd name="connsiteX3" fmla="*/ 1517665 w 1619971"/>
-              <a:gd name="connsiteY3" fmla="*/ 951588 h 1395371"/>
-              <a:gd name="connsiteX4" fmla="*/ 462588 w 1619971"/>
-              <a:gd name="connsiteY4" fmla="*/ 1391203 h 1395371"/>
-              <a:gd name="connsiteX5" fmla="*/ 22973 w 1619971"/>
-              <a:gd name="connsiteY5" fmla="*/ 1136226 h 1395371"/>
-              <a:gd name="connsiteX6" fmla="*/ 102104 w 1619971"/>
-              <a:gd name="connsiteY6" fmla="*/ 547142 h 1395371"/>
-              <a:gd name="connsiteX7" fmla="*/ 409834 w 1619971"/>
-              <a:gd name="connsiteY7" fmla="*/ 265788 h 1395371"/>
-              <a:gd name="connsiteX0" fmla="*/ 409834 w 1674018"/>
-              <a:gd name="connsiteY0" fmla="*/ 264655 h 1394238"/>
-              <a:gd name="connsiteX1" fmla="*/ 1052679 w 1674018"/>
-              <a:gd name="connsiteY1" fmla="*/ 1019 h 1394238"/>
-              <a:gd name="connsiteX2" fmla="*/ 1621380 w 1674018"/>
-              <a:gd name="connsiteY2" fmla="*/ 363978 h 1394238"/>
-              <a:gd name="connsiteX3" fmla="*/ 1517665 w 1674018"/>
-              <a:gd name="connsiteY3" fmla="*/ 950455 h 1394238"/>
-              <a:gd name="connsiteX4" fmla="*/ 462588 w 1674018"/>
-              <a:gd name="connsiteY4" fmla="*/ 1390070 h 1394238"/>
-              <a:gd name="connsiteX5" fmla="*/ 22973 w 1674018"/>
-              <a:gd name="connsiteY5" fmla="*/ 1135093 h 1394238"/>
-              <a:gd name="connsiteX6" fmla="*/ 102104 w 1674018"/>
-              <a:gd name="connsiteY6" fmla="*/ 546009 h 1394238"/>
-              <a:gd name="connsiteX7" fmla="*/ 409834 w 1674018"/>
-              <a:gd name="connsiteY7" fmla="*/ 264655 h 1394238"/>
-              <a:gd name="connsiteX0" fmla="*/ 467372 w 1674603"/>
-              <a:gd name="connsiteY0" fmla="*/ 225852 h 1395551"/>
-              <a:gd name="connsiteX1" fmla="*/ 1053264 w 1674603"/>
-              <a:gd name="connsiteY1" fmla="*/ 2332 h 1395551"/>
-              <a:gd name="connsiteX2" fmla="*/ 1621965 w 1674603"/>
-              <a:gd name="connsiteY2" fmla="*/ 365291 h 1395551"/>
-              <a:gd name="connsiteX3" fmla="*/ 1518250 w 1674603"/>
-              <a:gd name="connsiteY3" fmla="*/ 951768 h 1395551"/>
-              <a:gd name="connsiteX4" fmla="*/ 463173 w 1674603"/>
-              <a:gd name="connsiteY4" fmla="*/ 1391383 h 1395551"/>
-              <a:gd name="connsiteX5" fmla="*/ 23558 w 1674603"/>
-              <a:gd name="connsiteY5" fmla="*/ 1136406 h 1395551"/>
-              <a:gd name="connsiteX6" fmla="*/ 102689 w 1674603"/>
-              <a:gd name="connsiteY6" fmla="*/ 547322 h 1395551"/>
-              <a:gd name="connsiteX7" fmla="*/ 467372 w 1674603"/>
-              <a:gd name="connsiteY7" fmla="*/ 225852 h 1395551"/>
-            </a:gdLst>
-            <a:ahLst/>
-            <a:cxnLst>
-              <a:cxn ang="0">
-                <a:pos x="connsiteX0" y="connsiteY0"/>
-              </a:cxn>
-              <a:cxn ang="0">
-                <a:pos x="connsiteX1" y="connsiteY1"/>
-              </a:cxn>
-              <a:cxn ang="0">
-                <a:pos x="connsiteX2" y="connsiteY2"/>
-              </a:cxn>
-              <a:cxn ang="0">
-                <a:pos x="connsiteX3" y="connsiteY3"/>
-              </a:cxn>
-              <a:cxn ang="0">
-                <a:pos x="connsiteX4" y="connsiteY4"/>
-              </a:cxn>
-              <a:cxn ang="0">
-                <a:pos x="connsiteX5" y="connsiteY5"/>
-              </a:cxn>
-              <a:cxn ang="0">
-                <a:pos x="connsiteX6" y="connsiteY6"/>
-              </a:cxn>
-              <a:cxn ang="0">
-                <a:pos x="connsiteX7" y="connsiteY7"/>
-              </a:cxn>
-            </a:cxnLst>
-            <a:rect l="l" t="t" r="r" b="b"/>
-            <a:pathLst>
-              <a:path w="1674603" h="1395551">
-                <a:moveTo>
-                  <a:pt x="467372" y="225852"/>
-                </a:moveTo>
-                <a:cubicBezTo>
-                  <a:pt x="625801" y="135020"/>
-                  <a:pt x="860832" y="-20908"/>
-                  <a:pt x="1053264" y="2332"/>
-                </a:cubicBezTo>
-                <a:cubicBezTo>
-                  <a:pt x="1245696" y="25572"/>
-                  <a:pt x="1544467" y="207052"/>
-                  <a:pt x="1621965" y="365291"/>
-                </a:cubicBezTo>
-                <a:cubicBezTo>
-                  <a:pt x="1699463" y="523530"/>
-                  <a:pt x="1711382" y="780753"/>
-                  <a:pt x="1518250" y="951768"/>
-                </a:cubicBezTo>
-                <a:cubicBezTo>
-                  <a:pt x="1325118" y="1122783"/>
-                  <a:pt x="712288" y="1360610"/>
-                  <a:pt x="463173" y="1391383"/>
-                </a:cubicBezTo>
-                <a:cubicBezTo>
-                  <a:pt x="214058" y="1422156"/>
-                  <a:pt x="83639" y="1277083"/>
-                  <a:pt x="23558" y="1136406"/>
-                </a:cubicBezTo>
-                <a:cubicBezTo>
-                  <a:pt x="-36523" y="995729"/>
-                  <a:pt x="28720" y="699081"/>
-                  <a:pt x="102689" y="547322"/>
-                </a:cubicBezTo>
-                <a:cubicBezTo>
-                  <a:pt x="176658" y="395563"/>
-                  <a:pt x="308943" y="316684"/>
-                  <a:pt x="467372" y="225852"/>
-                </a:cubicBezTo>
-                <a:close/>
-              </a:path>
-            </a:pathLst>
-          </a:custGeom>
+          </a:prstGeom>
           <a:solidFill>
-            <a:schemeClr val="accent6">
-              <a:lumMod val="20000"/>
-              <a:lumOff val="80000"/>
-            </a:schemeClr>
+            <a:srgbClr val="F79FDA"/>
           </a:solidFill>
-          <a:ln>
-            <a:noFill/>
-          </a:ln>
         </p:spPr>
         <p:style>
-          <a:lnRef idx="2">
-            <a:schemeClr val="accent1">
-              <a:shade val="50000"/>
-            </a:schemeClr>
+          <a:lnRef idx="0">
+            <a:schemeClr val="accent5"/>
           </a:lnRef>
-          <a:fillRef idx="1">
-            <a:schemeClr val="accent1"/>
+          <a:fillRef idx="3">
+            <a:schemeClr val="accent5"/>
           </a:fillRef>
-          <a:effectRef idx="0">
-            <a:schemeClr val="accent1"/>
+          <a:effectRef idx="3">
+            <a:schemeClr val="accent5"/>
           </a:effectRef>
           <a:fontRef idx="minor">
             <a:schemeClr val="lt1"/>
@@ -4274,16 +4382,53 @@
           <a:lstStyle/>
           <a:p>
             <a:pPr algn="ctr"/>
-            <a:endParaRPr lang="en-US"/>
+            <a:endParaRPr lang="en-US" sz="1000"/>
           </a:p>
         </p:txBody>
       </p:sp>
       <p:sp>
         <p:nvSpPr>
-          <p:cNvPr id="312" name="Freeform: Shape 311">
-            <a:extLst>
-              <a:ext uri="{FF2B5EF4-FFF2-40B4-BE49-F238E27FC236}">
-                <a16:creationId xmlns:a16="http://schemas.microsoft.com/office/drawing/2014/main" id="{4BCF1934-BD75-4E7A-BC31-E4EB16C34D03}"/>
+          <p:cNvPr id="62" name="TextBox 61">
+            <a:extLst>
+              <a:ext uri="{FF2B5EF4-FFF2-40B4-BE49-F238E27FC236}">
+                <a16:creationId xmlns:a16="http://schemas.microsoft.com/office/drawing/2014/main" id="{2D486FAA-76E7-4A92-8736-CBE08288CFFA}"/>
+              </a:ext>
+            </a:extLst>
+          </p:cNvPr>
+          <p:cNvSpPr txBox="1"/>
+          <p:nvPr/>
+        </p:nvSpPr>
+        <p:spPr>
+          <a:xfrm>
+            <a:off x="6174748" y="1175997"/>
+            <a:ext cx="1201598" cy="307777"/>
+          </a:xfrm>
+          <a:prstGeom prst="rect">
+            <a:avLst/>
+          </a:prstGeom>
+          <a:noFill/>
+        </p:spPr>
+        <p:txBody>
+          <a:bodyPr wrap="square" rtlCol="0">
+            <a:spAutoFit/>
+          </a:bodyPr>
+          <a:lstStyle/>
+          <a:p>
+            <a:pPr algn="ctr"/>
+            <a:r>
+              <a:rPr lang="en-US" sz="1400" b="1" dirty="0" err="1"/>
+              <a:t>VisusAppKit</a:t>
+            </a:r>
+            <a:endParaRPr lang="en-US" sz="1400" b="1" dirty="0"/>
+          </a:p>
+        </p:txBody>
+      </p:sp>
+      <p:sp>
+        <p:nvSpPr>
+          <p:cNvPr id="64" name="Rectangle 63">
+            <a:extLst>
+              <a:ext uri="{FF2B5EF4-FFF2-40B4-BE49-F238E27FC236}">
+                <a16:creationId xmlns:a16="http://schemas.microsoft.com/office/drawing/2014/main" id="{DD29AB1E-C955-485F-B4E1-30D7280370BE}"/>
               </a:ext>
             </a:extLst>
           </p:cNvPr>
@@ -4292,392 +4437,22 @@
         </p:nvSpPr>
         <p:spPr>
           <a:xfrm>
-            <a:off x="6878054" y="5255840"/>
-            <a:ext cx="2121929" cy="1450249"/>
+            <a:off x="6305376" y="214912"/>
+            <a:ext cx="942070" cy="559019"/>
           </a:xfrm>
-          <a:custGeom>
+          <a:prstGeom prst="rect">
             <a:avLst/>
-            <a:gdLst>
-              <a:gd name="connsiteX0" fmla="*/ 337006 w 2640885"/>
-              <a:gd name="connsiteY0" fmla="*/ 35754 h 1804257"/>
-              <a:gd name="connsiteX1" fmla="*/ 29276 w 2640885"/>
-              <a:gd name="connsiteY1" fmla="*/ 308315 h 1804257"/>
-              <a:gd name="connsiteX2" fmla="*/ 1031599 w 2640885"/>
-              <a:gd name="connsiteY2" fmla="*/ 1213923 h 1804257"/>
-              <a:gd name="connsiteX3" fmla="*/ 1761360 w 2640885"/>
-              <a:gd name="connsiteY3" fmla="*/ 1759046 h 1804257"/>
-              <a:gd name="connsiteX4" fmla="*/ 2570252 w 2640885"/>
-              <a:gd name="connsiteY4" fmla="*/ 1715085 h 1804257"/>
-              <a:gd name="connsiteX5" fmla="*/ 2499914 w 2640885"/>
-              <a:gd name="connsiteY5" fmla="*/ 1249092 h 1804257"/>
-              <a:gd name="connsiteX6" fmla="*/ 1691022 w 2640885"/>
-              <a:gd name="connsiteY6" fmla="*/ 976531 h 1804257"/>
-              <a:gd name="connsiteX7" fmla="*/ 1603099 w 2640885"/>
-              <a:gd name="connsiteY7" fmla="*/ 651215 h 1804257"/>
-              <a:gd name="connsiteX8" fmla="*/ 1049183 w 2640885"/>
-              <a:gd name="connsiteY8" fmla="*/ 70923 h 1804257"/>
-              <a:gd name="connsiteX9" fmla="*/ 337006 w 2640885"/>
-              <a:gd name="connsiteY9" fmla="*/ 35754 h 1804257"/>
-              <a:gd name="connsiteX0" fmla="*/ 337006 w 2640885"/>
-              <a:gd name="connsiteY0" fmla="*/ 22289 h 1790792"/>
-              <a:gd name="connsiteX1" fmla="*/ 29276 w 2640885"/>
-              <a:gd name="connsiteY1" fmla="*/ 294850 h 1790792"/>
-              <a:gd name="connsiteX2" fmla="*/ 1031599 w 2640885"/>
-              <a:gd name="connsiteY2" fmla="*/ 1200458 h 1790792"/>
-              <a:gd name="connsiteX3" fmla="*/ 1761360 w 2640885"/>
-              <a:gd name="connsiteY3" fmla="*/ 1745581 h 1790792"/>
-              <a:gd name="connsiteX4" fmla="*/ 2570252 w 2640885"/>
-              <a:gd name="connsiteY4" fmla="*/ 1701620 h 1790792"/>
-              <a:gd name="connsiteX5" fmla="*/ 2499914 w 2640885"/>
-              <a:gd name="connsiteY5" fmla="*/ 1235627 h 1790792"/>
-              <a:gd name="connsiteX6" fmla="*/ 1691022 w 2640885"/>
-              <a:gd name="connsiteY6" fmla="*/ 963066 h 1790792"/>
-              <a:gd name="connsiteX7" fmla="*/ 1574622 w 2640885"/>
-              <a:gd name="connsiteY7" fmla="*/ 387020 h 1790792"/>
-              <a:gd name="connsiteX8" fmla="*/ 1049183 w 2640885"/>
-              <a:gd name="connsiteY8" fmla="*/ 57458 h 1790792"/>
-              <a:gd name="connsiteX9" fmla="*/ 337006 w 2640885"/>
-              <a:gd name="connsiteY9" fmla="*/ 22289 h 1790792"/>
-              <a:gd name="connsiteX0" fmla="*/ 337006 w 2640885"/>
-              <a:gd name="connsiteY0" fmla="*/ 22289 h 1790792"/>
-              <a:gd name="connsiteX1" fmla="*/ 29276 w 2640885"/>
-              <a:gd name="connsiteY1" fmla="*/ 294850 h 1790792"/>
-              <a:gd name="connsiteX2" fmla="*/ 1031599 w 2640885"/>
-              <a:gd name="connsiteY2" fmla="*/ 1200458 h 1790792"/>
-              <a:gd name="connsiteX3" fmla="*/ 1761360 w 2640885"/>
-              <a:gd name="connsiteY3" fmla="*/ 1745581 h 1790792"/>
-              <a:gd name="connsiteX4" fmla="*/ 2570252 w 2640885"/>
-              <a:gd name="connsiteY4" fmla="*/ 1701620 h 1790792"/>
-              <a:gd name="connsiteX5" fmla="*/ 2499914 w 2640885"/>
-              <a:gd name="connsiteY5" fmla="*/ 1235627 h 1790792"/>
-              <a:gd name="connsiteX6" fmla="*/ 1691022 w 2640885"/>
-              <a:gd name="connsiteY6" fmla="*/ 963066 h 1790792"/>
-              <a:gd name="connsiteX7" fmla="*/ 1574622 w 2640885"/>
-              <a:gd name="connsiteY7" fmla="*/ 387020 h 1790792"/>
-              <a:gd name="connsiteX8" fmla="*/ 1049183 w 2640885"/>
-              <a:gd name="connsiteY8" fmla="*/ 57458 h 1790792"/>
-              <a:gd name="connsiteX9" fmla="*/ 337006 w 2640885"/>
-              <a:gd name="connsiteY9" fmla="*/ 22289 h 1790792"/>
-              <a:gd name="connsiteX0" fmla="*/ 337006 w 2629119"/>
-              <a:gd name="connsiteY0" fmla="*/ 22289 h 1790792"/>
-              <a:gd name="connsiteX1" fmla="*/ 29276 w 2629119"/>
-              <a:gd name="connsiteY1" fmla="*/ 294850 h 1790792"/>
-              <a:gd name="connsiteX2" fmla="*/ 1031599 w 2629119"/>
-              <a:gd name="connsiteY2" fmla="*/ 1200458 h 1790792"/>
-              <a:gd name="connsiteX3" fmla="*/ 1761360 w 2629119"/>
-              <a:gd name="connsiteY3" fmla="*/ 1745581 h 1790792"/>
-              <a:gd name="connsiteX4" fmla="*/ 2570252 w 2629119"/>
-              <a:gd name="connsiteY4" fmla="*/ 1701620 h 1790792"/>
-              <a:gd name="connsiteX5" fmla="*/ 2499914 w 2629119"/>
-              <a:gd name="connsiteY5" fmla="*/ 1235627 h 1790792"/>
-              <a:gd name="connsiteX6" fmla="*/ 1966298 w 2629119"/>
-              <a:gd name="connsiteY6" fmla="*/ 953037 h 1790792"/>
-              <a:gd name="connsiteX7" fmla="*/ 1574622 w 2629119"/>
-              <a:gd name="connsiteY7" fmla="*/ 387020 h 1790792"/>
-              <a:gd name="connsiteX8" fmla="*/ 1049183 w 2629119"/>
-              <a:gd name="connsiteY8" fmla="*/ 57458 h 1790792"/>
-              <a:gd name="connsiteX9" fmla="*/ 337006 w 2629119"/>
-              <a:gd name="connsiteY9" fmla="*/ 22289 h 1790792"/>
-              <a:gd name="connsiteX0" fmla="*/ 322123 w 2614236"/>
-              <a:gd name="connsiteY0" fmla="*/ 22289 h 1796664"/>
-              <a:gd name="connsiteX1" fmla="*/ 14393 w 2614236"/>
-              <a:gd name="connsiteY1" fmla="*/ 294850 h 1796664"/>
-              <a:gd name="connsiteX2" fmla="*/ 750933 w 2614236"/>
-              <a:gd name="connsiteY2" fmla="*/ 1120225 h 1796664"/>
-              <a:gd name="connsiteX3" fmla="*/ 1746477 w 2614236"/>
-              <a:gd name="connsiteY3" fmla="*/ 1745581 h 1796664"/>
-              <a:gd name="connsiteX4" fmla="*/ 2555369 w 2614236"/>
-              <a:gd name="connsiteY4" fmla="*/ 1701620 h 1796664"/>
-              <a:gd name="connsiteX5" fmla="*/ 2485031 w 2614236"/>
-              <a:gd name="connsiteY5" fmla="*/ 1235627 h 1796664"/>
-              <a:gd name="connsiteX6" fmla="*/ 1951415 w 2614236"/>
-              <a:gd name="connsiteY6" fmla="*/ 953037 h 1796664"/>
-              <a:gd name="connsiteX7" fmla="*/ 1559739 w 2614236"/>
-              <a:gd name="connsiteY7" fmla="*/ 387020 h 1796664"/>
-              <a:gd name="connsiteX8" fmla="*/ 1034300 w 2614236"/>
-              <a:gd name="connsiteY8" fmla="*/ 57458 h 1796664"/>
-              <a:gd name="connsiteX9" fmla="*/ 322123 w 2614236"/>
-              <a:gd name="connsiteY9" fmla="*/ 22289 h 1796664"/>
-              <a:gd name="connsiteX0" fmla="*/ 331211 w 2623324"/>
-              <a:gd name="connsiteY0" fmla="*/ 30380 h 1804755"/>
-              <a:gd name="connsiteX1" fmla="*/ 13988 w 2623324"/>
-              <a:gd name="connsiteY1" fmla="*/ 413261 h 1804755"/>
-              <a:gd name="connsiteX2" fmla="*/ 760021 w 2623324"/>
-              <a:gd name="connsiteY2" fmla="*/ 1128316 h 1804755"/>
-              <a:gd name="connsiteX3" fmla="*/ 1755565 w 2623324"/>
-              <a:gd name="connsiteY3" fmla="*/ 1753672 h 1804755"/>
-              <a:gd name="connsiteX4" fmla="*/ 2564457 w 2623324"/>
-              <a:gd name="connsiteY4" fmla="*/ 1709711 h 1804755"/>
-              <a:gd name="connsiteX5" fmla="*/ 2494119 w 2623324"/>
-              <a:gd name="connsiteY5" fmla="*/ 1243718 h 1804755"/>
-              <a:gd name="connsiteX6" fmla="*/ 1960503 w 2623324"/>
-              <a:gd name="connsiteY6" fmla="*/ 961128 h 1804755"/>
-              <a:gd name="connsiteX7" fmla="*/ 1568827 w 2623324"/>
-              <a:gd name="connsiteY7" fmla="*/ 395111 h 1804755"/>
-              <a:gd name="connsiteX8" fmla="*/ 1043388 w 2623324"/>
-              <a:gd name="connsiteY8" fmla="*/ 65549 h 1804755"/>
-              <a:gd name="connsiteX9" fmla="*/ 331211 w 2623324"/>
-              <a:gd name="connsiteY9" fmla="*/ 30380 h 1804755"/>
-              <a:gd name="connsiteX0" fmla="*/ 331211 w 2652847"/>
-              <a:gd name="connsiteY0" fmla="*/ 30380 h 1740320"/>
-              <a:gd name="connsiteX1" fmla="*/ 13988 w 2652847"/>
-              <a:gd name="connsiteY1" fmla="*/ 413261 h 1740320"/>
-              <a:gd name="connsiteX2" fmla="*/ 760021 w 2652847"/>
-              <a:gd name="connsiteY2" fmla="*/ 1128316 h 1740320"/>
-              <a:gd name="connsiteX3" fmla="*/ 1356891 w 2652847"/>
-              <a:gd name="connsiteY3" fmla="*/ 1633322 h 1740320"/>
-              <a:gd name="connsiteX4" fmla="*/ 2564457 w 2652847"/>
-              <a:gd name="connsiteY4" fmla="*/ 1709711 h 1740320"/>
-              <a:gd name="connsiteX5" fmla="*/ 2494119 w 2652847"/>
-              <a:gd name="connsiteY5" fmla="*/ 1243718 h 1740320"/>
-              <a:gd name="connsiteX6" fmla="*/ 1960503 w 2652847"/>
-              <a:gd name="connsiteY6" fmla="*/ 961128 h 1740320"/>
-              <a:gd name="connsiteX7" fmla="*/ 1568827 w 2652847"/>
-              <a:gd name="connsiteY7" fmla="*/ 395111 h 1740320"/>
-              <a:gd name="connsiteX8" fmla="*/ 1043388 w 2652847"/>
-              <a:gd name="connsiteY8" fmla="*/ 65549 h 1740320"/>
-              <a:gd name="connsiteX9" fmla="*/ 331211 w 2652847"/>
-              <a:gd name="connsiteY9" fmla="*/ 30380 h 1740320"/>
-              <a:gd name="connsiteX0" fmla="*/ 331211 w 2666855"/>
-              <a:gd name="connsiteY0" fmla="*/ 30380 h 1745519"/>
-              <a:gd name="connsiteX1" fmla="*/ 13988 w 2666855"/>
-              <a:gd name="connsiteY1" fmla="*/ 413261 h 1745519"/>
-              <a:gd name="connsiteX2" fmla="*/ 760021 w 2666855"/>
-              <a:gd name="connsiteY2" fmla="*/ 1128316 h 1745519"/>
-              <a:gd name="connsiteX3" fmla="*/ 1356891 w 2666855"/>
-              <a:gd name="connsiteY3" fmla="*/ 1633322 h 1745519"/>
-              <a:gd name="connsiteX4" fmla="*/ 2564457 w 2666855"/>
-              <a:gd name="connsiteY4" fmla="*/ 1709711 h 1745519"/>
-              <a:gd name="connsiteX5" fmla="*/ 2532088 w 2666855"/>
-              <a:gd name="connsiteY5" fmla="*/ 1173514 h 1745519"/>
-              <a:gd name="connsiteX6" fmla="*/ 1960503 w 2666855"/>
-              <a:gd name="connsiteY6" fmla="*/ 961128 h 1745519"/>
-              <a:gd name="connsiteX7" fmla="*/ 1568827 w 2666855"/>
-              <a:gd name="connsiteY7" fmla="*/ 395111 h 1745519"/>
-              <a:gd name="connsiteX8" fmla="*/ 1043388 w 2666855"/>
-              <a:gd name="connsiteY8" fmla="*/ 65549 h 1745519"/>
-              <a:gd name="connsiteX9" fmla="*/ 331211 w 2666855"/>
-              <a:gd name="connsiteY9" fmla="*/ 30380 h 1745519"/>
-              <a:gd name="connsiteX0" fmla="*/ 331211 w 2633895"/>
-              <a:gd name="connsiteY0" fmla="*/ 30380 h 1839111"/>
-              <a:gd name="connsiteX1" fmla="*/ 13988 w 2633895"/>
-              <a:gd name="connsiteY1" fmla="*/ 413261 h 1839111"/>
-              <a:gd name="connsiteX2" fmla="*/ 760021 w 2633895"/>
-              <a:gd name="connsiteY2" fmla="*/ 1128316 h 1839111"/>
-              <a:gd name="connsiteX3" fmla="*/ 1356891 w 2633895"/>
-              <a:gd name="connsiteY3" fmla="*/ 1633322 h 1839111"/>
-              <a:gd name="connsiteX4" fmla="*/ 2564457 w 2633895"/>
-              <a:gd name="connsiteY4" fmla="*/ 1709711 h 1839111"/>
-              <a:gd name="connsiteX5" fmla="*/ 2532088 w 2633895"/>
-              <a:gd name="connsiteY5" fmla="*/ 1173514 h 1839111"/>
-              <a:gd name="connsiteX6" fmla="*/ 1960503 w 2633895"/>
-              <a:gd name="connsiteY6" fmla="*/ 961128 h 1839111"/>
-              <a:gd name="connsiteX7" fmla="*/ 1568827 w 2633895"/>
-              <a:gd name="connsiteY7" fmla="*/ 395111 h 1839111"/>
-              <a:gd name="connsiteX8" fmla="*/ 1043388 w 2633895"/>
-              <a:gd name="connsiteY8" fmla="*/ 65549 h 1839111"/>
-              <a:gd name="connsiteX9" fmla="*/ 331211 w 2633895"/>
-              <a:gd name="connsiteY9" fmla="*/ 30380 h 1839111"/>
-              <a:gd name="connsiteX0" fmla="*/ 331211 w 2775792"/>
-              <a:gd name="connsiteY0" fmla="*/ 30380 h 1767801"/>
-              <a:gd name="connsiteX1" fmla="*/ 13988 w 2775792"/>
-              <a:gd name="connsiteY1" fmla="*/ 413261 h 1767801"/>
-              <a:gd name="connsiteX2" fmla="*/ 760021 w 2775792"/>
-              <a:gd name="connsiteY2" fmla="*/ 1128316 h 1767801"/>
-              <a:gd name="connsiteX3" fmla="*/ 1356891 w 2775792"/>
-              <a:gd name="connsiteY3" fmla="*/ 1633322 h 1767801"/>
-              <a:gd name="connsiteX4" fmla="*/ 2564457 w 2775792"/>
-              <a:gd name="connsiteY4" fmla="*/ 1709711 h 1767801"/>
-              <a:gd name="connsiteX5" fmla="*/ 2532088 w 2775792"/>
-              <a:gd name="connsiteY5" fmla="*/ 1173514 h 1767801"/>
-              <a:gd name="connsiteX6" fmla="*/ 1960503 w 2775792"/>
-              <a:gd name="connsiteY6" fmla="*/ 961128 h 1767801"/>
-              <a:gd name="connsiteX7" fmla="*/ 1568827 w 2775792"/>
-              <a:gd name="connsiteY7" fmla="*/ 395111 h 1767801"/>
-              <a:gd name="connsiteX8" fmla="*/ 1043388 w 2775792"/>
-              <a:gd name="connsiteY8" fmla="*/ 65549 h 1767801"/>
-              <a:gd name="connsiteX9" fmla="*/ 331211 w 2775792"/>
-              <a:gd name="connsiteY9" fmla="*/ 30380 h 1767801"/>
-              <a:gd name="connsiteX0" fmla="*/ 331211 w 2700234"/>
-              <a:gd name="connsiteY0" fmla="*/ 30380 h 1816825"/>
-              <a:gd name="connsiteX1" fmla="*/ 13988 w 2700234"/>
-              <a:gd name="connsiteY1" fmla="*/ 413261 h 1816825"/>
-              <a:gd name="connsiteX2" fmla="*/ 760021 w 2700234"/>
-              <a:gd name="connsiteY2" fmla="*/ 1128316 h 1816825"/>
-              <a:gd name="connsiteX3" fmla="*/ 1356891 w 2700234"/>
-              <a:gd name="connsiteY3" fmla="*/ 1633322 h 1816825"/>
-              <a:gd name="connsiteX4" fmla="*/ 2564457 w 2700234"/>
-              <a:gd name="connsiteY4" fmla="*/ 1709711 h 1816825"/>
-              <a:gd name="connsiteX5" fmla="*/ 2532088 w 2700234"/>
-              <a:gd name="connsiteY5" fmla="*/ 1173514 h 1816825"/>
-              <a:gd name="connsiteX6" fmla="*/ 1960503 w 2700234"/>
-              <a:gd name="connsiteY6" fmla="*/ 961128 h 1816825"/>
-              <a:gd name="connsiteX7" fmla="*/ 1568827 w 2700234"/>
-              <a:gd name="connsiteY7" fmla="*/ 395111 h 1816825"/>
-              <a:gd name="connsiteX8" fmla="*/ 1043388 w 2700234"/>
-              <a:gd name="connsiteY8" fmla="*/ 65549 h 1816825"/>
-              <a:gd name="connsiteX9" fmla="*/ 331211 w 2700234"/>
-              <a:gd name="connsiteY9" fmla="*/ 30380 h 1816825"/>
-              <a:gd name="connsiteX0" fmla="*/ 331211 w 2551241"/>
-              <a:gd name="connsiteY0" fmla="*/ 30380 h 1681154"/>
-              <a:gd name="connsiteX1" fmla="*/ 13988 w 2551241"/>
-              <a:gd name="connsiteY1" fmla="*/ 413261 h 1681154"/>
-              <a:gd name="connsiteX2" fmla="*/ 760021 w 2551241"/>
-              <a:gd name="connsiteY2" fmla="*/ 1128316 h 1681154"/>
-              <a:gd name="connsiteX3" fmla="*/ 1356891 w 2551241"/>
-              <a:gd name="connsiteY3" fmla="*/ 1633322 h 1681154"/>
-              <a:gd name="connsiteX4" fmla="*/ 2270197 w 2551241"/>
-              <a:gd name="connsiteY4" fmla="*/ 1499099 h 1681154"/>
-              <a:gd name="connsiteX5" fmla="*/ 2532088 w 2551241"/>
-              <a:gd name="connsiteY5" fmla="*/ 1173514 h 1681154"/>
-              <a:gd name="connsiteX6" fmla="*/ 1960503 w 2551241"/>
-              <a:gd name="connsiteY6" fmla="*/ 961128 h 1681154"/>
-              <a:gd name="connsiteX7" fmla="*/ 1568827 w 2551241"/>
-              <a:gd name="connsiteY7" fmla="*/ 395111 h 1681154"/>
-              <a:gd name="connsiteX8" fmla="*/ 1043388 w 2551241"/>
-              <a:gd name="connsiteY8" fmla="*/ 65549 h 1681154"/>
-              <a:gd name="connsiteX9" fmla="*/ 331211 w 2551241"/>
-              <a:gd name="connsiteY9" fmla="*/ 30380 h 1681154"/>
-              <a:gd name="connsiteX0" fmla="*/ 331211 w 2542168"/>
-              <a:gd name="connsiteY0" fmla="*/ 30380 h 1670014"/>
-              <a:gd name="connsiteX1" fmla="*/ 13988 w 2542168"/>
-              <a:gd name="connsiteY1" fmla="*/ 413261 h 1670014"/>
-              <a:gd name="connsiteX2" fmla="*/ 760021 w 2542168"/>
-              <a:gd name="connsiteY2" fmla="*/ 1128316 h 1670014"/>
-              <a:gd name="connsiteX3" fmla="*/ 1356891 w 2542168"/>
-              <a:gd name="connsiteY3" fmla="*/ 1633322 h 1670014"/>
-              <a:gd name="connsiteX4" fmla="*/ 2270197 w 2542168"/>
-              <a:gd name="connsiteY4" fmla="*/ 1499099 h 1670014"/>
-              <a:gd name="connsiteX5" fmla="*/ 2532088 w 2542168"/>
-              <a:gd name="connsiteY5" fmla="*/ 1173514 h 1670014"/>
-              <a:gd name="connsiteX6" fmla="*/ 1960503 w 2542168"/>
-              <a:gd name="connsiteY6" fmla="*/ 961128 h 1670014"/>
-              <a:gd name="connsiteX7" fmla="*/ 1568827 w 2542168"/>
-              <a:gd name="connsiteY7" fmla="*/ 395111 h 1670014"/>
-              <a:gd name="connsiteX8" fmla="*/ 1043388 w 2542168"/>
-              <a:gd name="connsiteY8" fmla="*/ 65549 h 1670014"/>
-              <a:gd name="connsiteX9" fmla="*/ 331211 w 2542168"/>
-              <a:gd name="connsiteY9" fmla="*/ 30380 h 1670014"/>
-              <a:gd name="connsiteX0" fmla="*/ 331211 w 2290853"/>
-              <a:gd name="connsiteY0" fmla="*/ 30380 h 1654264"/>
-              <a:gd name="connsiteX1" fmla="*/ 13988 w 2290853"/>
-              <a:gd name="connsiteY1" fmla="*/ 413261 h 1654264"/>
-              <a:gd name="connsiteX2" fmla="*/ 760021 w 2290853"/>
-              <a:gd name="connsiteY2" fmla="*/ 1128316 h 1654264"/>
-              <a:gd name="connsiteX3" fmla="*/ 1356891 w 2290853"/>
-              <a:gd name="connsiteY3" fmla="*/ 1633322 h 1654264"/>
-              <a:gd name="connsiteX4" fmla="*/ 2270197 w 2290853"/>
-              <a:gd name="connsiteY4" fmla="*/ 1499099 h 1654264"/>
-              <a:gd name="connsiteX5" fmla="*/ 1960503 w 2290853"/>
-              <a:gd name="connsiteY5" fmla="*/ 961128 h 1654264"/>
-              <a:gd name="connsiteX6" fmla="*/ 1568827 w 2290853"/>
-              <a:gd name="connsiteY6" fmla="*/ 395111 h 1654264"/>
-              <a:gd name="connsiteX7" fmla="*/ 1043388 w 2290853"/>
-              <a:gd name="connsiteY7" fmla="*/ 65549 h 1654264"/>
-              <a:gd name="connsiteX8" fmla="*/ 331211 w 2290853"/>
-              <a:gd name="connsiteY8" fmla="*/ 30380 h 1654264"/>
-            </a:gdLst>
-            <a:ahLst/>
-            <a:cxnLst>
-              <a:cxn ang="0">
-                <a:pos x="connsiteX0" y="connsiteY0"/>
-              </a:cxn>
-              <a:cxn ang="0">
-                <a:pos x="connsiteX1" y="connsiteY1"/>
-              </a:cxn>
-              <a:cxn ang="0">
-                <a:pos x="connsiteX2" y="connsiteY2"/>
-              </a:cxn>
-              <a:cxn ang="0">
-                <a:pos x="connsiteX3" y="connsiteY3"/>
-              </a:cxn>
-              <a:cxn ang="0">
-                <a:pos x="connsiteX4" y="connsiteY4"/>
-              </a:cxn>
-              <a:cxn ang="0">
-                <a:pos x="connsiteX5" y="connsiteY5"/>
-              </a:cxn>
-              <a:cxn ang="0">
-                <a:pos x="connsiteX6" y="connsiteY6"/>
-              </a:cxn>
-              <a:cxn ang="0">
-                <a:pos x="connsiteX7" y="connsiteY7"/>
-              </a:cxn>
-              <a:cxn ang="0">
-                <a:pos x="connsiteX8" y="connsiteY8"/>
-              </a:cxn>
-            </a:cxnLst>
-            <a:rect l="l" t="t" r="r" b="b"/>
-            <a:pathLst>
-              <a:path w="2290853" h="1654264">
-                <a:moveTo>
-                  <a:pt x="331211" y="30380"/>
-                </a:moveTo>
-                <a:cubicBezTo>
-                  <a:pt x="159644" y="88332"/>
-                  <a:pt x="-57480" y="230272"/>
-                  <a:pt x="13988" y="413261"/>
-                </a:cubicBezTo>
-                <a:cubicBezTo>
-                  <a:pt x="85456" y="596250"/>
-                  <a:pt x="536204" y="924972"/>
-                  <a:pt x="760021" y="1128316"/>
-                </a:cubicBezTo>
-                <a:cubicBezTo>
-                  <a:pt x="983838" y="1331660"/>
-                  <a:pt x="1105195" y="1571525"/>
-                  <a:pt x="1356891" y="1633322"/>
-                </a:cubicBezTo>
-                <a:cubicBezTo>
-                  <a:pt x="1608587" y="1695119"/>
-                  <a:pt x="2169595" y="1611131"/>
-                  <a:pt x="2270197" y="1499099"/>
-                </a:cubicBezTo>
-                <a:cubicBezTo>
-                  <a:pt x="2370799" y="1387067"/>
-                  <a:pt x="2077398" y="1145126"/>
-                  <a:pt x="1960503" y="961128"/>
-                </a:cubicBezTo>
-                <a:cubicBezTo>
-                  <a:pt x="1799960" y="831394"/>
-                  <a:pt x="1827676" y="756659"/>
-                  <a:pt x="1568827" y="395111"/>
-                </a:cubicBezTo>
-                <a:cubicBezTo>
-                  <a:pt x="1461854" y="244176"/>
-                  <a:pt x="1249657" y="126338"/>
-                  <a:pt x="1043388" y="65549"/>
-                </a:cubicBezTo>
-                <a:cubicBezTo>
-                  <a:pt x="837119" y="4761"/>
-                  <a:pt x="502778" y="-27572"/>
-                  <a:pt x="331211" y="30380"/>
-                </a:cubicBezTo>
-                <a:close/>
-              </a:path>
-            </a:pathLst>
-          </a:custGeom>
-          <a:solidFill>
-            <a:schemeClr val="accent6">
-              <a:lumMod val="20000"/>
-              <a:lumOff val="80000"/>
-            </a:schemeClr>
-          </a:solidFill>
-          <a:ln>
-            <a:noFill/>
-          </a:ln>
+          </a:prstGeom>
         </p:spPr>
         <p:style>
-          <a:lnRef idx="2">
-            <a:schemeClr val="accent1">
-              <a:shade val="50000"/>
-            </a:schemeClr>
+          <a:lnRef idx="0">
+            <a:schemeClr val="accent2"/>
           </a:lnRef>
-          <a:fillRef idx="1">
-            <a:schemeClr val="accent1"/>
+          <a:fillRef idx="3">
+            <a:schemeClr val="accent2"/>
           </a:fillRef>
-          <a:effectRef idx="0">
-            <a:schemeClr val="accent1"/>
+          <a:effectRef idx="3">
+            <a:schemeClr val="accent2"/>
           </a:effectRef>
           <a:fontRef idx="minor">
             <a:schemeClr val="lt1"/>
@@ -4688,192 +4463,53 @@
           <a:lstStyle/>
           <a:p>
             <a:pPr algn="ctr"/>
-            <a:endParaRPr lang="en-US"/>
+            <a:endParaRPr lang="en-US" sz="1000" u="sng" dirty="0"/>
           </a:p>
         </p:txBody>
       </p:sp>
       <p:sp>
         <p:nvSpPr>
-          <p:cNvPr id="311" name="Freeform: Shape 310">
-            <a:extLst>
-              <a:ext uri="{FF2B5EF4-FFF2-40B4-BE49-F238E27FC236}">
-                <a16:creationId xmlns:a16="http://schemas.microsoft.com/office/drawing/2014/main" id="{69A0C4A9-A84E-4447-94A0-956841F034E5}"/>
-              </a:ext>
-            </a:extLst>
-          </p:cNvPr>
-          <p:cNvSpPr/>
+          <p:cNvPr id="65" name="TextBox 64">
+            <a:extLst>
+              <a:ext uri="{FF2B5EF4-FFF2-40B4-BE49-F238E27FC236}">
+                <a16:creationId xmlns:a16="http://schemas.microsoft.com/office/drawing/2014/main" id="{9464931A-9136-404D-B9EA-E2D7D4900F6B}"/>
+              </a:ext>
+            </a:extLst>
+          </p:cNvPr>
+          <p:cNvSpPr txBox="1"/>
           <p:nvPr/>
         </p:nvSpPr>
         <p:spPr>
           <a:xfrm>
-            <a:off x="8841155" y="5189993"/>
-            <a:ext cx="1577048" cy="1299988"/>
+            <a:off x="6029405" y="317546"/>
+            <a:ext cx="1498228" cy="307778"/>
           </a:xfrm>
-          <a:custGeom>
+          <a:prstGeom prst="rect">
             <a:avLst/>
-            <a:gdLst>
-              <a:gd name="connsiteX0" fmla="*/ 839 w 1783261"/>
-              <a:gd name="connsiteY0" fmla="*/ 254800 h 1349612"/>
-              <a:gd name="connsiteX1" fmla="*/ 387701 w 1783261"/>
-              <a:gd name="connsiteY1" fmla="*/ 34992 h 1349612"/>
-              <a:gd name="connsiteX2" fmla="*/ 1671378 w 1783261"/>
-              <a:gd name="connsiteY2" fmla="*/ 966976 h 1349612"/>
-              <a:gd name="connsiteX3" fmla="*/ 1618624 w 1783261"/>
-              <a:gd name="connsiteY3" fmla="*/ 1292292 h 1349612"/>
-              <a:gd name="connsiteX4" fmla="*/ 800939 w 1783261"/>
-              <a:gd name="connsiteY4" fmla="*/ 1301084 h 1349612"/>
-              <a:gd name="connsiteX5" fmla="*/ 299778 w 1783261"/>
-              <a:gd name="connsiteY5" fmla="*/ 799923 h 1349612"/>
-              <a:gd name="connsiteX6" fmla="*/ 839 w 1783261"/>
-              <a:gd name="connsiteY6" fmla="*/ 254800 h 1349612"/>
-              <a:gd name="connsiteX0" fmla="*/ 5065 w 1776507"/>
-              <a:gd name="connsiteY0" fmla="*/ 310100 h 1404912"/>
-              <a:gd name="connsiteX1" fmla="*/ 543804 w 1776507"/>
-              <a:gd name="connsiteY1" fmla="*/ 30117 h 1404912"/>
-              <a:gd name="connsiteX2" fmla="*/ 1675604 w 1776507"/>
-              <a:gd name="connsiteY2" fmla="*/ 1022276 h 1404912"/>
-              <a:gd name="connsiteX3" fmla="*/ 1622850 w 1776507"/>
-              <a:gd name="connsiteY3" fmla="*/ 1347592 h 1404912"/>
-              <a:gd name="connsiteX4" fmla="*/ 805165 w 1776507"/>
-              <a:gd name="connsiteY4" fmla="*/ 1356384 h 1404912"/>
-              <a:gd name="connsiteX5" fmla="*/ 304004 w 1776507"/>
-              <a:gd name="connsiteY5" fmla="*/ 855223 h 1404912"/>
-              <a:gd name="connsiteX6" fmla="*/ 5065 w 1776507"/>
-              <a:gd name="connsiteY6" fmla="*/ 310100 h 1404912"/>
-              <a:gd name="connsiteX0" fmla="*/ 13646 w 1770794"/>
-              <a:gd name="connsiteY0" fmla="*/ 385585 h 1480397"/>
-              <a:gd name="connsiteX1" fmla="*/ 751722 w 1770794"/>
-              <a:gd name="connsiteY1" fmla="*/ 25368 h 1480397"/>
-              <a:gd name="connsiteX2" fmla="*/ 1684185 w 1770794"/>
-              <a:gd name="connsiteY2" fmla="*/ 1097761 h 1480397"/>
-              <a:gd name="connsiteX3" fmla="*/ 1631431 w 1770794"/>
-              <a:gd name="connsiteY3" fmla="*/ 1423077 h 1480397"/>
-              <a:gd name="connsiteX4" fmla="*/ 813746 w 1770794"/>
-              <a:gd name="connsiteY4" fmla="*/ 1431869 h 1480397"/>
-              <a:gd name="connsiteX5" fmla="*/ 312585 w 1770794"/>
-              <a:gd name="connsiteY5" fmla="*/ 930708 h 1480397"/>
-              <a:gd name="connsiteX6" fmla="*/ 13646 w 1770794"/>
-              <a:gd name="connsiteY6" fmla="*/ 385585 h 1480397"/>
-              <a:gd name="connsiteX0" fmla="*/ 13646 w 1702595"/>
-              <a:gd name="connsiteY0" fmla="*/ 371768 h 1482865"/>
-              <a:gd name="connsiteX1" fmla="*/ 751722 w 1702595"/>
-              <a:gd name="connsiteY1" fmla="*/ 11551 h 1482865"/>
-              <a:gd name="connsiteX2" fmla="*/ 1560785 w 1702595"/>
-              <a:gd name="connsiteY2" fmla="*/ 803126 h 1482865"/>
-              <a:gd name="connsiteX3" fmla="*/ 1631431 w 1702595"/>
-              <a:gd name="connsiteY3" fmla="*/ 1409260 h 1482865"/>
-              <a:gd name="connsiteX4" fmla="*/ 813746 w 1702595"/>
-              <a:gd name="connsiteY4" fmla="*/ 1418052 h 1482865"/>
-              <a:gd name="connsiteX5" fmla="*/ 312585 w 1702595"/>
-              <a:gd name="connsiteY5" fmla="*/ 916891 h 1482865"/>
-              <a:gd name="connsiteX6" fmla="*/ 13646 w 1702595"/>
-              <a:gd name="connsiteY6" fmla="*/ 371768 h 1482865"/>
-            </a:gdLst>
-            <a:ahLst/>
-            <a:cxnLst>
-              <a:cxn ang="0">
-                <a:pos x="connsiteX0" y="connsiteY0"/>
-              </a:cxn>
-              <a:cxn ang="0">
-                <a:pos x="connsiteX1" y="connsiteY1"/>
-              </a:cxn>
-              <a:cxn ang="0">
-                <a:pos x="connsiteX2" y="connsiteY2"/>
-              </a:cxn>
-              <a:cxn ang="0">
-                <a:pos x="connsiteX3" y="connsiteY3"/>
-              </a:cxn>
-              <a:cxn ang="0">
-                <a:pos x="connsiteX4" y="connsiteY4"/>
-              </a:cxn>
-              <a:cxn ang="0">
-                <a:pos x="connsiteX5" y="connsiteY5"/>
-              </a:cxn>
-              <a:cxn ang="0">
-                <a:pos x="connsiteX6" y="connsiteY6"/>
-              </a:cxn>
-            </a:cxnLst>
-            <a:rect l="l" t="t" r="r" b="b"/>
-            <a:pathLst>
-              <a:path w="1702595" h="1482865">
-                <a:moveTo>
-                  <a:pt x="13646" y="371768"/>
-                </a:moveTo>
-                <a:cubicBezTo>
-                  <a:pt x="86836" y="220878"/>
-                  <a:pt x="493866" y="-60342"/>
-                  <a:pt x="751722" y="11551"/>
-                </a:cubicBezTo>
-                <a:cubicBezTo>
-                  <a:pt x="1009578" y="83444"/>
-                  <a:pt x="1414167" y="570175"/>
-                  <a:pt x="1560785" y="803126"/>
-                </a:cubicBezTo>
-                <a:cubicBezTo>
-                  <a:pt x="1707403" y="1036077"/>
-                  <a:pt x="1755937" y="1306772"/>
-                  <a:pt x="1631431" y="1409260"/>
-                </a:cubicBezTo>
-                <a:cubicBezTo>
-                  <a:pt x="1506925" y="1511748"/>
-                  <a:pt x="1033554" y="1500113"/>
-                  <a:pt x="813746" y="1418052"/>
-                </a:cubicBezTo>
-                <a:cubicBezTo>
-                  <a:pt x="593938" y="1335991"/>
-                  <a:pt x="445935" y="1086876"/>
-                  <a:pt x="312585" y="916891"/>
-                </a:cubicBezTo>
-                <a:cubicBezTo>
-                  <a:pt x="179235" y="746906"/>
-                  <a:pt x="-59544" y="522658"/>
-                  <a:pt x="13646" y="371768"/>
-                </a:cubicBezTo>
-                <a:close/>
-              </a:path>
-            </a:pathLst>
-          </a:custGeom>
-          <a:solidFill>
-            <a:schemeClr val="accent6">
-              <a:lumMod val="20000"/>
-              <a:lumOff val="80000"/>
-            </a:schemeClr>
-          </a:solidFill>
-          <a:ln>
-            <a:noFill/>
-          </a:ln>
+          </a:prstGeom>
+          <a:noFill/>
         </p:spPr>
-        <p:style>
-          <a:lnRef idx="2">
-            <a:schemeClr val="accent1">
-              <a:shade val="50000"/>
-            </a:schemeClr>
-          </a:lnRef>
-          <a:fillRef idx="1">
-            <a:schemeClr val="accent1"/>
-          </a:fillRef>
-          <a:effectRef idx="0">
-            <a:schemeClr val="accent1"/>
-          </a:effectRef>
-          <a:fontRef idx="minor">
-            <a:schemeClr val="lt1"/>
-          </a:fontRef>
-        </p:style>
         <p:txBody>
-          <a:bodyPr rtlCol="0" anchor="ctr"/>
+          <a:bodyPr wrap="square" rtlCol="0">
+            <a:spAutoFit/>
+          </a:bodyPr>
           <a:lstStyle/>
           <a:p>
             <a:pPr algn="ctr"/>
-            <a:endParaRPr lang="en-US"/>
+            <a:r>
+              <a:rPr lang="en-US" sz="1400" b="1" dirty="0" err="1"/>
+              <a:t>VisusViewer</a:t>
+            </a:r>
+            <a:endParaRPr lang="en-US" sz="1400" b="1" dirty="0"/>
           </a:p>
         </p:txBody>
       </p:sp>
       <p:grpSp>
         <p:nvGrpSpPr>
-          <p:cNvPr id="224" name="Group 223">
-            <a:extLst>
-              <a:ext uri="{FF2B5EF4-FFF2-40B4-BE49-F238E27FC236}">
-                <a16:creationId xmlns:a16="http://schemas.microsoft.com/office/drawing/2014/main" id="{36D9C5BD-CFE3-47E1-8766-A40B99B20515}"/>
+          <p:cNvPr id="237" name="Group 236">
+            <a:extLst>
+              <a:ext uri="{FF2B5EF4-FFF2-40B4-BE49-F238E27FC236}">
+                <a16:creationId xmlns:a16="http://schemas.microsoft.com/office/drawing/2014/main" id="{341E3BE7-247B-4EB3-8DCA-17EED18D7EE7}"/>
               </a:ext>
             </a:extLst>
           </p:cNvPr>
@@ -4882,18 +4518,18 @@
         </p:nvGrpSpPr>
         <p:grpSpPr>
           <a:xfrm>
-            <a:off x="3612694" y="6228084"/>
-            <a:ext cx="791221" cy="277797"/>
-            <a:chOff x="3611361" y="6118664"/>
-            <a:chExt cx="854209" cy="316876"/>
+            <a:off x="3309277" y="193616"/>
+            <a:ext cx="1163470" cy="588461"/>
+            <a:chOff x="3305882" y="40495"/>
+            <a:chExt cx="883613" cy="307161"/>
           </a:xfrm>
         </p:grpSpPr>
         <p:sp>
           <p:nvSpPr>
-            <p:cNvPr id="4" name="Rectangle 3">
+            <p:cNvPr id="67" name="Rectangle 66">
               <a:extLst>
                 <a:ext uri="{FF2B5EF4-FFF2-40B4-BE49-F238E27FC236}">
-                  <a16:creationId xmlns:a16="http://schemas.microsoft.com/office/drawing/2014/main" id="{DE9EF32F-1030-44B8-8BE9-68AC8F294095}"/>
+                  <a16:creationId xmlns:a16="http://schemas.microsoft.com/office/drawing/2014/main" id="{0A086A0B-D764-4F8C-B7FD-F2D7C512B586}"/>
                 </a:ext>
               </a:extLst>
             </p:cNvPr>
@@ -4902,8 +4538,2227 @@
           </p:nvSpPr>
           <p:spPr>
             <a:xfrm>
-              <a:off x="3694121" y="6128379"/>
-              <a:ext cx="678078" cy="307161"/>
+              <a:off x="3305882" y="40495"/>
+              <a:ext cx="855679" cy="307161"/>
+            </a:xfrm>
+            <a:prstGeom prst="rect">
+              <a:avLst/>
+            </a:prstGeom>
+          </p:spPr>
+          <p:style>
+            <a:lnRef idx="0">
+              <a:schemeClr val="accent2"/>
+            </a:lnRef>
+            <a:fillRef idx="3">
+              <a:schemeClr val="accent2"/>
+            </a:fillRef>
+            <a:effectRef idx="3">
+              <a:schemeClr val="accent2"/>
+            </a:effectRef>
+            <a:fontRef idx="minor">
+              <a:schemeClr val="lt1"/>
+            </a:fontRef>
+          </p:style>
+          <p:txBody>
+            <a:bodyPr rtlCol="0" anchor="ctr"/>
+            <a:lstStyle/>
+            <a:p>
+              <a:pPr algn="ctr"/>
+              <a:endParaRPr lang="en-US" sz="1000" dirty="0"/>
+            </a:p>
+          </p:txBody>
+        </p:sp>
+        <p:sp>
+          <p:nvSpPr>
+            <p:cNvPr id="68" name="TextBox 67">
+              <a:extLst>
+                <a:ext uri="{FF2B5EF4-FFF2-40B4-BE49-F238E27FC236}">
+                  <a16:creationId xmlns:a16="http://schemas.microsoft.com/office/drawing/2014/main" id="{B51A6A48-92FB-41DC-AD31-95E068BA34E1}"/>
+                </a:ext>
+              </a:extLst>
+            </p:cNvPr>
+            <p:cNvSpPr txBox="1"/>
+            <p:nvPr/>
+          </p:nvSpPr>
+          <p:spPr>
+            <a:xfrm>
+              <a:off x="3333817" y="113096"/>
+              <a:ext cx="855678" cy="160651"/>
+            </a:xfrm>
+            <a:prstGeom prst="rect">
+              <a:avLst/>
+            </a:prstGeom>
+            <a:noFill/>
+          </p:spPr>
+          <p:txBody>
+            <a:bodyPr wrap="square" rtlCol="0">
+              <a:spAutoFit/>
+            </a:bodyPr>
+            <a:lstStyle/>
+            <a:p>
+              <a:pPr algn="ctr"/>
+              <a:r>
+                <a:rPr lang="en-US" sz="1400" b="1" dirty="0" err="1"/>
+                <a:t>mod_visus</a:t>
+              </a:r>
+              <a:endParaRPr lang="en-US" sz="1400" b="1" dirty="0"/>
+            </a:p>
+          </p:txBody>
+        </p:sp>
+      </p:grpSp>
+      <p:grpSp>
+        <p:nvGrpSpPr>
+          <p:cNvPr id="236" name="Group 235">
+            <a:extLst>
+              <a:ext uri="{FF2B5EF4-FFF2-40B4-BE49-F238E27FC236}">
+                <a16:creationId xmlns:a16="http://schemas.microsoft.com/office/drawing/2014/main" id="{25CDBE1D-ED87-480E-B81C-1AB5B1260C88}"/>
+              </a:ext>
+            </a:extLst>
+          </p:cNvPr>
+          <p:cNvGrpSpPr/>
+          <p:nvPr/>
+        </p:nvGrpSpPr>
+        <p:grpSpPr>
+          <a:xfrm>
+            <a:off x="978305" y="241921"/>
+            <a:ext cx="1144744" cy="551618"/>
+            <a:chOff x="1575348" y="38872"/>
+            <a:chExt cx="1235876" cy="629217"/>
+          </a:xfrm>
+        </p:grpSpPr>
+        <p:sp>
+          <p:nvSpPr>
+            <p:cNvPr id="70" name="Rectangle 69">
+              <a:extLst>
+                <a:ext uri="{FF2B5EF4-FFF2-40B4-BE49-F238E27FC236}">
+                  <a16:creationId xmlns:a16="http://schemas.microsoft.com/office/drawing/2014/main" id="{00846A6E-4934-4CC2-895F-1BA5A9C27876}"/>
+                </a:ext>
+              </a:extLst>
+            </p:cNvPr>
+            <p:cNvSpPr/>
+            <p:nvPr/>
+          </p:nvSpPr>
+          <p:spPr>
+            <a:xfrm>
+              <a:off x="1583397" y="38872"/>
+              <a:ext cx="1227827" cy="629217"/>
+            </a:xfrm>
+            <a:prstGeom prst="rect">
+              <a:avLst/>
+            </a:prstGeom>
+          </p:spPr>
+          <p:style>
+            <a:lnRef idx="0">
+              <a:schemeClr val="accent2"/>
+            </a:lnRef>
+            <a:fillRef idx="3">
+              <a:schemeClr val="accent2"/>
+            </a:fillRef>
+            <a:effectRef idx="3">
+              <a:schemeClr val="accent2"/>
+            </a:effectRef>
+            <a:fontRef idx="minor">
+              <a:schemeClr val="lt1"/>
+            </a:fontRef>
+          </p:style>
+          <p:txBody>
+            <a:bodyPr rtlCol="0" anchor="ctr"/>
+            <a:lstStyle/>
+            <a:p>
+              <a:pPr algn="ctr"/>
+              <a:endParaRPr lang="en-US" sz="1000" dirty="0"/>
+            </a:p>
+          </p:txBody>
+        </p:sp>
+        <p:sp>
+          <p:nvSpPr>
+            <p:cNvPr id="71" name="TextBox 70">
+              <a:extLst>
+                <a:ext uri="{FF2B5EF4-FFF2-40B4-BE49-F238E27FC236}">
+                  <a16:creationId xmlns:a16="http://schemas.microsoft.com/office/drawing/2014/main" id="{D19B52B8-6300-472F-9D44-459C3D834899}"/>
+                </a:ext>
+              </a:extLst>
+            </p:cNvPr>
+            <p:cNvSpPr txBox="1"/>
+            <p:nvPr/>
+          </p:nvSpPr>
+          <p:spPr>
+            <a:xfrm>
+              <a:off x="1575348" y="157633"/>
+              <a:ext cx="1227826" cy="351074"/>
+            </a:xfrm>
+            <a:prstGeom prst="rect">
+              <a:avLst/>
+            </a:prstGeom>
+            <a:noFill/>
+          </p:spPr>
+          <p:txBody>
+            <a:bodyPr wrap="square" rtlCol="0">
+              <a:spAutoFit/>
+            </a:bodyPr>
+            <a:lstStyle/>
+            <a:p>
+              <a:pPr algn="ctr"/>
+              <a:r>
+                <a:rPr lang="en-US" sz="1400" b="1" dirty="0" err="1"/>
+                <a:t>visus</a:t>
+              </a:r>
+              <a:endParaRPr lang="en-US" sz="1400" b="1" dirty="0"/>
+            </a:p>
+          </p:txBody>
+        </p:sp>
+      </p:grpSp>
+      <p:cxnSp>
+        <p:nvCxnSpPr>
+          <p:cNvPr id="75" name="Straight Arrow Connector 74">
+            <a:extLst>
+              <a:ext uri="{FF2B5EF4-FFF2-40B4-BE49-F238E27FC236}">
+                <a16:creationId xmlns:a16="http://schemas.microsoft.com/office/drawing/2014/main" id="{8AF87643-7162-4FDD-A5A3-D49C6AD0D433}"/>
+              </a:ext>
+            </a:extLst>
+          </p:cNvPr>
+          <p:cNvCxnSpPr>
+            <a:cxnSpLocks/>
+            <a:stCxn id="36" idx="0"/>
+            <a:endCxn id="48" idx="2"/>
+          </p:cNvCxnSpPr>
+          <p:nvPr/>
+        </p:nvCxnSpPr>
+        <p:spPr>
+          <a:xfrm flipV="1">
+            <a:off x="5257754" y="4944904"/>
+            <a:ext cx="4310346" cy="708674"/>
+          </a:xfrm>
+          <a:prstGeom prst="straightConnector1">
+            <a:avLst/>
+          </a:prstGeom>
+          <a:ln w="38100">
+            <a:solidFill>
+              <a:schemeClr val="accent2">
+                <a:lumMod val="50000"/>
+              </a:schemeClr>
+            </a:solidFill>
+            <a:prstDash val="sysDot"/>
+            <a:tailEnd type="triangle"/>
+          </a:ln>
+        </p:spPr>
+        <p:style>
+          <a:lnRef idx="1">
+            <a:schemeClr val="accent1"/>
+          </a:lnRef>
+          <a:fillRef idx="0">
+            <a:schemeClr val="accent1"/>
+          </a:fillRef>
+          <a:effectRef idx="0">
+            <a:schemeClr val="accent1"/>
+          </a:effectRef>
+          <a:fontRef idx="minor">
+            <a:schemeClr val="tx1"/>
+          </a:fontRef>
+        </p:style>
+      </p:cxnSp>
+      <p:cxnSp>
+        <p:nvCxnSpPr>
+          <p:cNvPr id="113" name="Straight Arrow Connector 112">
+            <a:extLst>
+              <a:ext uri="{FF2B5EF4-FFF2-40B4-BE49-F238E27FC236}">
+                <a16:creationId xmlns:a16="http://schemas.microsoft.com/office/drawing/2014/main" id="{A5043E1C-5E5C-410A-ADBD-039B5C51DBF4}"/>
+              </a:ext>
+            </a:extLst>
+          </p:cNvPr>
+          <p:cNvCxnSpPr>
+            <a:cxnSpLocks/>
+            <a:stCxn id="36" idx="0"/>
+            <a:endCxn id="38" idx="2"/>
+          </p:cNvCxnSpPr>
+          <p:nvPr/>
+        </p:nvCxnSpPr>
+        <p:spPr>
+          <a:xfrm flipH="1" flipV="1">
+            <a:off x="3970122" y="4946177"/>
+            <a:ext cx="1287632" cy="707401"/>
+          </a:xfrm>
+          <a:prstGeom prst="straightConnector1">
+            <a:avLst/>
+          </a:prstGeom>
+          <a:ln w="38100">
+            <a:solidFill>
+              <a:schemeClr val="accent2">
+                <a:lumMod val="50000"/>
+              </a:schemeClr>
+            </a:solidFill>
+            <a:prstDash val="sysDot"/>
+            <a:tailEnd type="triangle"/>
+          </a:ln>
+        </p:spPr>
+        <p:style>
+          <a:lnRef idx="1">
+            <a:schemeClr val="accent1"/>
+          </a:lnRef>
+          <a:fillRef idx="0">
+            <a:schemeClr val="accent1"/>
+          </a:fillRef>
+          <a:effectRef idx="0">
+            <a:schemeClr val="accent1"/>
+          </a:effectRef>
+          <a:fontRef idx="minor">
+            <a:schemeClr val="tx1"/>
+          </a:fontRef>
+        </p:style>
+      </p:cxnSp>
+      <p:cxnSp>
+        <p:nvCxnSpPr>
+          <p:cNvPr id="116" name="Straight Arrow Connector 115">
+            <a:extLst>
+              <a:ext uri="{FF2B5EF4-FFF2-40B4-BE49-F238E27FC236}">
+                <a16:creationId xmlns:a16="http://schemas.microsoft.com/office/drawing/2014/main" id="{41FE04F4-3081-44AB-9144-737552F8A9A3}"/>
+              </a:ext>
+            </a:extLst>
+          </p:cNvPr>
+          <p:cNvCxnSpPr>
+            <a:cxnSpLocks/>
+            <a:stCxn id="38" idx="0"/>
+            <a:endCxn id="57" idx="2"/>
+          </p:cNvCxnSpPr>
+          <p:nvPr/>
+        </p:nvCxnSpPr>
+        <p:spPr>
+          <a:xfrm flipH="1" flipV="1">
+            <a:off x="3954964" y="3748465"/>
+            <a:ext cx="15158" cy="568406"/>
+          </a:xfrm>
+          <a:prstGeom prst="straightConnector1">
+            <a:avLst/>
+          </a:prstGeom>
+          <a:ln w="38100">
+            <a:solidFill>
+              <a:schemeClr val="accent2">
+                <a:lumMod val="50000"/>
+              </a:schemeClr>
+            </a:solidFill>
+            <a:prstDash val="sysDot"/>
+            <a:tailEnd type="triangle"/>
+          </a:ln>
+        </p:spPr>
+        <p:style>
+          <a:lnRef idx="1">
+            <a:schemeClr val="accent1"/>
+          </a:lnRef>
+          <a:fillRef idx="0">
+            <a:schemeClr val="accent1"/>
+          </a:fillRef>
+          <a:effectRef idx="0">
+            <a:schemeClr val="accent1"/>
+          </a:effectRef>
+          <a:fontRef idx="minor">
+            <a:schemeClr val="tx1"/>
+          </a:fontRef>
+        </p:style>
+      </p:cxnSp>
+      <p:cxnSp>
+        <p:nvCxnSpPr>
+          <p:cNvPr id="119" name="Straight Arrow Connector 118">
+            <a:extLst>
+              <a:ext uri="{FF2B5EF4-FFF2-40B4-BE49-F238E27FC236}">
+                <a16:creationId xmlns:a16="http://schemas.microsoft.com/office/drawing/2014/main" id="{55CA5F28-BFEC-458F-9E64-7A8C6CB4006D}"/>
+              </a:ext>
+            </a:extLst>
+          </p:cNvPr>
+          <p:cNvCxnSpPr>
+            <a:cxnSpLocks/>
+            <a:stCxn id="36" idx="0"/>
+            <a:endCxn id="45" idx="2"/>
+          </p:cNvCxnSpPr>
+          <p:nvPr/>
+        </p:nvCxnSpPr>
+        <p:spPr>
+          <a:xfrm flipV="1">
+            <a:off x="5257754" y="4963751"/>
+            <a:ext cx="819976" cy="689827"/>
+          </a:xfrm>
+          <a:prstGeom prst="straightConnector1">
+            <a:avLst/>
+          </a:prstGeom>
+          <a:ln w="38100">
+            <a:solidFill>
+              <a:schemeClr val="accent2">
+                <a:lumMod val="50000"/>
+              </a:schemeClr>
+            </a:solidFill>
+            <a:prstDash val="sysDot"/>
+            <a:tailEnd type="triangle"/>
+          </a:ln>
+        </p:spPr>
+        <p:style>
+          <a:lnRef idx="1">
+            <a:schemeClr val="accent1"/>
+          </a:lnRef>
+          <a:fillRef idx="0">
+            <a:schemeClr val="accent1"/>
+          </a:fillRef>
+          <a:effectRef idx="0">
+            <a:schemeClr val="accent1"/>
+          </a:effectRef>
+          <a:fontRef idx="minor">
+            <a:schemeClr val="tx1"/>
+          </a:fontRef>
+        </p:style>
+      </p:cxnSp>
+      <p:cxnSp>
+        <p:nvCxnSpPr>
+          <p:cNvPr id="144" name="Straight Arrow Connector 143">
+            <a:extLst>
+              <a:ext uri="{FF2B5EF4-FFF2-40B4-BE49-F238E27FC236}">
+                <a16:creationId xmlns:a16="http://schemas.microsoft.com/office/drawing/2014/main" id="{24F70609-C626-4172-81EA-DBDD36CF8A12}"/>
+              </a:ext>
+            </a:extLst>
+          </p:cNvPr>
+          <p:cNvCxnSpPr>
+            <a:cxnSpLocks/>
+            <a:stCxn id="45" idx="0"/>
+            <a:endCxn id="54" idx="2"/>
+          </p:cNvCxnSpPr>
+          <p:nvPr/>
+        </p:nvCxnSpPr>
+        <p:spPr>
+          <a:xfrm flipH="1" flipV="1">
+            <a:off x="4879939" y="2765439"/>
+            <a:ext cx="1197791" cy="1640673"/>
+          </a:xfrm>
+          <a:prstGeom prst="straightConnector1">
+            <a:avLst/>
+          </a:prstGeom>
+          <a:ln w="38100">
+            <a:solidFill>
+              <a:schemeClr val="accent2">
+                <a:lumMod val="50000"/>
+              </a:schemeClr>
+            </a:solidFill>
+            <a:prstDash val="sysDot"/>
+            <a:tailEnd type="triangle"/>
+          </a:ln>
+        </p:spPr>
+        <p:style>
+          <a:lnRef idx="1">
+            <a:schemeClr val="accent1"/>
+          </a:lnRef>
+          <a:fillRef idx="0">
+            <a:schemeClr val="accent1"/>
+          </a:fillRef>
+          <a:effectRef idx="0">
+            <a:schemeClr val="accent1"/>
+          </a:effectRef>
+          <a:fontRef idx="minor">
+            <a:schemeClr val="tx1"/>
+          </a:fontRef>
+        </p:style>
+      </p:cxnSp>
+      <p:cxnSp>
+        <p:nvCxnSpPr>
+          <p:cNvPr id="147" name="Straight Arrow Connector 146">
+            <a:extLst>
+              <a:ext uri="{FF2B5EF4-FFF2-40B4-BE49-F238E27FC236}">
+                <a16:creationId xmlns:a16="http://schemas.microsoft.com/office/drawing/2014/main" id="{7993CD7A-C81B-4B3F-B488-9DEA69071082}"/>
+              </a:ext>
+            </a:extLst>
+          </p:cNvPr>
+          <p:cNvCxnSpPr>
+            <a:cxnSpLocks/>
+            <a:stCxn id="45" idx="0"/>
+            <a:endCxn id="51" idx="2"/>
+          </p:cNvCxnSpPr>
+          <p:nvPr/>
+        </p:nvCxnSpPr>
+        <p:spPr>
+          <a:xfrm flipV="1">
+            <a:off x="6077730" y="2826892"/>
+            <a:ext cx="2292090" cy="1579220"/>
+          </a:xfrm>
+          <a:prstGeom prst="straightConnector1">
+            <a:avLst/>
+          </a:prstGeom>
+          <a:ln w="38100">
+            <a:solidFill>
+              <a:schemeClr val="accent2">
+                <a:lumMod val="50000"/>
+              </a:schemeClr>
+            </a:solidFill>
+            <a:prstDash val="sysDot"/>
+            <a:tailEnd type="triangle"/>
+          </a:ln>
+        </p:spPr>
+        <p:style>
+          <a:lnRef idx="1">
+            <a:schemeClr val="accent1"/>
+          </a:lnRef>
+          <a:fillRef idx="0">
+            <a:schemeClr val="accent1"/>
+          </a:fillRef>
+          <a:effectRef idx="0">
+            <a:schemeClr val="accent1"/>
+          </a:effectRef>
+          <a:fontRef idx="minor">
+            <a:schemeClr val="tx1"/>
+          </a:fontRef>
+        </p:style>
+      </p:cxnSp>
+      <p:cxnSp>
+        <p:nvCxnSpPr>
+          <p:cNvPr id="150" name="Straight Arrow Connector 149">
+            <a:extLst>
+              <a:ext uri="{FF2B5EF4-FFF2-40B4-BE49-F238E27FC236}">
+                <a16:creationId xmlns:a16="http://schemas.microsoft.com/office/drawing/2014/main" id="{8794421A-70A0-431A-972B-B66F6F433165}"/>
+              </a:ext>
+            </a:extLst>
+          </p:cNvPr>
+          <p:cNvCxnSpPr>
+            <a:cxnSpLocks/>
+            <a:stCxn id="51" idx="0"/>
+            <a:endCxn id="61" idx="2"/>
+          </p:cNvCxnSpPr>
+          <p:nvPr/>
+        </p:nvCxnSpPr>
+        <p:spPr>
+          <a:xfrm flipH="1" flipV="1">
+            <a:off x="6768159" y="1628855"/>
+            <a:ext cx="1601661" cy="618823"/>
+          </a:xfrm>
+          <a:prstGeom prst="straightConnector1">
+            <a:avLst/>
+          </a:prstGeom>
+          <a:ln w="38100">
+            <a:solidFill>
+              <a:schemeClr val="accent2">
+                <a:lumMod val="50000"/>
+              </a:schemeClr>
+            </a:solidFill>
+            <a:prstDash val="sysDot"/>
+            <a:tailEnd type="triangle"/>
+          </a:ln>
+        </p:spPr>
+        <p:style>
+          <a:lnRef idx="1">
+            <a:schemeClr val="accent1"/>
+          </a:lnRef>
+          <a:fillRef idx="0">
+            <a:schemeClr val="accent1"/>
+          </a:fillRef>
+          <a:effectRef idx="0">
+            <a:schemeClr val="accent1"/>
+          </a:effectRef>
+          <a:fontRef idx="minor">
+            <a:schemeClr val="tx1"/>
+          </a:fontRef>
+        </p:style>
+      </p:cxnSp>
+      <p:cxnSp>
+        <p:nvCxnSpPr>
+          <p:cNvPr id="153" name="Straight Arrow Connector 152">
+            <a:extLst>
+              <a:ext uri="{FF2B5EF4-FFF2-40B4-BE49-F238E27FC236}">
+                <a16:creationId xmlns:a16="http://schemas.microsoft.com/office/drawing/2014/main" id="{72DC2A40-4600-4A9C-A20A-B1378969943E}"/>
+              </a:ext>
+            </a:extLst>
+          </p:cNvPr>
+          <p:cNvCxnSpPr>
+            <a:cxnSpLocks/>
+            <a:stCxn id="54" idx="0"/>
+            <a:endCxn id="61" idx="2"/>
+          </p:cNvCxnSpPr>
+          <p:nvPr/>
+        </p:nvCxnSpPr>
+        <p:spPr>
+          <a:xfrm flipV="1">
+            <a:off x="4879939" y="1628855"/>
+            <a:ext cx="1888220" cy="631932"/>
+          </a:xfrm>
+          <a:prstGeom prst="straightConnector1">
+            <a:avLst/>
+          </a:prstGeom>
+          <a:ln w="38100">
+            <a:solidFill>
+              <a:schemeClr val="accent2">
+                <a:lumMod val="50000"/>
+              </a:schemeClr>
+            </a:solidFill>
+            <a:prstDash val="sysDot"/>
+            <a:tailEnd type="triangle"/>
+          </a:ln>
+        </p:spPr>
+        <p:style>
+          <a:lnRef idx="1">
+            <a:schemeClr val="accent1"/>
+          </a:lnRef>
+          <a:fillRef idx="0">
+            <a:schemeClr val="accent1"/>
+          </a:fillRef>
+          <a:effectRef idx="0">
+            <a:schemeClr val="accent1"/>
+          </a:effectRef>
+          <a:fontRef idx="minor">
+            <a:schemeClr val="tx1"/>
+          </a:fontRef>
+        </p:style>
+      </p:cxnSp>
+      <p:cxnSp>
+        <p:nvCxnSpPr>
+          <p:cNvPr id="156" name="Straight Arrow Connector 155">
+            <a:extLst>
+              <a:ext uri="{FF2B5EF4-FFF2-40B4-BE49-F238E27FC236}">
+                <a16:creationId xmlns:a16="http://schemas.microsoft.com/office/drawing/2014/main" id="{A8161DE1-DA14-48BF-8A64-866E5B13BB55}"/>
+              </a:ext>
+            </a:extLst>
+          </p:cNvPr>
+          <p:cNvCxnSpPr>
+            <a:cxnSpLocks/>
+            <a:stCxn id="61" idx="0"/>
+            <a:endCxn id="64" idx="2"/>
+          </p:cNvCxnSpPr>
+          <p:nvPr/>
+        </p:nvCxnSpPr>
+        <p:spPr>
+          <a:xfrm flipV="1">
+            <a:off x="6768159" y="773931"/>
+            <a:ext cx="8252" cy="294939"/>
+          </a:xfrm>
+          <a:prstGeom prst="straightConnector1">
+            <a:avLst/>
+          </a:prstGeom>
+          <a:ln w="38100">
+            <a:solidFill>
+              <a:schemeClr val="accent2">
+                <a:lumMod val="50000"/>
+              </a:schemeClr>
+            </a:solidFill>
+            <a:prstDash val="sysDot"/>
+            <a:tailEnd type="triangle"/>
+          </a:ln>
+        </p:spPr>
+        <p:style>
+          <a:lnRef idx="1">
+            <a:schemeClr val="accent1"/>
+          </a:lnRef>
+          <a:fillRef idx="0">
+            <a:schemeClr val="accent1"/>
+          </a:fillRef>
+          <a:effectRef idx="0">
+            <a:schemeClr val="accent1"/>
+          </a:effectRef>
+          <a:fontRef idx="minor">
+            <a:schemeClr val="tx1"/>
+          </a:fontRef>
+        </p:style>
+      </p:cxnSp>
+      <p:cxnSp>
+        <p:nvCxnSpPr>
+          <p:cNvPr id="159" name="Straight Arrow Connector 158">
+            <a:extLst>
+              <a:ext uri="{FF2B5EF4-FFF2-40B4-BE49-F238E27FC236}">
+                <a16:creationId xmlns:a16="http://schemas.microsoft.com/office/drawing/2014/main" id="{2F1AEEF3-428A-4E21-B402-F0F82958A92E}"/>
+              </a:ext>
+            </a:extLst>
+          </p:cNvPr>
+          <p:cNvCxnSpPr>
+            <a:cxnSpLocks/>
+            <a:stCxn id="57" idx="0"/>
+            <a:endCxn id="67" idx="2"/>
+          </p:cNvCxnSpPr>
+          <p:nvPr/>
+        </p:nvCxnSpPr>
+        <p:spPr>
+          <a:xfrm flipH="1" flipV="1">
+            <a:off x="3872622" y="782077"/>
+            <a:ext cx="82342" cy="2499648"/>
+          </a:xfrm>
+          <a:prstGeom prst="straightConnector1">
+            <a:avLst/>
+          </a:prstGeom>
+          <a:ln w="38100">
+            <a:solidFill>
+              <a:schemeClr val="accent2">
+                <a:lumMod val="50000"/>
+              </a:schemeClr>
+            </a:solidFill>
+            <a:prstDash val="sysDot"/>
+            <a:tailEnd type="triangle"/>
+          </a:ln>
+        </p:spPr>
+        <p:style>
+          <a:lnRef idx="1">
+            <a:schemeClr val="accent1"/>
+          </a:lnRef>
+          <a:fillRef idx="0">
+            <a:schemeClr val="accent1"/>
+          </a:fillRef>
+          <a:effectRef idx="0">
+            <a:schemeClr val="accent1"/>
+          </a:effectRef>
+          <a:fontRef idx="minor">
+            <a:schemeClr val="tx1"/>
+          </a:fontRef>
+        </p:style>
+      </p:cxnSp>
+      <p:cxnSp>
+        <p:nvCxnSpPr>
+          <p:cNvPr id="162" name="Straight Arrow Connector 161">
+            <a:extLst>
+              <a:ext uri="{FF2B5EF4-FFF2-40B4-BE49-F238E27FC236}">
+                <a16:creationId xmlns:a16="http://schemas.microsoft.com/office/drawing/2014/main" id="{F6B32788-FBD5-4CD3-855A-E0CD5B61B975}"/>
+              </a:ext>
+            </a:extLst>
+          </p:cNvPr>
+          <p:cNvCxnSpPr>
+            <a:cxnSpLocks/>
+            <a:stCxn id="57" idx="0"/>
+            <a:endCxn id="70" idx="2"/>
+          </p:cNvCxnSpPr>
+          <p:nvPr/>
+        </p:nvCxnSpPr>
+        <p:spPr>
+          <a:xfrm flipH="1" flipV="1">
+            <a:off x="1554405" y="793539"/>
+            <a:ext cx="2400559" cy="2488186"/>
+          </a:xfrm>
+          <a:prstGeom prst="straightConnector1">
+            <a:avLst/>
+          </a:prstGeom>
+          <a:ln w="38100">
+            <a:solidFill>
+              <a:schemeClr val="accent2">
+                <a:lumMod val="50000"/>
+              </a:schemeClr>
+            </a:solidFill>
+            <a:prstDash val="sysDot"/>
+            <a:tailEnd type="triangle"/>
+          </a:ln>
+        </p:spPr>
+        <p:style>
+          <a:lnRef idx="1">
+            <a:schemeClr val="accent1"/>
+          </a:lnRef>
+          <a:fillRef idx="0">
+            <a:schemeClr val="accent1"/>
+          </a:fillRef>
+          <a:effectRef idx="0">
+            <a:schemeClr val="accent1"/>
+          </a:effectRef>
+          <a:fontRef idx="minor">
+            <a:schemeClr val="tx1"/>
+          </a:fontRef>
+        </p:style>
+      </p:cxnSp>
+      <p:cxnSp>
+        <p:nvCxnSpPr>
+          <p:cNvPr id="165" name="Straight Arrow Connector 164">
+            <a:extLst>
+              <a:ext uri="{FF2B5EF4-FFF2-40B4-BE49-F238E27FC236}">
+                <a16:creationId xmlns:a16="http://schemas.microsoft.com/office/drawing/2014/main" id="{326F4F6B-5CB9-4F64-BFFF-DCC16306F437}"/>
+              </a:ext>
+            </a:extLst>
+          </p:cNvPr>
+          <p:cNvCxnSpPr>
+            <a:cxnSpLocks/>
+            <a:stCxn id="57" idx="0"/>
+            <a:endCxn id="54" idx="2"/>
+          </p:cNvCxnSpPr>
+          <p:nvPr/>
+        </p:nvCxnSpPr>
+        <p:spPr>
+          <a:xfrm flipV="1">
+            <a:off x="3954964" y="2765439"/>
+            <a:ext cx="924975" cy="516286"/>
+          </a:xfrm>
+          <a:prstGeom prst="straightConnector1">
+            <a:avLst/>
+          </a:prstGeom>
+          <a:ln w="38100">
+            <a:solidFill>
+              <a:schemeClr val="accent2">
+                <a:lumMod val="50000"/>
+              </a:schemeClr>
+            </a:solidFill>
+            <a:prstDash val="sysDot"/>
+            <a:tailEnd type="triangle"/>
+          </a:ln>
+        </p:spPr>
+        <p:style>
+          <a:lnRef idx="1">
+            <a:schemeClr val="accent1"/>
+          </a:lnRef>
+          <a:fillRef idx="0">
+            <a:schemeClr val="accent1"/>
+          </a:fillRef>
+          <a:effectRef idx="0">
+            <a:schemeClr val="accent1"/>
+          </a:effectRef>
+          <a:fontRef idx="minor">
+            <a:schemeClr val="tx1"/>
+          </a:fontRef>
+        </p:style>
+      </p:cxnSp>
+      <p:cxnSp>
+        <p:nvCxnSpPr>
+          <p:cNvPr id="170" name="Straight Arrow Connector 169">
+            <a:extLst>
+              <a:ext uri="{FF2B5EF4-FFF2-40B4-BE49-F238E27FC236}">
+                <a16:creationId xmlns:a16="http://schemas.microsoft.com/office/drawing/2014/main" id="{E2D5847E-FF9A-4B12-8906-2D6F4B082BED}"/>
+              </a:ext>
+            </a:extLst>
+          </p:cNvPr>
+          <p:cNvCxnSpPr>
+            <a:cxnSpLocks/>
+            <a:stCxn id="48" idx="0"/>
+            <a:endCxn id="51" idx="2"/>
+          </p:cNvCxnSpPr>
+          <p:nvPr/>
+        </p:nvCxnSpPr>
+        <p:spPr>
+          <a:xfrm flipH="1" flipV="1">
+            <a:off x="8369820" y="2826892"/>
+            <a:ext cx="1198280" cy="1560374"/>
+          </a:xfrm>
+          <a:prstGeom prst="straightConnector1">
+            <a:avLst/>
+          </a:prstGeom>
+          <a:ln w="38100">
+            <a:solidFill>
+              <a:schemeClr val="accent2">
+                <a:lumMod val="50000"/>
+              </a:schemeClr>
+            </a:solidFill>
+            <a:prstDash val="sysDot"/>
+            <a:tailEnd type="triangle"/>
+          </a:ln>
+        </p:spPr>
+        <p:style>
+          <a:lnRef idx="1">
+            <a:schemeClr val="accent1"/>
+          </a:lnRef>
+          <a:fillRef idx="0">
+            <a:schemeClr val="accent1"/>
+          </a:fillRef>
+          <a:effectRef idx="0">
+            <a:schemeClr val="accent1"/>
+          </a:effectRef>
+          <a:fontRef idx="minor">
+            <a:schemeClr val="tx1"/>
+          </a:fontRef>
+        </p:style>
+      </p:cxnSp>
+      <p:grpSp>
+        <p:nvGrpSpPr>
+          <p:cNvPr id="20" name="Group 19">
+            <a:extLst>
+              <a:ext uri="{FF2B5EF4-FFF2-40B4-BE49-F238E27FC236}">
+                <a16:creationId xmlns:a16="http://schemas.microsoft.com/office/drawing/2014/main" id="{8A485EEC-B521-4FB4-8D54-5B0340D76149}"/>
+              </a:ext>
+            </a:extLst>
+          </p:cNvPr>
+          <p:cNvGrpSpPr/>
+          <p:nvPr/>
+        </p:nvGrpSpPr>
+        <p:grpSpPr>
+          <a:xfrm>
+            <a:off x="8302320" y="5974468"/>
+            <a:ext cx="1773820" cy="1299988"/>
+            <a:chOff x="8644383" y="5189993"/>
+            <a:chExt cx="1773820" cy="1299988"/>
+          </a:xfrm>
+        </p:grpSpPr>
+        <p:sp>
+          <p:nvSpPr>
+            <p:cNvPr id="311" name="Freeform: Shape 310">
+              <a:extLst>
+                <a:ext uri="{FF2B5EF4-FFF2-40B4-BE49-F238E27FC236}">
+                  <a16:creationId xmlns:a16="http://schemas.microsoft.com/office/drawing/2014/main" id="{69A0C4A9-A84E-4447-94A0-956841F034E5}"/>
+                </a:ext>
+              </a:extLst>
+            </p:cNvPr>
+            <p:cNvSpPr/>
+            <p:nvPr/>
+          </p:nvSpPr>
+          <p:spPr>
+            <a:xfrm>
+              <a:off x="8841155" y="5189993"/>
+              <a:ext cx="1577048" cy="1299988"/>
+            </a:xfrm>
+            <a:custGeom>
+              <a:avLst/>
+              <a:gdLst>
+                <a:gd name="connsiteX0" fmla="*/ 839 w 1783261"/>
+                <a:gd name="connsiteY0" fmla="*/ 254800 h 1349612"/>
+                <a:gd name="connsiteX1" fmla="*/ 387701 w 1783261"/>
+                <a:gd name="connsiteY1" fmla="*/ 34992 h 1349612"/>
+                <a:gd name="connsiteX2" fmla="*/ 1671378 w 1783261"/>
+                <a:gd name="connsiteY2" fmla="*/ 966976 h 1349612"/>
+                <a:gd name="connsiteX3" fmla="*/ 1618624 w 1783261"/>
+                <a:gd name="connsiteY3" fmla="*/ 1292292 h 1349612"/>
+                <a:gd name="connsiteX4" fmla="*/ 800939 w 1783261"/>
+                <a:gd name="connsiteY4" fmla="*/ 1301084 h 1349612"/>
+                <a:gd name="connsiteX5" fmla="*/ 299778 w 1783261"/>
+                <a:gd name="connsiteY5" fmla="*/ 799923 h 1349612"/>
+                <a:gd name="connsiteX6" fmla="*/ 839 w 1783261"/>
+                <a:gd name="connsiteY6" fmla="*/ 254800 h 1349612"/>
+                <a:gd name="connsiteX0" fmla="*/ 5065 w 1776507"/>
+                <a:gd name="connsiteY0" fmla="*/ 310100 h 1404912"/>
+                <a:gd name="connsiteX1" fmla="*/ 543804 w 1776507"/>
+                <a:gd name="connsiteY1" fmla="*/ 30117 h 1404912"/>
+                <a:gd name="connsiteX2" fmla="*/ 1675604 w 1776507"/>
+                <a:gd name="connsiteY2" fmla="*/ 1022276 h 1404912"/>
+                <a:gd name="connsiteX3" fmla="*/ 1622850 w 1776507"/>
+                <a:gd name="connsiteY3" fmla="*/ 1347592 h 1404912"/>
+                <a:gd name="connsiteX4" fmla="*/ 805165 w 1776507"/>
+                <a:gd name="connsiteY4" fmla="*/ 1356384 h 1404912"/>
+                <a:gd name="connsiteX5" fmla="*/ 304004 w 1776507"/>
+                <a:gd name="connsiteY5" fmla="*/ 855223 h 1404912"/>
+                <a:gd name="connsiteX6" fmla="*/ 5065 w 1776507"/>
+                <a:gd name="connsiteY6" fmla="*/ 310100 h 1404912"/>
+                <a:gd name="connsiteX0" fmla="*/ 13646 w 1770794"/>
+                <a:gd name="connsiteY0" fmla="*/ 385585 h 1480397"/>
+                <a:gd name="connsiteX1" fmla="*/ 751722 w 1770794"/>
+                <a:gd name="connsiteY1" fmla="*/ 25368 h 1480397"/>
+                <a:gd name="connsiteX2" fmla="*/ 1684185 w 1770794"/>
+                <a:gd name="connsiteY2" fmla="*/ 1097761 h 1480397"/>
+                <a:gd name="connsiteX3" fmla="*/ 1631431 w 1770794"/>
+                <a:gd name="connsiteY3" fmla="*/ 1423077 h 1480397"/>
+                <a:gd name="connsiteX4" fmla="*/ 813746 w 1770794"/>
+                <a:gd name="connsiteY4" fmla="*/ 1431869 h 1480397"/>
+                <a:gd name="connsiteX5" fmla="*/ 312585 w 1770794"/>
+                <a:gd name="connsiteY5" fmla="*/ 930708 h 1480397"/>
+                <a:gd name="connsiteX6" fmla="*/ 13646 w 1770794"/>
+                <a:gd name="connsiteY6" fmla="*/ 385585 h 1480397"/>
+                <a:gd name="connsiteX0" fmla="*/ 13646 w 1702595"/>
+                <a:gd name="connsiteY0" fmla="*/ 371768 h 1482865"/>
+                <a:gd name="connsiteX1" fmla="*/ 751722 w 1702595"/>
+                <a:gd name="connsiteY1" fmla="*/ 11551 h 1482865"/>
+                <a:gd name="connsiteX2" fmla="*/ 1560785 w 1702595"/>
+                <a:gd name="connsiteY2" fmla="*/ 803126 h 1482865"/>
+                <a:gd name="connsiteX3" fmla="*/ 1631431 w 1702595"/>
+                <a:gd name="connsiteY3" fmla="*/ 1409260 h 1482865"/>
+                <a:gd name="connsiteX4" fmla="*/ 813746 w 1702595"/>
+                <a:gd name="connsiteY4" fmla="*/ 1418052 h 1482865"/>
+                <a:gd name="connsiteX5" fmla="*/ 312585 w 1702595"/>
+                <a:gd name="connsiteY5" fmla="*/ 916891 h 1482865"/>
+                <a:gd name="connsiteX6" fmla="*/ 13646 w 1702595"/>
+                <a:gd name="connsiteY6" fmla="*/ 371768 h 1482865"/>
+              </a:gdLst>
+              <a:ahLst/>
+              <a:cxnLst>
+                <a:cxn ang="0">
+                  <a:pos x="connsiteX0" y="connsiteY0"/>
+                </a:cxn>
+                <a:cxn ang="0">
+                  <a:pos x="connsiteX1" y="connsiteY1"/>
+                </a:cxn>
+                <a:cxn ang="0">
+                  <a:pos x="connsiteX2" y="connsiteY2"/>
+                </a:cxn>
+                <a:cxn ang="0">
+                  <a:pos x="connsiteX3" y="connsiteY3"/>
+                </a:cxn>
+                <a:cxn ang="0">
+                  <a:pos x="connsiteX4" y="connsiteY4"/>
+                </a:cxn>
+                <a:cxn ang="0">
+                  <a:pos x="connsiteX5" y="connsiteY5"/>
+                </a:cxn>
+                <a:cxn ang="0">
+                  <a:pos x="connsiteX6" y="connsiteY6"/>
+                </a:cxn>
+              </a:cxnLst>
+              <a:rect l="l" t="t" r="r" b="b"/>
+              <a:pathLst>
+                <a:path w="1702595" h="1482865">
+                  <a:moveTo>
+                    <a:pt x="13646" y="371768"/>
+                  </a:moveTo>
+                  <a:cubicBezTo>
+                    <a:pt x="86836" y="220878"/>
+                    <a:pt x="493866" y="-60342"/>
+                    <a:pt x="751722" y="11551"/>
+                  </a:cubicBezTo>
+                  <a:cubicBezTo>
+                    <a:pt x="1009578" y="83444"/>
+                    <a:pt x="1414167" y="570175"/>
+                    <a:pt x="1560785" y="803126"/>
+                  </a:cubicBezTo>
+                  <a:cubicBezTo>
+                    <a:pt x="1707403" y="1036077"/>
+                    <a:pt x="1755937" y="1306772"/>
+                    <a:pt x="1631431" y="1409260"/>
+                  </a:cubicBezTo>
+                  <a:cubicBezTo>
+                    <a:pt x="1506925" y="1511748"/>
+                    <a:pt x="1033554" y="1500113"/>
+                    <a:pt x="813746" y="1418052"/>
+                  </a:cubicBezTo>
+                  <a:cubicBezTo>
+                    <a:pt x="593938" y="1335991"/>
+                    <a:pt x="445935" y="1086876"/>
+                    <a:pt x="312585" y="916891"/>
+                  </a:cubicBezTo>
+                  <a:cubicBezTo>
+                    <a:pt x="179235" y="746906"/>
+                    <a:pt x="-59544" y="522658"/>
+                    <a:pt x="13646" y="371768"/>
+                  </a:cubicBezTo>
+                  <a:close/>
+                </a:path>
+              </a:pathLst>
+            </a:custGeom>
+            <a:solidFill>
+              <a:schemeClr val="accent6">
+                <a:lumMod val="20000"/>
+                <a:lumOff val="80000"/>
+              </a:schemeClr>
+            </a:solidFill>
+            <a:ln>
+              <a:noFill/>
+            </a:ln>
+          </p:spPr>
+          <p:style>
+            <a:lnRef idx="2">
+              <a:schemeClr val="accent1">
+                <a:shade val="50000"/>
+              </a:schemeClr>
+            </a:lnRef>
+            <a:fillRef idx="1">
+              <a:schemeClr val="accent1"/>
+            </a:fillRef>
+            <a:effectRef idx="0">
+              <a:schemeClr val="accent1"/>
+            </a:effectRef>
+            <a:fontRef idx="minor">
+              <a:schemeClr val="lt1"/>
+            </a:fontRef>
+          </p:style>
+          <p:txBody>
+            <a:bodyPr rtlCol="0" anchor="ctr"/>
+            <a:lstStyle/>
+            <a:p>
+              <a:pPr algn="ctr"/>
+              <a:endParaRPr lang="en-US"/>
+            </a:p>
+          </p:txBody>
+        </p:sp>
+        <p:grpSp>
+          <p:nvGrpSpPr>
+            <p:cNvPr id="227" name="Group 226">
+              <a:extLst>
+                <a:ext uri="{FF2B5EF4-FFF2-40B4-BE49-F238E27FC236}">
+                  <a16:creationId xmlns:a16="http://schemas.microsoft.com/office/drawing/2014/main" id="{C70DD584-6B0C-4C64-8059-030A00447D2A}"/>
+                </a:ext>
+              </a:extLst>
+            </p:cNvPr>
+            <p:cNvGrpSpPr/>
+            <p:nvPr/>
+          </p:nvGrpSpPr>
+          <p:grpSpPr>
+            <a:xfrm>
+              <a:off x="9442822" y="5864157"/>
+              <a:ext cx="636815" cy="269280"/>
+              <a:chOff x="9589952" y="5925068"/>
+              <a:chExt cx="636815" cy="269280"/>
+            </a:xfrm>
+          </p:grpSpPr>
+          <p:sp>
+            <p:nvSpPr>
+              <p:cNvPr id="24" name="Rectangle 23">
+                <a:extLst>
+                  <a:ext uri="{FF2B5EF4-FFF2-40B4-BE49-F238E27FC236}">
+                    <a16:creationId xmlns:a16="http://schemas.microsoft.com/office/drawing/2014/main" id="{BB520AE9-AD22-4C4D-84FB-C7829256F5E7}"/>
+                  </a:ext>
+                </a:extLst>
+              </p:cNvPr>
+              <p:cNvSpPr/>
+              <p:nvPr/>
+            </p:nvSpPr>
+            <p:spPr>
+              <a:xfrm>
+                <a:off x="9598690" y="5925068"/>
+                <a:ext cx="628077" cy="269280"/>
+              </a:xfrm>
+              <a:prstGeom prst="rect">
+                <a:avLst/>
+              </a:prstGeom>
+            </p:spPr>
+            <p:style>
+              <a:lnRef idx="0">
+                <a:schemeClr val="accent3"/>
+              </a:lnRef>
+              <a:fillRef idx="3">
+                <a:schemeClr val="accent3"/>
+              </a:fillRef>
+              <a:effectRef idx="3">
+                <a:schemeClr val="accent3"/>
+              </a:effectRef>
+              <a:fontRef idx="minor">
+                <a:schemeClr val="lt1"/>
+              </a:fontRef>
+            </p:style>
+            <p:txBody>
+              <a:bodyPr rtlCol="0" anchor="ctr"/>
+              <a:lstStyle/>
+              <a:p>
+                <a:pPr algn="ctr"/>
+                <a:endParaRPr lang="en-US" sz="1000"/>
+              </a:p>
+            </p:txBody>
+          </p:sp>
+          <p:sp>
+            <p:nvSpPr>
+              <p:cNvPr id="25" name="TextBox 24">
+                <a:extLst>
+                  <a:ext uri="{FF2B5EF4-FFF2-40B4-BE49-F238E27FC236}">
+                    <a16:creationId xmlns:a16="http://schemas.microsoft.com/office/drawing/2014/main" id="{B6073FC1-65F3-4E50-A3F3-7E8D636553A4}"/>
+                  </a:ext>
+                </a:extLst>
+              </p:cNvPr>
+              <p:cNvSpPr txBox="1"/>
+              <p:nvPr/>
+            </p:nvSpPr>
+            <p:spPr>
+              <a:xfrm>
+                <a:off x="9589952" y="5928107"/>
+                <a:ext cx="628076" cy="246221"/>
+              </a:xfrm>
+              <a:prstGeom prst="rect">
+                <a:avLst/>
+              </a:prstGeom>
+              <a:noFill/>
+            </p:spPr>
+            <p:txBody>
+              <a:bodyPr wrap="square" rtlCol="0">
+                <a:spAutoFit/>
+              </a:bodyPr>
+              <a:lstStyle/>
+              <a:p>
+                <a:pPr algn="ctr"/>
+                <a:r>
+                  <a:rPr lang="en-US" sz="1000" b="1" dirty="0">
+                    <a:solidFill>
+                      <a:schemeClr val="bg1"/>
+                    </a:solidFill>
+                  </a:rPr>
+                  <a:t>Python</a:t>
+                </a:r>
+              </a:p>
+            </p:txBody>
+          </p:sp>
+        </p:grpSp>
+        <p:sp>
+          <p:nvSpPr>
+            <p:cNvPr id="181" name="TextBox 180">
+              <a:extLst>
+                <a:ext uri="{FF2B5EF4-FFF2-40B4-BE49-F238E27FC236}">
+                  <a16:creationId xmlns:a16="http://schemas.microsoft.com/office/drawing/2014/main" id="{136630D9-443D-466C-95A5-21EAC8276A4C}"/>
+                </a:ext>
+              </a:extLst>
+            </p:cNvPr>
+            <p:cNvSpPr txBox="1"/>
+            <p:nvPr/>
+          </p:nvSpPr>
+          <p:spPr>
+            <a:xfrm>
+              <a:off x="8644383" y="5307262"/>
+              <a:ext cx="1522957" cy="461665"/>
+            </a:xfrm>
+            <a:prstGeom prst="rect">
+              <a:avLst/>
+            </a:prstGeom>
+            <a:noFill/>
+          </p:spPr>
+          <p:txBody>
+            <a:bodyPr wrap="square" rtlCol="0">
+              <a:spAutoFit/>
+            </a:bodyPr>
+            <a:lstStyle/>
+            <a:p>
+              <a:pPr algn="ctr"/>
+              <a:r>
+                <a:rPr lang="en-US" sz="1200" b="1" dirty="0">
+                  <a:solidFill>
+                    <a:schemeClr val="bg1">
+                      <a:lumMod val="50000"/>
+                    </a:schemeClr>
+                  </a:solidFill>
+                </a:rPr>
+                <a:t>option</a:t>
+              </a:r>
+            </a:p>
+            <a:p>
+              <a:pPr algn="ctr"/>
+              <a:r>
+                <a:rPr lang="en-US" sz="1200" b="1" u="sng" dirty="0">
+                  <a:solidFill>
+                    <a:schemeClr val="accent4">
+                      <a:lumMod val="75000"/>
+                    </a:schemeClr>
+                  </a:solidFill>
+                </a:rPr>
+                <a:t>VISUS_PYTHON</a:t>
+              </a:r>
+            </a:p>
+          </p:txBody>
+        </p:sp>
+      </p:grpSp>
+      <p:grpSp>
+        <p:nvGrpSpPr>
+          <p:cNvPr id="17" name="Group 16">
+            <a:extLst>
+              <a:ext uri="{FF2B5EF4-FFF2-40B4-BE49-F238E27FC236}">
+                <a16:creationId xmlns:a16="http://schemas.microsoft.com/office/drawing/2014/main" id="{C00DA900-694C-4417-985B-CA954D173111}"/>
+              </a:ext>
+            </a:extLst>
+          </p:cNvPr>
+          <p:cNvGrpSpPr/>
+          <p:nvPr/>
+        </p:nvGrpSpPr>
+        <p:grpSpPr>
+          <a:xfrm>
+            <a:off x="1332931" y="6012741"/>
+            <a:ext cx="1656800" cy="1223442"/>
+            <a:chOff x="3591189" y="5506433"/>
+            <a:chExt cx="1656800" cy="1223442"/>
+          </a:xfrm>
+        </p:grpSpPr>
+        <p:sp>
+          <p:nvSpPr>
+            <p:cNvPr id="314" name="Freeform: Shape 313">
+              <a:extLst>
+                <a:ext uri="{FF2B5EF4-FFF2-40B4-BE49-F238E27FC236}">
+                  <a16:creationId xmlns:a16="http://schemas.microsoft.com/office/drawing/2014/main" id="{502A18CE-4DCC-4B91-B5CE-FF248696D6A5}"/>
+                </a:ext>
+              </a:extLst>
+            </p:cNvPr>
+            <p:cNvSpPr/>
+            <p:nvPr/>
+          </p:nvSpPr>
+          <p:spPr>
+            <a:xfrm>
+              <a:off x="3591189" y="5506433"/>
+              <a:ext cx="1551120" cy="1223442"/>
+            </a:xfrm>
+            <a:custGeom>
+              <a:avLst/>
+              <a:gdLst>
+                <a:gd name="connsiteX0" fmla="*/ 409834 w 1627109"/>
+                <a:gd name="connsiteY0" fmla="*/ 196373 h 1325956"/>
+                <a:gd name="connsiteX1" fmla="*/ 919788 w 1627109"/>
+                <a:gd name="connsiteY1" fmla="*/ 2942 h 1325956"/>
+                <a:gd name="connsiteX2" fmla="*/ 1526457 w 1627109"/>
+                <a:gd name="connsiteY2" fmla="*/ 345842 h 1325956"/>
+                <a:gd name="connsiteX3" fmla="*/ 1517665 w 1627109"/>
+                <a:gd name="connsiteY3" fmla="*/ 882173 h 1325956"/>
+                <a:gd name="connsiteX4" fmla="*/ 462588 w 1627109"/>
+                <a:gd name="connsiteY4" fmla="*/ 1321788 h 1325956"/>
+                <a:gd name="connsiteX5" fmla="*/ 22973 w 1627109"/>
+                <a:gd name="connsiteY5" fmla="*/ 1066811 h 1325956"/>
+                <a:gd name="connsiteX6" fmla="*/ 102104 w 1627109"/>
+                <a:gd name="connsiteY6" fmla="*/ 477727 h 1325956"/>
+                <a:gd name="connsiteX7" fmla="*/ 409834 w 1627109"/>
+                <a:gd name="connsiteY7" fmla="*/ 196373 h 1325956"/>
+                <a:gd name="connsiteX0" fmla="*/ 409834 w 1619971"/>
+                <a:gd name="connsiteY0" fmla="*/ 265788 h 1395371"/>
+                <a:gd name="connsiteX1" fmla="*/ 1052679 w 1619971"/>
+                <a:gd name="connsiteY1" fmla="*/ 2152 h 1395371"/>
+                <a:gd name="connsiteX2" fmla="*/ 1526457 w 1619971"/>
+                <a:gd name="connsiteY2" fmla="*/ 415257 h 1395371"/>
+                <a:gd name="connsiteX3" fmla="*/ 1517665 w 1619971"/>
+                <a:gd name="connsiteY3" fmla="*/ 951588 h 1395371"/>
+                <a:gd name="connsiteX4" fmla="*/ 462588 w 1619971"/>
+                <a:gd name="connsiteY4" fmla="*/ 1391203 h 1395371"/>
+                <a:gd name="connsiteX5" fmla="*/ 22973 w 1619971"/>
+                <a:gd name="connsiteY5" fmla="*/ 1136226 h 1395371"/>
+                <a:gd name="connsiteX6" fmla="*/ 102104 w 1619971"/>
+                <a:gd name="connsiteY6" fmla="*/ 547142 h 1395371"/>
+                <a:gd name="connsiteX7" fmla="*/ 409834 w 1619971"/>
+                <a:gd name="connsiteY7" fmla="*/ 265788 h 1395371"/>
+                <a:gd name="connsiteX0" fmla="*/ 409834 w 1674018"/>
+                <a:gd name="connsiteY0" fmla="*/ 264655 h 1394238"/>
+                <a:gd name="connsiteX1" fmla="*/ 1052679 w 1674018"/>
+                <a:gd name="connsiteY1" fmla="*/ 1019 h 1394238"/>
+                <a:gd name="connsiteX2" fmla="*/ 1621380 w 1674018"/>
+                <a:gd name="connsiteY2" fmla="*/ 363978 h 1394238"/>
+                <a:gd name="connsiteX3" fmla="*/ 1517665 w 1674018"/>
+                <a:gd name="connsiteY3" fmla="*/ 950455 h 1394238"/>
+                <a:gd name="connsiteX4" fmla="*/ 462588 w 1674018"/>
+                <a:gd name="connsiteY4" fmla="*/ 1390070 h 1394238"/>
+                <a:gd name="connsiteX5" fmla="*/ 22973 w 1674018"/>
+                <a:gd name="connsiteY5" fmla="*/ 1135093 h 1394238"/>
+                <a:gd name="connsiteX6" fmla="*/ 102104 w 1674018"/>
+                <a:gd name="connsiteY6" fmla="*/ 546009 h 1394238"/>
+                <a:gd name="connsiteX7" fmla="*/ 409834 w 1674018"/>
+                <a:gd name="connsiteY7" fmla="*/ 264655 h 1394238"/>
+                <a:gd name="connsiteX0" fmla="*/ 467372 w 1674603"/>
+                <a:gd name="connsiteY0" fmla="*/ 225852 h 1395551"/>
+                <a:gd name="connsiteX1" fmla="*/ 1053264 w 1674603"/>
+                <a:gd name="connsiteY1" fmla="*/ 2332 h 1395551"/>
+                <a:gd name="connsiteX2" fmla="*/ 1621965 w 1674603"/>
+                <a:gd name="connsiteY2" fmla="*/ 365291 h 1395551"/>
+                <a:gd name="connsiteX3" fmla="*/ 1518250 w 1674603"/>
+                <a:gd name="connsiteY3" fmla="*/ 951768 h 1395551"/>
+                <a:gd name="connsiteX4" fmla="*/ 463173 w 1674603"/>
+                <a:gd name="connsiteY4" fmla="*/ 1391383 h 1395551"/>
+                <a:gd name="connsiteX5" fmla="*/ 23558 w 1674603"/>
+                <a:gd name="connsiteY5" fmla="*/ 1136406 h 1395551"/>
+                <a:gd name="connsiteX6" fmla="*/ 102689 w 1674603"/>
+                <a:gd name="connsiteY6" fmla="*/ 547322 h 1395551"/>
+                <a:gd name="connsiteX7" fmla="*/ 467372 w 1674603"/>
+                <a:gd name="connsiteY7" fmla="*/ 225852 h 1395551"/>
+              </a:gdLst>
+              <a:ahLst/>
+              <a:cxnLst>
+                <a:cxn ang="0">
+                  <a:pos x="connsiteX0" y="connsiteY0"/>
+                </a:cxn>
+                <a:cxn ang="0">
+                  <a:pos x="connsiteX1" y="connsiteY1"/>
+                </a:cxn>
+                <a:cxn ang="0">
+                  <a:pos x="connsiteX2" y="connsiteY2"/>
+                </a:cxn>
+                <a:cxn ang="0">
+                  <a:pos x="connsiteX3" y="connsiteY3"/>
+                </a:cxn>
+                <a:cxn ang="0">
+                  <a:pos x="connsiteX4" y="connsiteY4"/>
+                </a:cxn>
+                <a:cxn ang="0">
+                  <a:pos x="connsiteX5" y="connsiteY5"/>
+                </a:cxn>
+                <a:cxn ang="0">
+                  <a:pos x="connsiteX6" y="connsiteY6"/>
+                </a:cxn>
+                <a:cxn ang="0">
+                  <a:pos x="connsiteX7" y="connsiteY7"/>
+                </a:cxn>
+              </a:cxnLst>
+              <a:rect l="l" t="t" r="r" b="b"/>
+              <a:pathLst>
+                <a:path w="1674603" h="1395551">
+                  <a:moveTo>
+                    <a:pt x="467372" y="225852"/>
+                  </a:moveTo>
+                  <a:cubicBezTo>
+                    <a:pt x="625801" y="135020"/>
+                    <a:pt x="860832" y="-20908"/>
+                    <a:pt x="1053264" y="2332"/>
+                  </a:cubicBezTo>
+                  <a:cubicBezTo>
+                    <a:pt x="1245696" y="25572"/>
+                    <a:pt x="1544467" y="207052"/>
+                    <a:pt x="1621965" y="365291"/>
+                  </a:cubicBezTo>
+                  <a:cubicBezTo>
+                    <a:pt x="1699463" y="523530"/>
+                    <a:pt x="1711382" y="780753"/>
+                    <a:pt x="1518250" y="951768"/>
+                  </a:cubicBezTo>
+                  <a:cubicBezTo>
+                    <a:pt x="1325118" y="1122783"/>
+                    <a:pt x="712288" y="1360610"/>
+                    <a:pt x="463173" y="1391383"/>
+                  </a:cubicBezTo>
+                  <a:cubicBezTo>
+                    <a:pt x="214058" y="1422156"/>
+                    <a:pt x="83639" y="1277083"/>
+                    <a:pt x="23558" y="1136406"/>
+                  </a:cubicBezTo>
+                  <a:cubicBezTo>
+                    <a:pt x="-36523" y="995729"/>
+                    <a:pt x="28720" y="699081"/>
+                    <a:pt x="102689" y="547322"/>
+                  </a:cubicBezTo>
+                  <a:cubicBezTo>
+                    <a:pt x="176658" y="395563"/>
+                    <a:pt x="308943" y="316684"/>
+                    <a:pt x="467372" y="225852"/>
+                  </a:cubicBezTo>
+                  <a:close/>
+                </a:path>
+              </a:pathLst>
+            </a:custGeom>
+            <a:solidFill>
+              <a:schemeClr val="accent6">
+                <a:lumMod val="20000"/>
+                <a:lumOff val="80000"/>
+              </a:schemeClr>
+            </a:solidFill>
+            <a:ln>
+              <a:noFill/>
+            </a:ln>
+          </p:spPr>
+          <p:style>
+            <a:lnRef idx="2">
+              <a:schemeClr val="accent1">
+                <a:shade val="50000"/>
+              </a:schemeClr>
+            </a:lnRef>
+            <a:fillRef idx="1">
+              <a:schemeClr val="accent1"/>
+            </a:fillRef>
+            <a:effectRef idx="0">
+              <a:schemeClr val="accent1"/>
+            </a:effectRef>
+            <a:fontRef idx="minor">
+              <a:schemeClr val="lt1"/>
+            </a:fontRef>
+          </p:style>
+          <p:txBody>
+            <a:bodyPr rtlCol="0" anchor="ctr"/>
+            <a:lstStyle/>
+            <a:p>
+              <a:pPr algn="ctr"/>
+              <a:endParaRPr lang="en-US"/>
+            </a:p>
+          </p:txBody>
+        </p:sp>
+        <p:grpSp>
+          <p:nvGrpSpPr>
+            <p:cNvPr id="224" name="Group 223">
+              <a:extLst>
+                <a:ext uri="{FF2B5EF4-FFF2-40B4-BE49-F238E27FC236}">
+                  <a16:creationId xmlns:a16="http://schemas.microsoft.com/office/drawing/2014/main" id="{36D9C5BD-CFE3-47E1-8766-A40B99B20515}"/>
+                </a:ext>
+              </a:extLst>
+            </p:cNvPr>
+            <p:cNvGrpSpPr/>
+            <p:nvPr/>
+          </p:nvGrpSpPr>
+          <p:grpSpPr>
+            <a:xfrm>
+              <a:off x="3612694" y="6228084"/>
+              <a:ext cx="791221" cy="277797"/>
+              <a:chOff x="3611361" y="6118664"/>
+              <a:chExt cx="854209" cy="316876"/>
+            </a:xfrm>
+          </p:grpSpPr>
+          <p:sp>
+            <p:nvSpPr>
+              <p:cNvPr id="4" name="Rectangle 3">
+                <a:extLst>
+                  <a:ext uri="{FF2B5EF4-FFF2-40B4-BE49-F238E27FC236}">
+                    <a16:creationId xmlns:a16="http://schemas.microsoft.com/office/drawing/2014/main" id="{DE9EF32F-1030-44B8-8BE9-68AC8F294095}"/>
+                  </a:ext>
+                </a:extLst>
+              </p:cNvPr>
+              <p:cNvSpPr/>
+              <p:nvPr/>
+            </p:nvSpPr>
+            <p:spPr>
+              <a:xfrm>
+                <a:off x="3694121" y="6128379"/>
+                <a:ext cx="678078" cy="307161"/>
+              </a:xfrm>
+              <a:prstGeom prst="rect">
+                <a:avLst/>
+              </a:prstGeom>
+            </p:spPr>
+            <p:style>
+              <a:lnRef idx="0">
+                <a:schemeClr val="accent3"/>
+              </a:lnRef>
+              <a:fillRef idx="3">
+                <a:schemeClr val="accent3"/>
+              </a:fillRef>
+              <a:effectRef idx="3">
+                <a:schemeClr val="accent3"/>
+              </a:effectRef>
+              <a:fontRef idx="minor">
+                <a:schemeClr val="lt1"/>
+              </a:fontRef>
+            </p:style>
+            <p:txBody>
+              <a:bodyPr rtlCol="0" anchor="ctr"/>
+              <a:lstStyle/>
+              <a:p>
+                <a:pPr algn="ctr"/>
+                <a:endParaRPr lang="en-US" sz="1000"/>
+              </a:p>
+            </p:txBody>
+          </p:sp>
+          <p:sp>
+            <p:nvSpPr>
+              <p:cNvPr id="5" name="TextBox 4">
+                <a:extLst>
+                  <a:ext uri="{FF2B5EF4-FFF2-40B4-BE49-F238E27FC236}">
+                    <a16:creationId xmlns:a16="http://schemas.microsoft.com/office/drawing/2014/main" id="{6E83AD60-AD03-4FC7-BEAE-45EB45B2991A}"/>
+                  </a:ext>
+                </a:extLst>
+              </p:cNvPr>
+              <p:cNvSpPr txBox="1"/>
+              <p:nvPr/>
+            </p:nvSpPr>
+            <p:spPr>
+              <a:xfrm>
+                <a:off x="3611361" y="6118664"/>
+                <a:ext cx="854209" cy="280858"/>
+              </a:xfrm>
+              <a:prstGeom prst="rect">
+                <a:avLst/>
+              </a:prstGeom>
+              <a:noFill/>
+            </p:spPr>
+            <p:txBody>
+              <a:bodyPr wrap="square" rtlCol="0">
+                <a:spAutoFit/>
+              </a:bodyPr>
+              <a:lstStyle/>
+              <a:p>
+                <a:pPr algn="ctr"/>
+                <a:r>
+                  <a:rPr lang="en-US" sz="1000" b="1" dirty="0" err="1">
+                    <a:solidFill>
+                      <a:schemeClr val="bg1"/>
+                    </a:solidFill>
+                  </a:rPr>
+                  <a:t>FreeImage</a:t>
+                </a:r>
+                <a:endParaRPr lang="en-US" sz="1000" b="1" dirty="0">
+                  <a:solidFill>
+                    <a:schemeClr val="bg1"/>
+                  </a:solidFill>
+                </a:endParaRPr>
+              </a:p>
+            </p:txBody>
+          </p:sp>
+        </p:grpSp>
+        <p:sp>
+          <p:nvSpPr>
+            <p:cNvPr id="184" name="TextBox 183">
+              <a:extLst>
+                <a:ext uri="{FF2B5EF4-FFF2-40B4-BE49-F238E27FC236}">
+                  <a16:creationId xmlns:a16="http://schemas.microsoft.com/office/drawing/2014/main" id="{6061109B-4EB8-42D5-A17F-B85C76282311}"/>
+                </a:ext>
+              </a:extLst>
+            </p:cNvPr>
+            <p:cNvSpPr txBox="1"/>
+            <p:nvPr/>
+          </p:nvSpPr>
+          <p:spPr>
+            <a:xfrm>
+              <a:off x="3674139" y="5720324"/>
+              <a:ext cx="1573850" cy="461665"/>
+            </a:xfrm>
+            <a:prstGeom prst="rect">
+              <a:avLst/>
+            </a:prstGeom>
+            <a:noFill/>
+          </p:spPr>
+          <p:txBody>
+            <a:bodyPr wrap="square" rtlCol="0">
+              <a:spAutoFit/>
+            </a:bodyPr>
+            <a:lstStyle/>
+            <a:p>
+              <a:pPr algn="ctr"/>
+              <a:r>
+                <a:rPr lang="en-US" sz="1200" b="1" dirty="0">
+                  <a:solidFill>
+                    <a:schemeClr val="bg1">
+                      <a:lumMod val="50000"/>
+                    </a:schemeClr>
+                  </a:solidFill>
+                </a:rPr>
+                <a:t>option</a:t>
+              </a:r>
+            </a:p>
+            <a:p>
+              <a:pPr algn="ctr"/>
+              <a:r>
+                <a:rPr lang="en-US" sz="1200" b="1" u="sng" dirty="0">
+                  <a:solidFill>
+                    <a:schemeClr val="accent4">
+                      <a:lumMod val="75000"/>
+                    </a:schemeClr>
+                  </a:solidFill>
+                </a:rPr>
+                <a:t>VISUS_IMAGE</a:t>
+              </a:r>
+            </a:p>
+          </p:txBody>
+        </p:sp>
+      </p:grpSp>
+      <p:sp>
+        <p:nvSpPr>
+          <p:cNvPr id="191" name="TextBox 190">
+            <a:extLst>
+              <a:ext uri="{FF2B5EF4-FFF2-40B4-BE49-F238E27FC236}">
+                <a16:creationId xmlns:a16="http://schemas.microsoft.com/office/drawing/2014/main" id="{79C0BB9E-5E94-47EA-955B-25B34372822A}"/>
+              </a:ext>
+            </a:extLst>
+          </p:cNvPr>
+          <p:cNvSpPr txBox="1"/>
+          <p:nvPr/>
+        </p:nvSpPr>
+        <p:spPr>
+          <a:xfrm>
+            <a:off x="8973426" y="5062891"/>
+            <a:ext cx="1304732" cy="461665"/>
+          </a:xfrm>
+          <a:prstGeom prst="rect">
+            <a:avLst/>
+          </a:prstGeom>
+          <a:noFill/>
+        </p:spPr>
+        <p:txBody>
+          <a:bodyPr wrap="square" rtlCol="0">
+            <a:spAutoFit/>
+          </a:bodyPr>
+          <a:lstStyle/>
+          <a:p>
+            <a:pPr algn="ctr"/>
+            <a:r>
+              <a:rPr lang="en-US" sz="1200" b="1" dirty="0">
+                <a:solidFill>
+                  <a:schemeClr val="bg1">
+                    <a:lumMod val="50000"/>
+                  </a:schemeClr>
+                </a:solidFill>
+              </a:rPr>
+              <a:t>option</a:t>
+            </a:r>
+          </a:p>
+          <a:p>
+            <a:pPr algn="ctr"/>
+            <a:r>
+              <a:rPr lang="en-US" sz="1200" b="1" u="sng" dirty="0">
+                <a:solidFill>
+                  <a:schemeClr val="accent4">
+                    <a:lumMod val="75000"/>
+                  </a:schemeClr>
+                </a:solidFill>
+              </a:rPr>
+              <a:t>VISUS_GUI</a:t>
+            </a:r>
+          </a:p>
+        </p:txBody>
+      </p:sp>
+      <p:sp>
+        <p:nvSpPr>
+          <p:cNvPr id="2" name="TextBox 1">
+            <a:extLst>
+              <a:ext uri="{FF2B5EF4-FFF2-40B4-BE49-F238E27FC236}">
+                <a16:creationId xmlns:a16="http://schemas.microsoft.com/office/drawing/2014/main" id="{3726BBB8-3AB6-43A3-ACC5-418263D00F1C}"/>
+              </a:ext>
+            </a:extLst>
+          </p:cNvPr>
+          <p:cNvSpPr txBox="1"/>
+          <p:nvPr/>
+        </p:nvSpPr>
+        <p:spPr>
+          <a:xfrm rot="16200000">
+            <a:off x="2960543" y="3383694"/>
+            <a:ext cx="483321" cy="246221"/>
+          </a:xfrm>
+          <a:prstGeom prst="rect">
+            <a:avLst/>
+          </a:prstGeom>
+          <a:solidFill>
+            <a:schemeClr val="accent4">
+              <a:lumMod val="75000"/>
+            </a:schemeClr>
+          </a:solidFill>
+        </p:spPr>
+        <p:txBody>
+          <a:bodyPr wrap="square" rtlCol="0">
+            <a:spAutoFit/>
+          </a:bodyPr>
+          <a:lstStyle/>
+          <a:p>
+            <a:pPr algn="ctr"/>
+            <a:r>
+              <a:rPr lang="en-US" sz="1000" b="1" dirty="0">
+                <a:solidFill>
+                  <a:schemeClr val="bg1"/>
+                </a:solidFill>
+              </a:rPr>
+              <a:t>swig</a:t>
+            </a:r>
+          </a:p>
+        </p:txBody>
+      </p:sp>
+      <p:sp>
+        <p:nvSpPr>
+          <p:cNvPr id="98" name="TextBox 97">
+            <a:extLst>
+              <a:ext uri="{FF2B5EF4-FFF2-40B4-BE49-F238E27FC236}">
+                <a16:creationId xmlns:a16="http://schemas.microsoft.com/office/drawing/2014/main" id="{0C60A665-A817-48C8-8283-AC09E78697F7}"/>
+              </a:ext>
+            </a:extLst>
+          </p:cNvPr>
+          <p:cNvSpPr txBox="1"/>
+          <p:nvPr/>
+        </p:nvSpPr>
+        <p:spPr>
+          <a:xfrm rot="16200000">
+            <a:off x="2893906" y="4519265"/>
+            <a:ext cx="629307" cy="246221"/>
+          </a:xfrm>
+          <a:prstGeom prst="rect">
+            <a:avLst/>
+          </a:prstGeom>
+          <a:solidFill>
+            <a:schemeClr val="accent4">
+              <a:lumMod val="75000"/>
+            </a:schemeClr>
+          </a:solidFill>
+        </p:spPr>
+        <p:txBody>
+          <a:bodyPr wrap="square" rtlCol="0">
+            <a:spAutoFit/>
+          </a:bodyPr>
+          <a:lstStyle/>
+          <a:p>
+            <a:pPr algn="ctr"/>
+            <a:r>
+              <a:rPr lang="en-US" sz="1000" b="1" dirty="0">
+                <a:solidFill>
+                  <a:schemeClr val="bg1"/>
+                </a:solidFill>
+              </a:rPr>
+              <a:t>swig</a:t>
+            </a:r>
+          </a:p>
+        </p:txBody>
+      </p:sp>
+      <p:sp>
+        <p:nvSpPr>
+          <p:cNvPr id="100" name="TextBox 99">
+            <a:extLst>
+              <a:ext uri="{FF2B5EF4-FFF2-40B4-BE49-F238E27FC236}">
+                <a16:creationId xmlns:a16="http://schemas.microsoft.com/office/drawing/2014/main" id="{9D03142F-3B38-49E9-8824-A6813886BDFB}"/>
+              </a:ext>
+            </a:extLst>
+          </p:cNvPr>
+          <p:cNvSpPr txBox="1"/>
+          <p:nvPr/>
+        </p:nvSpPr>
+        <p:spPr>
+          <a:xfrm rot="16200000">
+            <a:off x="4858181" y="4571954"/>
+            <a:ext cx="619480" cy="246221"/>
+          </a:xfrm>
+          <a:prstGeom prst="rect">
+            <a:avLst/>
+          </a:prstGeom>
+          <a:solidFill>
+            <a:schemeClr val="accent4">
+              <a:lumMod val="75000"/>
+            </a:schemeClr>
+          </a:solidFill>
+        </p:spPr>
+        <p:txBody>
+          <a:bodyPr wrap="square" rtlCol="0">
+            <a:spAutoFit/>
+          </a:bodyPr>
+          <a:lstStyle/>
+          <a:p>
+            <a:pPr algn="ctr"/>
+            <a:r>
+              <a:rPr lang="en-US" sz="1000" b="1" dirty="0">
+                <a:solidFill>
+                  <a:schemeClr val="bg1"/>
+                </a:solidFill>
+              </a:rPr>
+              <a:t>swig</a:t>
+            </a:r>
+          </a:p>
+        </p:txBody>
+      </p:sp>
+      <p:sp>
+        <p:nvSpPr>
+          <p:cNvPr id="101" name="TextBox 100">
+            <a:extLst>
+              <a:ext uri="{FF2B5EF4-FFF2-40B4-BE49-F238E27FC236}">
+                <a16:creationId xmlns:a16="http://schemas.microsoft.com/office/drawing/2014/main" id="{736A1FF7-8246-4C46-84D4-214407415779}"/>
+              </a:ext>
+            </a:extLst>
+          </p:cNvPr>
+          <p:cNvSpPr txBox="1"/>
+          <p:nvPr/>
+        </p:nvSpPr>
+        <p:spPr>
+          <a:xfrm rot="16200000">
+            <a:off x="8419021" y="4559664"/>
+            <a:ext cx="580128" cy="253466"/>
+          </a:xfrm>
+          <a:prstGeom prst="rect">
+            <a:avLst/>
+          </a:prstGeom>
+          <a:solidFill>
+            <a:schemeClr val="accent4">
+              <a:lumMod val="75000"/>
+            </a:schemeClr>
+          </a:solidFill>
+        </p:spPr>
+        <p:txBody>
+          <a:bodyPr wrap="square" rtlCol="0">
+            <a:spAutoFit/>
+          </a:bodyPr>
+          <a:lstStyle/>
+          <a:p>
+            <a:pPr algn="ctr"/>
+            <a:r>
+              <a:rPr lang="en-US" sz="1000" b="1" dirty="0">
+                <a:solidFill>
+                  <a:schemeClr val="bg1"/>
+                </a:solidFill>
+              </a:rPr>
+              <a:t>swig</a:t>
+            </a:r>
+          </a:p>
+        </p:txBody>
+      </p:sp>
+      <p:sp>
+        <p:nvSpPr>
+          <p:cNvPr id="102" name="TextBox 101">
+            <a:extLst>
+              <a:ext uri="{FF2B5EF4-FFF2-40B4-BE49-F238E27FC236}">
+                <a16:creationId xmlns:a16="http://schemas.microsoft.com/office/drawing/2014/main" id="{ADF7F64B-601A-4F3F-ADEF-AF7AA30EF263}"/>
+              </a:ext>
+            </a:extLst>
+          </p:cNvPr>
+          <p:cNvSpPr txBox="1"/>
+          <p:nvPr/>
+        </p:nvSpPr>
+        <p:spPr>
+          <a:xfrm rot="16200000">
+            <a:off x="1164770" y="5883969"/>
+            <a:ext cx="685543" cy="248293"/>
+          </a:xfrm>
+          <a:prstGeom prst="rect">
+            <a:avLst/>
+          </a:prstGeom>
+          <a:solidFill>
+            <a:schemeClr val="accent4">
+              <a:lumMod val="75000"/>
+            </a:schemeClr>
+          </a:solidFill>
+        </p:spPr>
+        <p:txBody>
+          <a:bodyPr wrap="square" rtlCol="0">
+            <a:spAutoFit/>
+          </a:bodyPr>
+          <a:lstStyle/>
+          <a:p>
+            <a:pPr algn="ctr"/>
+            <a:r>
+              <a:rPr lang="en-US" sz="1000" b="1" dirty="0">
+                <a:solidFill>
+                  <a:schemeClr val="bg1"/>
+                </a:solidFill>
+              </a:rPr>
+              <a:t>swig</a:t>
+            </a:r>
+          </a:p>
+        </p:txBody>
+      </p:sp>
+      <p:sp>
+        <p:nvSpPr>
+          <p:cNvPr id="107" name="TextBox 106">
+            <a:extLst>
+              <a:ext uri="{FF2B5EF4-FFF2-40B4-BE49-F238E27FC236}">
+                <a16:creationId xmlns:a16="http://schemas.microsoft.com/office/drawing/2014/main" id="{9F93B73B-FD93-4B8C-AB2B-4E691019CA4E}"/>
+              </a:ext>
+            </a:extLst>
+          </p:cNvPr>
+          <p:cNvSpPr txBox="1"/>
+          <p:nvPr/>
+        </p:nvSpPr>
+        <p:spPr>
+          <a:xfrm rot="5400000">
+            <a:off x="5415080" y="2409837"/>
+            <a:ext cx="504653" cy="254055"/>
+          </a:xfrm>
+          <a:prstGeom prst="rect">
+            <a:avLst/>
+          </a:prstGeom>
+          <a:solidFill>
+            <a:schemeClr val="accent4">
+              <a:lumMod val="75000"/>
+            </a:schemeClr>
+          </a:solidFill>
+        </p:spPr>
+        <p:txBody>
+          <a:bodyPr wrap="square" rtlCol="0">
+            <a:spAutoFit/>
+          </a:bodyPr>
+          <a:lstStyle/>
+          <a:p>
+            <a:pPr algn="ctr"/>
+            <a:r>
+              <a:rPr lang="en-US" sz="1000" b="1" dirty="0">
+                <a:solidFill>
+                  <a:schemeClr val="bg1"/>
+                </a:solidFill>
+              </a:rPr>
+              <a:t>swig</a:t>
+            </a:r>
+          </a:p>
+        </p:txBody>
+      </p:sp>
+      <p:sp>
+        <p:nvSpPr>
+          <p:cNvPr id="108" name="TextBox 107">
+            <a:extLst>
+              <a:ext uri="{FF2B5EF4-FFF2-40B4-BE49-F238E27FC236}">
+                <a16:creationId xmlns:a16="http://schemas.microsoft.com/office/drawing/2014/main" id="{FF16BCA4-5FFF-40F0-B270-303AFEAB2821}"/>
+              </a:ext>
+            </a:extLst>
+          </p:cNvPr>
+          <p:cNvSpPr txBox="1"/>
+          <p:nvPr/>
+        </p:nvSpPr>
+        <p:spPr>
+          <a:xfrm rot="16200000">
+            <a:off x="5704141" y="1228140"/>
+            <a:ext cx="564761" cy="246221"/>
+          </a:xfrm>
+          <a:prstGeom prst="rect">
+            <a:avLst/>
+          </a:prstGeom>
+          <a:solidFill>
+            <a:schemeClr val="accent4">
+              <a:lumMod val="75000"/>
+            </a:schemeClr>
+          </a:solidFill>
+        </p:spPr>
+        <p:txBody>
+          <a:bodyPr wrap="square" rtlCol="0">
+            <a:spAutoFit/>
+          </a:bodyPr>
+          <a:lstStyle/>
+          <a:p>
+            <a:pPr algn="ctr"/>
+            <a:r>
+              <a:rPr lang="en-US" sz="1000" b="1" dirty="0">
+                <a:solidFill>
+                  <a:schemeClr val="bg1"/>
+                </a:solidFill>
+              </a:rPr>
+              <a:t>swig</a:t>
+            </a:r>
+          </a:p>
+        </p:txBody>
+      </p:sp>
+      <p:sp>
+        <p:nvSpPr>
+          <p:cNvPr id="110" name="TextBox 109">
+            <a:extLst>
+              <a:ext uri="{FF2B5EF4-FFF2-40B4-BE49-F238E27FC236}">
+                <a16:creationId xmlns:a16="http://schemas.microsoft.com/office/drawing/2014/main" id="{C0277B6B-9C3B-439D-BA10-F49317AA7F70}"/>
+              </a:ext>
+            </a:extLst>
+          </p:cNvPr>
+          <p:cNvSpPr txBox="1"/>
+          <p:nvPr/>
+        </p:nvSpPr>
+        <p:spPr>
+          <a:xfrm rot="5400000">
+            <a:off x="8874609" y="2428629"/>
+            <a:ext cx="579215" cy="246221"/>
+          </a:xfrm>
+          <a:prstGeom prst="rect">
+            <a:avLst/>
+          </a:prstGeom>
+          <a:solidFill>
+            <a:schemeClr val="accent4">
+              <a:lumMod val="75000"/>
+            </a:schemeClr>
+          </a:solidFill>
+        </p:spPr>
+        <p:txBody>
+          <a:bodyPr wrap="square" rtlCol="0">
+            <a:spAutoFit/>
+          </a:bodyPr>
+          <a:lstStyle/>
+          <a:p>
+            <a:pPr algn="ctr"/>
+            <a:r>
+              <a:rPr lang="en-US" sz="1000" b="1" dirty="0">
+                <a:solidFill>
+                  <a:schemeClr val="bg1"/>
+                </a:solidFill>
+              </a:rPr>
+              <a:t>swig</a:t>
+            </a:r>
+          </a:p>
+        </p:txBody>
+      </p:sp>
+      <p:grpSp>
+        <p:nvGrpSpPr>
+          <p:cNvPr id="106" name="Group 105">
+            <a:extLst>
+              <a:ext uri="{FF2B5EF4-FFF2-40B4-BE49-F238E27FC236}">
+                <a16:creationId xmlns:a16="http://schemas.microsoft.com/office/drawing/2014/main" id="{933BD245-1DB8-4752-A72E-59DF6FA9B248}"/>
+              </a:ext>
+            </a:extLst>
+          </p:cNvPr>
+          <p:cNvGrpSpPr/>
+          <p:nvPr/>
+        </p:nvGrpSpPr>
+        <p:grpSpPr>
+          <a:xfrm>
+            <a:off x="1602457" y="4338983"/>
+            <a:ext cx="1176660" cy="622036"/>
+            <a:chOff x="940412" y="2117890"/>
+            <a:chExt cx="855678" cy="351921"/>
+          </a:xfrm>
+        </p:grpSpPr>
+        <p:sp>
+          <p:nvSpPr>
+            <p:cNvPr id="111" name="Rectangle 110">
+              <a:extLst>
+                <a:ext uri="{FF2B5EF4-FFF2-40B4-BE49-F238E27FC236}">
+                  <a16:creationId xmlns:a16="http://schemas.microsoft.com/office/drawing/2014/main" id="{18A1EE2C-BA3E-4D11-8BF1-00600D9E20D3}"/>
+                </a:ext>
+              </a:extLst>
+            </p:cNvPr>
+            <p:cNvSpPr/>
+            <p:nvPr/>
+          </p:nvSpPr>
+          <p:spPr>
+            <a:xfrm>
+              <a:off x="940412" y="2117890"/>
+              <a:ext cx="855678" cy="351921"/>
+            </a:xfrm>
+            <a:prstGeom prst="rect">
+              <a:avLst/>
+            </a:prstGeom>
+          </p:spPr>
+          <p:style>
+            <a:lnRef idx="0">
+              <a:schemeClr val="accent6"/>
+            </a:lnRef>
+            <a:fillRef idx="3">
+              <a:schemeClr val="accent6"/>
+            </a:fillRef>
+            <a:effectRef idx="3">
+              <a:schemeClr val="accent6"/>
+            </a:effectRef>
+            <a:fontRef idx="minor">
+              <a:schemeClr val="lt1"/>
+            </a:fontRef>
+          </p:style>
+          <p:txBody>
+            <a:bodyPr rtlCol="0" anchor="ctr"/>
+            <a:lstStyle/>
+            <a:p>
+              <a:pPr algn="ctr"/>
+              <a:endParaRPr lang="en-US" sz="1000"/>
+            </a:p>
+          </p:txBody>
+        </p:sp>
+        <p:sp>
+          <p:nvSpPr>
+            <p:cNvPr id="112" name="TextBox 111">
+              <a:extLst>
+                <a:ext uri="{FF2B5EF4-FFF2-40B4-BE49-F238E27FC236}">
+                  <a16:creationId xmlns:a16="http://schemas.microsoft.com/office/drawing/2014/main" id="{7F20E503-D906-4A60-A1E6-FABA127124E4}"/>
+                </a:ext>
+              </a:extLst>
+            </p:cNvPr>
+            <p:cNvSpPr txBox="1"/>
+            <p:nvPr/>
+          </p:nvSpPr>
+          <p:spPr>
+            <a:xfrm>
+              <a:off x="940412" y="2199634"/>
+              <a:ext cx="855677" cy="174127"/>
+            </a:xfrm>
+            <a:prstGeom prst="rect">
+              <a:avLst/>
+            </a:prstGeom>
+            <a:noFill/>
+          </p:spPr>
+          <p:txBody>
+            <a:bodyPr wrap="square" rtlCol="0">
+              <a:spAutoFit/>
+            </a:bodyPr>
+            <a:lstStyle/>
+            <a:p>
+              <a:pPr algn="ctr"/>
+              <a:r>
+                <a:rPr lang="en-US" sz="1400" b="1" dirty="0" err="1"/>
+                <a:t>VisusXIdx</a:t>
+              </a:r>
+              <a:endParaRPr lang="en-US" sz="1100" b="1" dirty="0"/>
+            </a:p>
+          </p:txBody>
+        </p:sp>
+      </p:grpSp>
+      <p:sp>
+        <p:nvSpPr>
+          <p:cNvPr id="114" name="TextBox 113">
+            <a:extLst>
+              <a:ext uri="{FF2B5EF4-FFF2-40B4-BE49-F238E27FC236}">
+                <a16:creationId xmlns:a16="http://schemas.microsoft.com/office/drawing/2014/main" id="{27CB7313-383E-4297-A9B5-15B19C60039E}"/>
+              </a:ext>
+            </a:extLst>
+          </p:cNvPr>
+          <p:cNvSpPr txBox="1"/>
+          <p:nvPr/>
+        </p:nvSpPr>
+        <p:spPr>
+          <a:xfrm rot="16200000">
+            <a:off x="1117434" y="4527667"/>
+            <a:ext cx="625656" cy="248292"/>
+          </a:xfrm>
+          <a:prstGeom prst="rect">
+            <a:avLst/>
+          </a:prstGeom>
+          <a:solidFill>
+            <a:schemeClr val="accent4">
+              <a:lumMod val="75000"/>
+            </a:schemeClr>
+          </a:solidFill>
+        </p:spPr>
+        <p:txBody>
+          <a:bodyPr wrap="square" rtlCol="0">
+            <a:spAutoFit/>
+          </a:bodyPr>
+          <a:lstStyle/>
+          <a:p>
+            <a:pPr algn="ctr"/>
+            <a:r>
+              <a:rPr lang="en-US" sz="1000" b="1" dirty="0">
+                <a:solidFill>
+                  <a:schemeClr val="bg1"/>
+                </a:solidFill>
+              </a:rPr>
+              <a:t>swig</a:t>
+            </a:r>
+          </a:p>
+        </p:txBody>
+      </p:sp>
+      <p:cxnSp>
+        <p:nvCxnSpPr>
+          <p:cNvPr id="115" name="Straight Arrow Connector 114">
+            <a:extLst>
+              <a:ext uri="{FF2B5EF4-FFF2-40B4-BE49-F238E27FC236}">
+                <a16:creationId xmlns:a16="http://schemas.microsoft.com/office/drawing/2014/main" id="{E2173758-7CE6-4650-A25E-CB92292DEB75}"/>
+              </a:ext>
+            </a:extLst>
+          </p:cNvPr>
+          <p:cNvCxnSpPr>
+            <a:cxnSpLocks/>
+            <a:stCxn id="36" idx="0"/>
+            <a:endCxn id="111" idx="2"/>
+          </p:cNvCxnSpPr>
+          <p:nvPr/>
+        </p:nvCxnSpPr>
+        <p:spPr>
+          <a:xfrm flipH="1" flipV="1">
+            <a:off x="2190787" y="4961019"/>
+            <a:ext cx="3066967" cy="692559"/>
+          </a:xfrm>
+          <a:prstGeom prst="straightConnector1">
+            <a:avLst/>
+          </a:prstGeom>
+          <a:ln w="38100">
+            <a:solidFill>
+              <a:schemeClr val="accent2">
+                <a:lumMod val="50000"/>
+              </a:schemeClr>
+            </a:solidFill>
+            <a:prstDash val="sysDot"/>
+            <a:tailEnd type="triangle"/>
+          </a:ln>
+        </p:spPr>
+        <p:style>
+          <a:lnRef idx="1">
+            <a:schemeClr val="accent1"/>
+          </a:lnRef>
+          <a:fillRef idx="0">
+            <a:schemeClr val="accent1"/>
+          </a:fillRef>
+          <a:effectRef idx="0">
+            <a:schemeClr val="accent1"/>
+          </a:effectRef>
+          <a:fontRef idx="minor">
+            <a:schemeClr val="tx1"/>
+          </a:fontRef>
+        </p:style>
+      </p:cxnSp>
+      <p:sp>
+        <p:nvSpPr>
+          <p:cNvPr id="7" name="TextBox 6">
+            <a:extLst>
+              <a:ext uri="{FF2B5EF4-FFF2-40B4-BE49-F238E27FC236}">
+                <a16:creationId xmlns:a16="http://schemas.microsoft.com/office/drawing/2014/main" id="{BE3E2CC9-B39E-45D7-888B-8FC5BFA66088}"/>
+              </a:ext>
+            </a:extLst>
+          </p:cNvPr>
+          <p:cNvSpPr txBox="1"/>
+          <p:nvPr/>
+        </p:nvSpPr>
+        <p:spPr>
+          <a:xfrm rot="16200000">
+            <a:off x="-1504913" y="1222015"/>
+            <a:ext cx="3599187" cy="1015663"/>
+          </a:xfrm>
+          <a:prstGeom prst="rect">
+            <a:avLst/>
+          </a:prstGeom>
+          <a:noFill/>
+        </p:spPr>
+        <p:txBody>
+          <a:bodyPr wrap="square" rtlCol="0">
+            <a:spAutoFit/>
+          </a:bodyPr>
+          <a:lstStyle/>
+          <a:p>
+            <a:r>
+              <a:rPr lang="en-US" sz="6000" dirty="0">
+                <a:solidFill>
+                  <a:schemeClr val="bg1">
+                    <a:lumMod val="85000"/>
+                  </a:schemeClr>
+                </a:solidFill>
+              </a:rPr>
+              <a:t>OpenVisus</a:t>
+            </a:r>
+          </a:p>
+        </p:txBody>
+      </p:sp>
+      <p:grpSp>
+        <p:nvGrpSpPr>
+          <p:cNvPr id="8" name="Group 7">
+            <a:extLst>
+              <a:ext uri="{FF2B5EF4-FFF2-40B4-BE49-F238E27FC236}">
+                <a16:creationId xmlns:a16="http://schemas.microsoft.com/office/drawing/2014/main" id="{2411679D-1760-4F3A-B633-00DC94B47DE8}"/>
+              </a:ext>
+            </a:extLst>
+          </p:cNvPr>
+          <p:cNvGrpSpPr/>
+          <p:nvPr/>
+        </p:nvGrpSpPr>
+        <p:grpSpPr>
+          <a:xfrm>
+            <a:off x="9987483" y="4777690"/>
+            <a:ext cx="636815" cy="269280"/>
+            <a:chOff x="10806547" y="5643717"/>
+            <a:chExt cx="636815" cy="269280"/>
+          </a:xfrm>
+        </p:grpSpPr>
+        <p:sp>
+          <p:nvSpPr>
+            <p:cNvPr id="27" name="Rectangle 26">
+              <a:extLst>
+                <a:ext uri="{FF2B5EF4-FFF2-40B4-BE49-F238E27FC236}">
+                  <a16:creationId xmlns:a16="http://schemas.microsoft.com/office/drawing/2014/main" id="{445103D2-FC64-47C9-914A-79EDD20AEEB4}"/>
+                </a:ext>
+              </a:extLst>
+            </p:cNvPr>
+            <p:cNvSpPr/>
+            <p:nvPr/>
+          </p:nvSpPr>
+          <p:spPr>
+            <a:xfrm>
+              <a:off x="10806547" y="5643717"/>
+              <a:ext cx="628077" cy="269280"/>
             </a:xfrm>
             <a:prstGeom prst="rect">
               <a:avLst/>
@@ -4934,10 +6789,10 @@
         </p:sp>
         <p:sp>
           <p:nvSpPr>
-            <p:cNvPr id="5" name="TextBox 4">
+            <p:cNvPr id="28" name="TextBox 27">
               <a:extLst>
                 <a:ext uri="{FF2B5EF4-FFF2-40B4-BE49-F238E27FC236}">
-                  <a16:creationId xmlns:a16="http://schemas.microsoft.com/office/drawing/2014/main" id="{6E83AD60-AD03-4FC7-BEAE-45EB45B2991A}"/>
+                  <a16:creationId xmlns:a16="http://schemas.microsoft.com/office/drawing/2014/main" id="{C124DB02-0D8E-4ACB-8972-737C8DA68EDA}"/>
                 </a:ext>
               </a:extLst>
             </p:cNvPr>
@@ -4946,8 +6801,8 @@
           </p:nvSpPr>
           <p:spPr>
             <a:xfrm>
-              <a:off x="3611361" y="6118664"/>
-              <a:ext cx="854209" cy="280858"/>
+              <a:off x="10815286" y="5656456"/>
+              <a:ext cx="628076" cy="246221"/>
             </a:xfrm>
             <a:prstGeom prst="rect">
               <a:avLst/>
@@ -4962,111 +6817,17 @@
             <a:p>
               <a:pPr algn="ctr"/>
               <a:r>
-                <a:rPr lang="en-US" sz="1000" b="1" dirty="0" err="1">
+                <a:rPr lang="en-US" sz="1000" b="1" dirty="0">
                   <a:solidFill>
                     <a:schemeClr val="bg1"/>
                   </a:solidFill>
                 </a:rPr>
-                <a:t>FreeImage</a:t>
+                <a:t>Qt5</a:t>
               </a:r>
-              <a:endParaRPr lang="en-US" sz="1000" b="1" dirty="0">
-                <a:solidFill>
-                  <a:schemeClr val="bg1"/>
-                </a:solidFill>
-              </a:endParaRPr>
             </a:p>
           </p:txBody>
         </p:sp>
       </p:grpSp>
-      <p:sp>
-        <p:nvSpPr>
-          <p:cNvPr id="9" name="Rectangle 8">
-            <a:extLst>
-              <a:ext uri="{FF2B5EF4-FFF2-40B4-BE49-F238E27FC236}">
-                <a16:creationId xmlns:a16="http://schemas.microsoft.com/office/drawing/2014/main" id="{FF6BAC08-FD8A-486A-8C3F-2DEEE7923E61}"/>
-              </a:ext>
-            </a:extLst>
-          </p:cNvPr>
-          <p:cNvSpPr/>
-          <p:nvPr/>
-        </p:nvSpPr>
-        <p:spPr>
-          <a:xfrm>
-            <a:off x="1612615" y="6250467"/>
-            <a:ext cx="628077" cy="269280"/>
-          </a:xfrm>
-          <a:prstGeom prst="rect">
-            <a:avLst/>
-          </a:prstGeom>
-        </p:spPr>
-        <p:style>
-          <a:lnRef idx="0">
-            <a:schemeClr val="accent3"/>
-          </a:lnRef>
-          <a:fillRef idx="3">
-            <a:schemeClr val="accent3"/>
-          </a:fillRef>
-          <a:effectRef idx="3">
-            <a:schemeClr val="accent3"/>
-          </a:effectRef>
-          <a:fontRef idx="minor">
-            <a:schemeClr val="lt1"/>
-          </a:fontRef>
-        </p:style>
-        <p:txBody>
-          <a:bodyPr rtlCol="0" anchor="ctr"/>
-          <a:lstStyle/>
-          <a:p>
-            <a:pPr algn="ctr"/>
-            <a:endParaRPr lang="en-US" sz="1000"/>
-          </a:p>
-        </p:txBody>
-      </p:sp>
-      <p:sp>
-        <p:nvSpPr>
-          <p:cNvPr id="10" name="TextBox 9">
-            <a:extLst>
-              <a:ext uri="{FF2B5EF4-FFF2-40B4-BE49-F238E27FC236}">
-                <a16:creationId xmlns:a16="http://schemas.microsoft.com/office/drawing/2014/main" id="{2DCE8006-BDD0-4C5C-A7BE-FB65BB1A96A1}"/>
-              </a:ext>
-            </a:extLst>
-          </p:cNvPr>
-          <p:cNvSpPr txBox="1"/>
-          <p:nvPr/>
-        </p:nvSpPr>
-        <p:spPr>
-          <a:xfrm>
-            <a:off x="1603040" y="6263183"/>
-            <a:ext cx="628076" cy="246221"/>
-          </a:xfrm>
-          <a:prstGeom prst="rect">
-            <a:avLst/>
-          </a:prstGeom>
-          <a:noFill/>
-        </p:spPr>
-        <p:txBody>
-          <a:bodyPr wrap="square" rtlCol="0">
-            <a:spAutoFit/>
-          </a:bodyPr>
-          <a:lstStyle/>
-          <a:p>
-            <a:pPr algn="ctr"/>
-            <a:r>
-              <a:rPr lang="en-US" sz="1000" b="1" dirty="0" err="1">
-                <a:solidFill>
-                  <a:schemeClr val="bg1"/>
-                </a:solidFill>
-              </a:rPr>
-              <a:t>cryptlite</a:t>
-            </a:r>
-            <a:endParaRPr lang="en-US" sz="1000" b="1" dirty="0">
-              <a:solidFill>
-                <a:schemeClr val="bg1"/>
-              </a:solidFill>
-            </a:endParaRPr>
-          </a:p>
-        </p:txBody>
-      </p:sp>
       <p:grpSp>
         <p:nvGrpSpPr>
           <p:cNvPr id="219" name="Group 218">
@@ -5081,7 +6842,7 @@
         </p:nvGrpSpPr>
         <p:grpSpPr>
           <a:xfrm>
-            <a:off x="5396399" y="6281362"/>
+            <a:off x="5668548" y="6173862"/>
             <a:ext cx="628077" cy="272841"/>
             <a:chOff x="2883273" y="6138185"/>
             <a:chExt cx="678078" cy="311223"/>
@@ -5145,7 +6906,7 @@
           </p:nvSpPr>
           <p:spPr>
             <a:xfrm>
-              <a:off x="2883273" y="6138185"/>
+              <a:off x="2883274" y="6138185"/>
               <a:ext cx="678077" cy="280858"/>
             </a:xfrm>
             <a:prstGeom prst="rect">
@@ -5174,10 +6935,10 @@
       </p:grpSp>
       <p:grpSp>
         <p:nvGrpSpPr>
-          <p:cNvPr id="221" name="Group 220">
-            <a:extLst>
-              <a:ext uri="{FF2B5EF4-FFF2-40B4-BE49-F238E27FC236}">
-                <a16:creationId xmlns:a16="http://schemas.microsoft.com/office/drawing/2014/main" id="{12F7EE97-2B4C-4281-AEA4-2AE4FA75BE33}"/>
+          <p:cNvPr id="226" name="Group 225">
+            <a:extLst>
+              <a:ext uri="{FF2B5EF4-FFF2-40B4-BE49-F238E27FC236}">
+                <a16:creationId xmlns:a16="http://schemas.microsoft.com/office/drawing/2014/main" id="{7D453A53-AAFE-4BD7-B0B5-64DD528AC020}"/>
               </a:ext>
             </a:extLst>
           </p:cNvPr>
@@ -5186,495 +6947,7 @@
         </p:nvGrpSpPr>
         <p:grpSpPr>
           <a:xfrm>
-            <a:off x="2690824" y="6239006"/>
-            <a:ext cx="628077" cy="269280"/>
-            <a:chOff x="2690827" y="6130786"/>
-            <a:chExt cx="678079" cy="307161"/>
-          </a:xfrm>
-        </p:grpSpPr>
-        <p:sp>
-          <p:nvSpPr>
-            <p:cNvPr id="15" name="Rectangle 14">
-              <a:extLst>
-                <a:ext uri="{FF2B5EF4-FFF2-40B4-BE49-F238E27FC236}">
-                  <a16:creationId xmlns:a16="http://schemas.microsoft.com/office/drawing/2014/main" id="{F8543349-F4C3-4EAA-B902-4909CAAD4A04}"/>
-                </a:ext>
-              </a:extLst>
-            </p:cNvPr>
-            <p:cNvSpPr/>
-            <p:nvPr/>
-          </p:nvSpPr>
-          <p:spPr>
-            <a:xfrm>
-              <a:off x="2690828" y="6130786"/>
-              <a:ext cx="678078" cy="307161"/>
-            </a:xfrm>
-            <a:prstGeom prst="rect">
-              <a:avLst/>
-            </a:prstGeom>
-          </p:spPr>
-          <p:style>
-            <a:lnRef idx="0">
-              <a:schemeClr val="accent3"/>
-            </a:lnRef>
-            <a:fillRef idx="3">
-              <a:schemeClr val="accent3"/>
-            </a:fillRef>
-            <a:effectRef idx="3">
-              <a:schemeClr val="accent3"/>
-            </a:effectRef>
-            <a:fontRef idx="minor">
-              <a:schemeClr val="lt1"/>
-            </a:fontRef>
-          </p:style>
-          <p:txBody>
-            <a:bodyPr rtlCol="0" anchor="ctr"/>
-            <a:lstStyle/>
-            <a:p>
-              <a:pPr algn="ctr"/>
-              <a:endParaRPr lang="en-US" sz="1000"/>
-            </a:p>
-          </p:txBody>
-        </p:sp>
-        <p:sp>
-          <p:nvSpPr>
-            <p:cNvPr id="16" name="TextBox 15">
-              <a:extLst>
-                <a:ext uri="{FF2B5EF4-FFF2-40B4-BE49-F238E27FC236}">
-                  <a16:creationId xmlns:a16="http://schemas.microsoft.com/office/drawing/2014/main" id="{D084D98A-F834-457B-BD5A-98DEDCF0D7BC}"/>
-                </a:ext>
-              </a:extLst>
-            </p:cNvPr>
-            <p:cNvSpPr txBox="1"/>
-            <p:nvPr/>
-          </p:nvSpPr>
-          <p:spPr>
-            <a:xfrm>
-              <a:off x="2690827" y="6147106"/>
-              <a:ext cx="678077" cy="280858"/>
-            </a:xfrm>
-            <a:prstGeom prst="rect">
-              <a:avLst/>
-            </a:prstGeom>
-            <a:noFill/>
-          </p:spPr>
-          <p:txBody>
-            <a:bodyPr wrap="square" rtlCol="0">
-              <a:spAutoFit/>
-            </a:bodyPr>
-            <a:lstStyle/>
-            <a:p>
-              <a:pPr algn="ctr"/>
-              <a:r>
-                <a:rPr lang="en-US" sz="1000" b="1" dirty="0" err="1">
-                  <a:solidFill>
-                    <a:schemeClr val="bg1"/>
-                  </a:solidFill>
-                </a:rPr>
-                <a:t>TinyXml</a:t>
-              </a:r>
-              <a:endParaRPr lang="en-US" sz="1000" b="1" dirty="0">
-                <a:solidFill>
-                  <a:schemeClr val="bg1"/>
-                </a:solidFill>
-              </a:endParaRPr>
-            </a:p>
-          </p:txBody>
-        </p:sp>
-      </p:grpSp>
-      <p:sp>
-        <p:nvSpPr>
-          <p:cNvPr id="18" name="Rectangle 17">
-            <a:extLst>
-              <a:ext uri="{FF2B5EF4-FFF2-40B4-BE49-F238E27FC236}">
-                <a16:creationId xmlns:a16="http://schemas.microsoft.com/office/drawing/2014/main" id="{011103F1-CBD1-4E42-9100-196692797AA8}"/>
-              </a:ext>
-            </a:extLst>
-          </p:cNvPr>
-          <p:cNvSpPr/>
-          <p:nvPr/>
-        </p:nvSpPr>
-        <p:spPr>
-          <a:xfrm>
-            <a:off x="341957" y="6153752"/>
-            <a:ext cx="628077" cy="269280"/>
-          </a:xfrm>
-          <a:prstGeom prst="rect">
-            <a:avLst/>
-          </a:prstGeom>
-        </p:spPr>
-        <p:style>
-          <a:lnRef idx="0">
-            <a:schemeClr val="accent3"/>
-          </a:lnRef>
-          <a:fillRef idx="3">
-            <a:schemeClr val="accent3"/>
-          </a:fillRef>
-          <a:effectRef idx="3">
-            <a:schemeClr val="accent3"/>
-          </a:effectRef>
-          <a:fontRef idx="minor">
-            <a:schemeClr val="lt1"/>
-          </a:fontRef>
-        </p:style>
-        <p:txBody>
-          <a:bodyPr rtlCol="0" anchor="ctr"/>
-          <a:lstStyle/>
-          <a:p>
-            <a:pPr algn="ctr"/>
-            <a:endParaRPr lang="en-US" sz="1000"/>
-          </a:p>
-        </p:txBody>
-      </p:sp>
-      <p:sp>
-        <p:nvSpPr>
-          <p:cNvPr id="19" name="TextBox 18">
-            <a:extLst>
-              <a:ext uri="{FF2B5EF4-FFF2-40B4-BE49-F238E27FC236}">
-                <a16:creationId xmlns:a16="http://schemas.microsoft.com/office/drawing/2014/main" id="{FCAD515E-EE11-488A-B427-43AD0470CC97}"/>
-              </a:ext>
-            </a:extLst>
-          </p:cNvPr>
-          <p:cNvSpPr txBox="1"/>
-          <p:nvPr/>
-        </p:nvSpPr>
-        <p:spPr>
-          <a:xfrm>
-            <a:off x="359296" y="6165281"/>
-            <a:ext cx="628076" cy="246221"/>
-          </a:xfrm>
-          <a:prstGeom prst="rect">
-            <a:avLst/>
-          </a:prstGeom>
-          <a:noFill/>
-        </p:spPr>
-        <p:txBody>
-          <a:bodyPr wrap="square" rtlCol="0">
-            <a:spAutoFit/>
-          </a:bodyPr>
-          <a:lstStyle/>
-          <a:p>
-            <a:pPr algn="ctr"/>
-            <a:r>
-              <a:rPr lang="en-US" sz="1000" b="1" dirty="0">
-                <a:solidFill>
-                  <a:schemeClr val="bg1"/>
-                </a:solidFill>
-              </a:rPr>
-              <a:t>DTL</a:t>
-            </a:r>
-          </a:p>
-        </p:txBody>
-      </p:sp>
-      <p:grpSp>
-        <p:nvGrpSpPr>
-          <p:cNvPr id="229" name="Group 228">
-            <a:extLst>
-              <a:ext uri="{FF2B5EF4-FFF2-40B4-BE49-F238E27FC236}">
-                <a16:creationId xmlns:a16="http://schemas.microsoft.com/office/drawing/2014/main" id="{3C7BB9F5-AC3D-4D1A-B7C2-E008932F9017}"/>
-              </a:ext>
-            </a:extLst>
-          </p:cNvPr>
-          <p:cNvGrpSpPr/>
-          <p:nvPr/>
-        </p:nvGrpSpPr>
-        <p:grpSpPr>
-          <a:xfrm>
-            <a:off x="7526441" y="5768037"/>
-            <a:ext cx="628077" cy="269280"/>
-            <a:chOff x="7440548" y="5617793"/>
-            <a:chExt cx="628077" cy="269280"/>
-          </a:xfrm>
-        </p:grpSpPr>
-        <p:sp>
-          <p:nvSpPr>
-            <p:cNvPr id="21" name="Rectangle 20">
-              <a:extLst>
-                <a:ext uri="{FF2B5EF4-FFF2-40B4-BE49-F238E27FC236}">
-                  <a16:creationId xmlns:a16="http://schemas.microsoft.com/office/drawing/2014/main" id="{F8B4FB27-8429-47F0-8533-DBDFD56F5132}"/>
-                </a:ext>
-              </a:extLst>
-            </p:cNvPr>
-            <p:cNvSpPr/>
-            <p:nvPr/>
-          </p:nvSpPr>
-          <p:spPr>
-            <a:xfrm>
-              <a:off x="7440548" y="5617793"/>
-              <a:ext cx="628077" cy="269280"/>
-            </a:xfrm>
-            <a:prstGeom prst="rect">
-              <a:avLst/>
-            </a:prstGeom>
-          </p:spPr>
-          <p:style>
-            <a:lnRef idx="0">
-              <a:schemeClr val="accent3"/>
-            </a:lnRef>
-            <a:fillRef idx="3">
-              <a:schemeClr val="accent3"/>
-            </a:fillRef>
-            <a:effectRef idx="3">
-              <a:schemeClr val="accent3"/>
-            </a:effectRef>
-            <a:fontRef idx="minor">
-              <a:schemeClr val="lt1"/>
-            </a:fontRef>
-          </p:style>
-          <p:txBody>
-            <a:bodyPr rtlCol="0" anchor="ctr"/>
-            <a:lstStyle/>
-            <a:p>
-              <a:pPr algn="ctr"/>
-              <a:endParaRPr lang="en-US" sz="1000"/>
-            </a:p>
-          </p:txBody>
-        </p:sp>
-        <p:sp>
-          <p:nvSpPr>
-            <p:cNvPr id="22" name="TextBox 21">
-              <a:extLst>
-                <a:ext uri="{FF2B5EF4-FFF2-40B4-BE49-F238E27FC236}">
-                  <a16:creationId xmlns:a16="http://schemas.microsoft.com/office/drawing/2014/main" id="{52EE87E4-B215-45B1-BAE5-FB43033969BA}"/>
-                </a:ext>
-              </a:extLst>
-            </p:cNvPr>
-            <p:cNvSpPr txBox="1"/>
-            <p:nvPr/>
-          </p:nvSpPr>
-          <p:spPr>
-            <a:xfrm>
-              <a:off x="7440549" y="5632216"/>
-              <a:ext cx="628076" cy="246221"/>
-            </a:xfrm>
-            <a:prstGeom prst="rect">
-              <a:avLst/>
-            </a:prstGeom>
-            <a:noFill/>
-          </p:spPr>
-          <p:txBody>
-            <a:bodyPr wrap="square" rtlCol="0">
-              <a:spAutoFit/>
-            </a:bodyPr>
-            <a:lstStyle/>
-            <a:p>
-              <a:pPr algn="ctr"/>
-              <a:r>
-                <a:rPr lang="en-US" sz="1000" b="1" dirty="0">
-                  <a:solidFill>
-                    <a:schemeClr val="bg1"/>
-                  </a:solidFill>
-                </a:rPr>
-                <a:t>Curl</a:t>
-              </a:r>
-            </a:p>
-          </p:txBody>
-        </p:sp>
-      </p:grpSp>
-      <p:grpSp>
-        <p:nvGrpSpPr>
-          <p:cNvPr id="227" name="Group 226">
-            <a:extLst>
-              <a:ext uri="{FF2B5EF4-FFF2-40B4-BE49-F238E27FC236}">
-                <a16:creationId xmlns:a16="http://schemas.microsoft.com/office/drawing/2014/main" id="{C70DD584-6B0C-4C64-8059-030A00447D2A}"/>
-              </a:ext>
-            </a:extLst>
-          </p:cNvPr>
-          <p:cNvGrpSpPr/>
-          <p:nvPr/>
-        </p:nvGrpSpPr>
-        <p:grpSpPr>
-          <a:xfrm>
-            <a:off x="9442822" y="5864157"/>
-            <a:ext cx="636815" cy="269280"/>
-            <a:chOff x="9589952" y="5925068"/>
-            <a:chExt cx="636815" cy="269280"/>
-          </a:xfrm>
-        </p:grpSpPr>
-        <p:sp>
-          <p:nvSpPr>
-            <p:cNvPr id="24" name="Rectangle 23">
-              <a:extLst>
-                <a:ext uri="{FF2B5EF4-FFF2-40B4-BE49-F238E27FC236}">
-                  <a16:creationId xmlns:a16="http://schemas.microsoft.com/office/drawing/2014/main" id="{BB520AE9-AD22-4C4D-84FB-C7829256F5E7}"/>
-                </a:ext>
-              </a:extLst>
-            </p:cNvPr>
-            <p:cNvSpPr/>
-            <p:nvPr/>
-          </p:nvSpPr>
-          <p:spPr>
-            <a:xfrm>
-              <a:off x="9598690" y="5925068"/>
-              <a:ext cx="628077" cy="269280"/>
-            </a:xfrm>
-            <a:prstGeom prst="rect">
-              <a:avLst/>
-            </a:prstGeom>
-          </p:spPr>
-          <p:style>
-            <a:lnRef idx="0">
-              <a:schemeClr val="accent3"/>
-            </a:lnRef>
-            <a:fillRef idx="3">
-              <a:schemeClr val="accent3"/>
-            </a:fillRef>
-            <a:effectRef idx="3">
-              <a:schemeClr val="accent3"/>
-            </a:effectRef>
-            <a:fontRef idx="minor">
-              <a:schemeClr val="lt1"/>
-            </a:fontRef>
-          </p:style>
-          <p:txBody>
-            <a:bodyPr rtlCol="0" anchor="ctr"/>
-            <a:lstStyle/>
-            <a:p>
-              <a:pPr algn="ctr"/>
-              <a:endParaRPr lang="en-US" sz="1000"/>
-            </a:p>
-          </p:txBody>
-        </p:sp>
-        <p:sp>
-          <p:nvSpPr>
-            <p:cNvPr id="25" name="TextBox 24">
-              <a:extLst>
-                <a:ext uri="{FF2B5EF4-FFF2-40B4-BE49-F238E27FC236}">
-                  <a16:creationId xmlns:a16="http://schemas.microsoft.com/office/drawing/2014/main" id="{B6073FC1-65F3-4E50-A3F3-7E8D636553A4}"/>
-                </a:ext>
-              </a:extLst>
-            </p:cNvPr>
-            <p:cNvSpPr txBox="1"/>
-            <p:nvPr/>
-          </p:nvSpPr>
-          <p:spPr>
-            <a:xfrm>
-              <a:off x="9589952" y="5928107"/>
-              <a:ext cx="628076" cy="246221"/>
-            </a:xfrm>
-            <a:prstGeom prst="rect">
-              <a:avLst/>
-            </a:prstGeom>
-            <a:noFill/>
-          </p:spPr>
-          <p:txBody>
-            <a:bodyPr wrap="square" rtlCol="0">
-              <a:spAutoFit/>
-            </a:bodyPr>
-            <a:lstStyle/>
-            <a:p>
-              <a:pPr algn="ctr"/>
-              <a:r>
-                <a:rPr lang="en-US" sz="1000" b="1" dirty="0">
-                  <a:solidFill>
-                    <a:schemeClr val="bg1"/>
-                  </a:solidFill>
-                </a:rPr>
-                <a:t>Python</a:t>
-              </a:r>
-            </a:p>
-          </p:txBody>
-        </p:sp>
-      </p:grpSp>
-      <p:sp>
-        <p:nvSpPr>
-          <p:cNvPr id="27" name="Rectangle 26">
-            <a:extLst>
-              <a:ext uri="{FF2B5EF4-FFF2-40B4-BE49-F238E27FC236}">
-                <a16:creationId xmlns:a16="http://schemas.microsoft.com/office/drawing/2014/main" id="{445103D2-FC64-47C9-914A-79EDD20AEEB4}"/>
-              </a:ext>
-            </a:extLst>
-          </p:cNvPr>
-          <p:cNvSpPr/>
-          <p:nvPr/>
-        </p:nvSpPr>
-        <p:spPr>
-          <a:xfrm>
-            <a:off x="10806547" y="5643717"/>
-            <a:ext cx="628077" cy="269280"/>
-          </a:xfrm>
-          <a:prstGeom prst="rect">
-            <a:avLst/>
-          </a:prstGeom>
-        </p:spPr>
-        <p:style>
-          <a:lnRef idx="0">
-            <a:schemeClr val="accent3"/>
-          </a:lnRef>
-          <a:fillRef idx="3">
-            <a:schemeClr val="accent3"/>
-          </a:fillRef>
-          <a:effectRef idx="3">
-            <a:schemeClr val="accent3"/>
-          </a:effectRef>
-          <a:fontRef idx="minor">
-            <a:schemeClr val="lt1"/>
-          </a:fontRef>
-        </p:style>
-        <p:txBody>
-          <a:bodyPr rtlCol="0" anchor="ctr"/>
-          <a:lstStyle/>
-          <a:p>
-            <a:pPr algn="ctr"/>
-            <a:endParaRPr lang="en-US" sz="1000"/>
-          </a:p>
-        </p:txBody>
-      </p:sp>
-      <p:sp>
-        <p:nvSpPr>
-          <p:cNvPr id="28" name="TextBox 27">
-            <a:extLst>
-              <a:ext uri="{FF2B5EF4-FFF2-40B4-BE49-F238E27FC236}">
-                <a16:creationId xmlns:a16="http://schemas.microsoft.com/office/drawing/2014/main" id="{C124DB02-0D8E-4ACB-8972-737C8DA68EDA}"/>
-              </a:ext>
-            </a:extLst>
-          </p:cNvPr>
-          <p:cNvSpPr txBox="1"/>
-          <p:nvPr/>
-        </p:nvSpPr>
-        <p:spPr>
-          <a:xfrm>
-            <a:off x="10815286" y="5656456"/>
-            <a:ext cx="628076" cy="246221"/>
-          </a:xfrm>
-          <a:prstGeom prst="rect">
-            <a:avLst/>
-          </a:prstGeom>
-          <a:noFill/>
-        </p:spPr>
-        <p:txBody>
-          <a:bodyPr wrap="square" rtlCol="0">
-            <a:spAutoFit/>
-          </a:bodyPr>
-          <a:lstStyle/>
-          <a:p>
-            <a:pPr algn="ctr"/>
-            <a:r>
-              <a:rPr lang="en-US" sz="1000" b="1" dirty="0">
-                <a:solidFill>
-                  <a:schemeClr val="bg1"/>
-                </a:solidFill>
-              </a:rPr>
-              <a:t>Qt5</a:t>
-            </a:r>
-          </a:p>
-        </p:txBody>
-      </p:sp>
-      <p:grpSp>
-        <p:nvGrpSpPr>
-          <p:cNvPr id="226" name="Group 225">
-            <a:extLst>
-              <a:ext uri="{FF2B5EF4-FFF2-40B4-BE49-F238E27FC236}">
-                <a16:creationId xmlns:a16="http://schemas.microsoft.com/office/drawing/2014/main" id="{7D453A53-AAFE-4BD7-B0B5-64DD528AC020}"/>
-              </a:ext>
-            </a:extLst>
-          </p:cNvPr>
-          <p:cNvGrpSpPr/>
-          <p:nvPr/>
-        </p:nvGrpSpPr>
-        <p:grpSpPr>
-          <a:xfrm>
-            <a:off x="6309711" y="6279359"/>
+            <a:off x="6333087" y="6170851"/>
             <a:ext cx="646384" cy="269280"/>
             <a:chOff x="6939168" y="6305033"/>
             <a:chExt cx="697842" cy="307161"/>
@@ -5772,10 +7045,10 @@
       </p:grpSp>
       <p:grpSp>
         <p:nvGrpSpPr>
-          <p:cNvPr id="228" name="Group 227">
-            <a:extLst>
-              <a:ext uri="{FF2B5EF4-FFF2-40B4-BE49-F238E27FC236}">
-                <a16:creationId xmlns:a16="http://schemas.microsoft.com/office/drawing/2014/main" id="{DB4D9141-9001-46AC-8284-4FDEAD5A4CEE}"/>
+          <p:cNvPr id="221" name="Group 220">
+            <a:extLst>
+              <a:ext uri="{FF2B5EF4-FFF2-40B4-BE49-F238E27FC236}">
+                <a16:creationId xmlns:a16="http://schemas.microsoft.com/office/drawing/2014/main" id="{12F7EE97-2B4C-4281-AEA4-2AE4FA75BE33}"/>
               </a:ext>
             </a:extLst>
           </p:cNvPr>
@@ -5784,18 +7057,18 @@
         </p:nvGrpSpPr>
         <p:grpSpPr>
           <a:xfrm>
-            <a:off x="8056589" y="6211021"/>
-            <a:ext cx="719629" cy="269280"/>
-            <a:chOff x="8198348" y="6279708"/>
-            <a:chExt cx="719629" cy="269280"/>
+            <a:off x="7075242" y="6177423"/>
+            <a:ext cx="628077" cy="269280"/>
+            <a:chOff x="2690827" y="6130786"/>
+            <a:chExt cx="678079" cy="307161"/>
           </a:xfrm>
         </p:grpSpPr>
         <p:sp>
           <p:nvSpPr>
-            <p:cNvPr id="33" name="Rectangle 32">
+            <p:cNvPr id="15" name="Rectangle 14">
               <a:extLst>
                 <a:ext uri="{FF2B5EF4-FFF2-40B4-BE49-F238E27FC236}">
-                  <a16:creationId xmlns:a16="http://schemas.microsoft.com/office/drawing/2014/main" id="{82663CE9-C02A-4F06-83E5-9B30132020F0}"/>
+                  <a16:creationId xmlns:a16="http://schemas.microsoft.com/office/drawing/2014/main" id="{F8543349-F4C3-4EAA-B902-4909CAAD4A04}"/>
                 </a:ext>
               </a:extLst>
             </p:cNvPr>
@@ -5804,7 +7077,117 @@
           </p:nvSpPr>
           <p:spPr>
             <a:xfrm>
-              <a:off x="8241413" y="6279708"/>
+              <a:off x="2690828" y="6130786"/>
+              <a:ext cx="678078" cy="307161"/>
+            </a:xfrm>
+            <a:prstGeom prst="rect">
+              <a:avLst/>
+            </a:prstGeom>
+          </p:spPr>
+          <p:style>
+            <a:lnRef idx="0">
+              <a:schemeClr val="accent3"/>
+            </a:lnRef>
+            <a:fillRef idx="3">
+              <a:schemeClr val="accent3"/>
+            </a:fillRef>
+            <a:effectRef idx="3">
+              <a:schemeClr val="accent3"/>
+            </a:effectRef>
+            <a:fontRef idx="minor">
+              <a:schemeClr val="lt1"/>
+            </a:fontRef>
+          </p:style>
+          <p:txBody>
+            <a:bodyPr rtlCol="0" anchor="ctr"/>
+            <a:lstStyle/>
+            <a:p>
+              <a:pPr algn="ctr"/>
+              <a:endParaRPr lang="en-US" sz="1000"/>
+            </a:p>
+          </p:txBody>
+        </p:sp>
+        <p:sp>
+          <p:nvSpPr>
+            <p:cNvPr id="16" name="TextBox 15">
+              <a:extLst>
+                <a:ext uri="{FF2B5EF4-FFF2-40B4-BE49-F238E27FC236}">
+                  <a16:creationId xmlns:a16="http://schemas.microsoft.com/office/drawing/2014/main" id="{D084D98A-F834-457B-BD5A-98DEDCF0D7BC}"/>
+                </a:ext>
+              </a:extLst>
+            </p:cNvPr>
+            <p:cNvSpPr txBox="1"/>
+            <p:nvPr/>
+          </p:nvSpPr>
+          <p:spPr>
+            <a:xfrm>
+              <a:off x="2690827" y="6147106"/>
+              <a:ext cx="678077" cy="280858"/>
+            </a:xfrm>
+            <a:prstGeom prst="rect">
+              <a:avLst/>
+            </a:prstGeom>
+            <a:noFill/>
+          </p:spPr>
+          <p:txBody>
+            <a:bodyPr wrap="square" rtlCol="0">
+              <a:spAutoFit/>
+            </a:bodyPr>
+            <a:lstStyle/>
+            <a:p>
+              <a:pPr algn="ctr"/>
+              <a:r>
+                <a:rPr lang="en-US" sz="1000" b="1" dirty="0" err="1">
+                  <a:solidFill>
+                    <a:schemeClr val="bg1"/>
+                  </a:solidFill>
+                </a:rPr>
+                <a:t>TinyXml</a:t>
+              </a:r>
+              <a:endParaRPr lang="en-US" sz="1000" b="1" dirty="0">
+                <a:solidFill>
+                  <a:schemeClr val="bg1"/>
+                </a:solidFill>
+              </a:endParaRPr>
+            </a:p>
+          </p:txBody>
+        </p:sp>
+      </p:grpSp>
+      <p:grpSp>
+        <p:nvGrpSpPr>
+          <p:cNvPr id="11" name="Group 10">
+            <a:extLst>
+              <a:ext uri="{FF2B5EF4-FFF2-40B4-BE49-F238E27FC236}">
+                <a16:creationId xmlns:a16="http://schemas.microsoft.com/office/drawing/2014/main" id="{5E140353-C06F-410E-B12D-8BBDFBED6ABF}"/>
+              </a:ext>
+            </a:extLst>
+          </p:cNvPr>
+          <p:cNvGrpSpPr/>
+          <p:nvPr/>
+        </p:nvGrpSpPr>
+        <p:grpSpPr>
+          <a:xfrm>
+            <a:off x="7812521" y="6177423"/>
+            <a:ext cx="637652" cy="269280"/>
+            <a:chOff x="1603040" y="6250467"/>
+            <a:chExt cx="637652" cy="269280"/>
+          </a:xfrm>
+        </p:grpSpPr>
+        <p:sp>
+          <p:nvSpPr>
+            <p:cNvPr id="9" name="Rectangle 8">
+              <a:extLst>
+                <a:ext uri="{FF2B5EF4-FFF2-40B4-BE49-F238E27FC236}">
+                  <a16:creationId xmlns:a16="http://schemas.microsoft.com/office/drawing/2014/main" id="{FF6BAC08-FD8A-486A-8C3F-2DEEE7923E61}"/>
+                </a:ext>
+              </a:extLst>
+            </p:cNvPr>
+            <p:cNvSpPr/>
+            <p:nvPr/>
+          </p:nvSpPr>
+          <p:spPr>
+            <a:xfrm>
+              <a:off x="1612615" y="6250467"/>
               <a:ext cx="628077" cy="269280"/>
             </a:xfrm>
             <a:prstGeom prst="rect">
@@ -5836,10 +7219,10 @@
         </p:sp>
         <p:sp>
           <p:nvSpPr>
-            <p:cNvPr id="34" name="TextBox 33">
+            <p:cNvPr id="10" name="TextBox 9">
               <a:extLst>
                 <a:ext uri="{FF2B5EF4-FFF2-40B4-BE49-F238E27FC236}">
-                  <a16:creationId xmlns:a16="http://schemas.microsoft.com/office/drawing/2014/main" id="{4723D511-F36B-498E-A977-9817EA56C4C0}"/>
+                  <a16:creationId xmlns:a16="http://schemas.microsoft.com/office/drawing/2014/main" id="{2DCE8006-BDD0-4C5C-A7BE-FB65BB1A96A1}"/>
                 </a:ext>
               </a:extLst>
             </p:cNvPr>
@@ -5848,8 +7231,118 @@
           </p:nvSpPr>
           <p:spPr>
             <a:xfrm>
-              <a:off x="8198348" y="6293287"/>
-              <a:ext cx="719629" cy="246221"/>
+              <a:off x="1603040" y="6263183"/>
+              <a:ext cx="628076" cy="246221"/>
+            </a:xfrm>
+            <a:prstGeom prst="rect">
+              <a:avLst/>
+            </a:prstGeom>
+            <a:noFill/>
+          </p:spPr>
+          <p:txBody>
+            <a:bodyPr wrap="square" rtlCol="0">
+              <a:spAutoFit/>
+            </a:bodyPr>
+            <a:lstStyle/>
+            <a:p>
+              <a:pPr algn="ctr"/>
+              <a:r>
+                <a:rPr lang="en-US" sz="1000" b="1" dirty="0" err="1">
+                  <a:solidFill>
+                    <a:schemeClr val="bg1"/>
+                  </a:solidFill>
+                </a:rPr>
+                <a:t>cryptlite</a:t>
+              </a:r>
+              <a:endParaRPr lang="en-US" sz="1000" b="1" dirty="0">
+                <a:solidFill>
+                  <a:schemeClr val="bg1"/>
+                </a:solidFill>
+              </a:endParaRPr>
+            </a:p>
+          </p:txBody>
+        </p:sp>
+      </p:grpSp>
+      <p:grpSp>
+        <p:nvGrpSpPr>
+          <p:cNvPr id="14" name="Group 13">
+            <a:extLst>
+              <a:ext uri="{FF2B5EF4-FFF2-40B4-BE49-F238E27FC236}">
+                <a16:creationId xmlns:a16="http://schemas.microsoft.com/office/drawing/2014/main" id="{BD62CFB8-612E-4B3E-A495-39EDC4B12B3B}"/>
+              </a:ext>
+            </a:extLst>
+          </p:cNvPr>
+          <p:cNvGrpSpPr/>
+          <p:nvPr/>
+        </p:nvGrpSpPr>
+        <p:grpSpPr>
+          <a:xfrm>
+            <a:off x="4974528" y="6153410"/>
+            <a:ext cx="645415" cy="269280"/>
+            <a:chOff x="341957" y="6153752"/>
+            <a:chExt cx="645415" cy="269280"/>
+          </a:xfrm>
+        </p:grpSpPr>
+        <p:sp>
+          <p:nvSpPr>
+            <p:cNvPr id="18" name="Rectangle 17">
+              <a:extLst>
+                <a:ext uri="{FF2B5EF4-FFF2-40B4-BE49-F238E27FC236}">
+                  <a16:creationId xmlns:a16="http://schemas.microsoft.com/office/drawing/2014/main" id="{011103F1-CBD1-4E42-9100-196692797AA8}"/>
+                </a:ext>
+              </a:extLst>
+            </p:cNvPr>
+            <p:cNvSpPr/>
+            <p:nvPr/>
+          </p:nvSpPr>
+          <p:spPr>
+            <a:xfrm>
+              <a:off x="341957" y="6153752"/>
+              <a:ext cx="628077" cy="269280"/>
+            </a:xfrm>
+            <a:prstGeom prst="rect">
+              <a:avLst/>
+            </a:prstGeom>
+          </p:spPr>
+          <p:style>
+            <a:lnRef idx="0">
+              <a:schemeClr val="accent3"/>
+            </a:lnRef>
+            <a:fillRef idx="3">
+              <a:schemeClr val="accent3"/>
+            </a:fillRef>
+            <a:effectRef idx="3">
+              <a:schemeClr val="accent3"/>
+            </a:effectRef>
+            <a:fontRef idx="minor">
+              <a:schemeClr val="lt1"/>
+            </a:fontRef>
+          </p:style>
+          <p:txBody>
+            <a:bodyPr rtlCol="0" anchor="ctr"/>
+            <a:lstStyle/>
+            <a:p>
+              <a:pPr algn="ctr"/>
+              <a:endParaRPr lang="en-US" sz="1000"/>
+            </a:p>
+          </p:txBody>
+        </p:sp>
+        <p:sp>
+          <p:nvSpPr>
+            <p:cNvPr id="19" name="TextBox 18">
+              <a:extLst>
+                <a:ext uri="{FF2B5EF4-FFF2-40B4-BE49-F238E27FC236}">
+                  <a16:creationId xmlns:a16="http://schemas.microsoft.com/office/drawing/2014/main" id="{FCAD515E-EE11-488A-B427-43AD0470CC97}"/>
+                </a:ext>
+              </a:extLst>
+            </p:cNvPr>
+            <p:cNvSpPr txBox="1"/>
+            <p:nvPr/>
+          </p:nvSpPr>
+          <p:spPr>
+            <a:xfrm>
+              <a:off x="359296" y="6165281"/>
+              <a:ext cx="628076" cy="246221"/>
             </a:xfrm>
             <a:prstGeom prst="rect">
               <a:avLst/>
@@ -5869,7 +7362,7 @@
                     <a:schemeClr val="bg1"/>
                   </a:solidFill>
                 </a:rPr>
-                <a:t>OpenSSL</a:t>
+                <a:t>DTL</a:t>
               </a:r>
             </a:p>
           </p:txBody>
@@ -5877,10 +7370,10 @@
       </p:grpSp>
       <p:grpSp>
         <p:nvGrpSpPr>
-          <p:cNvPr id="6" name="Group 5">
-            <a:extLst>
-              <a:ext uri="{FF2B5EF4-FFF2-40B4-BE49-F238E27FC236}">
-                <a16:creationId xmlns:a16="http://schemas.microsoft.com/office/drawing/2014/main" id="{3042C485-02B6-414F-BF19-6833FC3D36E7}"/>
+          <p:cNvPr id="26" name="Group 25">
+            <a:extLst>
+              <a:ext uri="{FF2B5EF4-FFF2-40B4-BE49-F238E27FC236}">
+                <a16:creationId xmlns:a16="http://schemas.microsoft.com/office/drawing/2014/main" id="{2E2F6434-86A4-4F87-A04B-2E11E47A5980}"/>
               </a:ext>
             </a:extLst>
           </p:cNvPr>
@@ -5889,18 +7382,18 @@
         </p:nvGrpSpPr>
         <p:grpSpPr>
           <a:xfrm>
-            <a:off x="5241394" y="3917483"/>
-            <a:ext cx="1725923" cy="685542"/>
-            <a:chOff x="5241394" y="3917483"/>
-            <a:chExt cx="1725923" cy="685542"/>
+            <a:off x="3109733" y="6067264"/>
+            <a:ext cx="2160396" cy="1450249"/>
+            <a:chOff x="6839587" y="5255840"/>
+            <a:chExt cx="2160396" cy="1450249"/>
           </a:xfrm>
         </p:grpSpPr>
         <p:sp>
           <p:nvSpPr>
-            <p:cNvPr id="36" name="Rectangle 35">
+            <p:cNvPr id="312" name="Freeform: Shape 311">
               <a:extLst>
                 <a:ext uri="{FF2B5EF4-FFF2-40B4-BE49-F238E27FC236}">
-                  <a16:creationId xmlns:a16="http://schemas.microsoft.com/office/drawing/2014/main" id="{6743D6B5-25BD-4055-8E23-91509E4602A4}"/>
+                  <a16:creationId xmlns:a16="http://schemas.microsoft.com/office/drawing/2014/main" id="{4BCF1934-BD75-4E7A-BC31-E4EB16C34D03}"/>
                 </a:ext>
               </a:extLst>
             </p:cNvPr>
@@ -5909,22 +7402,392 @@
           </p:nvSpPr>
           <p:spPr>
             <a:xfrm>
-              <a:off x="5241394" y="3917483"/>
-              <a:ext cx="1725923" cy="685542"/>
+              <a:off x="6878054" y="5255840"/>
+              <a:ext cx="2121929" cy="1450249"/>
             </a:xfrm>
-            <a:prstGeom prst="rect">
+            <a:custGeom>
               <a:avLst/>
-            </a:prstGeom>
+              <a:gdLst>
+                <a:gd name="connsiteX0" fmla="*/ 337006 w 2640885"/>
+                <a:gd name="connsiteY0" fmla="*/ 35754 h 1804257"/>
+                <a:gd name="connsiteX1" fmla="*/ 29276 w 2640885"/>
+                <a:gd name="connsiteY1" fmla="*/ 308315 h 1804257"/>
+                <a:gd name="connsiteX2" fmla="*/ 1031599 w 2640885"/>
+                <a:gd name="connsiteY2" fmla="*/ 1213923 h 1804257"/>
+                <a:gd name="connsiteX3" fmla="*/ 1761360 w 2640885"/>
+                <a:gd name="connsiteY3" fmla="*/ 1759046 h 1804257"/>
+                <a:gd name="connsiteX4" fmla="*/ 2570252 w 2640885"/>
+                <a:gd name="connsiteY4" fmla="*/ 1715085 h 1804257"/>
+                <a:gd name="connsiteX5" fmla="*/ 2499914 w 2640885"/>
+                <a:gd name="connsiteY5" fmla="*/ 1249092 h 1804257"/>
+                <a:gd name="connsiteX6" fmla="*/ 1691022 w 2640885"/>
+                <a:gd name="connsiteY6" fmla="*/ 976531 h 1804257"/>
+                <a:gd name="connsiteX7" fmla="*/ 1603099 w 2640885"/>
+                <a:gd name="connsiteY7" fmla="*/ 651215 h 1804257"/>
+                <a:gd name="connsiteX8" fmla="*/ 1049183 w 2640885"/>
+                <a:gd name="connsiteY8" fmla="*/ 70923 h 1804257"/>
+                <a:gd name="connsiteX9" fmla="*/ 337006 w 2640885"/>
+                <a:gd name="connsiteY9" fmla="*/ 35754 h 1804257"/>
+                <a:gd name="connsiteX0" fmla="*/ 337006 w 2640885"/>
+                <a:gd name="connsiteY0" fmla="*/ 22289 h 1790792"/>
+                <a:gd name="connsiteX1" fmla="*/ 29276 w 2640885"/>
+                <a:gd name="connsiteY1" fmla="*/ 294850 h 1790792"/>
+                <a:gd name="connsiteX2" fmla="*/ 1031599 w 2640885"/>
+                <a:gd name="connsiteY2" fmla="*/ 1200458 h 1790792"/>
+                <a:gd name="connsiteX3" fmla="*/ 1761360 w 2640885"/>
+                <a:gd name="connsiteY3" fmla="*/ 1745581 h 1790792"/>
+                <a:gd name="connsiteX4" fmla="*/ 2570252 w 2640885"/>
+                <a:gd name="connsiteY4" fmla="*/ 1701620 h 1790792"/>
+                <a:gd name="connsiteX5" fmla="*/ 2499914 w 2640885"/>
+                <a:gd name="connsiteY5" fmla="*/ 1235627 h 1790792"/>
+                <a:gd name="connsiteX6" fmla="*/ 1691022 w 2640885"/>
+                <a:gd name="connsiteY6" fmla="*/ 963066 h 1790792"/>
+                <a:gd name="connsiteX7" fmla="*/ 1574622 w 2640885"/>
+                <a:gd name="connsiteY7" fmla="*/ 387020 h 1790792"/>
+                <a:gd name="connsiteX8" fmla="*/ 1049183 w 2640885"/>
+                <a:gd name="connsiteY8" fmla="*/ 57458 h 1790792"/>
+                <a:gd name="connsiteX9" fmla="*/ 337006 w 2640885"/>
+                <a:gd name="connsiteY9" fmla="*/ 22289 h 1790792"/>
+                <a:gd name="connsiteX0" fmla="*/ 337006 w 2640885"/>
+                <a:gd name="connsiteY0" fmla="*/ 22289 h 1790792"/>
+                <a:gd name="connsiteX1" fmla="*/ 29276 w 2640885"/>
+                <a:gd name="connsiteY1" fmla="*/ 294850 h 1790792"/>
+                <a:gd name="connsiteX2" fmla="*/ 1031599 w 2640885"/>
+                <a:gd name="connsiteY2" fmla="*/ 1200458 h 1790792"/>
+                <a:gd name="connsiteX3" fmla="*/ 1761360 w 2640885"/>
+                <a:gd name="connsiteY3" fmla="*/ 1745581 h 1790792"/>
+                <a:gd name="connsiteX4" fmla="*/ 2570252 w 2640885"/>
+                <a:gd name="connsiteY4" fmla="*/ 1701620 h 1790792"/>
+                <a:gd name="connsiteX5" fmla="*/ 2499914 w 2640885"/>
+                <a:gd name="connsiteY5" fmla="*/ 1235627 h 1790792"/>
+                <a:gd name="connsiteX6" fmla="*/ 1691022 w 2640885"/>
+                <a:gd name="connsiteY6" fmla="*/ 963066 h 1790792"/>
+                <a:gd name="connsiteX7" fmla="*/ 1574622 w 2640885"/>
+                <a:gd name="connsiteY7" fmla="*/ 387020 h 1790792"/>
+                <a:gd name="connsiteX8" fmla="*/ 1049183 w 2640885"/>
+                <a:gd name="connsiteY8" fmla="*/ 57458 h 1790792"/>
+                <a:gd name="connsiteX9" fmla="*/ 337006 w 2640885"/>
+                <a:gd name="connsiteY9" fmla="*/ 22289 h 1790792"/>
+                <a:gd name="connsiteX0" fmla="*/ 337006 w 2629119"/>
+                <a:gd name="connsiteY0" fmla="*/ 22289 h 1790792"/>
+                <a:gd name="connsiteX1" fmla="*/ 29276 w 2629119"/>
+                <a:gd name="connsiteY1" fmla="*/ 294850 h 1790792"/>
+                <a:gd name="connsiteX2" fmla="*/ 1031599 w 2629119"/>
+                <a:gd name="connsiteY2" fmla="*/ 1200458 h 1790792"/>
+                <a:gd name="connsiteX3" fmla="*/ 1761360 w 2629119"/>
+                <a:gd name="connsiteY3" fmla="*/ 1745581 h 1790792"/>
+                <a:gd name="connsiteX4" fmla="*/ 2570252 w 2629119"/>
+                <a:gd name="connsiteY4" fmla="*/ 1701620 h 1790792"/>
+                <a:gd name="connsiteX5" fmla="*/ 2499914 w 2629119"/>
+                <a:gd name="connsiteY5" fmla="*/ 1235627 h 1790792"/>
+                <a:gd name="connsiteX6" fmla="*/ 1966298 w 2629119"/>
+                <a:gd name="connsiteY6" fmla="*/ 953037 h 1790792"/>
+                <a:gd name="connsiteX7" fmla="*/ 1574622 w 2629119"/>
+                <a:gd name="connsiteY7" fmla="*/ 387020 h 1790792"/>
+                <a:gd name="connsiteX8" fmla="*/ 1049183 w 2629119"/>
+                <a:gd name="connsiteY8" fmla="*/ 57458 h 1790792"/>
+                <a:gd name="connsiteX9" fmla="*/ 337006 w 2629119"/>
+                <a:gd name="connsiteY9" fmla="*/ 22289 h 1790792"/>
+                <a:gd name="connsiteX0" fmla="*/ 322123 w 2614236"/>
+                <a:gd name="connsiteY0" fmla="*/ 22289 h 1796664"/>
+                <a:gd name="connsiteX1" fmla="*/ 14393 w 2614236"/>
+                <a:gd name="connsiteY1" fmla="*/ 294850 h 1796664"/>
+                <a:gd name="connsiteX2" fmla="*/ 750933 w 2614236"/>
+                <a:gd name="connsiteY2" fmla="*/ 1120225 h 1796664"/>
+                <a:gd name="connsiteX3" fmla="*/ 1746477 w 2614236"/>
+                <a:gd name="connsiteY3" fmla="*/ 1745581 h 1796664"/>
+                <a:gd name="connsiteX4" fmla="*/ 2555369 w 2614236"/>
+                <a:gd name="connsiteY4" fmla="*/ 1701620 h 1796664"/>
+                <a:gd name="connsiteX5" fmla="*/ 2485031 w 2614236"/>
+                <a:gd name="connsiteY5" fmla="*/ 1235627 h 1796664"/>
+                <a:gd name="connsiteX6" fmla="*/ 1951415 w 2614236"/>
+                <a:gd name="connsiteY6" fmla="*/ 953037 h 1796664"/>
+                <a:gd name="connsiteX7" fmla="*/ 1559739 w 2614236"/>
+                <a:gd name="connsiteY7" fmla="*/ 387020 h 1796664"/>
+                <a:gd name="connsiteX8" fmla="*/ 1034300 w 2614236"/>
+                <a:gd name="connsiteY8" fmla="*/ 57458 h 1796664"/>
+                <a:gd name="connsiteX9" fmla="*/ 322123 w 2614236"/>
+                <a:gd name="connsiteY9" fmla="*/ 22289 h 1796664"/>
+                <a:gd name="connsiteX0" fmla="*/ 331211 w 2623324"/>
+                <a:gd name="connsiteY0" fmla="*/ 30380 h 1804755"/>
+                <a:gd name="connsiteX1" fmla="*/ 13988 w 2623324"/>
+                <a:gd name="connsiteY1" fmla="*/ 413261 h 1804755"/>
+                <a:gd name="connsiteX2" fmla="*/ 760021 w 2623324"/>
+                <a:gd name="connsiteY2" fmla="*/ 1128316 h 1804755"/>
+                <a:gd name="connsiteX3" fmla="*/ 1755565 w 2623324"/>
+                <a:gd name="connsiteY3" fmla="*/ 1753672 h 1804755"/>
+                <a:gd name="connsiteX4" fmla="*/ 2564457 w 2623324"/>
+                <a:gd name="connsiteY4" fmla="*/ 1709711 h 1804755"/>
+                <a:gd name="connsiteX5" fmla="*/ 2494119 w 2623324"/>
+                <a:gd name="connsiteY5" fmla="*/ 1243718 h 1804755"/>
+                <a:gd name="connsiteX6" fmla="*/ 1960503 w 2623324"/>
+                <a:gd name="connsiteY6" fmla="*/ 961128 h 1804755"/>
+                <a:gd name="connsiteX7" fmla="*/ 1568827 w 2623324"/>
+                <a:gd name="connsiteY7" fmla="*/ 395111 h 1804755"/>
+                <a:gd name="connsiteX8" fmla="*/ 1043388 w 2623324"/>
+                <a:gd name="connsiteY8" fmla="*/ 65549 h 1804755"/>
+                <a:gd name="connsiteX9" fmla="*/ 331211 w 2623324"/>
+                <a:gd name="connsiteY9" fmla="*/ 30380 h 1804755"/>
+                <a:gd name="connsiteX0" fmla="*/ 331211 w 2652847"/>
+                <a:gd name="connsiteY0" fmla="*/ 30380 h 1740320"/>
+                <a:gd name="connsiteX1" fmla="*/ 13988 w 2652847"/>
+                <a:gd name="connsiteY1" fmla="*/ 413261 h 1740320"/>
+                <a:gd name="connsiteX2" fmla="*/ 760021 w 2652847"/>
+                <a:gd name="connsiteY2" fmla="*/ 1128316 h 1740320"/>
+                <a:gd name="connsiteX3" fmla="*/ 1356891 w 2652847"/>
+                <a:gd name="connsiteY3" fmla="*/ 1633322 h 1740320"/>
+                <a:gd name="connsiteX4" fmla="*/ 2564457 w 2652847"/>
+                <a:gd name="connsiteY4" fmla="*/ 1709711 h 1740320"/>
+                <a:gd name="connsiteX5" fmla="*/ 2494119 w 2652847"/>
+                <a:gd name="connsiteY5" fmla="*/ 1243718 h 1740320"/>
+                <a:gd name="connsiteX6" fmla="*/ 1960503 w 2652847"/>
+                <a:gd name="connsiteY6" fmla="*/ 961128 h 1740320"/>
+                <a:gd name="connsiteX7" fmla="*/ 1568827 w 2652847"/>
+                <a:gd name="connsiteY7" fmla="*/ 395111 h 1740320"/>
+                <a:gd name="connsiteX8" fmla="*/ 1043388 w 2652847"/>
+                <a:gd name="connsiteY8" fmla="*/ 65549 h 1740320"/>
+                <a:gd name="connsiteX9" fmla="*/ 331211 w 2652847"/>
+                <a:gd name="connsiteY9" fmla="*/ 30380 h 1740320"/>
+                <a:gd name="connsiteX0" fmla="*/ 331211 w 2666855"/>
+                <a:gd name="connsiteY0" fmla="*/ 30380 h 1745519"/>
+                <a:gd name="connsiteX1" fmla="*/ 13988 w 2666855"/>
+                <a:gd name="connsiteY1" fmla="*/ 413261 h 1745519"/>
+                <a:gd name="connsiteX2" fmla="*/ 760021 w 2666855"/>
+                <a:gd name="connsiteY2" fmla="*/ 1128316 h 1745519"/>
+                <a:gd name="connsiteX3" fmla="*/ 1356891 w 2666855"/>
+                <a:gd name="connsiteY3" fmla="*/ 1633322 h 1745519"/>
+                <a:gd name="connsiteX4" fmla="*/ 2564457 w 2666855"/>
+                <a:gd name="connsiteY4" fmla="*/ 1709711 h 1745519"/>
+                <a:gd name="connsiteX5" fmla="*/ 2532088 w 2666855"/>
+                <a:gd name="connsiteY5" fmla="*/ 1173514 h 1745519"/>
+                <a:gd name="connsiteX6" fmla="*/ 1960503 w 2666855"/>
+                <a:gd name="connsiteY6" fmla="*/ 961128 h 1745519"/>
+                <a:gd name="connsiteX7" fmla="*/ 1568827 w 2666855"/>
+                <a:gd name="connsiteY7" fmla="*/ 395111 h 1745519"/>
+                <a:gd name="connsiteX8" fmla="*/ 1043388 w 2666855"/>
+                <a:gd name="connsiteY8" fmla="*/ 65549 h 1745519"/>
+                <a:gd name="connsiteX9" fmla="*/ 331211 w 2666855"/>
+                <a:gd name="connsiteY9" fmla="*/ 30380 h 1745519"/>
+                <a:gd name="connsiteX0" fmla="*/ 331211 w 2633895"/>
+                <a:gd name="connsiteY0" fmla="*/ 30380 h 1839111"/>
+                <a:gd name="connsiteX1" fmla="*/ 13988 w 2633895"/>
+                <a:gd name="connsiteY1" fmla="*/ 413261 h 1839111"/>
+                <a:gd name="connsiteX2" fmla="*/ 760021 w 2633895"/>
+                <a:gd name="connsiteY2" fmla="*/ 1128316 h 1839111"/>
+                <a:gd name="connsiteX3" fmla="*/ 1356891 w 2633895"/>
+                <a:gd name="connsiteY3" fmla="*/ 1633322 h 1839111"/>
+                <a:gd name="connsiteX4" fmla="*/ 2564457 w 2633895"/>
+                <a:gd name="connsiteY4" fmla="*/ 1709711 h 1839111"/>
+                <a:gd name="connsiteX5" fmla="*/ 2532088 w 2633895"/>
+                <a:gd name="connsiteY5" fmla="*/ 1173514 h 1839111"/>
+                <a:gd name="connsiteX6" fmla="*/ 1960503 w 2633895"/>
+                <a:gd name="connsiteY6" fmla="*/ 961128 h 1839111"/>
+                <a:gd name="connsiteX7" fmla="*/ 1568827 w 2633895"/>
+                <a:gd name="connsiteY7" fmla="*/ 395111 h 1839111"/>
+                <a:gd name="connsiteX8" fmla="*/ 1043388 w 2633895"/>
+                <a:gd name="connsiteY8" fmla="*/ 65549 h 1839111"/>
+                <a:gd name="connsiteX9" fmla="*/ 331211 w 2633895"/>
+                <a:gd name="connsiteY9" fmla="*/ 30380 h 1839111"/>
+                <a:gd name="connsiteX0" fmla="*/ 331211 w 2775792"/>
+                <a:gd name="connsiteY0" fmla="*/ 30380 h 1767801"/>
+                <a:gd name="connsiteX1" fmla="*/ 13988 w 2775792"/>
+                <a:gd name="connsiteY1" fmla="*/ 413261 h 1767801"/>
+                <a:gd name="connsiteX2" fmla="*/ 760021 w 2775792"/>
+                <a:gd name="connsiteY2" fmla="*/ 1128316 h 1767801"/>
+                <a:gd name="connsiteX3" fmla="*/ 1356891 w 2775792"/>
+                <a:gd name="connsiteY3" fmla="*/ 1633322 h 1767801"/>
+                <a:gd name="connsiteX4" fmla="*/ 2564457 w 2775792"/>
+                <a:gd name="connsiteY4" fmla="*/ 1709711 h 1767801"/>
+                <a:gd name="connsiteX5" fmla="*/ 2532088 w 2775792"/>
+                <a:gd name="connsiteY5" fmla="*/ 1173514 h 1767801"/>
+                <a:gd name="connsiteX6" fmla="*/ 1960503 w 2775792"/>
+                <a:gd name="connsiteY6" fmla="*/ 961128 h 1767801"/>
+                <a:gd name="connsiteX7" fmla="*/ 1568827 w 2775792"/>
+                <a:gd name="connsiteY7" fmla="*/ 395111 h 1767801"/>
+                <a:gd name="connsiteX8" fmla="*/ 1043388 w 2775792"/>
+                <a:gd name="connsiteY8" fmla="*/ 65549 h 1767801"/>
+                <a:gd name="connsiteX9" fmla="*/ 331211 w 2775792"/>
+                <a:gd name="connsiteY9" fmla="*/ 30380 h 1767801"/>
+                <a:gd name="connsiteX0" fmla="*/ 331211 w 2700234"/>
+                <a:gd name="connsiteY0" fmla="*/ 30380 h 1816825"/>
+                <a:gd name="connsiteX1" fmla="*/ 13988 w 2700234"/>
+                <a:gd name="connsiteY1" fmla="*/ 413261 h 1816825"/>
+                <a:gd name="connsiteX2" fmla="*/ 760021 w 2700234"/>
+                <a:gd name="connsiteY2" fmla="*/ 1128316 h 1816825"/>
+                <a:gd name="connsiteX3" fmla="*/ 1356891 w 2700234"/>
+                <a:gd name="connsiteY3" fmla="*/ 1633322 h 1816825"/>
+                <a:gd name="connsiteX4" fmla="*/ 2564457 w 2700234"/>
+                <a:gd name="connsiteY4" fmla="*/ 1709711 h 1816825"/>
+                <a:gd name="connsiteX5" fmla="*/ 2532088 w 2700234"/>
+                <a:gd name="connsiteY5" fmla="*/ 1173514 h 1816825"/>
+                <a:gd name="connsiteX6" fmla="*/ 1960503 w 2700234"/>
+                <a:gd name="connsiteY6" fmla="*/ 961128 h 1816825"/>
+                <a:gd name="connsiteX7" fmla="*/ 1568827 w 2700234"/>
+                <a:gd name="connsiteY7" fmla="*/ 395111 h 1816825"/>
+                <a:gd name="connsiteX8" fmla="*/ 1043388 w 2700234"/>
+                <a:gd name="connsiteY8" fmla="*/ 65549 h 1816825"/>
+                <a:gd name="connsiteX9" fmla="*/ 331211 w 2700234"/>
+                <a:gd name="connsiteY9" fmla="*/ 30380 h 1816825"/>
+                <a:gd name="connsiteX0" fmla="*/ 331211 w 2551241"/>
+                <a:gd name="connsiteY0" fmla="*/ 30380 h 1681154"/>
+                <a:gd name="connsiteX1" fmla="*/ 13988 w 2551241"/>
+                <a:gd name="connsiteY1" fmla="*/ 413261 h 1681154"/>
+                <a:gd name="connsiteX2" fmla="*/ 760021 w 2551241"/>
+                <a:gd name="connsiteY2" fmla="*/ 1128316 h 1681154"/>
+                <a:gd name="connsiteX3" fmla="*/ 1356891 w 2551241"/>
+                <a:gd name="connsiteY3" fmla="*/ 1633322 h 1681154"/>
+                <a:gd name="connsiteX4" fmla="*/ 2270197 w 2551241"/>
+                <a:gd name="connsiteY4" fmla="*/ 1499099 h 1681154"/>
+                <a:gd name="connsiteX5" fmla="*/ 2532088 w 2551241"/>
+                <a:gd name="connsiteY5" fmla="*/ 1173514 h 1681154"/>
+                <a:gd name="connsiteX6" fmla="*/ 1960503 w 2551241"/>
+                <a:gd name="connsiteY6" fmla="*/ 961128 h 1681154"/>
+                <a:gd name="connsiteX7" fmla="*/ 1568827 w 2551241"/>
+                <a:gd name="connsiteY7" fmla="*/ 395111 h 1681154"/>
+                <a:gd name="connsiteX8" fmla="*/ 1043388 w 2551241"/>
+                <a:gd name="connsiteY8" fmla="*/ 65549 h 1681154"/>
+                <a:gd name="connsiteX9" fmla="*/ 331211 w 2551241"/>
+                <a:gd name="connsiteY9" fmla="*/ 30380 h 1681154"/>
+                <a:gd name="connsiteX0" fmla="*/ 331211 w 2542168"/>
+                <a:gd name="connsiteY0" fmla="*/ 30380 h 1670014"/>
+                <a:gd name="connsiteX1" fmla="*/ 13988 w 2542168"/>
+                <a:gd name="connsiteY1" fmla="*/ 413261 h 1670014"/>
+                <a:gd name="connsiteX2" fmla="*/ 760021 w 2542168"/>
+                <a:gd name="connsiteY2" fmla="*/ 1128316 h 1670014"/>
+                <a:gd name="connsiteX3" fmla="*/ 1356891 w 2542168"/>
+                <a:gd name="connsiteY3" fmla="*/ 1633322 h 1670014"/>
+                <a:gd name="connsiteX4" fmla="*/ 2270197 w 2542168"/>
+                <a:gd name="connsiteY4" fmla="*/ 1499099 h 1670014"/>
+                <a:gd name="connsiteX5" fmla="*/ 2532088 w 2542168"/>
+                <a:gd name="connsiteY5" fmla="*/ 1173514 h 1670014"/>
+                <a:gd name="connsiteX6" fmla="*/ 1960503 w 2542168"/>
+                <a:gd name="connsiteY6" fmla="*/ 961128 h 1670014"/>
+                <a:gd name="connsiteX7" fmla="*/ 1568827 w 2542168"/>
+                <a:gd name="connsiteY7" fmla="*/ 395111 h 1670014"/>
+                <a:gd name="connsiteX8" fmla="*/ 1043388 w 2542168"/>
+                <a:gd name="connsiteY8" fmla="*/ 65549 h 1670014"/>
+                <a:gd name="connsiteX9" fmla="*/ 331211 w 2542168"/>
+                <a:gd name="connsiteY9" fmla="*/ 30380 h 1670014"/>
+                <a:gd name="connsiteX0" fmla="*/ 331211 w 2290853"/>
+                <a:gd name="connsiteY0" fmla="*/ 30380 h 1654264"/>
+                <a:gd name="connsiteX1" fmla="*/ 13988 w 2290853"/>
+                <a:gd name="connsiteY1" fmla="*/ 413261 h 1654264"/>
+                <a:gd name="connsiteX2" fmla="*/ 760021 w 2290853"/>
+                <a:gd name="connsiteY2" fmla="*/ 1128316 h 1654264"/>
+                <a:gd name="connsiteX3" fmla="*/ 1356891 w 2290853"/>
+                <a:gd name="connsiteY3" fmla="*/ 1633322 h 1654264"/>
+                <a:gd name="connsiteX4" fmla="*/ 2270197 w 2290853"/>
+                <a:gd name="connsiteY4" fmla="*/ 1499099 h 1654264"/>
+                <a:gd name="connsiteX5" fmla="*/ 1960503 w 2290853"/>
+                <a:gd name="connsiteY5" fmla="*/ 961128 h 1654264"/>
+                <a:gd name="connsiteX6" fmla="*/ 1568827 w 2290853"/>
+                <a:gd name="connsiteY6" fmla="*/ 395111 h 1654264"/>
+                <a:gd name="connsiteX7" fmla="*/ 1043388 w 2290853"/>
+                <a:gd name="connsiteY7" fmla="*/ 65549 h 1654264"/>
+                <a:gd name="connsiteX8" fmla="*/ 331211 w 2290853"/>
+                <a:gd name="connsiteY8" fmla="*/ 30380 h 1654264"/>
+              </a:gdLst>
+              <a:ahLst/>
+              <a:cxnLst>
+                <a:cxn ang="0">
+                  <a:pos x="connsiteX0" y="connsiteY0"/>
+                </a:cxn>
+                <a:cxn ang="0">
+                  <a:pos x="connsiteX1" y="connsiteY1"/>
+                </a:cxn>
+                <a:cxn ang="0">
+                  <a:pos x="connsiteX2" y="connsiteY2"/>
+                </a:cxn>
+                <a:cxn ang="0">
+                  <a:pos x="connsiteX3" y="connsiteY3"/>
+                </a:cxn>
+                <a:cxn ang="0">
+                  <a:pos x="connsiteX4" y="connsiteY4"/>
+                </a:cxn>
+                <a:cxn ang="0">
+                  <a:pos x="connsiteX5" y="connsiteY5"/>
+                </a:cxn>
+                <a:cxn ang="0">
+                  <a:pos x="connsiteX6" y="connsiteY6"/>
+                </a:cxn>
+                <a:cxn ang="0">
+                  <a:pos x="connsiteX7" y="connsiteY7"/>
+                </a:cxn>
+                <a:cxn ang="0">
+                  <a:pos x="connsiteX8" y="connsiteY8"/>
+                </a:cxn>
+              </a:cxnLst>
+              <a:rect l="l" t="t" r="r" b="b"/>
+              <a:pathLst>
+                <a:path w="2290853" h="1654264">
+                  <a:moveTo>
+                    <a:pt x="331211" y="30380"/>
+                  </a:moveTo>
+                  <a:cubicBezTo>
+                    <a:pt x="159644" y="88332"/>
+                    <a:pt x="-57480" y="230272"/>
+                    <a:pt x="13988" y="413261"/>
+                  </a:cubicBezTo>
+                  <a:cubicBezTo>
+                    <a:pt x="85456" y="596250"/>
+                    <a:pt x="536204" y="924972"/>
+                    <a:pt x="760021" y="1128316"/>
+                  </a:cubicBezTo>
+                  <a:cubicBezTo>
+                    <a:pt x="983838" y="1331660"/>
+                    <a:pt x="1105195" y="1571525"/>
+                    <a:pt x="1356891" y="1633322"/>
+                  </a:cubicBezTo>
+                  <a:cubicBezTo>
+                    <a:pt x="1608587" y="1695119"/>
+                    <a:pt x="2169595" y="1611131"/>
+                    <a:pt x="2270197" y="1499099"/>
+                  </a:cubicBezTo>
+                  <a:cubicBezTo>
+                    <a:pt x="2370799" y="1387067"/>
+                    <a:pt x="2077398" y="1145126"/>
+                    <a:pt x="1960503" y="961128"/>
+                  </a:cubicBezTo>
+                  <a:cubicBezTo>
+                    <a:pt x="1799960" y="831394"/>
+                    <a:pt x="1827676" y="756659"/>
+                    <a:pt x="1568827" y="395111"/>
+                  </a:cubicBezTo>
+                  <a:cubicBezTo>
+                    <a:pt x="1461854" y="244176"/>
+                    <a:pt x="1249657" y="126338"/>
+                    <a:pt x="1043388" y="65549"/>
+                  </a:cubicBezTo>
+                  <a:cubicBezTo>
+                    <a:pt x="837119" y="4761"/>
+                    <a:pt x="502778" y="-27572"/>
+                    <a:pt x="331211" y="30380"/>
+                  </a:cubicBezTo>
+                  <a:close/>
+                </a:path>
+              </a:pathLst>
+            </a:custGeom>
+            <a:solidFill>
+              <a:schemeClr val="accent6">
+                <a:lumMod val="20000"/>
+                <a:lumOff val="80000"/>
+              </a:schemeClr>
+            </a:solidFill>
+            <a:ln>
+              <a:noFill/>
+            </a:ln>
           </p:spPr>
           <p:style>
-            <a:lnRef idx="0">
-              <a:schemeClr val="accent5"/>
+            <a:lnRef idx="2">
+              <a:schemeClr val="accent1">
+                <a:shade val="50000"/>
+              </a:schemeClr>
             </a:lnRef>
-            <a:fillRef idx="3">
-              <a:schemeClr val="accent5"/>
+            <a:fillRef idx="1">
+              <a:schemeClr val="accent1"/>
             </a:fillRef>
-            <a:effectRef idx="3">
-              <a:schemeClr val="accent5"/>
+            <a:effectRef idx="0">
+              <a:schemeClr val="accent1"/>
             </a:effectRef>
             <a:fontRef idx="minor">
               <a:schemeClr val="lt1"/>
@@ -5935,16 +7798,226 @@
             <a:lstStyle/>
             <a:p>
               <a:pPr algn="ctr"/>
-              <a:endParaRPr lang="en-US" sz="1000"/>
+              <a:endParaRPr lang="en-US"/>
             </a:p>
           </p:txBody>
         </p:sp>
+        <p:grpSp>
+          <p:nvGrpSpPr>
+            <p:cNvPr id="229" name="Group 228">
+              <a:extLst>
+                <a:ext uri="{FF2B5EF4-FFF2-40B4-BE49-F238E27FC236}">
+                  <a16:creationId xmlns:a16="http://schemas.microsoft.com/office/drawing/2014/main" id="{3C7BB9F5-AC3D-4D1A-B7C2-E008932F9017}"/>
+                </a:ext>
+              </a:extLst>
+            </p:cNvPr>
+            <p:cNvGrpSpPr/>
+            <p:nvPr/>
+          </p:nvGrpSpPr>
+          <p:grpSpPr>
+            <a:xfrm>
+              <a:off x="7526441" y="5768037"/>
+              <a:ext cx="628077" cy="269280"/>
+              <a:chOff x="7440548" y="5617793"/>
+              <a:chExt cx="628077" cy="269280"/>
+            </a:xfrm>
+          </p:grpSpPr>
+          <p:sp>
+            <p:nvSpPr>
+              <p:cNvPr id="21" name="Rectangle 20">
+                <a:extLst>
+                  <a:ext uri="{FF2B5EF4-FFF2-40B4-BE49-F238E27FC236}">
+                    <a16:creationId xmlns:a16="http://schemas.microsoft.com/office/drawing/2014/main" id="{F8B4FB27-8429-47F0-8533-DBDFD56F5132}"/>
+                  </a:ext>
+                </a:extLst>
+              </p:cNvPr>
+              <p:cNvSpPr/>
+              <p:nvPr/>
+            </p:nvSpPr>
+            <p:spPr>
+              <a:xfrm>
+                <a:off x="7440548" y="5617793"/>
+                <a:ext cx="628077" cy="269280"/>
+              </a:xfrm>
+              <a:prstGeom prst="rect">
+                <a:avLst/>
+              </a:prstGeom>
+            </p:spPr>
+            <p:style>
+              <a:lnRef idx="0">
+                <a:schemeClr val="accent3"/>
+              </a:lnRef>
+              <a:fillRef idx="3">
+                <a:schemeClr val="accent3"/>
+              </a:fillRef>
+              <a:effectRef idx="3">
+                <a:schemeClr val="accent3"/>
+              </a:effectRef>
+              <a:fontRef idx="minor">
+                <a:schemeClr val="lt1"/>
+              </a:fontRef>
+            </p:style>
+            <p:txBody>
+              <a:bodyPr rtlCol="0" anchor="ctr"/>
+              <a:lstStyle/>
+              <a:p>
+                <a:pPr algn="ctr"/>
+                <a:endParaRPr lang="en-US" sz="1000"/>
+              </a:p>
+            </p:txBody>
+          </p:sp>
+          <p:sp>
+            <p:nvSpPr>
+              <p:cNvPr id="22" name="TextBox 21">
+                <a:extLst>
+                  <a:ext uri="{FF2B5EF4-FFF2-40B4-BE49-F238E27FC236}">
+                    <a16:creationId xmlns:a16="http://schemas.microsoft.com/office/drawing/2014/main" id="{52EE87E4-B215-45B1-BAE5-FB43033969BA}"/>
+                  </a:ext>
+                </a:extLst>
+              </p:cNvPr>
+              <p:cNvSpPr txBox="1"/>
+              <p:nvPr/>
+            </p:nvSpPr>
+            <p:spPr>
+              <a:xfrm>
+                <a:off x="7440549" y="5632216"/>
+                <a:ext cx="628076" cy="246221"/>
+              </a:xfrm>
+              <a:prstGeom prst="rect">
+                <a:avLst/>
+              </a:prstGeom>
+              <a:noFill/>
+            </p:spPr>
+            <p:txBody>
+              <a:bodyPr wrap="square" rtlCol="0">
+                <a:spAutoFit/>
+              </a:bodyPr>
+              <a:lstStyle/>
+              <a:p>
+                <a:pPr algn="ctr"/>
+                <a:r>
+                  <a:rPr lang="en-US" sz="1000" b="1" dirty="0">
+                    <a:solidFill>
+                      <a:schemeClr val="bg1"/>
+                    </a:solidFill>
+                  </a:rPr>
+                  <a:t>Curl</a:t>
+                </a:r>
+              </a:p>
+            </p:txBody>
+          </p:sp>
+        </p:grpSp>
+        <p:grpSp>
+          <p:nvGrpSpPr>
+            <p:cNvPr id="228" name="Group 227">
+              <a:extLst>
+                <a:ext uri="{FF2B5EF4-FFF2-40B4-BE49-F238E27FC236}">
+                  <a16:creationId xmlns:a16="http://schemas.microsoft.com/office/drawing/2014/main" id="{DB4D9141-9001-46AC-8284-4FDEAD5A4CEE}"/>
+                </a:ext>
+              </a:extLst>
+            </p:cNvPr>
+            <p:cNvGrpSpPr/>
+            <p:nvPr/>
+          </p:nvGrpSpPr>
+          <p:grpSpPr>
+            <a:xfrm>
+              <a:off x="7794703" y="6103390"/>
+              <a:ext cx="719629" cy="269280"/>
+              <a:chOff x="8198348" y="6279708"/>
+              <a:chExt cx="719629" cy="269280"/>
+            </a:xfrm>
+          </p:grpSpPr>
+          <p:sp>
+            <p:nvSpPr>
+              <p:cNvPr id="33" name="Rectangle 32">
+                <a:extLst>
+                  <a:ext uri="{FF2B5EF4-FFF2-40B4-BE49-F238E27FC236}">
+                    <a16:creationId xmlns:a16="http://schemas.microsoft.com/office/drawing/2014/main" id="{82663CE9-C02A-4F06-83E5-9B30132020F0}"/>
+                  </a:ext>
+                </a:extLst>
+              </p:cNvPr>
+              <p:cNvSpPr/>
+              <p:nvPr/>
+            </p:nvSpPr>
+            <p:spPr>
+              <a:xfrm>
+                <a:off x="8241413" y="6279708"/>
+                <a:ext cx="628077" cy="269280"/>
+              </a:xfrm>
+              <a:prstGeom prst="rect">
+                <a:avLst/>
+              </a:prstGeom>
+            </p:spPr>
+            <p:style>
+              <a:lnRef idx="0">
+                <a:schemeClr val="accent3"/>
+              </a:lnRef>
+              <a:fillRef idx="3">
+                <a:schemeClr val="accent3"/>
+              </a:fillRef>
+              <a:effectRef idx="3">
+                <a:schemeClr val="accent3"/>
+              </a:effectRef>
+              <a:fontRef idx="minor">
+                <a:schemeClr val="lt1"/>
+              </a:fontRef>
+            </p:style>
+            <p:txBody>
+              <a:bodyPr rtlCol="0" anchor="ctr"/>
+              <a:lstStyle/>
+              <a:p>
+                <a:pPr algn="ctr"/>
+                <a:endParaRPr lang="en-US" sz="1000"/>
+              </a:p>
+            </p:txBody>
+          </p:sp>
+          <p:sp>
+            <p:nvSpPr>
+              <p:cNvPr id="34" name="TextBox 33">
+                <a:extLst>
+                  <a:ext uri="{FF2B5EF4-FFF2-40B4-BE49-F238E27FC236}">
+                    <a16:creationId xmlns:a16="http://schemas.microsoft.com/office/drawing/2014/main" id="{4723D511-F36B-498E-A977-9817EA56C4C0}"/>
+                  </a:ext>
+                </a:extLst>
+              </p:cNvPr>
+              <p:cNvSpPr txBox="1"/>
+              <p:nvPr/>
+            </p:nvSpPr>
+            <p:spPr>
+              <a:xfrm>
+                <a:off x="8198348" y="6293287"/>
+                <a:ext cx="719629" cy="246221"/>
+              </a:xfrm>
+              <a:prstGeom prst="rect">
+                <a:avLst/>
+              </a:prstGeom>
+              <a:noFill/>
+            </p:spPr>
+            <p:txBody>
+              <a:bodyPr wrap="square" rtlCol="0">
+                <a:spAutoFit/>
+              </a:bodyPr>
+              <a:lstStyle/>
+              <a:p>
+                <a:pPr algn="ctr"/>
+                <a:r>
+                  <a:rPr lang="en-US" sz="1000" b="1" dirty="0">
+                    <a:solidFill>
+                      <a:schemeClr val="bg1"/>
+                    </a:solidFill>
+                  </a:rPr>
+                  <a:t>OpenSSL</a:t>
+                </a:r>
+              </a:p>
+            </p:txBody>
+          </p:sp>
+        </p:grpSp>
         <p:sp>
           <p:nvSpPr>
-            <p:cNvPr id="37" name="TextBox 36">
+            <p:cNvPr id="185" name="TextBox 184">
               <a:extLst>
                 <a:ext uri="{FF2B5EF4-FFF2-40B4-BE49-F238E27FC236}">
-                  <a16:creationId xmlns:a16="http://schemas.microsoft.com/office/drawing/2014/main" id="{3F78BFE0-B2BB-4BB0-8043-FF644A54F152}"/>
+                  <a16:creationId xmlns:a16="http://schemas.microsoft.com/office/drawing/2014/main" id="{32E01C7E-E280-4FB3-A086-CC55AB3277FB}"/>
                 </a:ext>
               </a:extLst>
             </p:cNvPr>
@@ -5953,13 +8026,16 @@
           </p:nvSpPr>
           <p:spPr>
             <a:xfrm>
-              <a:off x="5378815" y="4092132"/>
-              <a:ext cx="1502033" cy="307777"/>
+              <a:off x="6839587" y="5292591"/>
+              <a:ext cx="1297385" cy="461665"/>
             </a:xfrm>
             <a:prstGeom prst="rect">
               <a:avLst/>
             </a:prstGeom>
             <a:noFill/>
+            <a:ln>
+              <a:noFill/>
+            </a:ln>
           </p:spPr>
           <p:txBody>
             <a:bodyPr wrap="square" rtlCol="0">
@@ -5969,3112 +8045,32 @@
             <a:p>
               <a:pPr algn="ctr"/>
               <a:r>
-                <a:rPr lang="en-US" sz="1400" b="1" dirty="0" err="1"/>
-                <a:t>VisusKernel</a:t>
-              </a:r>
-              <a:endParaRPr lang="en-US" sz="1400" b="1" dirty="0"/>
-            </a:p>
-          </p:txBody>
-        </p:sp>
-      </p:grpSp>
-      <p:grpSp>
-        <p:nvGrpSpPr>
-          <p:cNvPr id="250" name="Group 249">
-            <a:extLst>
-              <a:ext uri="{FF2B5EF4-FFF2-40B4-BE49-F238E27FC236}">
-                <a16:creationId xmlns:a16="http://schemas.microsoft.com/office/drawing/2014/main" id="{AC644C10-42BB-48CD-9D4D-938845D23663}"/>
-              </a:ext>
-            </a:extLst>
-          </p:cNvPr>
-          <p:cNvGrpSpPr/>
-          <p:nvPr/>
-        </p:nvGrpSpPr>
-        <p:grpSpPr>
-          <a:xfrm>
-            <a:off x="3338340" y="3236220"/>
-            <a:ext cx="1207917" cy="629306"/>
-            <a:chOff x="3146207" y="2722224"/>
-            <a:chExt cx="861487" cy="235420"/>
-          </a:xfrm>
-        </p:grpSpPr>
-        <p:sp>
-          <p:nvSpPr>
-            <p:cNvPr id="38" name="Rectangle 37">
-              <a:extLst>
-                <a:ext uri="{FF2B5EF4-FFF2-40B4-BE49-F238E27FC236}">
-                  <a16:creationId xmlns:a16="http://schemas.microsoft.com/office/drawing/2014/main" id="{2CD4AA97-502D-467B-A130-DA4505C219DD}"/>
-                </a:ext>
-              </a:extLst>
-            </p:cNvPr>
-            <p:cNvSpPr/>
-            <p:nvPr/>
-          </p:nvSpPr>
-          <p:spPr>
-            <a:xfrm>
-              <a:off x="3152013" y="2722224"/>
-              <a:ext cx="855681" cy="235420"/>
-            </a:xfrm>
-            <a:prstGeom prst="rect">
-              <a:avLst/>
-            </a:prstGeom>
-          </p:spPr>
-          <p:style>
-            <a:lnRef idx="0">
-              <a:schemeClr val="accent6"/>
-            </a:lnRef>
-            <a:fillRef idx="3">
-              <a:schemeClr val="accent6"/>
-            </a:fillRef>
-            <a:effectRef idx="3">
-              <a:schemeClr val="accent6"/>
-            </a:effectRef>
-            <a:fontRef idx="minor">
-              <a:schemeClr val="lt1"/>
-            </a:fontRef>
-          </p:style>
-          <p:txBody>
-            <a:bodyPr rtlCol="0" anchor="ctr"/>
-            <a:lstStyle/>
-            <a:p>
-              <a:pPr algn="ctr"/>
-              <a:endParaRPr lang="en-US" sz="1000"/>
-            </a:p>
-          </p:txBody>
-        </p:sp>
-        <p:sp>
-          <p:nvSpPr>
-            <p:cNvPr id="39" name="TextBox 38">
-              <a:extLst>
-                <a:ext uri="{FF2B5EF4-FFF2-40B4-BE49-F238E27FC236}">
-                  <a16:creationId xmlns:a16="http://schemas.microsoft.com/office/drawing/2014/main" id="{7FB381CC-9748-4877-878C-DE494117D45A}"/>
-                </a:ext>
-              </a:extLst>
-            </p:cNvPr>
-            <p:cNvSpPr txBox="1"/>
-            <p:nvPr/>
-          </p:nvSpPr>
-          <p:spPr>
-            <a:xfrm>
-              <a:off x="3146207" y="2774005"/>
-              <a:ext cx="855679" cy="143578"/>
-            </a:xfrm>
-            <a:prstGeom prst="rect">
-              <a:avLst/>
-            </a:prstGeom>
-            <a:noFill/>
-          </p:spPr>
-          <p:txBody>
-            <a:bodyPr wrap="square" rtlCol="0">
-              <a:spAutoFit/>
-            </a:bodyPr>
-            <a:lstStyle/>
-            <a:p>
-              <a:pPr algn="ctr"/>
-              <a:r>
-                <a:rPr lang="en-US" sz="1400" b="1" dirty="0" err="1"/>
-                <a:t>VisusDb</a:t>
-              </a:r>
-              <a:endParaRPr lang="en-US" sz="1400" b="1" dirty="0"/>
-            </a:p>
-          </p:txBody>
-        </p:sp>
-      </p:grpSp>
-      <p:grpSp>
-        <p:nvGrpSpPr>
-          <p:cNvPr id="217" name="Group 216">
-            <a:extLst>
-              <a:ext uri="{FF2B5EF4-FFF2-40B4-BE49-F238E27FC236}">
-                <a16:creationId xmlns:a16="http://schemas.microsoft.com/office/drawing/2014/main" id="{F9517A17-BDB4-4BD2-8178-F56082C65EC5}"/>
-              </a:ext>
-            </a:extLst>
-          </p:cNvPr>
-          <p:cNvGrpSpPr/>
-          <p:nvPr/>
-        </p:nvGrpSpPr>
-        <p:grpSpPr>
-          <a:xfrm>
-            <a:off x="759647" y="3257598"/>
-            <a:ext cx="1186775" cy="622036"/>
-            <a:chOff x="933056" y="2117890"/>
-            <a:chExt cx="863034" cy="351921"/>
-          </a:xfrm>
-        </p:grpSpPr>
-        <p:sp>
-          <p:nvSpPr>
-            <p:cNvPr id="42" name="Rectangle 41">
-              <a:extLst>
-                <a:ext uri="{FF2B5EF4-FFF2-40B4-BE49-F238E27FC236}">
-                  <a16:creationId xmlns:a16="http://schemas.microsoft.com/office/drawing/2014/main" id="{7A931F53-474C-4FFB-90DA-5307CB378859}"/>
-                </a:ext>
-              </a:extLst>
-            </p:cNvPr>
-            <p:cNvSpPr/>
-            <p:nvPr/>
-          </p:nvSpPr>
-          <p:spPr>
-            <a:xfrm>
-              <a:off x="940412" y="2117890"/>
-              <a:ext cx="855678" cy="351921"/>
-            </a:xfrm>
-            <a:prstGeom prst="rect">
-              <a:avLst/>
-            </a:prstGeom>
-          </p:spPr>
-          <p:style>
-            <a:lnRef idx="0">
-              <a:schemeClr val="accent6"/>
-            </a:lnRef>
-            <a:fillRef idx="3">
-              <a:schemeClr val="accent6"/>
-            </a:fillRef>
-            <a:effectRef idx="3">
-              <a:schemeClr val="accent6"/>
-            </a:effectRef>
-            <a:fontRef idx="minor">
-              <a:schemeClr val="lt1"/>
-            </a:fontRef>
-          </p:style>
-          <p:txBody>
-            <a:bodyPr rtlCol="0" anchor="ctr"/>
-            <a:lstStyle/>
-            <a:p>
-              <a:pPr algn="ctr"/>
-              <a:endParaRPr lang="en-US" sz="1000"/>
-            </a:p>
-          </p:txBody>
-        </p:sp>
-        <p:sp>
-          <p:nvSpPr>
-            <p:cNvPr id="43" name="TextBox 42">
-              <a:extLst>
-                <a:ext uri="{FF2B5EF4-FFF2-40B4-BE49-F238E27FC236}">
-                  <a16:creationId xmlns:a16="http://schemas.microsoft.com/office/drawing/2014/main" id="{1193AE67-246B-4AB9-8EBE-87F7686A0D07}"/>
-                </a:ext>
-              </a:extLst>
-            </p:cNvPr>
-            <p:cNvSpPr txBox="1"/>
-            <p:nvPr/>
-          </p:nvSpPr>
-          <p:spPr>
-            <a:xfrm>
-              <a:off x="933056" y="2152752"/>
-              <a:ext cx="855677" cy="261190"/>
-            </a:xfrm>
-            <a:prstGeom prst="rect">
-              <a:avLst/>
-            </a:prstGeom>
-            <a:noFill/>
-          </p:spPr>
-          <p:txBody>
-            <a:bodyPr wrap="square" rtlCol="0">
-              <a:spAutoFit/>
-            </a:bodyPr>
-            <a:lstStyle/>
-            <a:p>
-              <a:pPr algn="ctr"/>
-              <a:r>
-                <a:rPr lang="en-US" sz="1400" b="1" dirty="0" err="1"/>
-                <a:t>VisusPIdx</a:t>
-              </a:r>
-              <a:r>
-                <a:rPr lang="en-US" sz="1400" b="1" dirty="0"/>
-                <a:t> (?)</a:t>
+                <a:rPr lang="en-US" sz="1200" b="1" dirty="0">
+                  <a:solidFill>
+                    <a:schemeClr val="bg1">
+                      <a:lumMod val="50000"/>
+                    </a:schemeClr>
+                  </a:solidFill>
+                </a:rPr>
+                <a:t>option</a:t>
               </a:r>
             </a:p>
             <a:p>
               <a:pPr algn="ctr"/>
               <a:r>
-                <a:rPr lang="en-US" sz="1000" b="1" dirty="0"/>
-                <a:t>(</a:t>
-              </a:r>
-              <a:r>
-                <a:rPr lang="en-US" sz="1000" b="1" dirty="0" err="1"/>
-                <a:t>Siddarth</a:t>
-              </a:r>
-              <a:r>
-                <a:rPr lang="en-US" sz="1000" b="1" dirty="0"/>
-                <a:t> call?)</a:t>
+                <a:rPr lang="en-US" sz="1200" b="1" u="sng" dirty="0">
+                  <a:solidFill>
+                    <a:schemeClr val="accent4">
+                      <a:lumMod val="75000"/>
+                    </a:schemeClr>
+                  </a:solidFill>
+                </a:rPr>
+                <a:t>VISUS_NET</a:t>
               </a:r>
             </a:p>
           </p:txBody>
         </p:sp>
       </p:grpSp>
-      <p:grpSp>
-        <p:nvGrpSpPr>
-          <p:cNvPr id="202" name="Group 201">
-            <a:extLst>
-              <a:ext uri="{FF2B5EF4-FFF2-40B4-BE49-F238E27FC236}">
-                <a16:creationId xmlns:a16="http://schemas.microsoft.com/office/drawing/2014/main" id="{136C93CC-65BF-4E8D-823D-EF30AF78CFDE}"/>
-              </a:ext>
-            </a:extLst>
-          </p:cNvPr>
-          <p:cNvGrpSpPr/>
-          <p:nvPr/>
-        </p:nvGrpSpPr>
-        <p:grpSpPr>
-          <a:xfrm>
-            <a:off x="5823647" y="2541689"/>
-            <a:ext cx="1452266" cy="557639"/>
-            <a:chOff x="5564024" y="2108461"/>
-            <a:chExt cx="867446" cy="351921"/>
-          </a:xfrm>
-        </p:grpSpPr>
-        <p:sp>
-          <p:nvSpPr>
-            <p:cNvPr id="45" name="Rectangle 44">
-              <a:extLst>
-                <a:ext uri="{FF2B5EF4-FFF2-40B4-BE49-F238E27FC236}">
-                  <a16:creationId xmlns:a16="http://schemas.microsoft.com/office/drawing/2014/main" id="{5EA0AF1C-EB62-41CD-AD60-7E0A133B7F8E}"/>
-                </a:ext>
-              </a:extLst>
-            </p:cNvPr>
-            <p:cNvSpPr/>
-            <p:nvPr/>
-          </p:nvSpPr>
-          <p:spPr>
-            <a:xfrm>
-              <a:off x="5571676" y="2108461"/>
-              <a:ext cx="855678" cy="351921"/>
-            </a:xfrm>
-            <a:prstGeom prst="rect">
-              <a:avLst/>
-            </a:prstGeom>
-            <a:solidFill>
-              <a:srgbClr val="F79FDA"/>
-            </a:solidFill>
-          </p:spPr>
-          <p:style>
-            <a:lnRef idx="0">
-              <a:schemeClr val="accent6"/>
-            </a:lnRef>
-            <a:fillRef idx="3">
-              <a:schemeClr val="accent6"/>
-            </a:fillRef>
-            <a:effectRef idx="3">
-              <a:schemeClr val="accent6"/>
-            </a:effectRef>
-            <a:fontRef idx="minor">
-              <a:schemeClr val="lt1"/>
-            </a:fontRef>
-          </p:style>
-          <p:txBody>
-            <a:bodyPr rtlCol="0" anchor="ctr"/>
-            <a:lstStyle/>
-            <a:p>
-              <a:pPr algn="ctr"/>
-              <a:endParaRPr lang="en-US" sz="1000"/>
-            </a:p>
-          </p:txBody>
-        </p:sp>
-        <p:sp>
-          <p:nvSpPr>
-            <p:cNvPr id="46" name="TextBox 45">
-              <a:extLst>
-                <a:ext uri="{FF2B5EF4-FFF2-40B4-BE49-F238E27FC236}">
-                  <a16:creationId xmlns:a16="http://schemas.microsoft.com/office/drawing/2014/main" id="{4688FB5B-72FF-40C4-8658-916B5903CC63}"/>
-                </a:ext>
-              </a:extLst>
-            </p:cNvPr>
-            <p:cNvSpPr txBox="1"/>
-            <p:nvPr/>
-          </p:nvSpPr>
-          <p:spPr>
-            <a:xfrm>
-              <a:off x="5564024" y="2190231"/>
-              <a:ext cx="867446" cy="194235"/>
-            </a:xfrm>
-            <a:prstGeom prst="rect">
-              <a:avLst/>
-            </a:prstGeom>
-            <a:noFill/>
-          </p:spPr>
-          <p:txBody>
-            <a:bodyPr wrap="square" rtlCol="0">
-              <a:spAutoFit/>
-            </a:bodyPr>
-            <a:lstStyle/>
-            <a:p>
-              <a:pPr algn="ctr"/>
-              <a:r>
-                <a:rPr lang="en-US" sz="1400" b="1" dirty="0" err="1"/>
-                <a:t>VisusDataflow</a:t>
-              </a:r>
-              <a:endParaRPr lang="en-US" sz="1400" b="1" dirty="0"/>
-            </a:p>
-          </p:txBody>
-        </p:sp>
-      </p:grpSp>
-      <p:grpSp>
-        <p:nvGrpSpPr>
-          <p:cNvPr id="234" name="Group 233">
-            <a:extLst>
-              <a:ext uri="{FF2B5EF4-FFF2-40B4-BE49-F238E27FC236}">
-                <a16:creationId xmlns:a16="http://schemas.microsoft.com/office/drawing/2014/main" id="{2A4B5BE9-7B93-4388-A1C4-8A6D5F664710}"/>
-              </a:ext>
-            </a:extLst>
-          </p:cNvPr>
-          <p:cNvGrpSpPr/>
-          <p:nvPr/>
-        </p:nvGrpSpPr>
-        <p:grpSpPr>
-          <a:xfrm>
-            <a:off x="9357341" y="3199739"/>
-            <a:ext cx="1371538" cy="557638"/>
-            <a:chOff x="9557203" y="2576969"/>
-            <a:chExt cx="855679" cy="340665"/>
-          </a:xfrm>
-          <a:solidFill>
-            <a:srgbClr val="00B050"/>
-          </a:solidFill>
-        </p:grpSpPr>
-        <p:sp>
-          <p:nvSpPr>
-            <p:cNvPr id="48" name="Rectangle 47">
-              <a:extLst>
-                <a:ext uri="{FF2B5EF4-FFF2-40B4-BE49-F238E27FC236}">
-                  <a16:creationId xmlns:a16="http://schemas.microsoft.com/office/drawing/2014/main" id="{5FB199B7-1080-41D8-8AE7-373C6DBA5B40}"/>
-                </a:ext>
-              </a:extLst>
-            </p:cNvPr>
-            <p:cNvSpPr/>
-            <p:nvPr/>
-          </p:nvSpPr>
-          <p:spPr>
-            <a:xfrm>
-              <a:off x="9557203" y="2576969"/>
-              <a:ext cx="855679" cy="340665"/>
-            </a:xfrm>
-            <a:prstGeom prst="rect">
-              <a:avLst/>
-            </a:prstGeom>
-            <a:grpFill/>
-          </p:spPr>
-          <p:style>
-            <a:lnRef idx="0">
-              <a:schemeClr val="accent6"/>
-            </a:lnRef>
-            <a:fillRef idx="3">
-              <a:schemeClr val="accent6"/>
-            </a:fillRef>
-            <a:effectRef idx="3">
-              <a:schemeClr val="accent6"/>
-            </a:effectRef>
-            <a:fontRef idx="minor">
-              <a:schemeClr val="lt1"/>
-            </a:fontRef>
-          </p:style>
-          <p:txBody>
-            <a:bodyPr rtlCol="0" anchor="ctr"/>
-            <a:lstStyle/>
-            <a:p>
-              <a:pPr algn="ctr"/>
-              <a:endParaRPr lang="en-US" sz="1000" dirty="0"/>
-            </a:p>
-          </p:txBody>
-        </p:sp>
-        <p:sp>
-          <p:nvSpPr>
-            <p:cNvPr id="49" name="TextBox 48">
-              <a:extLst>
-                <a:ext uri="{FF2B5EF4-FFF2-40B4-BE49-F238E27FC236}">
-                  <a16:creationId xmlns:a16="http://schemas.microsoft.com/office/drawing/2014/main" id="{25EC77F0-4AC7-48DE-AB7A-780F175B61FF}"/>
-                </a:ext>
-              </a:extLst>
-            </p:cNvPr>
-            <p:cNvSpPr txBox="1"/>
-            <p:nvPr/>
-          </p:nvSpPr>
-          <p:spPr>
-            <a:xfrm>
-              <a:off x="9565868" y="2659391"/>
-              <a:ext cx="847014" cy="188023"/>
-            </a:xfrm>
-            <a:prstGeom prst="rect">
-              <a:avLst/>
-            </a:prstGeom>
-            <a:grpFill/>
-          </p:spPr>
-          <p:txBody>
-            <a:bodyPr wrap="square" rtlCol="0">
-              <a:spAutoFit/>
-            </a:bodyPr>
-            <a:lstStyle/>
-            <a:p>
-              <a:pPr algn="ctr"/>
-              <a:r>
-                <a:rPr lang="en-US" sz="1400" b="1" dirty="0" err="1"/>
-                <a:t>VisusGui</a:t>
-              </a:r>
-              <a:endParaRPr lang="en-US" sz="1400" b="1" dirty="0"/>
-            </a:p>
-          </p:txBody>
-        </p:sp>
-      </p:grpSp>
-      <p:sp>
-        <p:nvSpPr>
-          <p:cNvPr id="51" name="Rectangle 50">
-            <a:extLst>
-              <a:ext uri="{FF2B5EF4-FFF2-40B4-BE49-F238E27FC236}">
-                <a16:creationId xmlns:a16="http://schemas.microsoft.com/office/drawing/2014/main" id="{412CC699-DFA6-450E-AF9E-10A1387162CA}"/>
-              </a:ext>
-            </a:extLst>
-          </p:cNvPr>
-          <p:cNvSpPr/>
-          <p:nvPr/>
-        </p:nvSpPr>
-        <p:spPr>
-          <a:xfrm>
-            <a:off x="7778597" y="1380787"/>
-            <a:ext cx="1182446" cy="579214"/>
-          </a:xfrm>
-          <a:prstGeom prst="rect">
-            <a:avLst/>
-          </a:prstGeom>
-          <a:solidFill>
-            <a:srgbClr val="F79FDA"/>
-          </a:solidFill>
-        </p:spPr>
-        <p:style>
-          <a:lnRef idx="0">
-            <a:schemeClr val="accent6"/>
-          </a:lnRef>
-          <a:fillRef idx="3">
-            <a:schemeClr val="accent6"/>
-          </a:fillRef>
-          <a:effectRef idx="3">
-            <a:schemeClr val="accent6"/>
-          </a:effectRef>
-          <a:fontRef idx="minor">
-            <a:schemeClr val="lt1"/>
-          </a:fontRef>
-        </p:style>
-        <p:txBody>
-          <a:bodyPr rtlCol="0" anchor="ctr"/>
-          <a:lstStyle/>
-          <a:p>
-            <a:pPr algn="ctr"/>
-            <a:endParaRPr lang="en-US" sz="1000"/>
-          </a:p>
-        </p:txBody>
-      </p:sp>
-      <p:sp>
-        <p:nvSpPr>
-          <p:cNvPr id="52" name="TextBox 51">
-            <a:extLst>
-              <a:ext uri="{FF2B5EF4-FFF2-40B4-BE49-F238E27FC236}">
-                <a16:creationId xmlns:a16="http://schemas.microsoft.com/office/drawing/2014/main" id="{86745031-2C72-4250-BBA1-B383A4AA9DA5}"/>
-              </a:ext>
-            </a:extLst>
-          </p:cNvPr>
-          <p:cNvSpPr txBox="1"/>
-          <p:nvPr/>
-        </p:nvSpPr>
-        <p:spPr>
-          <a:xfrm>
-            <a:off x="7693620" y="1500719"/>
-            <a:ext cx="1387831" cy="292388"/>
-          </a:xfrm>
-          <a:prstGeom prst="rect">
-            <a:avLst/>
-          </a:prstGeom>
-          <a:noFill/>
-        </p:spPr>
-        <p:txBody>
-          <a:bodyPr wrap="square" rtlCol="0">
-            <a:spAutoFit/>
-          </a:bodyPr>
-          <a:lstStyle/>
-          <a:p>
-            <a:pPr algn="ctr"/>
-            <a:r>
-              <a:rPr lang="en-US" sz="1300" b="1" dirty="0" err="1"/>
-              <a:t>VisusGuiNodes</a:t>
-            </a:r>
-            <a:endParaRPr lang="en-US" sz="1300" b="1" dirty="0"/>
-          </a:p>
-        </p:txBody>
-      </p:sp>
-      <p:grpSp>
-        <p:nvGrpSpPr>
-          <p:cNvPr id="204" name="Group 203">
-            <a:extLst>
-              <a:ext uri="{FF2B5EF4-FFF2-40B4-BE49-F238E27FC236}">
-                <a16:creationId xmlns:a16="http://schemas.microsoft.com/office/drawing/2014/main" id="{A5C408EE-7421-4967-AA80-09FFE959E8FA}"/>
-              </a:ext>
-            </a:extLst>
-          </p:cNvPr>
-          <p:cNvGrpSpPr/>
-          <p:nvPr/>
-        </p:nvGrpSpPr>
-        <p:grpSpPr>
-          <a:xfrm>
-            <a:off x="4226037" y="1536398"/>
-            <a:ext cx="1276828" cy="504652"/>
-            <a:chOff x="4315742" y="1280293"/>
-            <a:chExt cx="876952" cy="351922"/>
-          </a:xfrm>
-        </p:grpSpPr>
-        <p:sp>
-          <p:nvSpPr>
-            <p:cNvPr id="54" name="Rectangle 53">
-              <a:extLst>
-                <a:ext uri="{FF2B5EF4-FFF2-40B4-BE49-F238E27FC236}">
-                  <a16:creationId xmlns:a16="http://schemas.microsoft.com/office/drawing/2014/main" id="{4856994B-442F-4AA2-AF87-E7B027664B2D}"/>
-                </a:ext>
-              </a:extLst>
-            </p:cNvPr>
-            <p:cNvSpPr/>
-            <p:nvPr/>
-          </p:nvSpPr>
-          <p:spPr>
-            <a:xfrm>
-              <a:off x="4337016" y="1280293"/>
-              <a:ext cx="855678" cy="351922"/>
-            </a:xfrm>
-            <a:prstGeom prst="rect">
-              <a:avLst/>
-            </a:prstGeom>
-            <a:solidFill>
-              <a:srgbClr val="F79FDA"/>
-            </a:solidFill>
-          </p:spPr>
-          <p:style>
-            <a:lnRef idx="0">
-              <a:schemeClr val="accent6"/>
-            </a:lnRef>
-            <a:fillRef idx="3">
-              <a:schemeClr val="accent6"/>
-            </a:fillRef>
-            <a:effectRef idx="3">
-              <a:schemeClr val="accent6"/>
-            </a:effectRef>
-            <a:fontRef idx="minor">
-              <a:schemeClr val="lt1"/>
-            </a:fontRef>
-          </p:style>
-          <p:txBody>
-            <a:bodyPr rtlCol="0" anchor="ctr"/>
-            <a:lstStyle/>
-            <a:p>
-              <a:pPr algn="ctr"/>
-              <a:endParaRPr lang="en-US" sz="1000"/>
-            </a:p>
-          </p:txBody>
-        </p:sp>
-        <p:sp>
-          <p:nvSpPr>
-            <p:cNvPr id="55" name="TextBox 54">
-              <a:extLst>
-                <a:ext uri="{FF2B5EF4-FFF2-40B4-BE49-F238E27FC236}">
-                  <a16:creationId xmlns:a16="http://schemas.microsoft.com/office/drawing/2014/main" id="{F959B4CC-F803-4F57-812C-845A43B89FB4}"/>
-                </a:ext>
-              </a:extLst>
-            </p:cNvPr>
-            <p:cNvSpPr txBox="1"/>
-            <p:nvPr/>
-          </p:nvSpPr>
-          <p:spPr>
-            <a:xfrm>
-              <a:off x="4315742" y="1351315"/>
-              <a:ext cx="855679" cy="187001"/>
-            </a:xfrm>
-            <a:prstGeom prst="rect">
-              <a:avLst/>
-            </a:prstGeom>
-            <a:noFill/>
-          </p:spPr>
-          <p:txBody>
-            <a:bodyPr wrap="square" rtlCol="0">
-              <a:spAutoFit/>
-            </a:bodyPr>
-            <a:lstStyle/>
-            <a:p>
-              <a:pPr algn="ctr"/>
-              <a:r>
-                <a:rPr lang="en-US" sz="1400" b="1" dirty="0" err="1"/>
-                <a:t>VisusNodes</a:t>
-              </a:r>
-              <a:endParaRPr lang="en-US" sz="1400" b="1" dirty="0"/>
-            </a:p>
-          </p:txBody>
-        </p:sp>
-      </p:grpSp>
-      <p:grpSp>
-        <p:nvGrpSpPr>
-          <p:cNvPr id="248" name="Group 247">
-            <a:extLst>
-              <a:ext uri="{FF2B5EF4-FFF2-40B4-BE49-F238E27FC236}">
-                <a16:creationId xmlns:a16="http://schemas.microsoft.com/office/drawing/2014/main" id="{1150E4F8-A731-4533-B365-BA053DDBEC1A}"/>
-              </a:ext>
-            </a:extLst>
-          </p:cNvPr>
-          <p:cNvGrpSpPr/>
-          <p:nvPr/>
-        </p:nvGrpSpPr>
-        <p:grpSpPr>
-          <a:xfrm>
-            <a:off x="1933682" y="1904197"/>
-            <a:ext cx="1176660" cy="466740"/>
-            <a:chOff x="3156667" y="2211768"/>
-            <a:chExt cx="861485" cy="235420"/>
-          </a:xfrm>
-        </p:grpSpPr>
-        <p:sp>
-          <p:nvSpPr>
-            <p:cNvPr id="57" name="Rectangle 56">
-              <a:extLst>
-                <a:ext uri="{FF2B5EF4-FFF2-40B4-BE49-F238E27FC236}">
-                  <a16:creationId xmlns:a16="http://schemas.microsoft.com/office/drawing/2014/main" id="{BEBCEA0F-BE23-4430-AE0F-A3F0098FC6F1}"/>
-                </a:ext>
-              </a:extLst>
-            </p:cNvPr>
-            <p:cNvSpPr/>
-            <p:nvPr/>
-          </p:nvSpPr>
-          <p:spPr>
-            <a:xfrm>
-              <a:off x="3156667" y="2211768"/>
-              <a:ext cx="855680" cy="235420"/>
-            </a:xfrm>
-            <a:prstGeom prst="rect">
-              <a:avLst/>
-            </a:prstGeom>
-          </p:spPr>
-          <p:style>
-            <a:lnRef idx="0">
-              <a:schemeClr val="accent6"/>
-            </a:lnRef>
-            <a:fillRef idx="3">
-              <a:schemeClr val="accent6"/>
-            </a:fillRef>
-            <a:effectRef idx="3">
-              <a:schemeClr val="accent6"/>
-            </a:effectRef>
-            <a:fontRef idx="minor">
-              <a:schemeClr val="lt1"/>
-            </a:fontRef>
-          </p:style>
-          <p:txBody>
-            <a:bodyPr rtlCol="0" anchor="ctr"/>
-            <a:lstStyle/>
-            <a:p>
-              <a:pPr algn="ctr"/>
-              <a:endParaRPr lang="en-US" sz="1000"/>
-            </a:p>
-          </p:txBody>
-        </p:sp>
-        <p:sp>
-          <p:nvSpPr>
-            <p:cNvPr id="58" name="TextBox 57">
-              <a:extLst>
-                <a:ext uri="{FF2B5EF4-FFF2-40B4-BE49-F238E27FC236}">
-                  <a16:creationId xmlns:a16="http://schemas.microsoft.com/office/drawing/2014/main" id="{63542F0C-D555-4E1A-98D2-5B7F1B472B8E}"/>
-                </a:ext>
-              </a:extLst>
-            </p:cNvPr>
-            <p:cNvSpPr txBox="1"/>
-            <p:nvPr/>
-          </p:nvSpPr>
-          <p:spPr>
-            <a:xfrm>
-              <a:off x="3162473" y="2239267"/>
-              <a:ext cx="855679" cy="155240"/>
-            </a:xfrm>
-            <a:prstGeom prst="rect">
-              <a:avLst/>
-            </a:prstGeom>
-            <a:noFill/>
-          </p:spPr>
-          <p:txBody>
-            <a:bodyPr wrap="square" rtlCol="0">
-              <a:spAutoFit/>
-            </a:bodyPr>
-            <a:lstStyle/>
-            <a:p>
-              <a:pPr algn="ctr"/>
-              <a:r>
-                <a:rPr lang="en-US" sz="1400" b="1" dirty="0" err="1"/>
-                <a:t>VisusIdx</a:t>
-              </a:r>
-              <a:endParaRPr lang="en-US" sz="1400" b="1" dirty="0"/>
-            </a:p>
-          </p:txBody>
-        </p:sp>
-      </p:grpSp>
-      <p:sp>
-        <p:nvSpPr>
-          <p:cNvPr id="61" name="Rectangle 60">
-            <a:extLst>
-              <a:ext uri="{FF2B5EF4-FFF2-40B4-BE49-F238E27FC236}">
-                <a16:creationId xmlns:a16="http://schemas.microsoft.com/office/drawing/2014/main" id="{EE18011F-E4D3-4044-AD7A-8ED7036830D0}"/>
-              </a:ext>
-            </a:extLst>
-          </p:cNvPr>
-          <p:cNvSpPr/>
-          <p:nvPr/>
-        </p:nvSpPr>
-        <p:spPr>
-          <a:xfrm>
-            <a:off x="6167359" y="617605"/>
-            <a:ext cx="1201599" cy="559985"/>
-          </a:xfrm>
-          <a:prstGeom prst="rect">
-            <a:avLst/>
-          </a:prstGeom>
-          <a:solidFill>
-            <a:srgbClr val="F79FDA"/>
-          </a:solidFill>
-        </p:spPr>
-        <p:style>
-          <a:lnRef idx="0">
-            <a:schemeClr val="accent5"/>
-          </a:lnRef>
-          <a:fillRef idx="3">
-            <a:schemeClr val="accent5"/>
-          </a:fillRef>
-          <a:effectRef idx="3">
-            <a:schemeClr val="accent5"/>
-          </a:effectRef>
-          <a:fontRef idx="minor">
-            <a:schemeClr val="lt1"/>
-          </a:fontRef>
-        </p:style>
-        <p:txBody>
-          <a:bodyPr rtlCol="0" anchor="ctr"/>
-          <a:lstStyle/>
-          <a:p>
-            <a:pPr algn="ctr"/>
-            <a:endParaRPr lang="en-US" sz="1000"/>
-          </a:p>
-        </p:txBody>
-      </p:sp>
-      <p:sp>
-        <p:nvSpPr>
-          <p:cNvPr id="62" name="TextBox 61">
-            <a:extLst>
-              <a:ext uri="{FF2B5EF4-FFF2-40B4-BE49-F238E27FC236}">
-                <a16:creationId xmlns:a16="http://schemas.microsoft.com/office/drawing/2014/main" id="{2D486FAA-76E7-4A92-8736-CBE08288CFFA}"/>
-              </a:ext>
-            </a:extLst>
-          </p:cNvPr>
-          <p:cNvSpPr txBox="1"/>
-          <p:nvPr/>
-        </p:nvSpPr>
-        <p:spPr>
-          <a:xfrm>
-            <a:off x="6174748" y="724732"/>
-            <a:ext cx="1201598" cy="307777"/>
-          </a:xfrm>
-          <a:prstGeom prst="rect">
-            <a:avLst/>
-          </a:prstGeom>
-          <a:noFill/>
-        </p:spPr>
-        <p:txBody>
-          <a:bodyPr wrap="square" rtlCol="0">
-            <a:spAutoFit/>
-          </a:bodyPr>
-          <a:lstStyle/>
-          <a:p>
-            <a:pPr algn="ctr"/>
-            <a:r>
-              <a:rPr lang="en-US" sz="1400" b="1" dirty="0" err="1"/>
-              <a:t>VisusAppKit</a:t>
-            </a:r>
-            <a:endParaRPr lang="en-US" sz="1400" b="1" dirty="0"/>
-          </a:p>
-        </p:txBody>
-      </p:sp>
-      <p:sp>
-        <p:nvSpPr>
-          <p:cNvPr id="64" name="Rectangle 63">
-            <a:extLst>
-              <a:ext uri="{FF2B5EF4-FFF2-40B4-BE49-F238E27FC236}">
-                <a16:creationId xmlns:a16="http://schemas.microsoft.com/office/drawing/2014/main" id="{DD29AB1E-C955-485F-B4E1-30D7280370BE}"/>
-              </a:ext>
-            </a:extLst>
-          </p:cNvPr>
-          <p:cNvSpPr/>
-          <p:nvPr/>
-        </p:nvSpPr>
-        <p:spPr>
-          <a:xfrm>
-            <a:off x="8303075" y="274447"/>
-            <a:ext cx="942070" cy="559019"/>
-          </a:xfrm>
-          <a:prstGeom prst="rect">
-            <a:avLst/>
-          </a:prstGeom>
-        </p:spPr>
-        <p:style>
-          <a:lnRef idx="0">
-            <a:schemeClr val="accent2"/>
-          </a:lnRef>
-          <a:fillRef idx="3">
-            <a:schemeClr val="accent2"/>
-          </a:fillRef>
-          <a:effectRef idx="3">
-            <a:schemeClr val="accent2"/>
-          </a:effectRef>
-          <a:fontRef idx="minor">
-            <a:schemeClr val="lt1"/>
-          </a:fontRef>
-        </p:style>
-        <p:txBody>
-          <a:bodyPr rtlCol="0" anchor="ctr"/>
-          <a:lstStyle/>
-          <a:p>
-            <a:pPr algn="ctr"/>
-            <a:endParaRPr lang="en-US" sz="1000" u="sng" dirty="0"/>
-          </a:p>
-        </p:txBody>
-      </p:sp>
-      <p:sp>
-        <p:nvSpPr>
-          <p:cNvPr id="65" name="TextBox 64">
-            <a:extLst>
-              <a:ext uri="{FF2B5EF4-FFF2-40B4-BE49-F238E27FC236}">
-                <a16:creationId xmlns:a16="http://schemas.microsoft.com/office/drawing/2014/main" id="{9464931A-9136-404D-B9EA-E2D7D4900F6B}"/>
-              </a:ext>
-            </a:extLst>
-          </p:cNvPr>
-          <p:cNvSpPr txBox="1"/>
-          <p:nvPr/>
-        </p:nvSpPr>
-        <p:spPr>
-          <a:xfrm>
-            <a:off x="8027104" y="377079"/>
-            <a:ext cx="1498228" cy="307778"/>
-          </a:xfrm>
-          <a:prstGeom prst="rect">
-            <a:avLst/>
-          </a:prstGeom>
-          <a:noFill/>
-        </p:spPr>
-        <p:txBody>
-          <a:bodyPr wrap="square" rtlCol="0">
-            <a:spAutoFit/>
-          </a:bodyPr>
-          <a:lstStyle/>
-          <a:p>
-            <a:pPr algn="ctr"/>
-            <a:r>
-              <a:rPr lang="en-US" sz="1400" b="1" dirty="0" err="1"/>
-              <a:t>VisusViewer</a:t>
-            </a:r>
-            <a:endParaRPr lang="en-US" sz="1400" b="1" dirty="0"/>
-          </a:p>
-        </p:txBody>
-      </p:sp>
-      <p:grpSp>
-        <p:nvGrpSpPr>
-          <p:cNvPr id="237" name="Group 236">
-            <a:extLst>
-              <a:ext uri="{FF2B5EF4-FFF2-40B4-BE49-F238E27FC236}">
-                <a16:creationId xmlns:a16="http://schemas.microsoft.com/office/drawing/2014/main" id="{341E3BE7-247B-4EB3-8DCA-17EED18D7EE7}"/>
-              </a:ext>
-            </a:extLst>
-          </p:cNvPr>
-          <p:cNvGrpSpPr/>
-          <p:nvPr/>
-        </p:nvGrpSpPr>
-        <p:grpSpPr>
-          <a:xfrm>
-            <a:off x="3309277" y="193616"/>
-            <a:ext cx="1163470" cy="588461"/>
-            <a:chOff x="3305882" y="40495"/>
-            <a:chExt cx="883613" cy="307161"/>
-          </a:xfrm>
-        </p:grpSpPr>
-        <p:sp>
-          <p:nvSpPr>
-            <p:cNvPr id="67" name="Rectangle 66">
-              <a:extLst>
-                <a:ext uri="{FF2B5EF4-FFF2-40B4-BE49-F238E27FC236}">
-                  <a16:creationId xmlns:a16="http://schemas.microsoft.com/office/drawing/2014/main" id="{0A086A0B-D764-4F8C-B7FD-F2D7C512B586}"/>
-                </a:ext>
-              </a:extLst>
-            </p:cNvPr>
-            <p:cNvSpPr/>
-            <p:nvPr/>
-          </p:nvSpPr>
-          <p:spPr>
-            <a:xfrm>
-              <a:off x="3305882" y="40495"/>
-              <a:ext cx="855679" cy="307161"/>
-            </a:xfrm>
-            <a:prstGeom prst="rect">
-              <a:avLst/>
-            </a:prstGeom>
-          </p:spPr>
-          <p:style>
-            <a:lnRef idx="0">
-              <a:schemeClr val="accent2"/>
-            </a:lnRef>
-            <a:fillRef idx="3">
-              <a:schemeClr val="accent2"/>
-            </a:fillRef>
-            <a:effectRef idx="3">
-              <a:schemeClr val="accent2"/>
-            </a:effectRef>
-            <a:fontRef idx="minor">
-              <a:schemeClr val="lt1"/>
-            </a:fontRef>
-          </p:style>
-          <p:txBody>
-            <a:bodyPr rtlCol="0" anchor="ctr"/>
-            <a:lstStyle/>
-            <a:p>
-              <a:pPr algn="ctr"/>
-              <a:endParaRPr lang="en-US" sz="1000" dirty="0"/>
-            </a:p>
-          </p:txBody>
-        </p:sp>
-        <p:sp>
-          <p:nvSpPr>
-            <p:cNvPr id="68" name="TextBox 67">
-              <a:extLst>
-                <a:ext uri="{FF2B5EF4-FFF2-40B4-BE49-F238E27FC236}">
-                  <a16:creationId xmlns:a16="http://schemas.microsoft.com/office/drawing/2014/main" id="{B51A6A48-92FB-41DC-AD31-95E068BA34E1}"/>
-                </a:ext>
-              </a:extLst>
-            </p:cNvPr>
-            <p:cNvSpPr txBox="1"/>
-            <p:nvPr/>
-          </p:nvSpPr>
-          <p:spPr>
-            <a:xfrm>
-              <a:off x="3333817" y="113096"/>
-              <a:ext cx="855678" cy="160651"/>
-            </a:xfrm>
-            <a:prstGeom prst="rect">
-              <a:avLst/>
-            </a:prstGeom>
-            <a:noFill/>
-          </p:spPr>
-          <p:txBody>
-            <a:bodyPr wrap="square" rtlCol="0">
-              <a:spAutoFit/>
-            </a:bodyPr>
-            <a:lstStyle/>
-            <a:p>
-              <a:pPr algn="ctr"/>
-              <a:r>
-                <a:rPr lang="en-US" sz="1400" b="1" dirty="0" err="1"/>
-                <a:t>mod_visus</a:t>
-              </a:r>
-              <a:endParaRPr lang="en-US" sz="1400" b="1" dirty="0"/>
-            </a:p>
-          </p:txBody>
-        </p:sp>
-      </p:grpSp>
-      <p:grpSp>
-        <p:nvGrpSpPr>
-          <p:cNvPr id="236" name="Group 235">
-            <a:extLst>
-              <a:ext uri="{FF2B5EF4-FFF2-40B4-BE49-F238E27FC236}">
-                <a16:creationId xmlns:a16="http://schemas.microsoft.com/office/drawing/2014/main" id="{25CDBE1D-ED87-480E-B81C-1AB5B1260C88}"/>
-              </a:ext>
-            </a:extLst>
-          </p:cNvPr>
-          <p:cNvGrpSpPr/>
-          <p:nvPr/>
-        </p:nvGrpSpPr>
-        <p:grpSpPr>
-          <a:xfrm>
-            <a:off x="978305" y="241921"/>
-            <a:ext cx="1144744" cy="551618"/>
-            <a:chOff x="1575348" y="38872"/>
-            <a:chExt cx="1235876" cy="629217"/>
-          </a:xfrm>
-        </p:grpSpPr>
-        <p:sp>
-          <p:nvSpPr>
-            <p:cNvPr id="70" name="Rectangle 69">
-              <a:extLst>
-                <a:ext uri="{FF2B5EF4-FFF2-40B4-BE49-F238E27FC236}">
-                  <a16:creationId xmlns:a16="http://schemas.microsoft.com/office/drawing/2014/main" id="{00846A6E-4934-4CC2-895F-1BA5A9C27876}"/>
-                </a:ext>
-              </a:extLst>
-            </p:cNvPr>
-            <p:cNvSpPr/>
-            <p:nvPr/>
-          </p:nvSpPr>
-          <p:spPr>
-            <a:xfrm>
-              <a:off x="1583397" y="38872"/>
-              <a:ext cx="1227827" cy="629217"/>
-            </a:xfrm>
-            <a:prstGeom prst="rect">
-              <a:avLst/>
-            </a:prstGeom>
-          </p:spPr>
-          <p:style>
-            <a:lnRef idx="0">
-              <a:schemeClr val="accent2"/>
-            </a:lnRef>
-            <a:fillRef idx="3">
-              <a:schemeClr val="accent2"/>
-            </a:fillRef>
-            <a:effectRef idx="3">
-              <a:schemeClr val="accent2"/>
-            </a:effectRef>
-            <a:fontRef idx="minor">
-              <a:schemeClr val="lt1"/>
-            </a:fontRef>
-          </p:style>
-          <p:txBody>
-            <a:bodyPr rtlCol="0" anchor="ctr"/>
-            <a:lstStyle/>
-            <a:p>
-              <a:pPr algn="ctr"/>
-              <a:endParaRPr lang="en-US" sz="1000" dirty="0"/>
-            </a:p>
-          </p:txBody>
-        </p:sp>
-        <p:sp>
-          <p:nvSpPr>
-            <p:cNvPr id="71" name="TextBox 70">
-              <a:extLst>
-                <a:ext uri="{FF2B5EF4-FFF2-40B4-BE49-F238E27FC236}">
-                  <a16:creationId xmlns:a16="http://schemas.microsoft.com/office/drawing/2014/main" id="{D19B52B8-6300-472F-9D44-459C3D834899}"/>
-                </a:ext>
-              </a:extLst>
-            </p:cNvPr>
-            <p:cNvSpPr txBox="1"/>
-            <p:nvPr/>
-          </p:nvSpPr>
-          <p:spPr>
-            <a:xfrm>
-              <a:off x="1575348" y="157633"/>
-              <a:ext cx="1227826" cy="351074"/>
-            </a:xfrm>
-            <a:prstGeom prst="rect">
-              <a:avLst/>
-            </a:prstGeom>
-            <a:noFill/>
-          </p:spPr>
-          <p:txBody>
-            <a:bodyPr wrap="square" rtlCol="0">
-              <a:spAutoFit/>
-            </a:bodyPr>
-            <a:lstStyle/>
-            <a:p>
-              <a:pPr algn="ctr"/>
-              <a:r>
-                <a:rPr lang="en-US" sz="1400" b="1" dirty="0" err="1"/>
-                <a:t>visus</a:t>
-              </a:r>
-              <a:endParaRPr lang="en-US" sz="1400" b="1" dirty="0"/>
-            </a:p>
-          </p:txBody>
-        </p:sp>
-      </p:grpSp>
-      <p:cxnSp>
-        <p:nvCxnSpPr>
-          <p:cNvPr id="73" name="Straight Arrow Connector 72">
-            <a:extLst>
-              <a:ext uri="{FF2B5EF4-FFF2-40B4-BE49-F238E27FC236}">
-                <a16:creationId xmlns:a16="http://schemas.microsoft.com/office/drawing/2014/main" id="{C8B995CD-163D-4A52-855C-1F31C124A29B}"/>
-              </a:ext>
-            </a:extLst>
-          </p:cNvPr>
-          <p:cNvCxnSpPr>
-            <a:cxnSpLocks/>
-          </p:cNvCxnSpPr>
-          <p:nvPr/>
-        </p:nvCxnSpPr>
-        <p:spPr>
-          <a:xfrm flipV="1">
-            <a:off x="856710" y="4385135"/>
-            <a:ext cx="4345244" cy="1747282"/>
-          </a:xfrm>
-          <a:prstGeom prst="straightConnector1">
-            <a:avLst/>
-          </a:prstGeom>
-          <a:ln w="38100">
-            <a:solidFill>
-              <a:schemeClr val="accent2">
-                <a:lumMod val="50000"/>
-              </a:schemeClr>
-            </a:solidFill>
-            <a:prstDash val="sysDot"/>
-            <a:tailEnd type="triangle"/>
-          </a:ln>
-        </p:spPr>
-        <p:style>
-          <a:lnRef idx="1">
-            <a:schemeClr val="accent1"/>
-          </a:lnRef>
-          <a:fillRef idx="0">
-            <a:schemeClr val="accent1"/>
-          </a:fillRef>
-          <a:effectRef idx="0">
-            <a:schemeClr val="accent1"/>
-          </a:effectRef>
-          <a:fontRef idx="minor">
-            <a:schemeClr val="tx1"/>
-          </a:fontRef>
-        </p:style>
-      </p:cxnSp>
-      <p:cxnSp>
-        <p:nvCxnSpPr>
-          <p:cNvPr id="75" name="Straight Arrow Connector 74">
-            <a:extLst>
-              <a:ext uri="{FF2B5EF4-FFF2-40B4-BE49-F238E27FC236}">
-                <a16:creationId xmlns:a16="http://schemas.microsoft.com/office/drawing/2014/main" id="{8AF87643-7162-4FDD-A5A3-D49C6AD0D433}"/>
-              </a:ext>
-            </a:extLst>
-          </p:cNvPr>
-          <p:cNvCxnSpPr>
-            <a:cxnSpLocks/>
-            <a:stCxn id="9" idx="0"/>
-          </p:cNvCxnSpPr>
-          <p:nvPr/>
-        </p:nvCxnSpPr>
-        <p:spPr>
-          <a:xfrm flipV="1">
-            <a:off x="1926654" y="4468379"/>
-            <a:ext cx="3312820" cy="1782088"/>
-          </a:xfrm>
-          <a:prstGeom prst="straightConnector1">
-            <a:avLst/>
-          </a:prstGeom>
-          <a:ln w="38100">
-            <a:solidFill>
-              <a:schemeClr val="accent2">
-                <a:lumMod val="50000"/>
-              </a:schemeClr>
-            </a:solidFill>
-            <a:prstDash val="sysDot"/>
-            <a:tailEnd type="triangle"/>
-          </a:ln>
-        </p:spPr>
-        <p:style>
-          <a:lnRef idx="1">
-            <a:schemeClr val="accent1"/>
-          </a:lnRef>
-          <a:fillRef idx="0">
-            <a:schemeClr val="accent1"/>
-          </a:fillRef>
-          <a:effectRef idx="0">
-            <a:schemeClr val="accent1"/>
-          </a:effectRef>
-          <a:fontRef idx="minor">
-            <a:schemeClr val="tx1"/>
-          </a:fontRef>
-        </p:style>
-      </p:cxnSp>
-      <p:cxnSp>
-        <p:nvCxnSpPr>
-          <p:cNvPr id="83" name="Straight Arrow Connector 82">
-            <a:extLst>
-              <a:ext uri="{FF2B5EF4-FFF2-40B4-BE49-F238E27FC236}">
-                <a16:creationId xmlns:a16="http://schemas.microsoft.com/office/drawing/2014/main" id="{09C03CE9-84C3-4039-A51B-E922632704B3}"/>
-              </a:ext>
-            </a:extLst>
-          </p:cNvPr>
-          <p:cNvCxnSpPr>
-            <a:cxnSpLocks/>
-            <a:stCxn id="15" idx="0"/>
-          </p:cNvCxnSpPr>
-          <p:nvPr/>
-        </p:nvCxnSpPr>
-        <p:spPr>
-          <a:xfrm flipV="1">
-            <a:off x="3004863" y="4624089"/>
-            <a:ext cx="2312026" cy="1614917"/>
-          </a:xfrm>
-          <a:prstGeom prst="straightConnector1">
-            <a:avLst/>
-          </a:prstGeom>
-          <a:ln w="38100">
-            <a:solidFill>
-              <a:schemeClr val="accent2">
-                <a:lumMod val="50000"/>
-              </a:schemeClr>
-            </a:solidFill>
-            <a:prstDash val="sysDot"/>
-            <a:tailEnd type="triangle"/>
-          </a:ln>
-        </p:spPr>
-        <p:style>
-          <a:lnRef idx="1">
-            <a:schemeClr val="accent1"/>
-          </a:lnRef>
-          <a:fillRef idx="0">
-            <a:schemeClr val="accent1"/>
-          </a:fillRef>
-          <a:effectRef idx="0">
-            <a:schemeClr val="accent1"/>
-          </a:effectRef>
-          <a:fontRef idx="minor">
-            <a:schemeClr val="tx1"/>
-          </a:fontRef>
-        </p:style>
-      </p:cxnSp>
-      <p:cxnSp>
-        <p:nvCxnSpPr>
-          <p:cNvPr id="86" name="Straight Arrow Connector 85">
-            <a:extLst>
-              <a:ext uri="{FF2B5EF4-FFF2-40B4-BE49-F238E27FC236}">
-                <a16:creationId xmlns:a16="http://schemas.microsoft.com/office/drawing/2014/main" id="{565C19E5-C7B4-478B-AB3D-43775E716688}"/>
-              </a:ext>
-            </a:extLst>
-          </p:cNvPr>
-          <p:cNvCxnSpPr>
-            <a:cxnSpLocks/>
-          </p:cNvCxnSpPr>
-          <p:nvPr/>
-        </p:nvCxnSpPr>
-        <p:spPr>
-          <a:xfrm flipV="1">
-            <a:off x="4708485" y="4609609"/>
-            <a:ext cx="959601" cy="957078"/>
-          </a:xfrm>
-          <a:prstGeom prst="straightConnector1">
-            <a:avLst/>
-          </a:prstGeom>
-          <a:ln w="38100">
-            <a:solidFill>
-              <a:schemeClr val="accent2">
-                <a:lumMod val="50000"/>
-              </a:schemeClr>
-            </a:solidFill>
-            <a:prstDash val="sysDot"/>
-            <a:tailEnd type="triangle"/>
-          </a:ln>
-        </p:spPr>
-        <p:style>
-          <a:lnRef idx="1">
-            <a:schemeClr val="accent1"/>
-          </a:lnRef>
-          <a:fillRef idx="0">
-            <a:schemeClr val="accent1"/>
-          </a:fillRef>
-          <a:effectRef idx="0">
-            <a:schemeClr val="accent1"/>
-          </a:effectRef>
-          <a:fontRef idx="minor">
-            <a:schemeClr val="tx1"/>
-          </a:fontRef>
-        </p:style>
-      </p:cxnSp>
-      <p:cxnSp>
-        <p:nvCxnSpPr>
-          <p:cNvPr id="89" name="Straight Arrow Connector 88">
-            <a:extLst>
-              <a:ext uri="{FF2B5EF4-FFF2-40B4-BE49-F238E27FC236}">
-                <a16:creationId xmlns:a16="http://schemas.microsoft.com/office/drawing/2014/main" id="{CA2403C5-1E39-467F-B367-09C7991EA0EF}"/>
-              </a:ext>
-            </a:extLst>
-          </p:cNvPr>
-          <p:cNvCxnSpPr>
-            <a:cxnSpLocks/>
-            <a:stCxn id="13" idx="0"/>
-            <a:endCxn id="36" idx="2"/>
-          </p:cNvCxnSpPr>
-          <p:nvPr/>
-        </p:nvCxnSpPr>
-        <p:spPr>
-          <a:xfrm flipV="1">
-            <a:off x="5710437" y="4603025"/>
-            <a:ext cx="393919" cy="1678337"/>
-          </a:xfrm>
-          <a:prstGeom prst="straightConnector1">
-            <a:avLst/>
-          </a:prstGeom>
-          <a:ln w="38100">
-            <a:solidFill>
-              <a:schemeClr val="accent2">
-                <a:lumMod val="50000"/>
-              </a:schemeClr>
-            </a:solidFill>
-            <a:prstDash val="sysDot"/>
-            <a:tailEnd type="triangle"/>
-          </a:ln>
-        </p:spPr>
-        <p:style>
-          <a:lnRef idx="1">
-            <a:schemeClr val="accent1"/>
-          </a:lnRef>
-          <a:fillRef idx="0">
-            <a:schemeClr val="accent1"/>
-          </a:fillRef>
-          <a:effectRef idx="0">
-            <a:schemeClr val="accent1"/>
-          </a:effectRef>
-          <a:fontRef idx="minor">
-            <a:schemeClr val="tx1"/>
-          </a:fontRef>
-        </p:style>
-      </p:cxnSp>
-      <p:cxnSp>
-        <p:nvCxnSpPr>
-          <p:cNvPr id="92" name="Straight Arrow Connector 91">
-            <a:extLst>
-              <a:ext uri="{FF2B5EF4-FFF2-40B4-BE49-F238E27FC236}">
-                <a16:creationId xmlns:a16="http://schemas.microsoft.com/office/drawing/2014/main" id="{13B6A308-8268-4ACC-91FD-B38D80C3611B}"/>
-              </a:ext>
-            </a:extLst>
-          </p:cNvPr>
-          <p:cNvCxnSpPr>
-            <a:cxnSpLocks/>
-          </p:cNvCxnSpPr>
-          <p:nvPr/>
-        </p:nvCxnSpPr>
-        <p:spPr>
-          <a:xfrm flipH="1" flipV="1">
-            <a:off x="6682607" y="4642583"/>
-            <a:ext cx="482398" cy="650008"/>
-          </a:xfrm>
-          <a:prstGeom prst="straightConnector1">
-            <a:avLst/>
-          </a:prstGeom>
-          <a:ln w="38100">
-            <a:solidFill>
-              <a:schemeClr val="accent2">
-                <a:lumMod val="50000"/>
-              </a:schemeClr>
-            </a:solidFill>
-            <a:prstDash val="sysDot"/>
-            <a:tailEnd type="triangle"/>
-          </a:ln>
-        </p:spPr>
-        <p:style>
-          <a:lnRef idx="1">
-            <a:schemeClr val="accent1"/>
-          </a:lnRef>
-          <a:fillRef idx="0">
-            <a:schemeClr val="accent1"/>
-          </a:fillRef>
-          <a:effectRef idx="0">
-            <a:schemeClr val="accent1"/>
-          </a:effectRef>
-          <a:fontRef idx="minor">
-            <a:schemeClr val="tx1"/>
-          </a:fontRef>
-        </p:style>
-      </p:cxnSp>
-      <p:cxnSp>
-        <p:nvCxnSpPr>
-          <p:cNvPr id="96" name="Straight Arrow Connector 95">
-            <a:extLst>
-              <a:ext uri="{FF2B5EF4-FFF2-40B4-BE49-F238E27FC236}">
-                <a16:creationId xmlns:a16="http://schemas.microsoft.com/office/drawing/2014/main" id="{37805480-3A1E-4907-8029-226350FD09A1}"/>
-              </a:ext>
-            </a:extLst>
-          </p:cNvPr>
-          <p:cNvCxnSpPr>
-            <a:cxnSpLocks/>
-            <a:endCxn id="36" idx="3"/>
-          </p:cNvCxnSpPr>
-          <p:nvPr/>
-        </p:nvCxnSpPr>
-        <p:spPr>
-          <a:xfrm flipH="1" flipV="1">
-            <a:off x="6967317" y="4260254"/>
-            <a:ext cx="1941474" cy="1181508"/>
-          </a:xfrm>
-          <a:prstGeom prst="straightConnector1">
-            <a:avLst/>
-          </a:prstGeom>
-          <a:ln w="38100">
-            <a:solidFill>
-              <a:schemeClr val="accent2">
-                <a:lumMod val="50000"/>
-              </a:schemeClr>
-            </a:solidFill>
-            <a:prstDash val="sysDot"/>
-            <a:tailEnd type="triangle"/>
-          </a:ln>
-        </p:spPr>
-        <p:style>
-          <a:lnRef idx="1">
-            <a:schemeClr val="accent1"/>
-          </a:lnRef>
-          <a:fillRef idx="0">
-            <a:schemeClr val="accent1"/>
-          </a:fillRef>
-          <a:effectRef idx="0">
-            <a:schemeClr val="accent1"/>
-          </a:effectRef>
-          <a:fontRef idx="minor">
-            <a:schemeClr val="tx1"/>
-          </a:fontRef>
-        </p:style>
-      </p:cxnSp>
-      <p:cxnSp>
-        <p:nvCxnSpPr>
-          <p:cNvPr id="99" name="Straight Arrow Connector 98">
-            <a:extLst>
-              <a:ext uri="{FF2B5EF4-FFF2-40B4-BE49-F238E27FC236}">
-                <a16:creationId xmlns:a16="http://schemas.microsoft.com/office/drawing/2014/main" id="{B53522C8-3CE2-4F41-9C0F-93941C293070}"/>
-              </a:ext>
-            </a:extLst>
-          </p:cNvPr>
-          <p:cNvCxnSpPr>
-            <a:cxnSpLocks/>
-          </p:cNvCxnSpPr>
-          <p:nvPr/>
-        </p:nvCxnSpPr>
-        <p:spPr>
-          <a:xfrm flipH="1" flipV="1">
-            <a:off x="10260441" y="3801923"/>
-            <a:ext cx="844399" cy="1781160"/>
-          </a:xfrm>
-          <a:prstGeom prst="straightConnector1">
-            <a:avLst/>
-          </a:prstGeom>
-          <a:ln w="38100">
-            <a:solidFill>
-              <a:schemeClr val="accent2">
-                <a:lumMod val="50000"/>
-              </a:schemeClr>
-            </a:solidFill>
-            <a:prstDash val="sysDot"/>
-            <a:tailEnd type="triangle"/>
-          </a:ln>
-        </p:spPr>
-        <p:style>
-          <a:lnRef idx="1">
-            <a:schemeClr val="accent1"/>
-          </a:lnRef>
-          <a:fillRef idx="0">
-            <a:schemeClr val="accent1"/>
-          </a:fillRef>
-          <a:effectRef idx="0">
-            <a:schemeClr val="accent1"/>
-          </a:effectRef>
-          <a:fontRef idx="minor">
-            <a:schemeClr val="tx1"/>
-          </a:fontRef>
-        </p:style>
-      </p:cxnSp>
-      <p:cxnSp>
-        <p:nvCxnSpPr>
-          <p:cNvPr id="109" name="Straight Arrow Connector 108">
-            <a:extLst>
-              <a:ext uri="{FF2B5EF4-FFF2-40B4-BE49-F238E27FC236}">
-                <a16:creationId xmlns:a16="http://schemas.microsoft.com/office/drawing/2014/main" id="{C6E821A8-869F-4861-8A94-221EB7B0A0FF}"/>
-              </a:ext>
-            </a:extLst>
-          </p:cNvPr>
-          <p:cNvCxnSpPr>
-            <a:cxnSpLocks/>
-            <a:stCxn id="36" idx="1"/>
-            <a:endCxn id="42" idx="2"/>
-          </p:cNvCxnSpPr>
-          <p:nvPr/>
-        </p:nvCxnSpPr>
-        <p:spPr>
-          <a:xfrm flipH="1" flipV="1">
-            <a:off x="1358092" y="3879634"/>
-            <a:ext cx="3883302" cy="380620"/>
-          </a:xfrm>
-          <a:prstGeom prst="straightConnector1">
-            <a:avLst/>
-          </a:prstGeom>
-          <a:ln w="38100">
-            <a:solidFill>
-              <a:schemeClr val="accent2">
-                <a:lumMod val="50000"/>
-              </a:schemeClr>
-            </a:solidFill>
-            <a:prstDash val="sysDot"/>
-            <a:tailEnd type="triangle"/>
-          </a:ln>
-        </p:spPr>
-        <p:style>
-          <a:lnRef idx="1">
-            <a:schemeClr val="accent1"/>
-          </a:lnRef>
-          <a:fillRef idx="0">
-            <a:schemeClr val="accent1"/>
-          </a:fillRef>
-          <a:effectRef idx="0">
-            <a:schemeClr val="accent1"/>
-          </a:effectRef>
-          <a:fontRef idx="minor">
-            <a:schemeClr val="tx1"/>
-          </a:fontRef>
-        </p:style>
-      </p:cxnSp>
-      <p:cxnSp>
-        <p:nvCxnSpPr>
-          <p:cNvPr id="113" name="Straight Arrow Connector 112">
-            <a:extLst>
-              <a:ext uri="{FF2B5EF4-FFF2-40B4-BE49-F238E27FC236}">
-                <a16:creationId xmlns:a16="http://schemas.microsoft.com/office/drawing/2014/main" id="{A5043E1C-5E5C-410A-ADBD-039B5C51DBF4}"/>
-              </a:ext>
-            </a:extLst>
-          </p:cNvPr>
-          <p:cNvCxnSpPr>
-            <a:cxnSpLocks/>
-            <a:endCxn id="39" idx="3"/>
-          </p:cNvCxnSpPr>
-          <p:nvPr/>
-        </p:nvCxnSpPr>
-        <p:spPr>
-          <a:xfrm flipH="1" flipV="1">
-            <a:off x="4538113" y="3566538"/>
-            <a:ext cx="726593" cy="400025"/>
-          </a:xfrm>
-          <a:prstGeom prst="straightConnector1">
-            <a:avLst/>
-          </a:prstGeom>
-          <a:ln w="38100">
-            <a:solidFill>
-              <a:schemeClr val="accent2">
-                <a:lumMod val="50000"/>
-              </a:schemeClr>
-            </a:solidFill>
-            <a:prstDash val="sysDot"/>
-            <a:tailEnd type="triangle"/>
-          </a:ln>
-        </p:spPr>
-        <p:style>
-          <a:lnRef idx="1">
-            <a:schemeClr val="accent1"/>
-          </a:lnRef>
-          <a:fillRef idx="0">
-            <a:schemeClr val="accent1"/>
-          </a:fillRef>
-          <a:effectRef idx="0">
-            <a:schemeClr val="accent1"/>
-          </a:effectRef>
-          <a:fontRef idx="minor">
-            <a:schemeClr val="tx1"/>
-          </a:fontRef>
-        </p:style>
-      </p:cxnSp>
-      <p:cxnSp>
-        <p:nvCxnSpPr>
-          <p:cNvPr id="116" name="Straight Arrow Connector 115">
-            <a:extLst>
-              <a:ext uri="{FF2B5EF4-FFF2-40B4-BE49-F238E27FC236}">
-                <a16:creationId xmlns:a16="http://schemas.microsoft.com/office/drawing/2014/main" id="{41FE04F4-3081-44AB-9144-737552F8A9A3}"/>
-              </a:ext>
-            </a:extLst>
-          </p:cNvPr>
-          <p:cNvCxnSpPr>
-            <a:cxnSpLocks/>
-          </p:cNvCxnSpPr>
-          <p:nvPr/>
-        </p:nvCxnSpPr>
-        <p:spPr>
-          <a:xfrm flipH="1" flipV="1">
-            <a:off x="2805491" y="2400451"/>
-            <a:ext cx="713907" cy="812489"/>
-          </a:xfrm>
-          <a:prstGeom prst="straightConnector1">
-            <a:avLst/>
-          </a:prstGeom>
-          <a:ln w="38100">
-            <a:solidFill>
-              <a:schemeClr val="accent2">
-                <a:lumMod val="50000"/>
-              </a:schemeClr>
-            </a:solidFill>
-            <a:prstDash val="sysDot"/>
-            <a:tailEnd type="triangle"/>
-          </a:ln>
-        </p:spPr>
-        <p:style>
-          <a:lnRef idx="1">
-            <a:schemeClr val="accent1"/>
-          </a:lnRef>
-          <a:fillRef idx="0">
-            <a:schemeClr val="accent1"/>
-          </a:fillRef>
-          <a:effectRef idx="0">
-            <a:schemeClr val="accent1"/>
-          </a:effectRef>
-          <a:fontRef idx="minor">
-            <a:schemeClr val="tx1"/>
-          </a:fontRef>
-        </p:style>
-      </p:cxnSp>
-      <p:cxnSp>
-        <p:nvCxnSpPr>
-          <p:cNvPr id="119" name="Straight Arrow Connector 118">
-            <a:extLst>
-              <a:ext uri="{FF2B5EF4-FFF2-40B4-BE49-F238E27FC236}">
-                <a16:creationId xmlns:a16="http://schemas.microsoft.com/office/drawing/2014/main" id="{55CA5F28-BFEC-458F-9E64-7A8C6CB4006D}"/>
-              </a:ext>
-            </a:extLst>
-          </p:cNvPr>
-          <p:cNvCxnSpPr>
-            <a:cxnSpLocks/>
-          </p:cNvCxnSpPr>
-          <p:nvPr/>
-        </p:nvCxnSpPr>
-        <p:spPr>
-          <a:xfrm flipV="1">
-            <a:off x="6720247" y="3125685"/>
-            <a:ext cx="0" cy="807511"/>
-          </a:xfrm>
-          <a:prstGeom prst="straightConnector1">
-            <a:avLst/>
-          </a:prstGeom>
-          <a:ln w="38100">
-            <a:solidFill>
-              <a:schemeClr val="accent2">
-                <a:lumMod val="50000"/>
-              </a:schemeClr>
-            </a:solidFill>
-            <a:prstDash val="sysDot"/>
-            <a:tailEnd type="triangle"/>
-          </a:ln>
-        </p:spPr>
-        <p:style>
-          <a:lnRef idx="1">
-            <a:schemeClr val="accent1"/>
-          </a:lnRef>
-          <a:fillRef idx="0">
-            <a:schemeClr val="accent1"/>
-          </a:fillRef>
-          <a:effectRef idx="0">
-            <a:schemeClr val="accent1"/>
-          </a:effectRef>
-          <a:fontRef idx="minor">
-            <a:schemeClr val="tx1"/>
-          </a:fontRef>
-        </p:style>
-      </p:cxnSp>
-      <p:cxnSp>
-        <p:nvCxnSpPr>
-          <p:cNvPr id="122" name="Straight Arrow Connector 121">
-            <a:extLst>
-              <a:ext uri="{FF2B5EF4-FFF2-40B4-BE49-F238E27FC236}">
-                <a16:creationId xmlns:a16="http://schemas.microsoft.com/office/drawing/2014/main" id="{AE929D96-4656-4E9D-B072-F6EA8E96BB7B}"/>
-              </a:ext>
-            </a:extLst>
-          </p:cNvPr>
-          <p:cNvCxnSpPr>
-            <a:cxnSpLocks/>
-            <a:endCxn id="49" idx="1"/>
-          </p:cNvCxnSpPr>
-          <p:nvPr/>
-        </p:nvCxnSpPr>
-        <p:spPr>
-          <a:xfrm flipV="1">
-            <a:off x="6984145" y="3488545"/>
-            <a:ext cx="2387085" cy="1223110"/>
-          </a:xfrm>
-          <a:prstGeom prst="straightConnector1">
-            <a:avLst/>
-          </a:prstGeom>
-          <a:ln w="38100">
-            <a:solidFill>
-              <a:schemeClr val="accent2">
-                <a:lumMod val="50000"/>
-              </a:schemeClr>
-            </a:solidFill>
-            <a:prstDash val="sysDot"/>
-            <a:tailEnd type="triangle"/>
-          </a:ln>
-        </p:spPr>
-        <p:style>
-          <a:lnRef idx="1">
-            <a:schemeClr val="accent1"/>
-          </a:lnRef>
-          <a:fillRef idx="0">
-            <a:schemeClr val="accent1"/>
-          </a:fillRef>
-          <a:effectRef idx="0">
-            <a:schemeClr val="accent1"/>
-          </a:effectRef>
-          <a:fontRef idx="minor">
-            <a:schemeClr val="tx1"/>
-          </a:fontRef>
-        </p:style>
-      </p:cxnSp>
-      <p:cxnSp>
-        <p:nvCxnSpPr>
-          <p:cNvPr id="144" name="Straight Arrow Connector 143">
-            <a:extLst>
-              <a:ext uri="{FF2B5EF4-FFF2-40B4-BE49-F238E27FC236}">
-                <a16:creationId xmlns:a16="http://schemas.microsoft.com/office/drawing/2014/main" id="{24F70609-C626-4172-81EA-DBDD36CF8A12}"/>
-              </a:ext>
-            </a:extLst>
-          </p:cNvPr>
-          <p:cNvCxnSpPr>
-            <a:cxnSpLocks/>
-          </p:cNvCxnSpPr>
-          <p:nvPr/>
-        </p:nvCxnSpPr>
-        <p:spPr>
-          <a:xfrm flipH="1" flipV="1">
-            <a:off x="5554122" y="1801691"/>
-            <a:ext cx="405954" cy="709784"/>
-          </a:xfrm>
-          <a:prstGeom prst="straightConnector1">
-            <a:avLst/>
-          </a:prstGeom>
-          <a:ln w="38100">
-            <a:solidFill>
-              <a:schemeClr val="accent2">
-                <a:lumMod val="50000"/>
-              </a:schemeClr>
-            </a:solidFill>
-            <a:prstDash val="sysDot"/>
-            <a:tailEnd type="triangle"/>
-          </a:ln>
-        </p:spPr>
-        <p:style>
-          <a:lnRef idx="1">
-            <a:schemeClr val="accent1"/>
-          </a:lnRef>
-          <a:fillRef idx="0">
-            <a:schemeClr val="accent1"/>
-          </a:fillRef>
-          <a:effectRef idx="0">
-            <a:schemeClr val="accent1"/>
-          </a:effectRef>
-          <a:fontRef idx="minor">
-            <a:schemeClr val="tx1"/>
-          </a:fontRef>
-        </p:style>
-      </p:cxnSp>
-      <p:cxnSp>
-        <p:nvCxnSpPr>
-          <p:cNvPr id="147" name="Straight Arrow Connector 146">
-            <a:extLst>
-              <a:ext uri="{FF2B5EF4-FFF2-40B4-BE49-F238E27FC236}">
-                <a16:creationId xmlns:a16="http://schemas.microsoft.com/office/drawing/2014/main" id="{7993CD7A-C81B-4B3F-B488-9DEA69071082}"/>
-              </a:ext>
-            </a:extLst>
-          </p:cNvPr>
-          <p:cNvCxnSpPr>
-            <a:cxnSpLocks/>
-          </p:cNvCxnSpPr>
-          <p:nvPr/>
-        </p:nvCxnSpPr>
-        <p:spPr>
-          <a:xfrm flipV="1">
-            <a:off x="7130276" y="1783396"/>
-            <a:ext cx="613646" cy="718737"/>
-          </a:xfrm>
-          <a:prstGeom prst="straightConnector1">
-            <a:avLst/>
-          </a:prstGeom>
-          <a:ln w="38100">
-            <a:solidFill>
-              <a:schemeClr val="accent2">
-                <a:lumMod val="50000"/>
-              </a:schemeClr>
-            </a:solidFill>
-            <a:prstDash val="sysDot"/>
-            <a:tailEnd type="triangle"/>
-          </a:ln>
-        </p:spPr>
-        <p:style>
-          <a:lnRef idx="1">
-            <a:schemeClr val="accent1"/>
-          </a:lnRef>
-          <a:fillRef idx="0">
-            <a:schemeClr val="accent1"/>
-          </a:fillRef>
-          <a:effectRef idx="0">
-            <a:schemeClr val="accent1"/>
-          </a:effectRef>
-          <a:fontRef idx="minor">
-            <a:schemeClr val="tx1"/>
-          </a:fontRef>
-        </p:style>
-      </p:cxnSp>
-      <p:cxnSp>
-        <p:nvCxnSpPr>
-          <p:cNvPr id="150" name="Straight Arrow Connector 149">
-            <a:extLst>
-              <a:ext uri="{FF2B5EF4-FFF2-40B4-BE49-F238E27FC236}">
-                <a16:creationId xmlns:a16="http://schemas.microsoft.com/office/drawing/2014/main" id="{8794421A-70A0-431A-972B-B66F6F433165}"/>
-              </a:ext>
-            </a:extLst>
-          </p:cNvPr>
-          <p:cNvCxnSpPr>
-            <a:cxnSpLocks/>
-          </p:cNvCxnSpPr>
-          <p:nvPr/>
-        </p:nvCxnSpPr>
-        <p:spPr>
-          <a:xfrm flipH="1" flipV="1">
-            <a:off x="7130276" y="1214340"/>
-            <a:ext cx="647050" cy="384339"/>
-          </a:xfrm>
-          <a:prstGeom prst="straightConnector1">
-            <a:avLst/>
-          </a:prstGeom>
-          <a:ln w="38100">
-            <a:solidFill>
-              <a:schemeClr val="accent2">
-                <a:lumMod val="50000"/>
-              </a:schemeClr>
-            </a:solidFill>
-            <a:prstDash val="sysDot"/>
-            <a:tailEnd type="triangle"/>
-          </a:ln>
-        </p:spPr>
-        <p:style>
-          <a:lnRef idx="1">
-            <a:schemeClr val="accent1"/>
-          </a:lnRef>
-          <a:fillRef idx="0">
-            <a:schemeClr val="accent1"/>
-          </a:fillRef>
-          <a:effectRef idx="0">
-            <a:schemeClr val="accent1"/>
-          </a:effectRef>
-          <a:fontRef idx="minor">
-            <a:schemeClr val="tx1"/>
-          </a:fontRef>
-        </p:style>
-      </p:cxnSp>
-      <p:cxnSp>
-        <p:nvCxnSpPr>
-          <p:cNvPr id="153" name="Straight Arrow Connector 152">
-            <a:extLst>
-              <a:ext uri="{FF2B5EF4-FFF2-40B4-BE49-F238E27FC236}">
-                <a16:creationId xmlns:a16="http://schemas.microsoft.com/office/drawing/2014/main" id="{72DC2A40-4600-4A9C-A20A-B1378969943E}"/>
-              </a:ext>
-            </a:extLst>
-          </p:cNvPr>
-          <p:cNvCxnSpPr>
-            <a:cxnSpLocks/>
-            <a:endCxn id="62" idx="1"/>
-          </p:cNvCxnSpPr>
-          <p:nvPr/>
-        </p:nvCxnSpPr>
-        <p:spPr>
-          <a:xfrm flipV="1">
-            <a:off x="5430325" y="878621"/>
-            <a:ext cx="744423" cy="614886"/>
-          </a:xfrm>
-          <a:prstGeom prst="straightConnector1">
-            <a:avLst/>
-          </a:prstGeom>
-          <a:ln w="38100">
-            <a:solidFill>
-              <a:schemeClr val="accent2">
-                <a:lumMod val="50000"/>
-              </a:schemeClr>
-            </a:solidFill>
-            <a:prstDash val="sysDot"/>
-            <a:tailEnd type="triangle"/>
-          </a:ln>
-        </p:spPr>
-        <p:style>
-          <a:lnRef idx="1">
-            <a:schemeClr val="accent1"/>
-          </a:lnRef>
-          <a:fillRef idx="0">
-            <a:schemeClr val="accent1"/>
-          </a:fillRef>
-          <a:effectRef idx="0">
-            <a:schemeClr val="accent1"/>
-          </a:effectRef>
-          <a:fontRef idx="minor">
-            <a:schemeClr val="tx1"/>
-          </a:fontRef>
-        </p:style>
-      </p:cxnSp>
-      <p:cxnSp>
-        <p:nvCxnSpPr>
-          <p:cNvPr id="156" name="Straight Arrow Connector 155">
-            <a:extLst>
-              <a:ext uri="{FF2B5EF4-FFF2-40B4-BE49-F238E27FC236}">
-                <a16:creationId xmlns:a16="http://schemas.microsoft.com/office/drawing/2014/main" id="{A8161DE1-DA14-48BF-8A64-866E5B13BB55}"/>
-              </a:ext>
-            </a:extLst>
-          </p:cNvPr>
-          <p:cNvCxnSpPr>
-            <a:cxnSpLocks/>
-            <a:stCxn id="62" idx="3"/>
-          </p:cNvCxnSpPr>
-          <p:nvPr/>
-        </p:nvCxnSpPr>
-        <p:spPr>
-          <a:xfrm flipV="1">
-            <a:off x="7376346" y="507365"/>
-            <a:ext cx="936979" cy="371256"/>
-          </a:xfrm>
-          <a:prstGeom prst="straightConnector1">
-            <a:avLst/>
-          </a:prstGeom>
-          <a:ln w="38100">
-            <a:solidFill>
-              <a:schemeClr val="accent2">
-                <a:lumMod val="50000"/>
-              </a:schemeClr>
-            </a:solidFill>
-            <a:prstDash val="sysDot"/>
-            <a:tailEnd type="triangle"/>
-          </a:ln>
-        </p:spPr>
-        <p:style>
-          <a:lnRef idx="1">
-            <a:schemeClr val="accent1"/>
-          </a:lnRef>
-          <a:fillRef idx="0">
-            <a:schemeClr val="accent1"/>
-          </a:fillRef>
-          <a:effectRef idx="0">
-            <a:schemeClr val="accent1"/>
-          </a:effectRef>
-          <a:fontRef idx="minor">
-            <a:schemeClr val="tx1"/>
-          </a:fontRef>
-        </p:style>
-      </p:cxnSp>
-      <p:cxnSp>
-        <p:nvCxnSpPr>
-          <p:cNvPr id="159" name="Straight Arrow Connector 158">
-            <a:extLst>
-              <a:ext uri="{FF2B5EF4-FFF2-40B4-BE49-F238E27FC236}">
-                <a16:creationId xmlns:a16="http://schemas.microsoft.com/office/drawing/2014/main" id="{2F1AEEF3-428A-4E21-B402-F0F82958A92E}"/>
-              </a:ext>
-            </a:extLst>
-          </p:cNvPr>
-          <p:cNvCxnSpPr>
-            <a:cxnSpLocks/>
-            <a:endCxn id="67" idx="2"/>
-          </p:cNvCxnSpPr>
-          <p:nvPr/>
-        </p:nvCxnSpPr>
-        <p:spPr>
-          <a:xfrm flipV="1">
-            <a:off x="2991809" y="782077"/>
-            <a:ext cx="880813" cy="1099474"/>
-          </a:xfrm>
-          <a:prstGeom prst="straightConnector1">
-            <a:avLst/>
-          </a:prstGeom>
-          <a:ln w="38100">
-            <a:solidFill>
-              <a:schemeClr val="accent2">
-                <a:lumMod val="50000"/>
-              </a:schemeClr>
-            </a:solidFill>
-            <a:prstDash val="sysDot"/>
-            <a:tailEnd type="triangle"/>
-          </a:ln>
-        </p:spPr>
-        <p:style>
-          <a:lnRef idx="1">
-            <a:schemeClr val="accent1"/>
-          </a:lnRef>
-          <a:fillRef idx="0">
-            <a:schemeClr val="accent1"/>
-          </a:fillRef>
-          <a:effectRef idx="0">
-            <a:schemeClr val="accent1"/>
-          </a:effectRef>
-          <a:fontRef idx="minor">
-            <a:schemeClr val="tx1"/>
-          </a:fontRef>
-        </p:style>
-      </p:cxnSp>
-      <p:cxnSp>
-        <p:nvCxnSpPr>
-          <p:cNvPr id="162" name="Straight Arrow Connector 161">
-            <a:extLst>
-              <a:ext uri="{FF2B5EF4-FFF2-40B4-BE49-F238E27FC236}">
-                <a16:creationId xmlns:a16="http://schemas.microsoft.com/office/drawing/2014/main" id="{F6B32788-FBD5-4CD3-855A-E0CD5B61B975}"/>
-              </a:ext>
-            </a:extLst>
-          </p:cNvPr>
-          <p:cNvCxnSpPr>
-            <a:cxnSpLocks/>
-            <a:endCxn id="70" idx="2"/>
-          </p:cNvCxnSpPr>
-          <p:nvPr/>
-        </p:nvCxnSpPr>
-        <p:spPr>
-          <a:xfrm flipH="1" flipV="1">
-            <a:off x="1554405" y="793539"/>
-            <a:ext cx="510675" cy="1094160"/>
-          </a:xfrm>
-          <a:prstGeom prst="straightConnector1">
-            <a:avLst/>
-          </a:prstGeom>
-          <a:ln w="38100">
-            <a:solidFill>
-              <a:schemeClr val="accent2">
-                <a:lumMod val="50000"/>
-              </a:schemeClr>
-            </a:solidFill>
-            <a:prstDash val="sysDot"/>
-            <a:tailEnd type="triangle"/>
-          </a:ln>
-        </p:spPr>
-        <p:style>
-          <a:lnRef idx="1">
-            <a:schemeClr val="accent1"/>
-          </a:lnRef>
-          <a:fillRef idx="0">
-            <a:schemeClr val="accent1"/>
-          </a:fillRef>
-          <a:effectRef idx="0">
-            <a:schemeClr val="accent1"/>
-          </a:effectRef>
-          <a:fontRef idx="minor">
-            <a:schemeClr val="tx1"/>
-          </a:fontRef>
-        </p:style>
-      </p:cxnSp>
-      <p:cxnSp>
-        <p:nvCxnSpPr>
-          <p:cNvPr id="165" name="Straight Arrow Connector 164">
-            <a:extLst>
-              <a:ext uri="{FF2B5EF4-FFF2-40B4-BE49-F238E27FC236}">
-                <a16:creationId xmlns:a16="http://schemas.microsoft.com/office/drawing/2014/main" id="{326F4F6B-5CB9-4F64-BFFF-DCC16306F437}"/>
-              </a:ext>
-            </a:extLst>
-          </p:cNvPr>
-          <p:cNvCxnSpPr>
-            <a:cxnSpLocks/>
-            <a:stCxn id="58" idx="3"/>
-            <a:endCxn id="55" idx="1"/>
-          </p:cNvCxnSpPr>
-          <p:nvPr/>
-        </p:nvCxnSpPr>
-        <p:spPr>
-          <a:xfrm flipV="1">
-            <a:off x="3110342" y="1772322"/>
-            <a:ext cx="1115695" cy="340282"/>
-          </a:xfrm>
-          <a:prstGeom prst="straightConnector1">
-            <a:avLst/>
-          </a:prstGeom>
-          <a:ln w="38100">
-            <a:solidFill>
-              <a:schemeClr val="accent2">
-                <a:lumMod val="50000"/>
-              </a:schemeClr>
-            </a:solidFill>
-            <a:prstDash val="sysDot"/>
-            <a:tailEnd type="triangle"/>
-          </a:ln>
-        </p:spPr>
-        <p:style>
-          <a:lnRef idx="1">
-            <a:schemeClr val="accent1"/>
-          </a:lnRef>
-          <a:fillRef idx="0">
-            <a:schemeClr val="accent1"/>
-          </a:fillRef>
-          <a:effectRef idx="0">
-            <a:schemeClr val="accent1"/>
-          </a:effectRef>
-          <a:fontRef idx="minor">
-            <a:schemeClr val="tx1"/>
-          </a:fontRef>
-        </p:style>
-      </p:cxnSp>
-      <p:cxnSp>
-        <p:nvCxnSpPr>
-          <p:cNvPr id="170" name="Straight Arrow Connector 169">
-            <a:extLst>
-              <a:ext uri="{FF2B5EF4-FFF2-40B4-BE49-F238E27FC236}">
-                <a16:creationId xmlns:a16="http://schemas.microsoft.com/office/drawing/2014/main" id="{E2D5847E-FF9A-4B12-8906-2D6F4B082BED}"/>
-              </a:ext>
-            </a:extLst>
-          </p:cNvPr>
-          <p:cNvCxnSpPr>
-            <a:cxnSpLocks/>
-          </p:cNvCxnSpPr>
-          <p:nvPr/>
-        </p:nvCxnSpPr>
-        <p:spPr>
-          <a:xfrm flipH="1" flipV="1">
-            <a:off x="8961045" y="1797215"/>
-            <a:ext cx="514833" cy="1368042"/>
-          </a:xfrm>
-          <a:prstGeom prst="straightConnector1">
-            <a:avLst/>
-          </a:prstGeom>
-          <a:ln w="38100">
-            <a:solidFill>
-              <a:schemeClr val="accent2">
-                <a:lumMod val="50000"/>
-              </a:schemeClr>
-            </a:solidFill>
-            <a:prstDash val="sysDot"/>
-            <a:tailEnd type="triangle"/>
-          </a:ln>
-        </p:spPr>
-        <p:style>
-          <a:lnRef idx="1">
-            <a:schemeClr val="accent1"/>
-          </a:lnRef>
-          <a:fillRef idx="0">
-            <a:schemeClr val="accent1"/>
-          </a:fillRef>
-          <a:effectRef idx="0">
-            <a:schemeClr val="accent1"/>
-          </a:effectRef>
-          <a:fontRef idx="minor">
-            <a:schemeClr val="tx1"/>
-          </a:fontRef>
-        </p:style>
-      </p:cxnSp>
-      <p:sp>
-        <p:nvSpPr>
-          <p:cNvPr id="181" name="TextBox 180">
-            <a:extLst>
-              <a:ext uri="{FF2B5EF4-FFF2-40B4-BE49-F238E27FC236}">
-                <a16:creationId xmlns:a16="http://schemas.microsoft.com/office/drawing/2014/main" id="{136630D9-443D-466C-95A5-21EAC8276A4C}"/>
-              </a:ext>
-            </a:extLst>
-          </p:cNvPr>
-          <p:cNvSpPr txBox="1"/>
-          <p:nvPr/>
-        </p:nvSpPr>
-        <p:spPr>
-          <a:xfrm>
-            <a:off x="8644383" y="5307262"/>
-            <a:ext cx="1522957" cy="461665"/>
-          </a:xfrm>
-          <a:prstGeom prst="rect">
-            <a:avLst/>
-          </a:prstGeom>
-          <a:noFill/>
-        </p:spPr>
-        <p:txBody>
-          <a:bodyPr wrap="square" rtlCol="0">
-            <a:spAutoFit/>
-          </a:bodyPr>
-          <a:lstStyle/>
-          <a:p>
-            <a:pPr algn="ctr"/>
-            <a:r>
-              <a:rPr lang="en-US" sz="1200" b="1" dirty="0">
-                <a:solidFill>
-                  <a:schemeClr val="bg1">
-                    <a:lumMod val="50000"/>
-                  </a:schemeClr>
-                </a:solidFill>
-              </a:rPr>
-              <a:t>option</a:t>
-            </a:r>
-          </a:p>
-          <a:p>
-            <a:pPr algn="ctr"/>
-            <a:r>
-              <a:rPr lang="en-US" sz="1200" b="1" u="sng" dirty="0">
-                <a:solidFill>
-                  <a:schemeClr val="accent4">
-                    <a:lumMod val="75000"/>
-                  </a:schemeClr>
-                </a:solidFill>
-              </a:rPr>
-              <a:t>VISUS_PYTHON</a:t>
-            </a:r>
-          </a:p>
-        </p:txBody>
-      </p:sp>
-      <p:sp>
-        <p:nvSpPr>
-          <p:cNvPr id="184" name="TextBox 183">
-            <a:extLst>
-              <a:ext uri="{FF2B5EF4-FFF2-40B4-BE49-F238E27FC236}">
-                <a16:creationId xmlns:a16="http://schemas.microsoft.com/office/drawing/2014/main" id="{6061109B-4EB8-42D5-A17F-B85C76282311}"/>
-              </a:ext>
-            </a:extLst>
-          </p:cNvPr>
-          <p:cNvSpPr txBox="1"/>
-          <p:nvPr/>
-        </p:nvSpPr>
-        <p:spPr>
-          <a:xfrm>
-            <a:off x="3674139" y="5720324"/>
-            <a:ext cx="1573850" cy="461665"/>
-          </a:xfrm>
-          <a:prstGeom prst="rect">
-            <a:avLst/>
-          </a:prstGeom>
-          <a:noFill/>
-        </p:spPr>
-        <p:txBody>
-          <a:bodyPr wrap="square" rtlCol="0">
-            <a:spAutoFit/>
-          </a:bodyPr>
-          <a:lstStyle/>
-          <a:p>
-            <a:pPr algn="ctr"/>
-            <a:r>
-              <a:rPr lang="en-US" sz="1200" b="1" dirty="0">
-                <a:solidFill>
-                  <a:schemeClr val="bg1">
-                    <a:lumMod val="50000"/>
-                  </a:schemeClr>
-                </a:solidFill>
-              </a:rPr>
-              <a:t>option</a:t>
-            </a:r>
-          </a:p>
-          <a:p>
-            <a:pPr algn="ctr"/>
-            <a:r>
-              <a:rPr lang="en-US" sz="1200" b="1" u="sng" dirty="0">
-                <a:solidFill>
-                  <a:schemeClr val="accent4">
-                    <a:lumMod val="75000"/>
-                  </a:schemeClr>
-                </a:solidFill>
-              </a:rPr>
-              <a:t>VISUS_IMAGE</a:t>
-            </a:r>
-          </a:p>
-        </p:txBody>
-      </p:sp>
-      <p:sp>
-        <p:nvSpPr>
-          <p:cNvPr id="185" name="TextBox 184">
-            <a:extLst>
-              <a:ext uri="{FF2B5EF4-FFF2-40B4-BE49-F238E27FC236}">
-                <a16:creationId xmlns:a16="http://schemas.microsoft.com/office/drawing/2014/main" id="{32E01C7E-E280-4FB3-A086-CC55AB3277FB}"/>
-              </a:ext>
-            </a:extLst>
-          </p:cNvPr>
-          <p:cNvSpPr txBox="1"/>
-          <p:nvPr/>
-        </p:nvSpPr>
-        <p:spPr>
-          <a:xfrm>
-            <a:off x="6839587" y="5292591"/>
-            <a:ext cx="1297385" cy="461665"/>
-          </a:xfrm>
-          <a:prstGeom prst="rect">
-            <a:avLst/>
-          </a:prstGeom>
-          <a:noFill/>
-          <a:ln>
-            <a:noFill/>
-          </a:ln>
-        </p:spPr>
-        <p:txBody>
-          <a:bodyPr wrap="square" rtlCol="0">
-            <a:spAutoFit/>
-          </a:bodyPr>
-          <a:lstStyle/>
-          <a:p>
-            <a:pPr algn="ctr"/>
-            <a:r>
-              <a:rPr lang="en-US" sz="1200" b="1" dirty="0">
-                <a:solidFill>
-                  <a:schemeClr val="bg1">
-                    <a:lumMod val="50000"/>
-                  </a:schemeClr>
-                </a:solidFill>
-              </a:rPr>
-              <a:t>option</a:t>
-            </a:r>
-          </a:p>
-          <a:p>
-            <a:pPr algn="ctr"/>
-            <a:r>
-              <a:rPr lang="en-US" sz="1200" b="1" u="sng" dirty="0">
-                <a:solidFill>
-                  <a:schemeClr val="accent4">
-                    <a:lumMod val="75000"/>
-                  </a:schemeClr>
-                </a:solidFill>
-              </a:rPr>
-              <a:t>VISUS_NET</a:t>
-            </a:r>
-          </a:p>
-        </p:txBody>
-      </p:sp>
-      <p:sp>
-        <p:nvSpPr>
-          <p:cNvPr id="191" name="TextBox 190">
-            <a:extLst>
-              <a:ext uri="{FF2B5EF4-FFF2-40B4-BE49-F238E27FC236}">
-                <a16:creationId xmlns:a16="http://schemas.microsoft.com/office/drawing/2014/main" id="{79C0BB9E-5E94-47EA-955B-25B34372822A}"/>
-              </a:ext>
-            </a:extLst>
-          </p:cNvPr>
-          <p:cNvSpPr txBox="1"/>
-          <p:nvPr/>
-        </p:nvSpPr>
-        <p:spPr>
-          <a:xfrm>
-            <a:off x="9357341" y="4029168"/>
-            <a:ext cx="1304732" cy="461665"/>
-          </a:xfrm>
-          <a:prstGeom prst="rect">
-            <a:avLst/>
-          </a:prstGeom>
-          <a:noFill/>
-        </p:spPr>
-        <p:txBody>
-          <a:bodyPr wrap="square" rtlCol="0">
-            <a:spAutoFit/>
-          </a:bodyPr>
-          <a:lstStyle/>
-          <a:p>
-            <a:pPr algn="ctr"/>
-            <a:r>
-              <a:rPr lang="en-US" sz="1200" b="1" dirty="0">
-                <a:solidFill>
-                  <a:schemeClr val="bg1">
-                    <a:lumMod val="50000"/>
-                  </a:schemeClr>
-                </a:solidFill>
-              </a:rPr>
-              <a:t>option</a:t>
-            </a:r>
-          </a:p>
-          <a:p>
-            <a:pPr algn="ctr"/>
-            <a:r>
-              <a:rPr lang="en-US" sz="1200" b="1" u="sng" dirty="0">
-                <a:solidFill>
-                  <a:schemeClr val="accent4">
-                    <a:lumMod val="75000"/>
-                  </a:schemeClr>
-                </a:solidFill>
-              </a:rPr>
-              <a:t>VISUS_GUI</a:t>
-            </a:r>
-          </a:p>
-        </p:txBody>
-      </p:sp>
-      <p:sp>
-        <p:nvSpPr>
-          <p:cNvPr id="2" name="TextBox 1">
-            <a:extLst>
-              <a:ext uri="{FF2B5EF4-FFF2-40B4-BE49-F238E27FC236}">
-                <a16:creationId xmlns:a16="http://schemas.microsoft.com/office/drawing/2014/main" id="{3726BBB8-3AB6-43A3-ACC5-418263D00F1C}"/>
-              </a:ext>
-            </a:extLst>
-          </p:cNvPr>
-          <p:cNvSpPr txBox="1"/>
-          <p:nvPr/>
-        </p:nvSpPr>
-        <p:spPr>
-          <a:xfrm>
-            <a:off x="2133173" y="1628438"/>
-            <a:ext cx="755335" cy="246221"/>
-          </a:xfrm>
-          <a:prstGeom prst="rect">
-            <a:avLst/>
-          </a:prstGeom>
-          <a:solidFill>
-            <a:schemeClr val="accent4">
-              <a:lumMod val="75000"/>
-            </a:schemeClr>
-          </a:solidFill>
-        </p:spPr>
-        <p:txBody>
-          <a:bodyPr wrap="square" rtlCol="0">
-            <a:spAutoFit/>
-          </a:bodyPr>
-          <a:lstStyle/>
-          <a:p>
-            <a:r>
-              <a:rPr lang="en-US" sz="1000" b="1" dirty="0" err="1">
-                <a:solidFill>
-                  <a:schemeClr val="bg1"/>
-                </a:solidFill>
-              </a:rPr>
-              <a:t>VisusIdxPy</a:t>
-            </a:r>
-            <a:endParaRPr lang="en-US" sz="1000" b="1" dirty="0">
-              <a:solidFill>
-                <a:schemeClr val="bg1"/>
-              </a:solidFill>
-            </a:endParaRPr>
-          </a:p>
-        </p:txBody>
-      </p:sp>
-      <p:sp>
-        <p:nvSpPr>
-          <p:cNvPr id="97" name="TextBox 96">
-            <a:extLst>
-              <a:ext uri="{FF2B5EF4-FFF2-40B4-BE49-F238E27FC236}">
-                <a16:creationId xmlns:a16="http://schemas.microsoft.com/office/drawing/2014/main" id="{828159AB-33EA-4033-849F-6FC27A79EAB8}"/>
-              </a:ext>
-            </a:extLst>
-          </p:cNvPr>
-          <p:cNvSpPr txBox="1"/>
-          <p:nvPr/>
-        </p:nvSpPr>
-        <p:spPr>
-          <a:xfrm>
-            <a:off x="898980" y="2987174"/>
-            <a:ext cx="941556" cy="246221"/>
-          </a:xfrm>
-          <a:prstGeom prst="rect">
-            <a:avLst/>
-          </a:prstGeom>
-          <a:solidFill>
-            <a:schemeClr val="accent4">
-              <a:lumMod val="75000"/>
-            </a:schemeClr>
-          </a:solidFill>
-        </p:spPr>
-        <p:txBody>
-          <a:bodyPr wrap="square" rtlCol="0">
-            <a:spAutoFit/>
-          </a:bodyPr>
-          <a:lstStyle/>
-          <a:p>
-            <a:pPr algn="ctr"/>
-            <a:r>
-              <a:rPr lang="en-US" sz="1000" b="1" dirty="0" err="1">
-                <a:solidFill>
-                  <a:schemeClr val="bg1"/>
-                </a:solidFill>
-              </a:rPr>
-              <a:t>VisusPIdxPy</a:t>
-            </a:r>
-            <a:endParaRPr lang="en-US" sz="1000" b="1" dirty="0">
-              <a:solidFill>
-                <a:schemeClr val="bg1"/>
-              </a:solidFill>
-            </a:endParaRPr>
-          </a:p>
-        </p:txBody>
-      </p:sp>
-      <p:sp>
-        <p:nvSpPr>
-          <p:cNvPr id="98" name="TextBox 97">
-            <a:extLst>
-              <a:ext uri="{FF2B5EF4-FFF2-40B4-BE49-F238E27FC236}">
-                <a16:creationId xmlns:a16="http://schemas.microsoft.com/office/drawing/2014/main" id="{0C60A665-A817-48C8-8283-AC09E78697F7}"/>
-              </a:ext>
-            </a:extLst>
-          </p:cNvPr>
-          <p:cNvSpPr txBox="1"/>
-          <p:nvPr/>
-        </p:nvSpPr>
-        <p:spPr>
-          <a:xfrm>
-            <a:off x="3590351" y="2961215"/>
-            <a:ext cx="755335" cy="246221"/>
-          </a:xfrm>
-          <a:prstGeom prst="rect">
-            <a:avLst/>
-          </a:prstGeom>
-          <a:solidFill>
-            <a:schemeClr val="accent4">
-              <a:lumMod val="75000"/>
-            </a:schemeClr>
-          </a:solidFill>
-        </p:spPr>
-        <p:txBody>
-          <a:bodyPr wrap="square" rtlCol="0">
-            <a:spAutoFit/>
-          </a:bodyPr>
-          <a:lstStyle/>
-          <a:p>
-            <a:pPr algn="ctr"/>
-            <a:r>
-              <a:rPr lang="en-US" sz="1000" b="1" dirty="0" err="1">
-                <a:solidFill>
-                  <a:schemeClr val="bg1"/>
-                </a:solidFill>
-              </a:rPr>
-              <a:t>VisusDbPy</a:t>
-            </a:r>
-            <a:endParaRPr lang="en-US" sz="1000" b="1" dirty="0">
-              <a:solidFill>
-                <a:schemeClr val="bg1"/>
-              </a:solidFill>
-            </a:endParaRPr>
-          </a:p>
-        </p:txBody>
-      </p:sp>
-      <p:sp>
-        <p:nvSpPr>
-          <p:cNvPr id="100" name="TextBox 99">
-            <a:extLst>
-              <a:ext uri="{FF2B5EF4-FFF2-40B4-BE49-F238E27FC236}">
-                <a16:creationId xmlns:a16="http://schemas.microsoft.com/office/drawing/2014/main" id="{9D03142F-3B38-49E9-8824-A6813886BDFB}"/>
-              </a:ext>
-            </a:extLst>
-          </p:cNvPr>
-          <p:cNvSpPr txBox="1"/>
-          <p:nvPr/>
-        </p:nvSpPr>
-        <p:spPr>
-          <a:xfrm>
-            <a:off x="5963973" y="2274173"/>
-            <a:ext cx="1129522" cy="246221"/>
-          </a:xfrm>
-          <a:prstGeom prst="rect">
-            <a:avLst/>
-          </a:prstGeom>
-          <a:solidFill>
-            <a:schemeClr val="accent4">
-              <a:lumMod val="75000"/>
-            </a:schemeClr>
-          </a:solidFill>
-        </p:spPr>
-        <p:txBody>
-          <a:bodyPr wrap="square" rtlCol="0">
-            <a:spAutoFit/>
-          </a:bodyPr>
-          <a:lstStyle/>
-          <a:p>
-            <a:pPr algn="ctr"/>
-            <a:r>
-              <a:rPr lang="en-US" sz="1000" b="1" dirty="0" err="1">
-                <a:solidFill>
-                  <a:schemeClr val="bg1"/>
-                </a:solidFill>
-              </a:rPr>
-              <a:t>VisusDataflowPy</a:t>
-            </a:r>
-            <a:endParaRPr lang="en-US" sz="1000" b="1" dirty="0">
-              <a:solidFill>
-                <a:schemeClr val="bg1"/>
-              </a:solidFill>
-            </a:endParaRPr>
-          </a:p>
-        </p:txBody>
-      </p:sp>
-      <p:sp>
-        <p:nvSpPr>
-          <p:cNvPr id="101" name="TextBox 100">
-            <a:extLst>
-              <a:ext uri="{FF2B5EF4-FFF2-40B4-BE49-F238E27FC236}">
-                <a16:creationId xmlns:a16="http://schemas.microsoft.com/office/drawing/2014/main" id="{736A1FF7-8246-4C46-84D4-214407415779}"/>
-              </a:ext>
-            </a:extLst>
-          </p:cNvPr>
-          <p:cNvSpPr txBox="1"/>
-          <p:nvPr/>
-        </p:nvSpPr>
-        <p:spPr>
-          <a:xfrm>
-            <a:off x="9609975" y="2921824"/>
-            <a:ext cx="828987" cy="246221"/>
-          </a:xfrm>
-          <a:prstGeom prst="rect">
-            <a:avLst/>
-          </a:prstGeom>
-          <a:solidFill>
-            <a:schemeClr val="accent4">
-              <a:lumMod val="75000"/>
-            </a:schemeClr>
-          </a:solidFill>
-        </p:spPr>
-        <p:txBody>
-          <a:bodyPr wrap="square" rtlCol="0">
-            <a:spAutoFit/>
-          </a:bodyPr>
-          <a:lstStyle/>
-          <a:p>
-            <a:pPr algn="ctr"/>
-            <a:r>
-              <a:rPr lang="en-US" sz="1000" b="1" dirty="0" err="1">
-                <a:solidFill>
-                  <a:schemeClr val="bg1"/>
-                </a:solidFill>
-              </a:rPr>
-              <a:t>VisusGuiPy</a:t>
-            </a:r>
-            <a:endParaRPr lang="en-US" sz="1000" b="1" dirty="0">
-              <a:solidFill>
-                <a:schemeClr val="bg1"/>
-              </a:solidFill>
-            </a:endParaRPr>
-          </a:p>
-        </p:txBody>
-      </p:sp>
-      <p:sp>
-        <p:nvSpPr>
-          <p:cNvPr id="102" name="TextBox 101">
-            <a:extLst>
-              <a:ext uri="{FF2B5EF4-FFF2-40B4-BE49-F238E27FC236}">
-                <a16:creationId xmlns:a16="http://schemas.microsoft.com/office/drawing/2014/main" id="{ADF7F64B-601A-4F3F-ADEF-AF7AA30EF263}"/>
-              </a:ext>
-            </a:extLst>
-          </p:cNvPr>
-          <p:cNvSpPr txBox="1"/>
-          <p:nvPr/>
-        </p:nvSpPr>
-        <p:spPr>
-          <a:xfrm>
-            <a:off x="5592263" y="3649257"/>
-            <a:ext cx="970163" cy="246221"/>
-          </a:xfrm>
-          <a:prstGeom prst="rect">
-            <a:avLst/>
-          </a:prstGeom>
-          <a:solidFill>
-            <a:schemeClr val="accent4">
-              <a:lumMod val="75000"/>
-            </a:schemeClr>
-          </a:solidFill>
-        </p:spPr>
-        <p:txBody>
-          <a:bodyPr wrap="square" rtlCol="0">
-            <a:spAutoFit/>
-          </a:bodyPr>
-          <a:lstStyle/>
-          <a:p>
-            <a:pPr algn="ctr"/>
-            <a:r>
-              <a:rPr lang="en-US" sz="1000" b="1" dirty="0" err="1">
-                <a:solidFill>
-                  <a:schemeClr val="bg1"/>
-                </a:solidFill>
-              </a:rPr>
-              <a:t>VisusKernelPy</a:t>
-            </a:r>
-            <a:endParaRPr lang="en-US" sz="1000" b="1" dirty="0">
-              <a:solidFill>
-                <a:schemeClr val="bg1"/>
-              </a:solidFill>
-            </a:endParaRPr>
-          </a:p>
-        </p:txBody>
-      </p:sp>
-      <p:sp>
-        <p:nvSpPr>
-          <p:cNvPr id="107" name="TextBox 106">
-            <a:extLst>
-              <a:ext uri="{FF2B5EF4-FFF2-40B4-BE49-F238E27FC236}">
-                <a16:creationId xmlns:a16="http://schemas.microsoft.com/office/drawing/2014/main" id="{9F93B73B-FD93-4B8C-AB2B-4E691019CA4E}"/>
-              </a:ext>
-            </a:extLst>
-          </p:cNvPr>
-          <p:cNvSpPr txBox="1"/>
-          <p:nvPr/>
-        </p:nvSpPr>
-        <p:spPr>
-          <a:xfrm>
-            <a:off x="4244070" y="1254498"/>
-            <a:ext cx="1129522" cy="246221"/>
-          </a:xfrm>
-          <a:prstGeom prst="rect">
-            <a:avLst/>
-          </a:prstGeom>
-          <a:solidFill>
-            <a:schemeClr val="accent4">
-              <a:lumMod val="75000"/>
-            </a:schemeClr>
-          </a:solidFill>
-        </p:spPr>
-        <p:txBody>
-          <a:bodyPr wrap="square" rtlCol="0">
-            <a:spAutoFit/>
-          </a:bodyPr>
-          <a:lstStyle/>
-          <a:p>
-            <a:pPr algn="ctr"/>
-            <a:r>
-              <a:rPr lang="en-US" sz="1000" b="1" dirty="0" err="1">
-                <a:solidFill>
-                  <a:schemeClr val="bg1"/>
-                </a:solidFill>
-              </a:rPr>
-              <a:t>VisusNodesPy</a:t>
-            </a:r>
-            <a:endParaRPr lang="en-US" sz="1000" b="1" dirty="0">
-              <a:solidFill>
-                <a:schemeClr val="bg1"/>
-              </a:solidFill>
-            </a:endParaRPr>
-          </a:p>
-        </p:txBody>
-      </p:sp>
-      <p:sp>
-        <p:nvSpPr>
-          <p:cNvPr id="108" name="TextBox 107">
-            <a:extLst>
-              <a:ext uri="{FF2B5EF4-FFF2-40B4-BE49-F238E27FC236}">
-                <a16:creationId xmlns:a16="http://schemas.microsoft.com/office/drawing/2014/main" id="{FF16BCA4-5FFF-40F0-B270-303AFEAB2821}"/>
-              </a:ext>
-            </a:extLst>
-          </p:cNvPr>
-          <p:cNvSpPr txBox="1"/>
-          <p:nvPr/>
-        </p:nvSpPr>
-        <p:spPr>
-          <a:xfrm>
-            <a:off x="6220802" y="353176"/>
-            <a:ext cx="1129522" cy="246221"/>
-          </a:xfrm>
-          <a:prstGeom prst="rect">
-            <a:avLst/>
-          </a:prstGeom>
-          <a:solidFill>
-            <a:schemeClr val="accent4">
-              <a:lumMod val="75000"/>
-            </a:schemeClr>
-          </a:solidFill>
-        </p:spPr>
-        <p:txBody>
-          <a:bodyPr wrap="square" rtlCol="0">
-            <a:spAutoFit/>
-          </a:bodyPr>
-          <a:lstStyle/>
-          <a:p>
-            <a:pPr algn="ctr"/>
-            <a:r>
-              <a:rPr lang="en-US" sz="1000" b="1" dirty="0" err="1">
-                <a:solidFill>
-                  <a:schemeClr val="bg1"/>
-                </a:solidFill>
-              </a:rPr>
-              <a:t>VisusAppKitPy</a:t>
-            </a:r>
-            <a:endParaRPr lang="en-US" sz="1000" b="1" dirty="0">
-              <a:solidFill>
-                <a:schemeClr val="bg1"/>
-              </a:solidFill>
-            </a:endParaRPr>
-          </a:p>
-        </p:txBody>
-      </p:sp>
-      <p:sp>
-        <p:nvSpPr>
-          <p:cNvPr id="110" name="TextBox 109">
-            <a:extLst>
-              <a:ext uri="{FF2B5EF4-FFF2-40B4-BE49-F238E27FC236}">
-                <a16:creationId xmlns:a16="http://schemas.microsoft.com/office/drawing/2014/main" id="{C0277B6B-9C3B-439D-BA10-F49317AA7F70}"/>
-              </a:ext>
-            </a:extLst>
-          </p:cNvPr>
-          <p:cNvSpPr txBox="1"/>
-          <p:nvPr/>
-        </p:nvSpPr>
-        <p:spPr>
-          <a:xfrm>
-            <a:off x="7831520" y="1111539"/>
-            <a:ext cx="1129522" cy="246221"/>
-          </a:xfrm>
-          <a:prstGeom prst="rect">
-            <a:avLst/>
-          </a:prstGeom>
-          <a:solidFill>
-            <a:schemeClr val="accent4">
-              <a:lumMod val="75000"/>
-            </a:schemeClr>
-          </a:solidFill>
-        </p:spPr>
-        <p:txBody>
-          <a:bodyPr wrap="square" rtlCol="0">
-            <a:spAutoFit/>
-          </a:bodyPr>
-          <a:lstStyle/>
-          <a:p>
-            <a:pPr algn="ctr"/>
-            <a:r>
-              <a:rPr lang="en-US" sz="1000" b="1" dirty="0" err="1">
-                <a:solidFill>
-                  <a:schemeClr val="bg1"/>
-                </a:solidFill>
-              </a:rPr>
-              <a:t>VisusGuiNodesPy</a:t>
-            </a:r>
-            <a:endParaRPr lang="en-US" sz="1000" b="1" dirty="0">
-              <a:solidFill>
-                <a:schemeClr val="bg1"/>
-              </a:solidFill>
-            </a:endParaRPr>
-          </a:p>
-        </p:txBody>
-      </p:sp>
-      <p:grpSp>
-        <p:nvGrpSpPr>
-          <p:cNvPr id="106" name="Group 105">
-            <a:extLst>
-              <a:ext uri="{FF2B5EF4-FFF2-40B4-BE49-F238E27FC236}">
-                <a16:creationId xmlns:a16="http://schemas.microsoft.com/office/drawing/2014/main" id="{933BD245-1DB8-4752-A72E-59DF6FA9B248}"/>
-              </a:ext>
-            </a:extLst>
-          </p:cNvPr>
-          <p:cNvGrpSpPr/>
-          <p:nvPr/>
-        </p:nvGrpSpPr>
-        <p:grpSpPr>
-          <a:xfrm>
-            <a:off x="2077467" y="3258332"/>
-            <a:ext cx="1176660" cy="622036"/>
-            <a:chOff x="940412" y="2117890"/>
-            <a:chExt cx="855678" cy="351921"/>
-          </a:xfrm>
-        </p:grpSpPr>
-        <p:sp>
-          <p:nvSpPr>
-            <p:cNvPr id="111" name="Rectangle 110">
-              <a:extLst>
-                <a:ext uri="{FF2B5EF4-FFF2-40B4-BE49-F238E27FC236}">
-                  <a16:creationId xmlns:a16="http://schemas.microsoft.com/office/drawing/2014/main" id="{18A1EE2C-BA3E-4D11-8BF1-00600D9E20D3}"/>
-                </a:ext>
-              </a:extLst>
-            </p:cNvPr>
-            <p:cNvSpPr/>
-            <p:nvPr/>
-          </p:nvSpPr>
-          <p:spPr>
-            <a:xfrm>
-              <a:off x="940412" y="2117890"/>
-              <a:ext cx="855678" cy="351921"/>
-            </a:xfrm>
-            <a:prstGeom prst="rect">
-              <a:avLst/>
-            </a:prstGeom>
-          </p:spPr>
-          <p:style>
-            <a:lnRef idx="0">
-              <a:schemeClr val="accent6"/>
-            </a:lnRef>
-            <a:fillRef idx="3">
-              <a:schemeClr val="accent6"/>
-            </a:fillRef>
-            <a:effectRef idx="3">
-              <a:schemeClr val="accent6"/>
-            </a:effectRef>
-            <a:fontRef idx="minor">
-              <a:schemeClr val="lt1"/>
-            </a:fontRef>
-          </p:style>
-          <p:txBody>
-            <a:bodyPr rtlCol="0" anchor="ctr"/>
-            <a:lstStyle/>
-            <a:p>
-              <a:pPr algn="ctr"/>
-              <a:endParaRPr lang="en-US" sz="1000"/>
-            </a:p>
-          </p:txBody>
-        </p:sp>
-        <p:sp>
-          <p:nvSpPr>
-            <p:cNvPr id="112" name="TextBox 111">
-              <a:extLst>
-                <a:ext uri="{FF2B5EF4-FFF2-40B4-BE49-F238E27FC236}">
-                  <a16:creationId xmlns:a16="http://schemas.microsoft.com/office/drawing/2014/main" id="{7F20E503-D906-4A60-A1E6-FABA127124E4}"/>
-                </a:ext>
-              </a:extLst>
-            </p:cNvPr>
-            <p:cNvSpPr txBox="1"/>
-            <p:nvPr/>
-          </p:nvSpPr>
-          <p:spPr>
-            <a:xfrm>
-              <a:off x="940412" y="2132450"/>
-              <a:ext cx="855677" cy="269896"/>
-            </a:xfrm>
-            <a:prstGeom prst="rect">
-              <a:avLst/>
-            </a:prstGeom>
-            <a:noFill/>
-          </p:spPr>
-          <p:txBody>
-            <a:bodyPr wrap="square" rtlCol="0">
-              <a:spAutoFit/>
-            </a:bodyPr>
-            <a:lstStyle/>
-            <a:p>
-              <a:pPr algn="ctr"/>
-              <a:r>
-                <a:rPr lang="en-US" sz="1400" b="1" dirty="0" err="1"/>
-                <a:t>VisusXIdx</a:t>
-              </a:r>
-              <a:endParaRPr lang="en-US" sz="1400" b="1" dirty="0"/>
-            </a:p>
-            <a:p>
-              <a:pPr algn="ctr"/>
-              <a:r>
-                <a:rPr lang="en-US" sz="1100" b="1" dirty="0"/>
-                <a:t>(Steve call ?)</a:t>
-              </a:r>
-            </a:p>
-          </p:txBody>
-        </p:sp>
-      </p:grpSp>
-      <p:sp>
-        <p:nvSpPr>
-          <p:cNvPr id="114" name="TextBox 113">
-            <a:extLst>
-              <a:ext uri="{FF2B5EF4-FFF2-40B4-BE49-F238E27FC236}">
-                <a16:creationId xmlns:a16="http://schemas.microsoft.com/office/drawing/2014/main" id="{27CB7313-383E-4297-A9B5-15B19C60039E}"/>
-              </a:ext>
-            </a:extLst>
-          </p:cNvPr>
-          <p:cNvSpPr txBox="1"/>
-          <p:nvPr/>
-        </p:nvSpPr>
-        <p:spPr>
-          <a:xfrm>
-            <a:off x="2226749" y="2969264"/>
-            <a:ext cx="941556" cy="246221"/>
-          </a:xfrm>
-          <a:prstGeom prst="rect">
-            <a:avLst/>
-          </a:prstGeom>
-          <a:solidFill>
-            <a:schemeClr val="accent4">
-              <a:lumMod val="75000"/>
-            </a:schemeClr>
-          </a:solidFill>
-        </p:spPr>
-        <p:txBody>
-          <a:bodyPr wrap="square" rtlCol="0">
-            <a:spAutoFit/>
-          </a:bodyPr>
-          <a:lstStyle/>
-          <a:p>
-            <a:pPr algn="ctr"/>
-            <a:r>
-              <a:rPr lang="en-US" sz="1000" b="1" dirty="0" err="1">
-                <a:solidFill>
-                  <a:schemeClr val="bg1"/>
-                </a:solidFill>
-              </a:rPr>
-              <a:t>VisusXIdxPy</a:t>
-            </a:r>
-            <a:endParaRPr lang="en-US" sz="1000" b="1" dirty="0">
-              <a:solidFill>
-                <a:schemeClr val="bg1"/>
-              </a:solidFill>
-            </a:endParaRPr>
-          </a:p>
-        </p:txBody>
-      </p:sp>
-      <p:cxnSp>
-        <p:nvCxnSpPr>
-          <p:cNvPr id="115" name="Straight Arrow Connector 114">
-            <a:extLst>
-              <a:ext uri="{FF2B5EF4-FFF2-40B4-BE49-F238E27FC236}">
-                <a16:creationId xmlns:a16="http://schemas.microsoft.com/office/drawing/2014/main" id="{E2173758-7CE6-4650-A25E-CB92292DEB75}"/>
-              </a:ext>
-            </a:extLst>
-          </p:cNvPr>
-          <p:cNvCxnSpPr>
-            <a:cxnSpLocks/>
-          </p:cNvCxnSpPr>
-          <p:nvPr/>
-        </p:nvCxnSpPr>
-        <p:spPr>
-          <a:xfrm flipH="1" flipV="1">
-            <a:off x="2805492" y="3894848"/>
-            <a:ext cx="2435902" cy="220369"/>
-          </a:xfrm>
-          <a:prstGeom prst="straightConnector1">
-            <a:avLst/>
-          </a:prstGeom>
-          <a:ln w="38100">
-            <a:solidFill>
-              <a:schemeClr val="accent2">
-                <a:lumMod val="50000"/>
-              </a:schemeClr>
-            </a:solidFill>
-            <a:prstDash val="sysDot"/>
-            <a:tailEnd type="triangle"/>
-          </a:ln>
-        </p:spPr>
-        <p:style>
-          <a:lnRef idx="1">
-            <a:schemeClr val="accent1"/>
-          </a:lnRef>
-          <a:fillRef idx="0">
-            <a:schemeClr val="accent1"/>
-          </a:fillRef>
-          <a:effectRef idx="0">
-            <a:schemeClr val="accent1"/>
-          </a:effectRef>
-          <a:fontRef idx="minor">
-            <a:schemeClr val="tx1"/>
-          </a:fontRef>
-        </p:style>
-      </p:cxnSp>
-      <p:sp>
-        <p:nvSpPr>
-          <p:cNvPr id="7" name="TextBox 6">
-            <a:extLst>
-              <a:ext uri="{FF2B5EF4-FFF2-40B4-BE49-F238E27FC236}">
-                <a16:creationId xmlns:a16="http://schemas.microsoft.com/office/drawing/2014/main" id="{BE3E2CC9-B39E-45D7-888B-8FC5BFA66088}"/>
-              </a:ext>
-            </a:extLst>
-          </p:cNvPr>
-          <p:cNvSpPr txBox="1"/>
-          <p:nvPr/>
-        </p:nvSpPr>
-        <p:spPr>
-          <a:xfrm rot="16200000">
-            <a:off x="-1504913" y="1222015"/>
-            <a:ext cx="3599187" cy="1015663"/>
-          </a:xfrm>
-          <a:prstGeom prst="rect">
-            <a:avLst/>
-          </a:prstGeom>
-          <a:noFill/>
-        </p:spPr>
-        <p:txBody>
-          <a:bodyPr wrap="square" rtlCol="0">
-            <a:spAutoFit/>
-          </a:bodyPr>
-          <a:lstStyle/>
-          <a:p>
-            <a:r>
-              <a:rPr lang="en-US" sz="6000" dirty="0">
-                <a:solidFill>
-                  <a:schemeClr val="bg1">
-                    <a:lumMod val="85000"/>
-                  </a:schemeClr>
-                </a:solidFill>
-              </a:rPr>
-              <a:t>OpenVisus</a:t>
-            </a:r>
-          </a:p>
-        </p:txBody>
-      </p:sp>
-      <p:cxnSp>
-        <p:nvCxnSpPr>
-          <p:cNvPr id="117" name="Straight Arrow Connector 116">
-            <a:extLst>
-              <a:ext uri="{FF2B5EF4-FFF2-40B4-BE49-F238E27FC236}">
-                <a16:creationId xmlns:a16="http://schemas.microsoft.com/office/drawing/2014/main" id="{EB8A7510-AD68-4824-954A-990656F4A721}"/>
-              </a:ext>
-            </a:extLst>
-          </p:cNvPr>
-          <p:cNvCxnSpPr>
-            <a:cxnSpLocks/>
-          </p:cNvCxnSpPr>
-          <p:nvPr/>
-        </p:nvCxnSpPr>
-        <p:spPr>
-          <a:xfrm flipH="1" flipV="1">
-            <a:off x="6309711" y="4642583"/>
-            <a:ext cx="372896" cy="1620600"/>
-          </a:xfrm>
-          <a:prstGeom prst="straightConnector1">
-            <a:avLst/>
-          </a:prstGeom>
-          <a:ln w="38100">
-            <a:solidFill>
-              <a:schemeClr val="accent2">
-                <a:lumMod val="50000"/>
-              </a:schemeClr>
-            </a:solidFill>
-            <a:prstDash val="sysDot"/>
-            <a:tailEnd type="triangle"/>
-          </a:ln>
-        </p:spPr>
-        <p:style>
-          <a:lnRef idx="1">
-            <a:schemeClr val="accent1"/>
-          </a:lnRef>
-          <a:fillRef idx="0">
-            <a:schemeClr val="accent1"/>
-          </a:fillRef>
-          <a:effectRef idx="0">
-            <a:schemeClr val="accent1"/>
-          </a:effectRef>
-          <a:fontRef idx="minor">
-            <a:schemeClr val="tx1"/>
-          </a:fontRef>
-        </p:style>
-      </p:cxnSp>
     </p:spTree>
     <p:extLst>
       <p:ext uri="{BB962C8B-B14F-4D97-AF65-F5344CB8AC3E}">
